--- a/Estimation.pptx
+++ b/Estimation.pptx
@@ -5,34 +5,35 @@
     <p:sldMasterId id="2147483648" r:id="rId1"/>
   </p:sldMasterIdLst>
   <p:sldIdLst>
-    <p:sldId id="257" r:id="rId2"/>
-    <p:sldId id="258" r:id="rId3"/>
-    <p:sldId id="259" r:id="rId4"/>
-    <p:sldId id="261" r:id="rId5"/>
-    <p:sldId id="262" r:id="rId6"/>
-    <p:sldId id="263" r:id="rId7"/>
-    <p:sldId id="260" r:id="rId8"/>
-    <p:sldId id="264" r:id="rId9"/>
-    <p:sldId id="265" r:id="rId10"/>
-    <p:sldId id="266" r:id="rId11"/>
-    <p:sldId id="267" r:id="rId12"/>
-    <p:sldId id="268" r:id="rId13"/>
-    <p:sldId id="269" r:id="rId14"/>
-    <p:sldId id="270" r:id="rId15"/>
-    <p:sldId id="271" r:id="rId16"/>
-    <p:sldId id="272" r:id="rId17"/>
-    <p:sldId id="273" r:id="rId18"/>
-    <p:sldId id="274" r:id="rId19"/>
-    <p:sldId id="275" r:id="rId20"/>
-    <p:sldId id="276" r:id="rId21"/>
-    <p:sldId id="280" r:id="rId22"/>
-    <p:sldId id="277" r:id="rId23"/>
-    <p:sldId id="278" r:id="rId24"/>
-    <p:sldId id="281" r:id="rId25"/>
-    <p:sldId id="282" r:id="rId26"/>
-    <p:sldId id="283" r:id="rId27"/>
-    <p:sldId id="284" r:id="rId28"/>
-    <p:sldId id="285" r:id="rId29"/>
+    <p:sldId id="286" r:id="rId2"/>
+    <p:sldId id="257" r:id="rId3"/>
+    <p:sldId id="258" r:id="rId4"/>
+    <p:sldId id="259" r:id="rId5"/>
+    <p:sldId id="261" r:id="rId6"/>
+    <p:sldId id="262" r:id="rId7"/>
+    <p:sldId id="263" r:id="rId8"/>
+    <p:sldId id="260" r:id="rId9"/>
+    <p:sldId id="264" r:id="rId10"/>
+    <p:sldId id="265" r:id="rId11"/>
+    <p:sldId id="266" r:id="rId12"/>
+    <p:sldId id="267" r:id="rId13"/>
+    <p:sldId id="268" r:id="rId14"/>
+    <p:sldId id="269" r:id="rId15"/>
+    <p:sldId id="270" r:id="rId16"/>
+    <p:sldId id="271" r:id="rId17"/>
+    <p:sldId id="272" r:id="rId18"/>
+    <p:sldId id="273" r:id="rId19"/>
+    <p:sldId id="274" r:id="rId20"/>
+    <p:sldId id="275" r:id="rId21"/>
+    <p:sldId id="276" r:id="rId22"/>
+    <p:sldId id="280" r:id="rId23"/>
+    <p:sldId id="277" r:id="rId24"/>
+    <p:sldId id="278" r:id="rId25"/>
+    <p:sldId id="281" r:id="rId26"/>
+    <p:sldId id="282" r:id="rId27"/>
+    <p:sldId id="283" r:id="rId28"/>
+    <p:sldId id="284" r:id="rId29"/>
+    <p:sldId id="285" r:id="rId30"/>
   </p:sldIdLst>
   <p:sldSz cx="9144000" cy="6858000" type="screen4x3"/>
   <p:notesSz cx="6858000" cy="9144000"/>
@@ -3819,7 +3820,7 @@
       </p:grpSpPr>
       <p:sp>
         <p:nvSpPr>
-          <p:cNvPr id="285698" name="Rectangle 2"/>
+          <p:cNvPr id="39938" name="Rectangle 2"/>
           <p:cNvSpPr>
             <a:spLocks noGrp="1" noChangeArrowheads="1"/>
           </p:cNvSpPr>
@@ -3829,29 +3830,20 @@
         </p:nvSpPr>
         <p:spPr/>
         <p:txBody>
-          <a:bodyPr>
-            <a:normAutofit fontScale="90000"/>
-          </a:bodyPr>
-          <a:lstStyle/>
-          <a:p>
-            <a:pPr algn="ctr"/>
-            <a:r>
-              <a:rPr lang="en-US" sz="4000"/>
-              <a:t>What do we mean by </a:t>
-            </a:r>
-            <a:br>
-              <a:rPr lang="en-US" sz="4000"/>
-            </a:br>
-            <a:r>
-              <a:rPr lang="en-US" sz="4000"/>
-              <a:t>“Fitting to Data” and why do it?</a:t>
-            </a:r>
-          </a:p>
-        </p:txBody>
-      </p:sp>
-      <p:sp>
-        <p:nvSpPr>
-          <p:cNvPr id="285699" name="Rectangle 3"/>
+          <a:bodyPr/>
+          <a:lstStyle/>
+          <a:p>
+            <a:r>
+              <a:rPr lang="en-US" dirty="0" smtClean="0"/>
+              <a:t>Reading</a:t>
+            </a:r>
+            <a:endParaRPr lang="en-US" dirty="0"/>
+          </a:p>
+        </p:txBody>
+      </p:sp>
+      <p:sp>
+        <p:nvSpPr>
+          <p:cNvPr id="39939" name="Rectangle 3"/>
           <p:cNvSpPr>
             <a:spLocks noGrp="1" noChangeArrowheads="1"/>
           </p:cNvSpPr>
@@ -3864,58 +3856,28 @@
           <a:bodyPr/>
           <a:lstStyle/>
           <a:p>
-            <a:pPr>
-              <a:lnSpc>
-                <a:spcPct val="90000"/>
-              </a:lnSpc>
-            </a:pPr>
-            <a:r>
-              <a:rPr lang="en-US" sz="2800" dirty="0"/>
-              <a:t>Fitting to data provides the basis for:</a:t>
-            </a:r>
-          </a:p>
-          <a:p>
-            <a:pPr lvl="1">
-              <a:lnSpc>
-                <a:spcPct val="90000"/>
-              </a:lnSpc>
-            </a:pPr>
-            <a:r>
-              <a:rPr lang="en-US" sz="2400" dirty="0"/>
-              <a:t>setting the values for the parameters of a model and hence computing the values for the state variables.</a:t>
-            </a:r>
-          </a:p>
-          <a:p>
-            <a:pPr lvl="1">
-              <a:lnSpc>
-                <a:spcPct val="90000"/>
-              </a:lnSpc>
-            </a:pPr>
-            <a:r>
-              <a:rPr lang="en-US" sz="2400" dirty="0"/>
-              <a:t>evaluating whether a model can mimic the existing data adequately (if it can’t, perhaps we should eliminate it).</a:t>
-            </a:r>
-          </a:p>
-          <a:p>
-            <a:pPr lvl="1">
-              <a:lnSpc>
-                <a:spcPct val="90000"/>
-              </a:lnSpc>
-            </a:pPr>
-            <a:r>
-              <a:rPr lang="en-US" sz="2400" dirty="0"/>
-              <a:t>comparing different hypotheses (represented by the models that fit the data adequately - to some extent).</a:t>
-            </a:r>
-          </a:p>
-          <a:p>
-            <a:pPr lvl="1">
-              <a:lnSpc>
-                <a:spcPct val="90000"/>
-              </a:lnSpc>
-            </a:pPr>
-            <a:r>
-              <a:rPr lang="en-US" sz="2400" dirty="0"/>
-              <a:t>assessing the amount of uncertainty.</a:t>
+            <a:r>
+              <a:rPr lang="en-US" dirty="0"/>
+              <a:t>Ecological </a:t>
+            </a:r>
+            <a:r>
+              <a:rPr lang="en-US" dirty="0" smtClean="0"/>
+              <a:t>detective</a:t>
+            </a:r>
+            <a:r>
+              <a:rPr lang="en-US" dirty="0"/>
+              <a:t>:</a:t>
+            </a:r>
+          </a:p>
+          <a:p>
+            <a:pPr lvl="1"/>
+            <a:r>
+              <a:rPr lang="en-US" dirty="0"/>
+              <a:t>Chapter </a:t>
+            </a:r>
+            <a:r>
+              <a:rPr lang="en-US" dirty="0" smtClean="0"/>
+              <a:t>7 Likelihood and maximum likelihood</a:t>
             </a:r>
           </a:p>
         </p:txBody>
@@ -3923,17 +3885,444 @@
     </p:spTree>
     <p:extLst>
       <p:ext uri="{BB962C8B-B14F-4D97-AF65-F5344CB8AC3E}">
-        <p14:creationId xmlns:p14="http://schemas.microsoft.com/office/powerpoint/2010/main" val="2806423538"/>
+        <p14:creationId xmlns:p14="http://schemas.microsoft.com/office/powerpoint/2010/main" val="3667798062"/>
       </p:ext>
     </p:extLst>
   </p:cSld>
   <p:clrMapOvr>
     <a:masterClrMapping/>
   </p:clrMapOvr>
+  <p:timing>
+    <p:tnLst>
+      <p:par>
+        <p:cTn xmlns:p14="http://schemas.microsoft.com/office/powerpoint/2010/main" id="1" dur="indefinite" restart="never" nodeType="tmRoot"/>
+      </p:par>
+    </p:tnLst>
+  </p:timing>
 </p:sld>
 </file>
 
 <file path=ppt/slides/slide10.xml><?xml version="1.0" encoding="utf-8"?>
+<p:sld xmlns:a="http://schemas.openxmlformats.org/drawingml/2006/main" xmlns:r="http://schemas.openxmlformats.org/officeDocument/2006/relationships" xmlns:p="http://schemas.openxmlformats.org/presentationml/2006/main" show="0">
+  <p:cSld>
+    <p:spTree>
+      <p:nvGrpSpPr>
+        <p:cNvPr id="1" name=""/>
+        <p:cNvGrpSpPr/>
+        <p:nvPr/>
+      </p:nvGrpSpPr>
+      <p:grpSpPr>
+        <a:xfrm>
+          <a:off x="0" y="0"/>
+          <a:ext cx="0" cy="0"/>
+          <a:chOff x="0" y="0"/>
+          <a:chExt cx="0" cy="0"/>
+        </a:xfrm>
+      </p:grpSpPr>
+      <p:sp>
+        <p:nvSpPr>
+          <p:cNvPr id="340994" name="Rectangle 2"/>
+          <p:cNvSpPr>
+            <a:spLocks noGrp="1" noChangeArrowheads="1"/>
+          </p:cNvSpPr>
+          <p:nvPr>
+            <p:ph type="title"/>
+          </p:nvPr>
+        </p:nvSpPr>
+        <p:spPr/>
+        <p:txBody>
+          <a:bodyPr/>
+          <a:lstStyle/>
+          <a:p>
+            <a:pPr algn="ctr"/>
+            <a:r>
+              <a:rPr lang="en-US" sz="3200"/>
+              <a:t>Optimization – Tricks of the Trade-I</a:t>
+            </a:r>
+          </a:p>
+        </p:txBody>
+      </p:sp>
+      <p:sp>
+        <p:nvSpPr>
+          <p:cNvPr id="340995" name="Rectangle 3"/>
+          <p:cNvSpPr>
+            <a:spLocks noGrp="1" noChangeArrowheads="1"/>
+          </p:cNvSpPr>
+          <p:nvPr>
+            <p:ph type="body" idx="1"/>
+          </p:nvPr>
+        </p:nvSpPr>
+        <p:spPr/>
+        <p:txBody>
+          <a:bodyPr/>
+          <a:lstStyle/>
+          <a:p>
+            <a:r>
+              <a:rPr lang="en-US" sz="2400"/>
+              <a:t>To keep a parameter,</a:t>
+            </a:r>
+            <a:r>
+              <a:rPr lang="en-US" sz="2400" i="1"/>
+              <a:t>x</a:t>
+            </a:r>
+            <a:r>
+              <a:rPr lang="en-US" sz="2400"/>
+              <a:t>, constrained between </a:t>
+            </a:r>
+            <a:r>
+              <a:rPr lang="en-US" sz="2400" i="1"/>
+              <a:t>a</a:t>
+            </a:r>
+            <a:r>
+              <a:rPr lang="en-US" sz="2400"/>
+              <a:t> and </a:t>
+            </a:r>
+            <a:r>
+              <a:rPr lang="en-US" sz="2400" i="1"/>
+              <a:t>b</a:t>
+            </a:r>
+            <a:r>
+              <a:rPr lang="en-US" sz="2400"/>
+              <a:t>, transform it to </a:t>
+            </a:r>
+            <a:r>
+              <a:rPr lang="en-US" sz="2400" i="1"/>
+              <a:t>a</a:t>
+            </a:r>
+            <a:r>
+              <a:rPr lang="en-US" sz="2400"/>
+              <a:t>+(0.5+arctan(</a:t>
+            </a:r>
+            <a:r>
+              <a:rPr lang="en-US" sz="2400" i="1"/>
+              <a:t>y</a:t>
+            </a:r>
+            <a:r>
+              <a:rPr lang="en-US" sz="2400"/>
+              <a:t>)/</a:t>
+            </a:r>
+            <a:r>
+              <a:rPr lang="en-US" sz="2400">
+                <a:sym typeface="Symbol" charset="0"/>
+              </a:rPr>
+              <a:t></a:t>
+            </a:r>
+            <a:r>
+              <a:rPr lang="en-US" sz="2400"/>
+              <a:t>)(</a:t>
+            </a:r>
+            <a:r>
+              <a:rPr lang="en-US" sz="2400" i="1"/>
+              <a:t>b</a:t>
+            </a:r>
+            <a:r>
+              <a:rPr lang="en-US" sz="2400"/>
+              <a:t>-</a:t>
+            </a:r>
+            <a:r>
+              <a:rPr lang="en-US" sz="2400" i="1"/>
+              <a:t>a</a:t>
+            </a:r>
+            <a:r>
+              <a:rPr lang="en-US" sz="2400"/>
+              <a:t>).</a:t>
+            </a:r>
+          </a:p>
+        </p:txBody>
+      </p:sp>
+      <p:pic>
+        <p:nvPicPr>
+          <p:cNvPr id="340996" name="Picture 4"/>
+          <p:cNvPicPr>
+            <a:picLocks noChangeAspect="1" noChangeArrowheads="1"/>
+          </p:cNvPicPr>
+          <p:nvPr/>
+        </p:nvPicPr>
+        <p:blipFill>
+          <a:blip r:embed="rId2">
+            <a:extLst>
+              <a:ext uri="{28A0092B-C50C-407E-A947-70E740481C1C}">
+                <a14:useLocalDpi xmlns:a14="http://schemas.microsoft.com/office/drawing/2010/main" val="0"/>
+              </a:ext>
+            </a:extLst>
+          </a:blip>
+          <a:srcRect/>
+          <a:stretch>
+            <a:fillRect/>
+          </a:stretch>
+        </p:blipFill>
+        <p:spPr bwMode="auto">
+          <a:xfrm>
+            <a:off x="1600200" y="2886075"/>
+            <a:ext cx="5915025" cy="3971925"/>
+          </a:xfrm>
+          <a:prstGeom prst="rect">
+            <a:avLst/>
+          </a:prstGeom>
+          <a:noFill/>
+          <a:ln>
+            <a:noFill/>
+          </a:ln>
+          <a:effectLst/>
+          <a:extLst>
+            <a:ext uri="{909E8E84-426E-40dd-AFC4-6F175D3DCCD1}">
+              <a14:hiddenFill xmlns:a14="http://schemas.microsoft.com/office/drawing/2010/main">
+                <a:solidFill>
+                  <a:schemeClr val="accent1"/>
+                </a:solidFill>
+              </a14:hiddenFill>
+            </a:ext>
+            <a:ext uri="{91240B29-F687-4f45-9708-019B960494DF}">
+              <a14:hiddenLine xmlns:a14="http://schemas.microsoft.com/office/drawing/2010/main" w="9525">
+                <a:solidFill>
+                  <a:schemeClr val="tx1"/>
+                </a:solidFill>
+                <a:miter lim="800000"/>
+                <a:headEnd/>
+                <a:tailEnd/>
+              </a14:hiddenLine>
+            </a:ext>
+            <a:ext uri="{AF507438-7753-43e0-B8FC-AC1667EBCBE1}">
+              <a14:hiddenEffects xmlns:a14="http://schemas.microsoft.com/office/drawing/2010/main">
+                <a:effectLst>
+                  <a:outerShdw blurRad="63500" dist="38099" dir="2700000" algn="ctr" rotWithShape="0">
+                    <a:schemeClr val="bg2">
+                      <a:alpha val="74998"/>
+                    </a:schemeClr>
+                  </a:outerShdw>
+                </a:effectLst>
+              </a14:hiddenEffects>
+            </a:ext>
+          </a:extLst>
+        </p:spPr>
+      </p:pic>
+      <p:sp>
+        <p:nvSpPr>
+          <p:cNvPr id="340997" name="Text Box 5"/>
+          <p:cNvSpPr txBox="1">
+            <a:spLocks noChangeArrowheads="1"/>
+          </p:cNvSpPr>
+          <p:nvPr/>
+        </p:nvSpPr>
+        <p:spPr bwMode="auto">
+          <a:xfrm>
+            <a:off x="1233488" y="3159125"/>
+            <a:ext cx="3341687" cy="457200"/>
+          </a:xfrm>
+          <a:prstGeom prst="rect">
+            <a:avLst/>
+          </a:prstGeom>
+          <a:noFill/>
+          <a:ln>
+            <a:noFill/>
+          </a:ln>
+          <a:effectLst/>
+          <a:extLst>
+            <a:ext uri="{909E8E84-426E-40dd-AFC4-6F175D3DCCD1}">
+              <a14:hiddenFill xmlns:a14="http://schemas.microsoft.com/office/drawing/2010/main">
+                <a:solidFill>
+                  <a:schemeClr val="accent1"/>
+                </a:solidFill>
+              </a14:hiddenFill>
+            </a:ext>
+            <a:ext uri="{91240B29-F687-4f45-9708-019B960494DF}">
+              <a14:hiddenLine xmlns:a14="http://schemas.microsoft.com/office/drawing/2010/main" w="9525">
+                <a:solidFill>
+                  <a:schemeClr val="tx1"/>
+                </a:solidFill>
+                <a:miter lim="800000"/>
+                <a:headEnd/>
+                <a:tailEnd/>
+              </a14:hiddenLine>
+            </a:ext>
+            <a:ext uri="{AF507438-7753-43e0-B8FC-AC1667EBCBE1}">
+              <a14:hiddenEffects xmlns:a14="http://schemas.microsoft.com/office/drawing/2010/main">
+                <a:effectLst>
+                  <a:outerShdw blurRad="63500" dist="38099" dir="2700000" algn="ctr" rotWithShape="0">
+                    <a:schemeClr val="bg2">
+                      <a:alpha val="74998"/>
+                    </a:schemeClr>
+                  </a:outerShdw>
+                </a:effectLst>
+              </a14:hiddenEffects>
+            </a:ext>
+          </a:extLst>
+        </p:spPr>
+        <p:txBody>
+          <a:bodyPr wrap="none">
+            <a:spAutoFit/>
+          </a:bodyPr>
+          <a:lstStyle/>
+          <a:p>
+            <a:r>
+              <a:rPr lang="en-US" i="1"/>
+              <a:t>x</a:t>
+            </a:r>
+            <a:r>
+              <a:rPr lang="en-US"/>
+              <a:t>=1+(0.5+arctan(</a:t>
+            </a:r>
+            <a:r>
+              <a:rPr lang="en-US" i="1"/>
+              <a:t>y</a:t>
+            </a:r>
+            <a:r>
+              <a:rPr lang="en-US"/>
+              <a:t>)/</a:t>
+            </a:r>
+            <a:r>
+              <a:rPr lang="en-US">
+                <a:sym typeface="Symbol" charset="0"/>
+              </a:rPr>
+              <a:t></a:t>
+            </a:r>
+            <a:r>
+              <a:rPr lang="en-US"/>
+              <a:t>)</a:t>
+            </a:r>
+          </a:p>
+        </p:txBody>
+      </p:sp>
+      <p:sp>
+        <p:nvSpPr>
+          <p:cNvPr id="340998" name="Line 6"/>
+          <p:cNvSpPr>
+            <a:spLocks noChangeShapeType="1"/>
+          </p:cNvSpPr>
+          <p:nvPr/>
+        </p:nvSpPr>
+        <p:spPr bwMode="auto">
+          <a:xfrm>
+            <a:off x="4724400" y="3505200"/>
+            <a:ext cx="0" cy="2209800"/>
+          </a:xfrm>
+          <a:prstGeom prst="line">
+            <a:avLst/>
+          </a:prstGeom>
+          <a:noFill/>
+          <a:ln w="76200">
+            <a:solidFill>
+              <a:schemeClr val="hlink"/>
+            </a:solidFill>
+            <a:round/>
+            <a:headEnd/>
+            <a:tailEnd/>
+          </a:ln>
+          <a:effectLst/>
+          <a:extLst>
+            <a:ext uri="{909E8E84-426E-40dd-AFC4-6F175D3DCCD1}">
+              <a14:hiddenFill xmlns:a14="http://schemas.microsoft.com/office/drawing/2010/main">
+                <a:noFill/>
+              </a14:hiddenFill>
+            </a:ext>
+            <a:ext uri="{AF507438-7753-43e0-B8FC-AC1667EBCBE1}">
+              <a14:hiddenEffects xmlns:a14="http://schemas.microsoft.com/office/drawing/2010/main">
+                <a:effectLst>
+                  <a:outerShdw blurRad="63500" dist="38099" dir="2700000" algn="ctr" rotWithShape="0">
+                    <a:schemeClr val="bg2">
+                      <a:alpha val="74998"/>
+                    </a:schemeClr>
+                  </a:outerShdw>
+                </a:effectLst>
+              </a14:hiddenEffects>
+            </a:ext>
+          </a:extLst>
+        </p:spPr>
+        <p:txBody>
+          <a:bodyPr wrap="none"/>
+          <a:lstStyle/>
+          <a:p>
+            <a:endParaRPr lang="en-US"/>
+          </a:p>
+        </p:txBody>
+      </p:sp>
+      <p:sp>
+        <p:nvSpPr>
+          <p:cNvPr id="340999" name="Text Box 7"/>
+          <p:cNvSpPr txBox="1">
+            <a:spLocks noChangeArrowheads="1"/>
+          </p:cNvSpPr>
+          <p:nvPr/>
+        </p:nvSpPr>
+        <p:spPr bwMode="auto">
+          <a:xfrm>
+            <a:off x="4953000" y="4343400"/>
+            <a:ext cx="1236663" cy="457200"/>
+          </a:xfrm>
+          <a:prstGeom prst="rect">
+            <a:avLst/>
+          </a:prstGeom>
+          <a:noFill/>
+          <a:ln>
+            <a:noFill/>
+          </a:ln>
+          <a:effectLst/>
+          <a:extLst>
+            <a:ext uri="{909E8E84-426E-40dd-AFC4-6F175D3DCCD1}">
+              <a14:hiddenFill xmlns:a14="http://schemas.microsoft.com/office/drawing/2010/main">
+                <a:solidFill>
+                  <a:schemeClr val="accent1"/>
+                </a:solidFill>
+              </a14:hiddenFill>
+            </a:ext>
+            <a:ext uri="{91240B29-F687-4f45-9708-019B960494DF}">
+              <a14:hiddenLine xmlns:a14="http://schemas.microsoft.com/office/drawing/2010/main" w="9525">
+                <a:solidFill>
+                  <a:schemeClr val="tx1"/>
+                </a:solidFill>
+                <a:miter lim="800000"/>
+                <a:headEnd/>
+                <a:tailEnd/>
+              </a14:hiddenLine>
+            </a:ext>
+            <a:ext uri="{AF507438-7753-43e0-B8FC-AC1667EBCBE1}">
+              <a14:hiddenEffects xmlns:a14="http://schemas.microsoft.com/office/drawing/2010/main">
+                <a:effectLst>
+                  <a:outerShdw blurRad="63500" dist="38099" dir="2700000" algn="ctr" rotWithShape="0">
+                    <a:schemeClr val="bg2">
+                      <a:alpha val="74998"/>
+                    </a:schemeClr>
+                  </a:outerShdw>
+                </a:effectLst>
+              </a14:hiddenEffects>
+            </a:ext>
+          </a:extLst>
+        </p:spPr>
+        <p:txBody>
+          <a:bodyPr wrap="none">
+            <a:spAutoFit/>
+          </a:bodyPr>
+          <a:lstStyle/>
+          <a:p>
+            <a:r>
+              <a:rPr lang="en-US"/>
+              <a:t>x~[1-2]</a:t>
+            </a:r>
+          </a:p>
+        </p:txBody>
+      </p:sp>
+    </p:spTree>
+    <p:extLst>
+      <p:ext uri="{BB962C8B-B14F-4D97-AF65-F5344CB8AC3E}">
+        <p14:creationId xmlns:p14="http://schemas.microsoft.com/office/powerpoint/2010/main" val="2676498539"/>
+      </p:ext>
+    </p:extLst>
+  </p:cSld>
+  <p:clrMapOvr>
+    <a:masterClrMapping/>
+  </p:clrMapOvr>
+  <mc:AlternateContent xmlns:mc="http://schemas.openxmlformats.org/markup-compatibility/2006">
+    <mc:Choice xmlns:p14="http://schemas.microsoft.com/office/powerpoint/2010/main" Requires="p14">
+      <p:transition spd="slow" p14:dur="2000"/>
+    </mc:Choice>
+    <mc:Fallback>
+      <p:transition xmlns:p14="http://schemas.microsoft.com/office/powerpoint/2010/main" spd="slow"/>
+    </mc:Fallback>
+  </mc:AlternateContent>
+</p:sld>
+</file>
+
+<file path=ppt/slides/slide11.xml><?xml version="1.0" encoding="utf-8"?>
 <p:sld xmlns:a="http://schemas.openxmlformats.org/drawingml/2006/main" xmlns:r="http://schemas.openxmlformats.org/officeDocument/2006/relationships" xmlns:p="http://schemas.openxmlformats.org/presentationml/2006/main" show="0">
   <p:cSld>
     <p:spTree>
@@ -4065,111 +4454,6 @@
 </p:sld>
 </file>
 
-<file path=ppt/slides/slide11.xml><?xml version="1.0" encoding="utf-8"?>
-<p:sld xmlns:a="http://schemas.openxmlformats.org/drawingml/2006/main" xmlns:r="http://schemas.openxmlformats.org/officeDocument/2006/relationships" xmlns:p="http://schemas.openxmlformats.org/presentationml/2006/main">
-  <p:cSld>
-    <p:spTree>
-      <p:nvGrpSpPr>
-        <p:cNvPr id="1" name=""/>
-        <p:cNvGrpSpPr/>
-        <p:nvPr/>
-      </p:nvGrpSpPr>
-      <p:grpSpPr>
-        <a:xfrm>
-          <a:off x="0" y="0"/>
-          <a:ext cx="0" cy="0"/>
-          <a:chOff x="0" y="0"/>
-          <a:chExt cx="0" cy="0"/>
-        </a:xfrm>
-      </p:grpSpPr>
-      <p:sp>
-        <p:nvSpPr>
-          <p:cNvPr id="325634" name="Rectangle 2"/>
-          <p:cNvSpPr>
-            <a:spLocks noGrp="1" noChangeArrowheads="1"/>
-          </p:cNvSpPr>
-          <p:nvPr>
-            <p:ph type="title"/>
-          </p:nvPr>
-        </p:nvSpPr>
-        <p:spPr/>
-        <p:txBody>
-          <a:bodyPr>
-            <a:normAutofit fontScale="90000"/>
-          </a:bodyPr>
-          <a:lstStyle/>
-          <a:p>
-            <a:pPr algn="ctr"/>
-            <a:r>
-              <a:rPr lang="en-US" dirty="0"/>
-              <a:t>The Principle of </a:t>
-            </a:r>
-            <a:r>
-              <a:rPr lang="en-US" dirty="0" smtClean="0"/>
-              <a:t>Maximum Likelihood (ML) </a:t>
-            </a:r>
-            <a:r>
-              <a:rPr lang="en-US" dirty="0"/>
-              <a:t>Estimation</a:t>
-            </a:r>
-          </a:p>
-        </p:txBody>
-      </p:sp>
-      <p:sp>
-        <p:nvSpPr>
-          <p:cNvPr id="325635" name="Rectangle 3"/>
-          <p:cNvSpPr>
-            <a:spLocks noGrp="1" noChangeArrowheads="1"/>
-          </p:cNvSpPr>
-          <p:nvPr>
-            <p:ph type="body" idx="1"/>
-          </p:nvPr>
-        </p:nvSpPr>
-        <p:spPr/>
-        <p:txBody>
-          <a:bodyPr/>
-          <a:lstStyle/>
-          <a:p>
-            <a:r>
-              <a:rPr lang="en-US" sz="2800" dirty="0"/>
-              <a:t>We wish to select the values for the parameters so that the probability that the model generated (is responsible for) the data is a high as possible.</a:t>
-            </a:r>
-          </a:p>
-          <a:p>
-            <a:r>
-              <a:rPr lang="en-US" sz="2800" dirty="0"/>
-              <a:t>Taken another way: if we have two candidate sets of parameters and the probability that one generated the data is ten times the other, we would naturally prefer the former.</a:t>
-            </a:r>
-          </a:p>
-          <a:p>
-            <a:r>
-              <a:rPr lang="en-US" sz="2800" dirty="0"/>
-              <a:t>OK, so how </a:t>
-            </a:r>
-            <a:r>
-              <a:rPr lang="en-US" sz="2800" dirty="0" smtClean="0"/>
-              <a:t>do </a:t>
-            </a:r>
-            <a:r>
-              <a:rPr lang="en-US" sz="2800" dirty="0"/>
-              <a:t>we define this probability.</a:t>
-            </a:r>
-          </a:p>
-        </p:txBody>
-      </p:sp>
-    </p:spTree>
-    <p:extLst>
-      <p:ext uri="{BB962C8B-B14F-4D97-AF65-F5344CB8AC3E}">
-        <p14:creationId xmlns:p14="http://schemas.microsoft.com/office/powerpoint/2010/main" val="1332460134"/>
-      </p:ext>
-    </p:extLst>
-  </p:cSld>
-  <p:clrMapOvr>
-    <a:masterClrMapping/>
-  </p:clrMapOvr>
-</p:sld>
-</file>
-
 <file path=ppt/slides/slide12.xml><?xml version="1.0" encoding="utf-8"?>
 <p:sld xmlns:a="http://schemas.openxmlformats.org/drawingml/2006/main" xmlns:r="http://schemas.openxmlformats.org/officeDocument/2006/relationships" xmlns:p="http://schemas.openxmlformats.org/presentationml/2006/main">
   <p:cSld>
@@ -4189,6 +4473,111 @@
       </p:grpSpPr>
       <p:sp>
         <p:nvSpPr>
+          <p:cNvPr id="325634" name="Rectangle 2"/>
+          <p:cNvSpPr>
+            <a:spLocks noGrp="1" noChangeArrowheads="1"/>
+          </p:cNvSpPr>
+          <p:nvPr>
+            <p:ph type="title"/>
+          </p:nvPr>
+        </p:nvSpPr>
+        <p:spPr/>
+        <p:txBody>
+          <a:bodyPr>
+            <a:normAutofit fontScale="90000"/>
+          </a:bodyPr>
+          <a:lstStyle/>
+          <a:p>
+            <a:pPr algn="ctr"/>
+            <a:r>
+              <a:rPr lang="en-US" dirty="0"/>
+              <a:t>The Principle of </a:t>
+            </a:r>
+            <a:r>
+              <a:rPr lang="en-US" dirty="0" smtClean="0"/>
+              <a:t>Maximum Likelihood (ML) </a:t>
+            </a:r>
+            <a:r>
+              <a:rPr lang="en-US" dirty="0"/>
+              <a:t>Estimation</a:t>
+            </a:r>
+          </a:p>
+        </p:txBody>
+      </p:sp>
+      <p:sp>
+        <p:nvSpPr>
+          <p:cNvPr id="325635" name="Rectangle 3"/>
+          <p:cNvSpPr>
+            <a:spLocks noGrp="1" noChangeArrowheads="1"/>
+          </p:cNvSpPr>
+          <p:nvPr>
+            <p:ph type="body" idx="1"/>
+          </p:nvPr>
+        </p:nvSpPr>
+        <p:spPr/>
+        <p:txBody>
+          <a:bodyPr/>
+          <a:lstStyle/>
+          <a:p>
+            <a:r>
+              <a:rPr lang="en-US" sz="2800" dirty="0"/>
+              <a:t>We wish to select the values for the parameters so that the probability that the model generated (is responsible for) the data is a high as possible.</a:t>
+            </a:r>
+          </a:p>
+          <a:p>
+            <a:r>
+              <a:rPr lang="en-US" sz="2800" dirty="0"/>
+              <a:t>Taken another way: if we have two candidate sets of parameters and the probability that one generated the data is ten times the other, we would naturally prefer the former.</a:t>
+            </a:r>
+          </a:p>
+          <a:p>
+            <a:r>
+              <a:rPr lang="en-US" sz="2800" dirty="0"/>
+              <a:t>OK, so how </a:t>
+            </a:r>
+            <a:r>
+              <a:rPr lang="en-US" sz="2800" dirty="0" smtClean="0"/>
+              <a:t>do </a:t>
+            </a:r>
+            <a:r>
+              <a:rPr lang="en-US" sz="2800" dirty="0"/>
+              <a:t>we define this probability.</a:t>
+            </a:r>
+          </a:p>
+        </p:txBody>
+      </p:sp>
+    </p:spTree>
+    <p:extLst>
+      <p:ext uri="{BB962C8B-B14F-4D97-AF65-F5344CB8AC3E}">
+        <p14:creationId xmlns:p14="http://schemas.microsoft.com/office/powerpoint/2010/main" val="1332460134"/>
+      </p:ext>
+    </p:extLst>
+  </p:cSld>
+  <p:clrMapOvr>
+    <a:masterClrMapping/>
+  </p:clrMapOvr>
+</p:sld>
+</file>
+
+<file path=ppt/slides/slide13.xml><?xml version="1.0" encoding="utf-8"?>
+<p:sld xmlns:a="http://schemas.openxmlformats.org/drawingml/2006/main" xmlns:r="http://schemas.openxmlformats.org/officeDocument/2006/relationships" xmlns:p="http://schemas.openxmlformats.org/presentationml/2006/main">
+  <p:cSld>
+    <p:spTree>
+      <p:nvGrpSpPr>
+        <p:cNvPr id="1" name=""/>
+        <p:cNvGrpSpPr/>
+        <p:nvPr/>
+      </p:nvGrpSpPr>
+      <p:grpSpPr>
+        <a:xfrm>
+          <a:off x="0" y="0"/>
+          <a:ext cx="0" cy="0"/>
+          <a:chOff x="0" y="0"/>
+          <a:chExt cx="0" cy="0"/>
+        </a:xfrm>
+      </p:grpSpPr>
+      <p:sp>
+        <p:nvSpPr>
           <p:cNvPr id="326658" name="Rectangle 1026"/>
           <p:cNvSpPr>
             <a:spLocks noGrp="1" noChangeArrowheads="1"/>
@@ -4284,7 +4673,7 @@
           <a:graphicData uri="http://schemas.openxmlformats.org/presentationml/2006/ole">
             <mc:AlternateContent xmlns:mc="http://schemas.openxmlformats.org/markup-compatibility/2006">
               <mc:Choice xmlns:v="urn:schemas-microsoft-com:vml" Requires="v">
-                <p:oleObj spid="_x0000_s12321" name="Equation" r:id="rId3" imgW="2044440" imgH="215640" progId="Equation.DSMT4">
+                <p:oleObj spid="_x0000_s12323" name="Equation" r:id="rId3" imgW="2044440" imgH="215640" progId="Equation.DSMT4">
                   <p:embed/>
                 </p:oleObj>
               </mc:Choice>
@@ -4356,7 +4745,7 @@
           <a:graphicData uri="http://schemas.openxmlformats.org/presentationml/2006/ole">
             <mc:AlternateContent xmlns:mc="http://schemas.openxmlformats.org/markup-compatibility/2006">
               <mc:Choice xmlns:v="urn:schemas-microsoft-com:vml" Requires="v">
-                <p:oleObj spid="_x0000_s12322" name="Equation" r:id="rId5" imgW="1168200" imgH="228600" progId="Equation.3">
+                <p:oleObj spid="_x0000_s12324" name="Equation" r:id="rId5" imgW="1168200" imgH="228600" progId="Equation.3">
                   <p:embed/>
                 </p:oleObj>
               </mc:Choice>
@@ -4419,7 +4808,7 @@
 </p:sld>
 </file>
 
-<file path=ppt/slides/slide13.xml><?xml version="1.0" encoding="utf-8"?>
+<file path=ppt/slides/slide14.xml><?xml version="1.0" encoding="utf-8"?>
 <p:sld xmlns:a="http://schemas.openxmlformats.org/drawingml/2006/main" xmlns:r="http://schemas.openxmlformats.org/officeDocument/2006/relationships" xmlns:p="http://schemas.openxmlformats.org/presentationml/2006/main">
   <p:cSld>
     <p:spTree>
@@ -4541,7 +4930,7 @@
           <a:graphicData uri="http://schemas.openxmlformats.org/presentationml/2006/ole">
             <mc:AlternateContent xmlns:mc="http://schemas.openxmlformats.org/markup-compatibility/2006">
               <mc:Choice xmlns:v="urn:schemas-microsoft-com:vml" Requires="v">
-                <p:oleObj spid="_x0000_s13347" name="Equation" r:id="rId3" imgW="2057400" imgH="228600" progId="Equation.DSMT4">
+                <p:oleObj spid="_x0000_s13349" name="Equation" r:id="rId3" imgW="2057400" imgH="228600" progId="Equation.DSMT4">
                   <p:embed/>
                 </p:oleObj>
               </mc:Choice>
@@ -4636,7 +5025,7 @@
           <a:graphicData uri="http://schemas.openxmlformats.org/presentationml/2006/ole">
             <mc:AlternateContent xmlns:mc="http://schemas.openxmlformats.org/markup-compatibility/2006">
               <mc:Choice xmlns:v="urn:schemas-microsoft-com:vml" Requires="v">
-                <p:oleObj spid="_x0000_s13348" name="Equation" r:id="rId5" imgW="1523880" imgH="495000" progId="Equation.3">
+                <p:oleObj spid="_x0000_s13350" name="Equation" r:id="rId5" imgW="1523880" imgH="495000" progId="Equation.3">
                   <p:embed/>
                 </p:oleObj>
               </mc:Choice>
@@ -4728,7 +5117,7 @@
 </p:sld>
 </file>
 
-<file path=ppt/slides/slide14.xml><?xml version="1.0" encoding="utf-8"?>
+<file path=ppt/slides/slide15.xml><?xml version="1.0" encoding="utf-8"?>
 <p:sld xmlns:a="http://schemas.openxmlformats.org/drawingml/2006/main" xmlns:r="http://schemas.openxmlformats.org/officeDocument/2006/relationships" xmlns:p="http://schemas.openxmlformats.org/presentationml/2006/main">
   <p:cSld>
     <p:spTree>
@@ -5240,7 +5629,7 @@
 </p:sld>
 </file>
 
-<file path=ppt/slides/slide15.xml><?xml version="1.0" encoding="utf-8"?>
+<file path=ppt/slides/slide16.xml><?xml version="1.0" encoding="utf-8"?>
 <p:sld xmlns:a="http://schemas.openxmlformats.org/drawingml/2006/main" xmlns:r="http://schemas.openxmlformats.org/officeDocument/2006/relationships" xmlns:p="http://schemas.openxmlformats.org/presentationml/2006/main">
   <p:cSld>
     <p:spTree>
@@ -5336,7 +5725,7 @@
           <a:graphicData uri="http://schemas.openxmlformats.org/presentationml/2006/ole">
             <mc:AlternateContent xmlns:mc="http://schemas.openxmlformats.org/markup-compatibility/2006">
               <mc:Choice xmlns:v="urn:schemas-microsoft-com:vml" Requires="v">
-                <p:oleObj spid="_x0000_s15395" name="Equation" r:id="rId3" imgW="2286000" imgH="241200" progId="Equation.DSMT4">
+                <p:oleObj spid="_x0000_s15397" name="Equation" r:id="rId3" imgW="2286000" imgH="241200" progId="Equation.DSMT4">
                   <p:embed/>
                 </p:oleObj>
               </mc:Choice>
@@ -5437,7 +5826,7 @@
           <a:graphicData uri="http://schemas.openxmlformats.org/presentationml/2006/ole">
             <mc:AlternateContent xmlns:mc="http://schemas.openxmlformats.org/markup-compatibility/2006">
               <mc:Choice xmlns:v="urn:schemas-microsoft-com:vml" Requires="v">
-                <p:oleObj spid="_x0000_s15396" name="Equation" r:id="rId5" imgW="2831760" imgH="241200" progId="Equation.3">
+                <p:oleObj spid="_x0000_s15398" name="Equation" r:id="rId5" imgW="2831760" imgH="241200" progId="Equation.3">
                   <p:embed/>
                 </p:oleObj>
               </mc:Choice>
@@ -5529,7 +5918,7 @@
 </p:sld>
 </file>
 
-<file path=ppt/slides/slide16.xml><?xml version="1.0" encoding="utf-8"?>
+<file path=ppt/slides/slide17.xml><?xml version="1.0" encoding="utf-8"?>
 <p:sld xmlns:a="http://schemas.openxmlformats.org/drawingml/2006/main" xmlns:r="http://schemas.openxmlformats.org/officeDocument/2006/relationships" xmlns:p="http://schemas.openxmlformats.org/presentationml/2006/main">
   <p:cSld>
     <p:spTree>
@@ -5653,7 +6042,7 @@
 </p:sld>
 </file>
 
-<file path=ppt/slides/slide17.xml><?xml version="1.0" encoding="utf-8"?>
+<file path=ppt/slides/slide18.xml><?xml version="1.0" encoding="utf-8"?>
 <p:sld xmlns:a="http://schemas.openxmlformats.org/drawingml/2006/main" xmlns:r="http://schemas.openxmlformats.org/officeDocument/2006/relationships" xmlns:p="http://schemas.openxmlformats.org/presentationml/2006/main">
   <p:cSld>
     <p:spTree>
@@ -5898,7 +6287,7 @@
           <a:graphicData uri="http://schemas.openxmlformats.org/presentationml/2006/ole">
             <mc:AlternateContent xmlns:mc="http://schemas.openxmlformats.org/markup-compatibility/2006">
               <mc:Choice xmlns:v="urn:schemas-microsoft-com:vml" Requires="v">
-                <p:oleObj spid="_x0000_s17426" name="Equation" r:id="rId5" imgW="1523880" imgH="495000" progId="Equation.3">
+                <p:oleObj spid="_x0000_s17427" name="Equation" r:id="rId5" imgW="1523880" imgH="495000" progId="Equation.3">
                   <p:embed/>
                 </p:oleObj>
               </mc:Choice>
@@ -5990,7 +6379,7 @@
 </p:sld>
 </file>
 
-<file path=ppt/slides/slide18.xml><?xml version="1.0" encoding="utf-8"?>
+<file path=ppt/slides/slide19.xml><?xml version="1.0" encoding="utf-8"?>
 <p:sld xmlns:a="http://schemas.openxmlformats.org/drawingml/2006/main" xmlns:r="http://schemas.openxmlformats.org/officeDocument/2006/relationships" xmlns:p="http://schemas.openxmlformats.org/presentationml/2006/main">
   <p:cSld>
     <p:spTree>
@@ -6437,7 +6826,7 @@
 </p:sld>
 </file>
 
-<file path=ppt/slides/slide19.xml><?xml version="1.0" encoding="utf-8"?>
+<file path=ppt/slides/slide2.xml><?xml version="1.0" encoding="utf-8"?>
 <p:sld xmlns:a="http://schemas.openxmlformats.org/drawingml/2006/main" xmlns:r="http://schemas.openxmlformats.org/officeDocument/2006/relationships" xmlns:p="http://schemas.openxmlformats.org/presentationml/2006/main">
   <p:cSld>
     <p:spTree>
@@ -6456,6 +6845,139 @@
       </p:grpSpPr>
       <p:sp>
         <p:nvSpPr>
+          <p:cNvPr id="285698" name="Rectangle 2"/>
+          <p:cNvSpPr>
+            <a:spLocks noGrp="1" noChangeArrowheads="1"/>
+          </p:cNvSpPr>
+          <p:nvPr>
+            <p:ph type="title"/>
+          </p:nvPr>
+        </p:nvSpPr>
+        <p:spPr/>
+        <p:txBody>
+          <a:bodyPr>
+            <a:normAutofit fontScale="90000"/>
+          </a:bodyPr>
+          <a:lstStyle/>
+          <a:p>
+            <a:pPr algn="ctr"/>
+            <a:r>
+              <a:rPr lang="en-US" sz="4000"/>
+              <a:t>What do we mean by </a:t>
+            </a:r>
+            <a:br>
+              <a:rPr lang="en-US" sz="4000"/>
+            </a:br>
+            <a:r>
+              <a:rPr lang="en-US" sz="4000"/>
+              <a:t>“Fitting to Data” and why do it?</a:t>
+            </a:r>
+          </a:p>
+        </p:txBody>
+      </p:sp>
+      <p:sp>
+        <p:nvSpPr>
+          <p:cNvPr id="285699" name="Rectangle 3"/>
+          <p:cNvSpPr>
+            <a:spLocks noGrp="1" noChangeArrowheads="1"/>
+          </p:cNvSpPr>
+          <p:nvPr>
+            <p:ph type="body" idx="1"/>
+          </p:nvPr>
+        </p:nvSpPr>
+        <p:spPr/>
+        <p:txBody>
+          <a:bodyPr/>
+          <a:lstStyle/>
+          <a:p>
+            <a:pPr>
+              <a:lnSpc>
+                <a:spcPct val="90000"/>
+              </a:lnSpc>
+            </a:pPr>
+            <a:r>
+              <a:rPr lang="en-US" sz="2800" dirty="0"/>
+              <a:t>Fitting to data provides the basis for:</a:t>
+            </a:r>
+          </a:p>
+          <a:p>
+            <a:pPr lvl="1">
+              <a:lnSpc>
+                <a:spcPct val="90000"/>
+              </a:lnSpc>
+            </a:pPr>
+            <a:r>
+              <a:rPr lang="en-US" sz="2400" dirty="0"/>
+              <a:t>setting the values for the parameters of a model and hence computing the values for the state variables.</a:t>
+            </a:r>
+          </a:p>
+          <a:p>
+            <a:pPr lvl="1">
+              <a:lnSpc>
+                <a:spcPct val="90000"/>
+              </a:lnSpc>
+            </a:pPr>
+            <a:r>
+              <a:rPr lang="en-US" sz="2400" dirty="0"/>
+              <a:t>evaluating whether a model can mimic the existing data adequately (if it can’t, perhaps we should eliminate it).</a:t>
+            </a:r>
+          </a:p>
+          <a:p>
+            <a:pPr lvl="1">
+              <a:lnSpc>
+                <a:spcPct val="90000"/>
+              </a:lnSpc>
+            </a:pPr>
+            <a:r>
+              <a:rPr lang="en-US" sz="2400" dirty="0"/>
+              <a:t>comparing different hypotheses (represented by the models that fit the data adequately - to some extent).</a:t>
+            </a:r>
+          </a:p>
+          <a:p>
+            <a:pPr lvl="1">
+              <a:lnSpc>
+                <a:spcPct val="90000"/>
+              </a:lnSpc>
+            </a:pPr>
+            <a:r>
+              <a:rPr lang="en-US" sz="2400" dirty="0"/>
+              <a:t>assessing the amount of uncertainty.</a:t>
+            </a:r>
+          </a:p>
+        </p:txBody>
+      </p:sp>
+    </p:spTree>
+    <p:extLst>
+      <p:ext uri="{BB962C8B-B14F-4D97-AF65-F5344CB8AC3E}">
+        <p14:creationId xmlns:p14="http://schemas.microsoft.com/office/powerpoint/2010/main" val="2806423538"/>
+      </p:ext>
+    </p:extLst>
+  </p:cSld>
+  <p:clrMapOvr>
+    <a:masterClrMapping/>
+  </p:clrMapOvr>
+</p:sld>
+</file>
+
+<file path=ppt/slides/slide20.xml><?xml version="1.0" encoding="utf-8"?>
+<p:sld xmlns:a="http://schemas.openxmlformats.org/drawingml/2006/main" xmlns:r="http://schemas.openxmlformats.org/officeDocument/2006/relationships" xmlns:p="http://schemas.openxmlformats.org/presentationml/2006/main">
+  <p:cSld>
+    <p:spTree>
+      <p:nvGrpSpPr>
+        <p:cNvPr id="1" name=""/>
+        <p:cNvGrpSpPr/>
+        <p:nvPr/>
+      </p:nvGrpSpPr>
+      <p:grpSpPr>
+        <a:xfrm>
+          <a:off x="0" y="0"/>
+          <a:ext cx="0" cy="0"/>
+          <a:chOff x="0" y="0"/>
+          <a:chExt cx="0" cy="0"/>
+        </a:xfrm>
+      </p:grpSpPr>
+      <p:sp>
+        <p:nvSpPr>
           <p:cNvPr id="334850" name="Rectangle 2"/>
           <p:cNvSpPr>
             <a:spLocks noGrp="1" noChangeArrowheads="1"/>
@@ -6654,7 +7176,7 @@
           <a:graphicData uri="http://schemas.openxmlformats.org/presentationml/2006/ole">
             <mc:AlternateContent xmlns:mc="http://schemas.openxmlformats.org/markup-compatibility/2006">
               <mc:Choice xmlns:v="urn:schemas-microsoft-com:vml" Requires="v">
-                <p:oleObj spid="_x0000_s19491" name="Equation" r:id="rId3" imgW="5448240" imgH="507960" progId="Equation.DSMT4">
+                <p:oleObj spid="_x0000_s19493" name="Equation" r:id="rId3" imgW="5448240" imgH="507960" progId="Equation.DSMT4">
                   <p:embed/>
                 </p:oleObj>
               </mc:Choice>
@@ -6755,7 +7277,7 @@
           <a:graphicData uri="http://schemas.openxmlformats.org/presentationml/2006/ole">
             <mc:AlternateContent xmlns:mc="http://schemas.openxmlformats.org/markup-compatibility/2006">
               <mc:Choice xmlns:v="urn:schemas-microsoft-com:vml" Requires="v">
-                <p:oleObj spid="_x0000_s19492" name="Equation" r:id="rId5" imgW="571320" imgH="444240" progId="Equation.3">
+                <p:oleObj spid="_x0000_s19494" name="Equation" r:id="rId5" imgW="571320" imgH="444240" progId="Equation.3">
                   <p:embed/>
                 </p:oleObj>
               </mc:Choice>
@@ -6847,110 +7369,7 @@
 </p:sld>
 </file>
 
-<file path=ppt/slides/slide2.xml><?xml version="1.0" encoding="utf-8"?>
-<p:sld xmlns:a="http://schemas.openxmlformats.org/drawingml/2006/main" xmlns:r="http://schemas.openxmlformats.org/officeDocument/2006/relationships" xmlns:p="http://schemas.openxmlformats.org/presentationml/2006/main">
-  <p:cSld>
-    <p:spTree>
-      <p:nvGrpSpPr>
-        <p:cNvPr id="1" name=""/>
-        <p:cNvGrpSpPr/>
-        <p:nvPr/>
-      </p:nvGrpSpPr>
-      <p:grpSpPr>
-        <a:xfrm>
-          <a:off x="0" y="0"/>
-          <a:ext cx="0" cy="0"/>
-          <a:chOff x="0" y="0"/>
-          <a:chExt cx="0" cy="0"/>
-        </a:xfrm>
-      </p:grpSpPr>
-      <p:sp>
-        <p:nvSpPr>
-          <p:cNvPr id="316418" name="Rectangle 2"/>
-          <p:cNvSpPr>
-            <a:spLocks noGrp="1" noChangeArrowheads="1"/>
-          </p:cNvSpPr>
-          <p:nvPr>
-            <p:ph type="title"/>
-          </p:nvPr>
-        </p:nvSpPr>
-        <p:spPr/>
-        <p:txBody>
-          <a:bodyPr/>
-          <a:lstStyle/>
-          <a:p>
-            <a:pPr algn="ctr"/>
-            <a:r>
-              <a:rPr lang="en-US"/>
-              <a:t>Keep in Mind</a:t>
-            </a:r>
-          </a:p>
-        </p:txBody>
-      </p:sp>
-      <p:sp>
-        <p:nvSpPr>
-          <p:cNvPr id="316419" name="Rectangle 3"/>
-          <p:cNvSpPr>
-            <a:spLocks noGrp="1" noChangeArrowheads="1"/>
-          </p:cNvSpPr>
-          <p:nvPr>
-            <p:ph type="body" idx="1"/>
-          </p:nvPr>
-        </p:nvSpPr>
-        <p:spPr/>
-        <p:txBody>
-          <a:bodyPr/>
-          <a:lstStyle/>
-          <a:p>
-            <a:r>
-              <a:rPr lang="en-US">
-                <a:solidFill>
-                  <a:schemeClr val="hlink"/>
-                </a:solidFill>
-              </a:rPr>
-              <a:t>Models</a:t>
-            </a:r>
-            <a:r>
-              <a:rPr lang="en-US"/>
-              <a:t>: the parameters, state variables and forcing functions.</a:t>
-            </a:r>
-          </a:p>
-          <a:p>
-            <a:r>
-              <a:rPr lang="en-US">
-                <a:solidFill>
-                  <a:schemeClr val="hlink"/>
-                </a:solidFill>
-              </a:rPr>
-              <a:t>Data</a:t>
-            </a:r>
-            <a:r>
-              <a:rPr lang="en-US"/>
-              <a:t>: information we want to use to specify the values for the parameters.</a:t>
-            </a:r>
-          </a:p>
-          <a:p>
-            <a:endParaRPr lang="en-US"/>
-          </a:p>
-          <a:p>
-            <a:endParaRPr lang="en-US"/>
-          </a:p>
-        </p:txBody>
-      </p:sp>
-    </p:spTree>
-    <p:extLst>
-      <p:ext uri="{BB962C8B-B14F-4D97-AF65-F5344CB8AC3E}">
-        <p14:creationId xmlns:p14="http://schemas.microsoft.com/office/powerpoint/2010/main" val="1947269250"/>
-      </p:ext>
-    </p:extLst>
-  </p:cSld>
-  <p:clrMapOvr>
-    <a:masterClrMapping/>
-  </p:clrMapOvr>
-</p:sld>
-</file>
-
-<file path=ppt/slides/slide20.xml><?xml version="1.0" encoding="utf-8"?>
+<file path=ppt/slides/slide21.xml><?xml version="1.0" encoding="utf-8"?>
 <p:sld xmlns:a="http://schemas.openxmlformats.org/drawingml/2006/main" xmlns:r="http://schemas.openxmlformats.org/officeDocument/2006/relationships" xmlns:p="http://schemas.openxmlformats.org/presentationml/2006/main">
   <p:cSld>
     <p:spTree>
@@ -7091,7 +7510,7 @@
           <a:graphicData uri="http://schemas.openxmlformats.org/presentationml/2006/ole">
             <mc:AlternateContent xmlns:mc="http://schemas.openxmlformats.org/markup-compatibility/2006">
               <mc:Choice xmlns:v="urn:schemas-microsoft-com:vml" Requires="v">
-                <p:oleObj spid="_x0000_s20547" name="Equation" r:id="rId3" imgW="711000" imgH="228600" progId="Equation.DSMT4">
+                <p:oleObj spid="_x0000_s20551" name="Equation" r:id="rId3" imgW="711000" imgH="228600" progId="Equation.DSMT4">
                   <p:embed/>
                 </p:oleObj>
               </mc:Choice>
@@ -7193,7 +7612,7 @@
           <a:graphicData uri="http://schemas.openxmlformats.org/presentationml/2006/ole">
             <mc:AlternateContent xmlns:mc="http://schemas.openxmlformats.org/markup-compatibility/2006">
               <mc:Choice xmlns:v="urn:schemas-microsoft-com:vml" Requires="v">
-                <p:oleObj spid="_x0000_s20548" name="Equation" r:id="rId5" imgW="1828800" imgH="241200" progId="Equation.DSMT4">
+                <p:oleObj spid="_x0000_s20552" name="Equation" r:id="rId5" imgW="1828800" imgH="241200" progId="Equation.DSMT4">
                   <p:embed/>
                 </p:oleObj>
               </mc:Choice>
@@ -7266,7 +7685,7 @@
           <a:graphicData uri="http://schemas.openxmlformats.org/presentationml/2006/ole">
             <mc:AlternateContent xmlns:mc="http://schemas.openxmlformats.org/markup-compatibility/2006">
               <mc:Choice xmlns:v="urn:schemas-microsoft-com:vml" Requires="v">
-                <p:oleObj spid="_x0000_s20549" name="Equation" r:id="rId7" imgW="1549080" imgH="482400" progId="Equation.DSMT4">
+                <p:oleObj spid="_x0000_s20553" name="Equation" r:id="rId7" imgW="1549080" imgH="482400" progId="Equation.DSMT4">
                   <p:embed/>
                 </p:oleObj>
               </mc:Choice>
@@ -7579,7 +7998,7 @@
           <a:graphicData uri="http://schemas.openxmlformats.org/presentationml/2006/ole">
             <mc:AlternateContent xmlns:mc="http://schemas.openxmlformats.org/markup-compatibility/2006">
               <mc:Choice xmlns:v="urn:schemas-microsoft-com:vml" Requires="v">
-                <p:oleObj spid="_x0000_s20550" name="Equation" r:id="rId9" imgW="2197080" imgH="342720" progId="Equation.3">
+                <p:oleObj spid="_x0000_s20554" name="Equation" r:id="rId9" imgW="2197080" imgH="342720" progId="Equation.3">
                   <p:embed/>
                 </p:oleObj>
               </mc:Choice>
@@ -7642,7 +8061,7 @@
 </p:sld>
 </file>
 
-<file path=ppt/slides/slide21.xml><?xml version="1.0" encoding="utf-8"?>
+<file path=ppt/slides/slide22.xml><?xml version="1.0" encoding="utf-8"?>
 <p:sld xmlns:a="http://schemas.openxmlformats.org/drawingml/2006/main" xmlns:r="http://schemas.openxmlformats.org/officeDocument/2006/relationships" xmlns:p="http://schemas.openxmlformats.org/presentationml/2006/main">
   <p:cSld>
     <p:spTree>
@@ -7825,7 +8244,7 @@
           <a:graphicData uri="http://schemas.openxmlformats.org/presentationml/2006/ole">
             <mc:AlternateContent xmlns:mc="http://schemas.openxmlformats.org/markup-compatibility/2006">
               <mc:Choice xmlns:v="urn:schemas-microsoft-com:vml" Requires="v">
-                <p:oleObj spid="_x0000_s24595" name="Equation" r:id="rId3" imgW="2819160" imgH="533160" progId="Equation.3">
+                <p:oleObj spid="_x0000_s24596" name="Equation" r:id="rId3" imgW="2819160" imgH="533160" progId="Equation.3">
                   <p:embed/>
                 </p:oleObj>
               </mc:Choice>
@@ -7917,7 +8336,7 @@
 </p:sld>
 </file>
 
-<file path=ppt/slides/slide22.xml><?xml version="1.0" encoding="utf-8"?>
+<file path=ppt/slides/slide23.xml><?xml version="1.0" encoding="utf-8"?>
 <p:sld xmlns:a="http://schemas.openxmlformats.org/drawingml/2006/main" xmlns:r="http://schemas.openxmlformats.org/officeDocument/2006/relationships" xmlns:p="http://schemas.openxmlformats.org/presentationml/2006/main">
   <p:cSld>
     <p:spTree>
@@ -8051,7 +8470,7 @@
 </p:sld>
 </file>
 
-<file path=ppt/slides/slide23.xml><?xml version="1.0" encoding="utf-8"?>
+<file path=ppt/slides/slide24.xml><?xml version="1.0" encoding="utf-8"?>
 <p:sld xmlns:a="http://schemas.openxmlformats.org/drawingml/2006/main" xmlns:r="http://schemas.openxmlformats.org/officeDocument/2006/relationships" xmlns:p="http://schemas.openxmlformats.org/presentationml/2006/main">
   <p:cSld>
     <p:spTree>
@@ -8274,7 +8693,7 @@
           <a:graphicData uri="http://schemas.openxmlformats.org/presentationml/2006/ole">
             <mc:AlternateContent xmlns:mc="http://schemas.openxmlformats.org/markup-compatibility/2006">
               <mc:Choice xmlns:v="urn:schemas-microsoft-com:vml" Requires="v">
-                <p:oleObj spid="_x0000_s22561" name="Equation" r:id="rId3" imgW="4953000" imgH="457200" progId="Equation.3">
+                <p:oleObj spid="_x0000_s22563" name="Equation" r:id="rId3" imgW="4953000" imgH="457200" progId="Equation.3">
                   <p:embed/>
                 </p:oleObj>
               </mc:Choice>
@@ -8369,7 +8788,7 @@
           <a:graphicData uri="http://schemas.openxmlformats.org/presentationml/2006/ole">
             <mc:AlternateContent xmlns:mc="http://schemas.openxmlformats.org/markup-compatibility/2006">
               <mc:Choice xmlns:v="urn:schemas-microsoft-com:vml" Requires="v">
-                <p:oleObj spid="_x0000_s22562" name="Equation" r:id="rId5" imgW="1752600" imgH="406400" progId="Equation.3">
+                <p:oleObj spid="_x0000_s22564" name="Equation" r:id="rId5" imgW="1752600" imgH="406400" progId="Equation.3">
                   <p:embed/>
                 </p:oleObj>
               </mc:Choice>
@@ -8434,7 +8853,7 @@
 </p:sld>
 </file>
 
-<file path=ppt/slides/slide24.xml><?xml version="1.0" encoding="utf-8"?>
+<file path=ppt/slides/slide25.xml><?xml version="1.0" encoding="utf-8"?>
 <p:sld xmlns:a="http://schemas.openxmlformats.org/drawingml/2006/main" xmlns:r="http://schemas.openxmlformats.org/officeDocument/2006/relationships" xmlns:p="http://schemas.openxmlformats.org/presentationml/2006/main">
   <p:cSld>
     <p:spTree>
@@ -8502,7 +8921,7 @@
           <a:graphicData uri="http://schemas.openxmlformats.org/presentationml/2006/ole">
             <mc:AlternateContent xmlns:mc="http://schemas.openxmlformats.org/markup-compatibility/2006">
               <mc:Choice xmlns:v="urn:schemas-microsoft-com:vml" Requires="v">
-                <p:oleObj spid="_x0000_s25618" name="Equation" r:id="rId3" imgW="2946400" imgH="1409700" progId="Equation.3">
+                <p:oleObj spid="_x0000_s25619" name="Equation" r:id="rId3" imgW="2946400" imgH="1409700" progId="Equation.3">
                   <p:embed/>
                 </p:oleObj>
               </mc:Choice>
@@ -8707,7 +9126,7 @@
 </p:sld>
 </file>
 
-<file path=ppt/slides/slide25.xml><?xml version="1.0" encoding="utf-8"?>
+<file path=ppt/slides/slide26.xml><?xml version="1.0" encoding="utf-8"?>
 <p:sld xmlns:a="http://schemas.openxmlformats.org/drawingml/2006/main" xmlns:r="http://schemas.openxmlformats.org/officeDocument/2006/relationships" xmlns:p="http://schemas.openxmlformats.org/presentationml/2006/main">
   <p:cSld>
     <p:spTree>
@@ -8778,7 +9197,7 @@
           <a:graphicData uri="http://schemas.openxmlformats.org/presentationml/2006/ole">
             <mc:AlternateContent xmlns:mc="http://schemas.openxmlformats.org/markup-compatibility/2006">
               <mc:Choice xmlns:v="urn:schemas-microsoft-com:vml" Requires="v">
-                <p:oleObj spid="_x0000_s26657" name="Equation" r:id="rId3" imgW="1612900" imgH="1168400" progId="Equation.3">
+                <p:oleObj spid="_x0000_s26661" name="Equation" r:id="rId3" imgW="1612900" imgH="1168400" progId="Equation.3">
                   <p:embed/>
                 </p:oleObj>
               </mc:Choice>
@@ -8939,7 +9358,7 @@
           <a:graphicData uri="http://schemas.openxmlformats.org/presentationml/2006/ole">
             <mc:AlternateContent xmlns:mc="http://schemas.openxmlformats.org/markup-compatibility/2006">
               <mc:Choice xmlns:v="urn:schemas-microsoft-com:vml" Requires="v">
-                <p:oleObj spid="_x0000_s26658" name="Equation" r:id="rId5" imgW="152400" imgH="139700" progId="Equation.3">
+                <p:oleObj spid="_x0000_s26662" name="Equation" r:id="rId5" imgW="152400" imgH="139700" progId="Equation.3">
                   <p:embed/>
                 </p:oleObj>
               </mc:Choice>
@@ -9025,7 +9444,7 @@
 </p:sld>
 </file>
 
-<file path=ppt/slides/slide26.xml><?xml version="1.0" encoding="utf-8"?>
+<file path=ppt/slides/slide27.xml><?xml version="1.0" encoding="utf-8"?>
 <p:sld xmlns:a="http://schemas.openxmlformats.org/drawingml/2006/main" xmlns:r="http://schemas.openxmlformats.org/officeDocument/2006/relationships" xmlns:p="http://schemas.openxmlformats.org/presentationml/2006/main">
   <p:cSld>
     <p:spTree>
@@ -9139,7 +9558,7 @@
 </p:sld>
 </file>
 
-<file path=ppt/slides/slide27.xml><?xml version="1.0" encoding="utf-8"?>
+<file path=ppt/slides/slide28.xml><?xml version="1.0" encoding="utf-8"?>
 <p:sld xmlns:a="http://schemas.openxmlformats.org/drawingml/2006/main" xmlns:r="http://schemas.openxmlformats.org/officeDocument/2006/relationships" xmlns:p="http://schemas.openxmlformats.org/presentationml/2006/main">
   <p:cSld>
     <p:spTree>
@@ -10479,7 +10898,7 @@
 </p:sld>
 </file>
 
-<file path=ppt/slides/slide28.xml><?xml version="1.0" encoding="utf-8"?>
+<file path=ppt/slides/slide29.xml><?xml version="1.0" encoding="utf-8"?>
 <p:sld xmlns:a="http://schemas.openxmlformats.org/drawingml/2006/main" xmlns:r="http://schemas.openxmlformats.org/officeDocument/2006/relationships" xmlns:p="http://schemas.openxmlformats.org/presentationml/2006/main">
   <p:cSld>
     <p:spTree>
@@ -10626,6 +11045,109 @@
       </p:grpSpPr>
       <p:sp>
         <p:nvSpPr>
+          <p:cNvPr id="316418" name="Rectangle 2"/>
+          <p:cNvSpPr>
+            <a:spLocks noGrp="1" noChangeArrowheads="1"/>
+          </p:cNvSpPr>
+          <p:nvPr>
+            <p:ph type="title"/>
+          </p:nvPr>
+        </p:nvSpPr>
+        <p:spPr/>
+        <p:txBody>
+          <a:bodyPr/>
+          <a:lstStyle/>
+          <a:p>
+            <a:pPr algn="ctr"/>
+            <a:r>
+              <a:rPr lang="en-US"/>
+              <a:t>Keep in Mind</a:t>
+            </a:r>
+          </a:p>
+        </p:txBody>
+      </p:sp>
+      <p:sp>
+        <p:nvSpPr>
+          <p:cNvPr id="316419" name="Rectangle 3"/>
+          <p:cNvSpPr>
+            <a:spLocks noGrp="1" noChangeArrowheads="1"/>
+          </p:cNvSpPr>
+          <p:nvPr>
+            <p:ph type="body" idx="1"/>
+          </p:nvPr>
+        </p:nvSpPr>
+        <p:spPr/>
+        <p:txBody>
+          <a:bodyPr/>
+          <a:lstStyle/>
+          <a:p>
+            <a:r>
+              <a:rPr lang="en-US">
+                <a:solidFill>
+                  <a:schemeClr val="hlink"/>
+                </a:solidFill>
+              </a:rPr>
+              <a:t>Models</a:t>
+            </a:r>
+            <a:r>
+              <a:rPr lang="en-US"/>
+              <a:t>: the parameters, state variables and forcing functions.</a:t>
+            </a:r>
+          </a:p>
+          <a:p>
+            <a:r>
+              <a:rPr lang="en-US">
+                <a:solidFill>
+                  <a:schemeClr val="hlink"/>
+                </a:solidFill>
+              </a:rPr>
+              <a:t>Data</a:t>
+            </a:r>
+            <a:r>
+              <a:rPr lang="en-US"/>
+              <a:t>: information we want to use to specify the values for the parameters.</a:t>
+            </a:r>
+          </a:p>
+          <a:p>
+            <a:endParaRPr lang="en-US"/>
+          </a:p>
+          <a:p>
+            <a:endParaRPr lang="en-US"/>
+          </a:p>
+        </p:txBody>
+      </p:sp>
+    </p:spTree>
+    <p:extLst>
+      <p:ext uri="{BB962C8B-B14F-4D97-AF65-F5344CB8AC3E}">
+        <p14:creationId xmlns:p14="http://schemas.microsoft.com/office/powerpoint/2010/main" val="1947269250"/>
+      </p:ext>
+    </p:extLst>
+  </p:cSld>
+  <p:clrMapOvr>
+    <a:masterClrMapping/>
+  </p:clrMapOvr>
+</p:sld>
+</file>
+
+<file path=ppt/slides/slide4.xml><?xml version="1.0" encoding="utf-8"?>
+<p:sld xmlns:a="http://schemas.openxmlformats.org/drawingml/2006/main" xmlns:r="http://schemas.openxmlformats.org/officeDocument/2006/relationships" xmlns:p="http://schemas.openxmlformats.org/presentationml/2006/main">
+  <p:cSld>
+    <p:spTree>
+      <p:nvGrpSpPr>
+        <p:cNvPr id="1" name=""/>
+        <p:cNvGrpSpPr/>
+        <p:nvPr/>
+      </p:nvGrpSpPr>
+      <p:grpSpPr>
+        <a:xfrm>
+          <a:off x="0" y="0"/>
+          <a:ext cx="0" cy="0"/>
+          <a:chOff x="0" y="0"/>
+          <a:chExt cx="0" cy="0"/>
+        </a:xfrm>
+      </p:grpSpPr>
+      <p:sp>
+        <p:nvSpPr>
           <p:cNvPr id="317442" name="Rectangle 2"/>
           <p:cNvSpPr>
             <a:spLocks noGrp="1" noChangeArrowheads="1"/>
@@ -10715,7 +11237,7 @@
           <a:graphicData uri="http://schemas.openxmlformats.org/presentationml/2006/ole">
             <mc:AlternateContent xmlns:mc="http://schemas.openxmlformats.org/markup-compatibility/2006">
               <mc:Choice xmlns:v="urn:schemas-microsoft-com:vml" Requires="v">
-                <p:oleObj spid="_x0000_s3107" name="Equation" r:id="rId3" imgW="647640" imgH="368280" progId="Equation.DSMT4">
+                <p:oleObj spid="_x0000_s3109" name="Equation" r:id="rId3" imgW="647640" imgH="368280" progId="Equation.DSMT4">
                   <p:embed/>
                 </p:oleObj>
               </mc:Choice>
@@ -10816,7 +11338,7 @@
           <a:graphicData uri="http://schemas.openxmlformats.org/presentationml/2006/ole">
             <mc:AlternateContent xmlns:mc="http://schemas.openxmlformats.org/markup-compatibility/2006">
               <mc:Choice xmlns:v="urn:schemas-microsoft-com:vml" Requires="v">
-                <p:oleObj spid="_x0000_s3108" name="Equation" r:id="rId5" imgW="647640" imgH="368280" progId="Equation.3">
+                <p:oleObj spid="_x0000_s3110" name="Equation" r:id="rId5" imgW="647640" imgH="368280" progId="Equation.3">
                   <p:embed/>
                 </p:oleObj>
               </mc:Choice>
@@ -10908,7 +11430,7 @@
 </p:sld>
 </file>
 
-<file path=ppt/slides/slide4.xml><?xml version="1.0" encoding="utf-8"?>
+<file path=ppt/slides/slide5.xml><?xml version="1.0" encoding="utf-8"?>
 <p:sld xmlns:a="http://schemas.openxmlformats.org/drawingml/2006/main" xmlns:r="http://schemas.openxmlformats.org/officeDocument/2006/relationships" xmlns:p="http://schemas.openxmlformats.org/presentationml/2006/main">
   <p:cSld>
     <p:spTree>
@@ -11179,7 +11701,7 @@
           <a:graphicData uri="http://schemas.openxmlformats.org/presentationml/2006/ole">
             <mc:AlternateContent xmlns:mc="http://schemas.openxmlformats.org/markup-compatibility/2006">
               <mc:Choice xmlns:v="urn:schemas-microsoft-com:vml" Requires="v">
-                <p:oleObj spid="_x0000_s5164" name="Equation" r:id="rId3" imgW="838080" imgH="507960" progId="Equation.3">
+                <p:oleObj spid="_x0000_s5165" name="Equation" r:id="rId3" imgW="838080" imgH="507960" progId="Equation.3">
                   <p:embed/>
                 </p:oleObj>
               </mc:Choice>
@@ -11242,7 +11764,7 @@
 </p:sld>
 </file>
 
-<file path=ppt/slides/slide5.xml><?xml version="1.0" encoding="utf-8"?>
+<file path=ppt/slides/slide6.xml><?xml version="1.0" encoding="utf-8"?>
 <p:sld xmlns:a="http://schemas.openxmlformats.org/drawingml/2006/main" xmlns:r="http://schemas.openxmlformats.org/officeDocument/2006/relationships" xmlns:p="http://schemas.openxmlformats.org/presentationml/2006/main">
   <p:cSld>
     <p:spTree>
@@ -11341,7 +11863,7 @@
           <a:graphicData uri="http://schemas.openxmlformats.org/presentationml/2006/ole">
             <mc:AlternateContent xmlns:mc="http://schemas.openxmlformats.org/markup-compatibility/2006">
               <mc:Choice xmlns:v="urn:schemas-microsoft-com:vml" Requires="v">
-                <p:oleObj spid="_x0000_s6177" name="Equation" r:id="rId3" imgW="2590560" imgH="533160" progId="Equation.DSMT4">
+                <p:oleObj spid="_x0000_s6179" name="Equation" r:id="rId3" imgW="2590560" imgH="533160" progId="Equation.DSMT4">
                   <p:embed/>
                 </p:oleObj>
               </mc:Choice>
@@ -11436,7 +11958,7 @@
           <a:graphicData uri="http://schemas.openxmlformats.org/presentationml/2006/ole">
             <mc:AlternateContent xmlns:mc="http://schemas.openxmlformats.org/markup-compatibility/2006">
               <mc:Choice xmlns:v="urn:schemas-microsoft-com:vml" Requires="v">
-                <p:oleObj spid="_x0000_s6178" name="Equation" r:id="rId5" imgW="3797280" imgH="1307880" progId="Equation.3">
+                <p:oleObj spid="_x0000_s6180" name="Equation" r:id="rId5" imgW="3797280" imgH="1307880" progId="Equation.3">
                   <p:embed/>
                 </p:oleObj>
               </mc:Choice>
@@ -11528,7 +12050,7 @@
 </p:sld>
 </file>
 
-<file path=ppt/slides/slide6.xml><?xml version="1.0" encoding="utf-8"?>
+<file path=ppt/slides/slide7.xml><?xml version="1.0" encoding="utf-8"?>
 <p:sld xmlns:a="http://schemas.openxmlformats.org/drawingml/2006/main" xmlns:r="http://schemas.openxmlformats.org/officeDocument/2006/relationships" xmlns:p="http://schemas.openxmlformats.org/presentationml/2006/main">
   <p:cSld>
     <p:spTree>
@@ -11626,7 +12148,7 @@
           <a:graphicData uri="http://schemas.openxmlformats.org/presentationml/2006/ole">
             <mc:AlternateContent xmlns:mc="http://schemas.openxmlformats.org/markup-compatibility/2006">
               <mc:Choice xmlns:v="urn:schemas-microsoft-com:vml" Requires="v">
-                <p:oleObj spid="_x0000_s7186" name="Equation" r:id="rId3" imgW="6070600" imgH="2501900" progId="Equation.3">
+                <p:oleObj spid="_x0000_s7187" name="Equation" r:id="rId3" imgW="6070600" imgH="2501900" progId="Equation.3">
                   <p:embed/>
                 </p:oleObj>
               </mc:Choice>
@@ -11712,7 +12234,7 @@
 </p:sld>
 </file>
 
-<file path=ppt/slides/slide7.xml><?xml version="1.0" encoding="utf-8"?>
+<file path=ppt/slides/slide8.xml><?xml version="1.0" encoding="utf-8"?>
 <p:sld xmlns:a="http://schemas.openxmlformats.org/drawingml/2006/main" xmlns:r="http://schemas.openxmlformats.org/officeDocument/2006/relationships" xmlns:p="http://schemas.openxmlformats.org/presentationml/2006/main">
   <p:cSld>
     <p:spTree>
@@ -11890,7 +12412,7 @@
 </p:sld>
 </file>
 
-<file path=ppt/slides/slide8.xml><?xml version="1.0" encoding="utf-8"?>
+<file path=ppt/slides/slide9.xml><?xml version="1.0" encoding="utf-8"?>
 <p:sld xmlns:a="http://schemas.openxmlformats.org/drawingml/2006/main" xmlns:r="http://schemas.openxmlformats.org/officeDocument/2006/relationships" xmlns:p="http://schemas.openxmlformats.org/presentationml/2006/main" show="0">
   <p:cSld>
     <p:spTree>
@@ -12307,426 +12829,6 @@
     <p:extLst>
       <p:ext uri="{BB962C8B-B14F-4D97-AF65-F5344CB8AC3E}">
         <p14:creationId xmlns:p14="http://schemas.microsoft.com/office/powerpoint/2010/main" val="3581114503"/>
-      </p:ext>
-    </p:extLst>
-  </p:cSld>
-  <p:clrMapOvr>
-    <a:masterClrMapping/>
-  </p:clrMapOvr>
-  <mc:AlternateContent xmlns:mc="http://schemas.openxmlformats.org/markup-compatibility/2006">
-    <mc:Choice xmlns:p14="http://schemas.microsoft.com/office/powerpoint/2010/main" Requires="p14">
-      <p:transition spd="slow" p14:dur="2000"/>
-    </mc:Choice>
-    <mc:Fallback>
-      <p:transition xmlns:p14="http://schemas.microsoft.com/office/powerpoint/2010/main" spd="slow"/>
-    </mc:Fallback>
-  </mc:AlternateContent>
-</p:sld>
-</file>
-
-<file path=ppt/slides/slide9.xml><?xml version="1.0" encoding="utf-8"?>
-<p:sld xmlns:a="http://schemas.openxmlformats.org/drawingml/2006/main" xmlns:r="http://schemas.openxmlformats.org/officeDocument/2006/relationships" xmlns:p="http://schemas.openxmlformats.org/presentationml/2006/main" show="0">
-  <p:cSld>
-    <p:spTree>
-      <p:nvGrpSpPr>
-        <p:cNvPr id="1" name=""/>
-        <p:cNvGrpSpPr/>
-        <p:nvPr/>
-      </p:nvGrpSpPr>
-      <p:grpSpPr>
-        <a:xfrm>
-          <a:off x="0" y="0"/>
-          <a:ext cx="0" cy="0"/>
-          <a:chOff x="0" y="0"/>
-          <a:chExt cx="0" cy="0"/>
-        </a:xfrm>
-      </p:grpSpPr>
-      <p:sp>
-        <p:nvSpPr>
-          <p:cNvPr id="340994" name="Rectangle 2"/>
-          <p:cNvSpPr>
-            <a:spLocks noGrp="1" noChangeArrowheads="1"/>
-          </p:cNvSpPr>
-          <p:nvPr>
-            <p:ph type="title"/>
-          </p:nvPr>
-        </p:nvSpPr>
-        <p:spPr/>
-        <p:txBody>
-          <a:bodyPr/>
-          <a:lstStyle/>
-          <a:p>
-            <a:pPr algn="ctr"/>
-            <a:r>
-              <a:rPr lang="en-US" sz="3200"/>
-              <a:t>Optimization – Tricks of the Trade-I</a:t>
-            </a:r>
-          </a:p>
-        </p:txBody>
-      </p:sp>
-      <p:sp>
-        <p:nvSpPr>
-          <p:cNvPr id="340995" name="Rectangle 3"/>
-          <p:cNvSpPr>
-            <a:spLocks noGrp="1" noChangeArrowheads="1"/>
-          </p:cNvSpPr>
-          <p:nvPr>
-            <p:ph type="body" idx="1"/>
-          </p:nvPr>
-        </p:nvSpPr>
-        <p:spPr/>
-        <p:txBody>
-          <a:bodyPr/>
-          <a:lstStyle/>
-          <a:p>
-            <a:r>
-              <a:rPr lang="en-US" sz="2400"/>
-              <a:t>To keep a parameter,</a:t>
-            </a:r>
-            <a:r>
-              <a:rPr lang="en-US" sz="2400" i="1"/>
-              <a:t>x</a:t>
-            </a:r>
-            <a:r>
-              <a:rPr lang="en-US" sz="2400"/>
-              <a:t>, constrained between </a:t>
-            </a:r>
-            <a:r>
-              <a:rPr lang="en-US" sz="2400" i="1"/>
-              <a:t>a</a:t>
-            </a:r>
-            <a:r>
-              <a:rPr lang="en-US" sz="2400"/>
-              <a:t> and </a:t>
-            </a:r>
-            <a:r>
-              <a:rPr lang="en-US" sz="2400" i="1"/>
-              <a:t>b</a:t>
-            </a:r>
-            <a:r>
-              <a:rPr lang="en-US" sz="2400"/>
-              <a:t>, transform it to </a:t>
-            </a:r>
-            <a:r>
-              <a:rPr lang="en-US" sz="2400" i="1"/>
-              <a:t>a</a:t>
-            </a:r>
-            <a:r>
-              <a:rPr lang="en-US" sz="2400"/>
-              <a:t>+(0.5+arctan(</a:t>
-            </a:r>
-            <a:r>
-              <a:rPr lang="en-US" sz="2400" i="1"/>
-              <a:t>y</a:t>
-            </a:r>
-            <a:r>
-              <a:rPr lang="en-US" sz="2400"/>
-              <a:t>)/</a:t>
-            </a:r>
-            <a:r>
-              <a:rPr lang="en-US" sz="2400">
-                <a:sym typeface="Symbol" charset="0"/>
-              </a:rPr>
-              <a:t></a:t>
-            </a:r>
-            <a:r>
-              <a:rPr lang="en-US" sz="2400"/>
-              <a:t>)(</a:t>
-            </a:r>
-            <a:r>
-              <a:rPr lang="en-US" sz="2400" i="1"/>
-              <a:t>b</a:t>
-            </a:r>
-            <a:r>
-              <a:rPr lang="en-US" sz="2400"/>
-              <a:t>-</a:t>
-            </a:r>
-            <a:r>
-              <a:rPr lang="en-US" sz="2400" i="1"/>
-              <a:t>a</a:t>
-            </a:r>
-            <a:r>
-              <a:rPr lang="en-US" sz="2400"/>
-              <a:t>).</a:t>
-            </a:r>
-          </a:p>
-        </p:txBody>
-      </p:sp>
-      <p:pic>
-        <p:nvPicPr>
-          <p:cNvPr id="340996" name="Picture 4"/>
-          <p:cNvPicPr>
-            <a:picLocks noChangeAspect="1" noChangeArrowheads="1"/>
-          </p:cNvPicPr>
-          <p:nvPr/>
-        </p:nvPicPr>
-        <p:blipFill>
-          <a:blip r:embed="rId2">
-            <a:extLst>
-              <a:ext uri="{28A0092B-C50C-407E-A947-70E740481C1C}">
-                <a14:useLocalDpi xmlns:a14="http://schemas.microsoft.com/office/drawing/2010/main" val="0"/>
-              </a:ext>
-            </a:extLst>
-          </a:blip>
-          <a:srcRect/>
-          <a:stretch>
-            <a:fillRect/>
-          </a:stretch>
-        </p:blipFill>
-        <p:spPr bwMode="auto">
-          <a:xfrm>
-            <a:off x="1600200" y="2886075"/>
-            <a:ext cx="5915025" cy="3971925"/>
-          </a:xfrm>
-          <a:prstGeom prst="rect">
-            <a:avLst/>
-          </a:prstGeom>
-          <a:noFill/>
-          <a:ln>
-            <a:noFill/>
-          </a:ln>
-          <a:effectLst/>
-          <a:extLst>
-            <a:ext uri="{909E8E84-426E-40dd-AFC4-6F175D3DCCD1}">
-              <a14:hiddenFill xmlns:a14="http://schemas.microsoft.com/office/drawing/2010/main">
-                <a:solidFill>
-                  <a:schemeClr val="accent1"/>
-                </a:solidFill>
-              </a14:hiddenFill>
-            </a:ext>
-            <a:ext uri="{91240B29-F687-4f45-9708-019B960494DF}">
-              <a14:hiddenLine xmlns:a14="http://schemas.microsoft.com/office/drawing/2010/main" w="9525">
-                <a:solidFill>
-                  <a:schemeClr val="tx1"/>
-                </a:solidFill>
-                <a:miter lim="800000"/>
-                <a:headEnd/>
-                <a:tailEnd/>
-              </a14:hiddenLine>
-            </a:ext>
-            <a:ext uri="{AF507438-7753-43e0-B8FC-AC1667EBCBE1}">
-              <a14:hiddenEffects xmlns:a14="http://schemas.microsoft.com/office/drawing/2010/main">
-                <a:effectLst>
-                  <a:outerShdw blurRad="63500" dist="38099" dir="2700000" algn="ctr" rotWithShape="0">
-                    <a:schemeClr val="bg2">
-                      <a:alpha val="74998"/>
-                    </a:schemeClr>
-                  </a:outerShdw>
-                </a:effectLst>
-              </a14:hiddenEffects>
-            </a:ext>
-          </a:extLst>
-        </p:spPr>
-      </p:pic>
-      <p:sp>
-        <p:nvSpPr>
-          <p:cNvPr id="340997" name="Text Box 5"/>
-          <p:cNvSpPr txBox="1">
-            <a:spLocks noChangeArrowheads="1"/>
-          </p:cNvSpPr>
-          <p:nvPr/>
-        </p:nvSpPr>
-        <p:spPr bwMode="auto">
-          <a:xfrm>
-            <a:off x="1233488" y="3159125"/>
-            <a:ext cx="3341687" cy="457200"/>
-          </a:xfrm>
-          <a:prstGeom prst="rect">
-            <a:avLst/>
-          </a:prstGeom>
-          <a:noFill/>
-          <a:ln>
-            <a:noFill/>
-          </a:ln>
-          <a:effectLst/>
-          <a:extLst>
-            <a:ext uri="{909E8E84-426E-40dd-AFC4-6F175D3DCCD1}">
-              <a14:hiddenFill xmlns:a14="http://schemas.microsoft.com/office/drawing/2010/main">
-                <a:solidFill>
-                  <a:schemeClr val="accent1"/>
-                </a:solidFill>
-              </a14:hiddenFill>
-            </a:ext>
-            <a:ext uri="{91240B29-F687-4f45-9708-019B960494DF}">
-              <a14:hiddenLine xmlns:a14="http://schemas.microsoft.com/office/drawing/2010/main" w="9525">
-                <a:solidFill>
-                  <a:schemeClr val="tx1"/>
-                </a:solidFill>
-                <a:miter lim="800000"/>
-                <a:headEnd/>
-                <a:tailEnd/>
-              </a14:hiddenLine>
-            </a:ext>
-            <a:ext uri="{AF507438-7753-43e0-B8FC-AC1667EBCBE1}">
-              <a14:hiddenEffects xmlns:a14="http://schemas.microsoft.com/office/drawing/2010/main">
-                <a:effectLst>
-                  <a:outerShdw blurRad="63500" dist="38099" dir="2700000" algn="ctr" rotWithShape="0">
-                    <a:schemeClr val="bg2">
-                      <a:alpha val="74998"/>
-                    </a:schemeClr>
-                  </a:outerShdw>
-                </a:effectLst>
-              </a14:hiddenEffects>
-            </a:ext>
-          </a:extLst>
-        </p:spPr>
-        <p:txBody>
-          <a:bodyPr wrap="none">
-            <a:spAutoFit/>
-          </a:bodyPr>
-          <a:lstStyle/>
-          <a:p>
-            <a:r>
-              <a:rPr lang="en-US" i="1"/>
-              <a:t>x</a:t>
-            </a:r>
-            <a:r>
-              <a:rPr lang="en-US"/>
-              <a:t>=1+(0.5+arctan(</a:t>
-            </a:r>
-            <a:r>
-              <a:rPr lang="en-US" i="1"/>
-              <a:t>y</a:t>
-            </a:r>
-            <a:r>
-              <a:rPr lang="en-US"/>
-              <a:t>)/</a:t>
-            </a:r>
-            <a:r>
-              <a:rPr lang="en-US">
-                <a:sym typeface="Symbol" charset="0"/>
-              </a:rPr>
-              <a:t></a:t>
-            </a:r>
-            <a:r>
-              <a:rPr lang="en-US"/>
-              <a:t>)</a:t>
-            </a:r>
-          </a:p>
-        </p:txBody>
-      </p:sp>
-      <p:sp>
-        <p:nvSpPr>
-          <p:cNvPr id="340998" name="Line 6"/>
-          <p:cNvSpPr>
-            <a:spLocks noChangeShapeType="1"/>
-          </p:cNvSpPr>
-          <p:nvPr/>
-        </p:nvSpPr>
-        <p:spPr bwMode="auto">
-          <a:xfrm>
-            <a:off x="4724400" y="3505200"/>
-            <a:ext cx="0" cy="2209800"/>
-          </a:xfrm>
-          <a:prstGeom prst="line">
-            <a:avLst/>
-          </a:prstGeom>
-          <a:noFill/>
-          <a:ln w="76200">
-            <a:solidFill>
-              <a:schemeClr val="hlink"/>
-            </a:solidFill>
-            <a:round/>
-            <a:headEnd/>
-            <a:tailEnd/>
-          </a:ln>
-          <a:effectLst/>
-          <a:extLst>
-            <a:ext uri="{909E8E84-426E-40dd-AFC4-6F175D3DCCD1}">
-              <a14:hiddenFill xmlns:a14="http://schemas.microsoft.com/office/drawing/2010/main">
-                <a:noFill/>
-              </a14:hiddenFill>
-            </a:ext>
-            <a:ext uri="{AF507438-7753-43e0-B8FC-AC1667EBCBE1}">
-              <a14:hiddenEffects xmlns:a14="http://schemas.microsoft.com/office/drawing/2010/main">
-                <a:effectLst>
-                  <a:outerShdw blurRad="63500" dist="38099" dir="2700000" algn="ctr" rotWithShape="0">
-                    <a:schemeClr val="bg2">
-                      <a:alpha val="74998"/>
-                    </a:schemeClr>
-                  </a:outerShdw>
-                </a:effectLst>
-              </a14:hiddenEffects>
-            </a:ext>
-          </a:extLst>
-        </p:spPr>
-        <p:txBody>
-          <a:bodyPr wrap="none"/>
-          <a:lstStyle/>
-          <a:p>
-            <a:endParaRPr lang="en-US"/>
-          </a:p>
-        </p:txBody>
-      </p:sp>
-      <p:sp>
-        <p:nvSpPr>
-          <p:cNvPr id="340999" name="Text Box 7"/>
-          <p:cNvSpPr txBox="1">
-            <a:spLocks noChangeArrowheads="1"/>
-          </p:cNvSpPr>
-          <p:nvPr/>
-        </p:nvSpPr>
-        <p:spPr bwMode="auto">
-          <a:xfrm>
-            <a:off x="4953000" y="4343400"/>
-            <a:ext cx="1236663" cy="457200"/>
-          </a:xfrm>
-          <a:prstGeom prst="rect">
-            <a:avLst/>
-          </a:prstGeom>
-          <a:noFill/>
-          <a:ln>
-            <a:noFill/>
-          </a:ln>
-          <a:effectLst/>
-          <a:extLst>
-            <a:ext uri="{909E8E84-426E-40dd-AFC4-6F175D3DCCD1}">
-              <a14:hiddenFill xmlns:a14="http://schemas.microsoft.com/office/drawing/2010/main">
-                <a:solidFill>
-                  <a:schemeClr val="accent1"/>
-                </a:solidFill>
-              </a14:hiddenFill>
-            </a:ext>
-            <a:ext uri="{91240B29-F687-4f45-9708-019B960494DF}">
-              <a14:hiddenLine xmlns:a14="http://schemas.microsoft.com/office/drawing/2010/main" w="9525">
-                <a:solidFill>
-                  <a:schemeClr val="tx1"/>
-                </a:solidFill>
-                <a:miter lim="800000"/>
-                <a:headEnd/>
-                <a:tailEnd/>
-              </a14:hiddenLine>
-            </a:ext>
-            <a:ext uri="{AF507438-7753-43e0-B8FC-AC1667EBCBE1}">
-              <a14:hiddenEffects xmlns:a14="http://schemas.microsoft.com/office/drawing/2010/main">
-                <a:effectLst>
-                  <a:outerShdw blurRad="63500" dist="38099" dir="2700000" algn="ctr" rotWithShape="0">
-                    <a:schemeClr val="bg2">
-                      <a:alpha val="74998"/>
-                    </a:schemeClr>
-                  </a:outerShdw>
-                </a:effectLst>
-              </a14:hiddenEffects>
-            </a:ext>
-          </a:extLst>
-        </p:spPr>
-        <p:txBody>
-          <a:bodyPr wrap="none">
-            <a:spAutoFit/>
-          </a:bodyPr>
-          <a:lstStyle/>
-          <a:p>
-            <a:r>
-              <a:rPr lang="en-US"/>
-              <a:t>x~[1-2]</a:t>
-            </a:r>
-          </a:p>
-        </p:txBody>
-      </p:sp>
-    </p:spTree>
-    <p:extLst>
-      <p:ext uri="{BB962C8B-B14F-4D97-AF65-F5344CB8AC3E}">
-        <p14:creationId xmlns:p14="http://schemas.microsoft.com/office/powerpoint/2010/main" val="2676498539"/>
       </p:ext>
     </p:extLst>
   </p:cSld>

--- a/Estimation.pptx
+++ b/Estimation.pptx
@@ -5,35 +5,36 @@
     <p:sldMasterId id="2147483648" r:id="rId1"/>
   </p:sldMasterIdLst>
   <p:sldIdLst>
-    <p:sldId id="286" r:id="rId2"/>
-    <p:sldId id="257" r:id="rId3"/>
-    <p:sldId id="258" r:id="rId4"/>
-    <p:sldId id="259" r:id="rId5"/>
-    <p:sldId id="261" r:id="rId6"/>
-    <p:sldId id="262" r:id="rId7"/>
-    <p:sldId id="263" r:id="rId8"/>
-    <p:sldId id="260" r:id="rId9"/>
-    <p:sldId id="264" r:id="rId10"/>
-    <p:sldId id="265" r:id="rId11"/>
-    <p:sldId id="266" r:id="rId12"/>
-    <p:sldId id="267" r:id="rId13"/>
-    <p:sldId id="268" r:id="rId14"/>
-    <p:sldId id="269" r:id="rId15"/>
-    <p:sldId id="270" r:id="rId16"/>
-    <p:sldId id="271" r:id="rId17"/>
-    <p:sldId id="272" r:id="rId18"/>
-    <p:sldId id="273" r:id="rId19"/>
-    <p:sldId id="274" r:id="rId20"/>
-    <p:sldId id="275" r:id="rId21"/>
-    <p:sldId id="276" r:id="rId22"/>
-    <p:sldId id="280" r:id="rId23"/>
-    <p:sldId id="277" r:id="rId24"/>
-    <p:sldId id="278" r:id="rId25"/>
-    <p:sldId id="281" r:id="rId26"/>
-    <p:sldId id="282" r:id="rId27"/>
-    <p:sldId id="283" r:id="rId28"/>
-    <p:sldId id="284" r:id="rId29"/>
-    <p:sldId id="285" r:id="rId30"/>
+    <p:sldId id="287" r:id="rId2"/>
+    <p:sldId id="286" r:id="rId3"/>
+    <p:sldId id="257" r:id="rId4"/>
+    <p:sldId id="258" r:id="rId5"/>
+    <p:sldId id="259" r:id="rId6"/>
+    <p:sldId id="261" r:id="rId7"/>
+    <p:sldId id="262" r:id="rId8"/>
+    <p:sldId id="263" r:id="rId9"/>
+    <p:sldId id="260" r:id="rId10"/>
+    <p:sldId id="264" r:id="rId11"/>
+    <p:sldId id="265" r:id="rId12"/>
+    <p:sldId id="266" r:id="rId13"/>
+    <p:sldId id="267" r:id="rId14"/>
+    <p:sldId id="268" r:id="rId15"/>
+    <p:sldId id="269" r:id="rId16"/>
+    <p:sldId id="270" r:id="rId17"/>
+    <p:sldId id="271" r:id="rId18"/>
+    <p:sldId id="272" r:id="rId19"/>
+    <p:sldId id="273" r:id="rId20"/>
+    <p:sldId id="274" r:id="rId21"/>
+    <p:sldId id="275" r:id="rId22"/>
+    <p:sldId id="276" r:id="rId23"/>
+    <p:sldId id="280" r:id="rId24"/>
+    <p:sldId id="277" r:id="rId25"/>
+    <p:sldId id="278" r:id="rId26"/>
+    <p:sldId id="281" r:id="rId27"/>
+    <p:sldId id="282" r:id="rId28"/>
+    <p:sldId id="283" r:id="rId29"/>
+    <p:sldId id="284" r:id="rId30"/>
+    <p:sldId id="285" r:id="rId31"/>
   </p:sldIdLst>
   <p:sldSz cx="9144000" cy="6858000" type="screen4x3"/>
   <p:notesSz cx="6858000" cy="9144000"/>
@@ -3820,12 +3821,12 @@
       </p:grpSpPr>
       <p:sp>
         <p:nvSpPr>
-          <p:cNvPr id="39938" name="Rectangle 2"/>
-          <p:cNvSpPr>
-            <a:spLocks noGrp="1" noChangeArrowheads="1"/>
-          </p:cNvSpPr>
-          <p:nvPr>
-            <p:ph type="title"/>
+          <p:cNvPr id="4" name="Title 3"/>
+          <p:cNvSpPr>
+            <a:spLocks noGrp="1"/>
+          </p:cNvSpPr>
+          <p:nvPr>
+            <p:ph type="ctrTitle"/>
           </p:nvPr>
         </p:nvSpPr>
         <p:spPr/>
@@ -3835,7 +3836,14 @@
           <a:p>
             <a:r>
               <a:rPr lang="en-US" dirty="0" smtClean="0"/>
-              <a:t>Reading</a:t>
+              <a:t>Maximum likelihood estimation</a:t>
+            </a:r>
+            <a:br>
+              <a:rPr lang="en-US" dirty="0" smtClean="0"/>
+            </a:br>
+            <a:r>
+              <a:rPr lang="en-US" dirty="0" smtClean="0"/>
+              <a:t>brief intro, fisheries example</a:t>
             </a:r>
             <a:endParaRPr lang="en-US" dirty="0"/>
           </a:p>
@@ -3843,12 +3851,12 @@
       </p:sp>
       <p:sp>
         <p:nvSpPr>
-          <p:cNvPr id="39939" name="Rectangle 3"/>
-          <p:cNvSpPr>
-            <a:spLocks noGrp="1" noChangeArrowheads="1"/>
-          </p:cNvSpPr>
-          <p:nvPr>
-            <p:ph type="body" idx="1"/>
+          <p:cNvPr id="5" name="Subtitle 4"/>
+          <p:cNvSpPr>
+            <a:spLocks noGrp="1"/>
+          </p:cNvSpPr>
+          <p:nvPr>
+            <p:ph type="subTitle" idx="1"/>
           </p:nvPr>
         </p:nvSpPr>
         <p:spPr/>
@@ -3857,52 +3865,474 @@
           <a:lstStyle/>
           <a:p>
             <a:r>
-              <a:rPr lang="en-US" dirty="0"/>
-              <a:t>Ecological </a:t>
-            </a:r>
-            <a:r>
               <a:rPr lang="en-US" dirty="0" smtClean="0"/>
-              <a:t>detective</a:t>
-            </a:r>
-            <a:r>
-              <a:rPr lang="en-US" dirty="0"/>
-              <a:t>:</a:t>
-            </a:r>
-          </a:p>
-          <a:p>
-            <a:pPr lvl="1"/>
-            <a:r>
-              <a:rPr lang="en-US" dirty="0"/>
-              <a:t>Chapter </a:t>
-            </a:r>
+              <a:t>25 March 2015</a:t>
+            </a:r>
+          </a:p>
+          <a:p>
+            <a:endParaRPr lang="en-US" dirty="0"/>
+          </a:p>
+          <a:p>
             <a:r>
               <a:rPr lang="en-US" dirty="0" smtClean="0"/>
-              <a:t>7 Likelihood and maximum likelihood</a:t>
-            </a:r>
+              <a:t>Acknowledgements: Andr</a:t>
+            </a:r>
+            <a:r>
+              <a:rPr lang="en-US" dirty="0" smtClean="0"/>
+              <a:t>é Punt</a:t>
+            </a:r>
+            <a:endParaRPr lang="en-US" dirty="0"/>
           </a:p>
         </p:txBody>
       </p:sp>
     </p:spTree>
     <p:extLst>
       <p:ext uri="{BB962C8B-B14F-4D97-AF65-F5344CB8AC3E}">
-        <p14:creationId xmlns:p14="http://schemas.microsoft.com/office/powerpoint/2010/main" val="3667798062"/>
+        <p14:creationId xmlns:p14="http://schemas.microsoft.com/office/powerpoint/2010/main" val="593389576"/>
       </p:ext>
     </p:extLst>
   </p:cSld>
   <p:clrMapOvr>
     <a:masterClrMapping/>
   </p:clrMapOvr>
-  <p:timing>
-    <p:tnLst>
-      <p:par>
-        <p:cTn xmlns:p14="http://schemas.microsoft.com/office/powerpoint/2010/main" id="1" dur="indefinite" restart="never" nodeType="tmRoot"/>
-      </p:par>
-    </p:tnLst>
-  </p:timing>
 </p:sld>
 </file>
 
 <file path=ppt/slides/slide10.xml><?xml version="1.0" encoding="utf-8"?>
+<p:sld xmlns:a="http://schemas.openxmlformats.org/drawingml/2006/main" xmlns:r="http://schemas.openxmlformats.org/officeDocument/2006/relationships" xmlns:p="http://schemas.openxmlformats.org/presentationml/2006/main" show="0">
+  <p:cSld>
+    <p:spTree>
+      <p:nvGrpSpPr>
+        <p:cNvPr id="1" name=""/>
+        <p:cNvGrpSpPr/>
+        <p:nvPr/>
+      </p:nvGrpSpPr>
+      <p:grpSpPr>
+        <a:xfrm>
+          <a:off x="0" y="0"/>
+          <a:ext cx="0" cy="0"/>
+          <a:chOff x="0" y="0"/>
+          <a:chExt cx="0" cy="0"/>
+        </a:xfrm>
+      </p:grpSpPr>
+      <p:sp>
+        <p:nvSpPr>
+          <p:cNvPr id="338946" name="Rectangle 2"/>
+          <p:cNvSpPr>
+            <a:spLocks noGrp="1" noChangeArrowheads="1"/>
+          </p:cNvSpPr>
+          <p:nvPr>
+            <p:ph type="title"/>
+          </p:nvPr>
+        </p:nvSpPr>
+        <p:spPr/>
+        <p:txBody>
+          <a:bodyPr/>
+          <a:lstStyle/>
+          <a:p>
+            <a:pPr algn="ctr"/>
+            <a:r>
+              <a:rPr lang="en-US" sz="3600"/>
+              <a:t>Optimization – some problems-I</a:t>
+            </a:r>
+          </a:p>
+        </p:txBody>
+      </p:sp>
+      <p:sp>
+        <p:nvSpPr>
+          <p:cNvPr id="338947" name="Rectangle 3"/>
+          <p:cNvSpPr>
+            <a:spLocks noGrp="1" noChangeArrowheads="1"/>
+          </p:cNvSpPr>
+          <p:nvPr>
+            <p:ph type="body" idx="1"/>
+          </p:nvPr>
+        </p:nvSpPr>
+        <p:spPr/>
+        <p:txBody>
+          <a:bodyPr/>
+          <a:lstStyle/>
+          <a:p>
+            <a:r>
+              <a:rPr lang="en-US"/>
+              <a:t>Local minima</a:t>
+            </a:r>
+          </a:p>
+          <a:p>
+            <a:endParaRPr lang="en-US"/>
+          </a:p>
+          <a:p>
+            <a:endParaRPr lang="en-US"/>
+          </a:p>
+        </p:txBody>
+      </p:sp>
+      <p:pic>
+        <p:nvPicPr>
+          <p:cNvPr id="338948" name="Picture 4"/>
+          <p:cNvPicPr>
+            <a:picLocks noChangeAspect="1" noChangeArrowheads="1"/>
+          </p:cNvPicPr>
+          <p:nvPr/>
+        </p:nvPicPr>
+        <p:blipFill>
+          <a:blip r:embed="rId2">
+            <a:extLst>
+              <a:ext uri="{28A0092B-C50C-407E-A947-70E740481C1C}">
+                <a14:useLocalDpi xmlns:a14="http://schemas.microsoft.com/office/drawing/2010/main" val="0"/>
+              </a:ext>
+            </a:extLst>
+          </a:blip>
+          <a:srcRect/>
+          <a:stretch>
+            <a:fillRect/>
+          </a:stretch>
+        </p:blipFill>
+        <p:spPr bwMode="auto">
+          <a:xfrm>
+            <a:off x="1371600" y="2590800"/>
+            <a:ext cx="6553200" cy="4267200"/>
+          </a:xfrm>
+          <a:prstGeom prst="rect">
+            <a:avLst/>
+          </a:prstGeom>
+          <a:noFill/>
+          <a:ln>
+            <a:noFill/>
+          </a:ln>
+          <a:effectLst/>
+          <a:extLst>
+            <a:ext uri="{909E8E84-426E-40dd-AFC4-6F175D3DCCD1}">
+              <a14:hiddenFill xmlns:a14="http://schemas.microsoft.com/office/drawing/2010/main">
+                <a:solidFill>
+                  <a:schemeClr val="accent1"/>
+                </a:solidFill>
+              </a14:hiddenFill>
+            </a:ext>
+            <a:ext uri="{91240B29-F687-4f45-9708-019B960494DF}">
+              <a14:hiddenLine xmlns:a14="http://schemas.microsoft.com/office/drawing/2010/main" w="9525">
+                <a:solidFill>
+                  <a:schemeClr val="tx1"/>
+                </a:solidFill>
+                <a:miter lim="800000"/>
+                <a:headEnd/>
+                <a:tailEnd/>
+              </a14:hiddenLine>
+            </a:ext>
+            <a:ext uri="{AF507438-7753-43e0-B8FC-AC1667EBCBE1}">
+              <a14:hiddenEffects xmlns:a14="http://schemas.microsoft.com/office/drawing/2010/main">
+                <a:effectLst>
+                  <a:outerShdw blurRad="63500" dist="38099" dir="2700000" algn="ctr" rotWithShape="0">
+                    <a:schemeClr val="bg2">
+                      <a:alpha val="74998"/>
+                    </a:schemeClr>
+                  </a:outerShdw>
+                </a:effectLst>
+              </a14:hiddenEffects>
+            </a:ext>
+          </a:extLst>
+        </p:spPr>
+      </p:pic>
+      <p:sp>
+        <p:nvSpPr>
+          <p:cNvPr id="338949" name="Line 5"/>
+          <p:cNvSpPr>
+            <a:spLocks noChangeShapeType="1"/>
+          </p:cNvSpPr>
+          <p:nvPr/>
+        </p:nvSpPr>
+        <p:spPr bwMode="auto">
+          <a:xfrm flipH="1">
+            <a:off x="5791200" y="3276600"/>
+            <a:ext cx="1371600" cy="914400"/>
+          </a:xfrm>
+          <a:prstGeom prst="line">
+            <a:avLst/>
+          </a:prstGeom>
+          <a:noFill/>
+          <a:ln w="38100">
+            <a:solidFill>
+              <a:schemeClr val="hlink"/>
+            </a:solidFill>
+            <a:round/>
+            <a:headEnd/>
+            <a:tailEnd type="triangle" w="med" len="med"/>
+          </a:ln>
+          <a:effectLst/>
+          <a:extLst>
+            <a:ext uri="{909E8E84-426E-40dd-AFC4-6F175D3DCCD1}">
+              <a14:hiddenFill xmlns:a14="http://schemas.microsoft.com/office/drawing/2010/main">
+                <a:noFill/>
+              </a14:hiddenFill>
+            </a:ext>
+            <a:ext uri="{AF507438-7753-43e0-B8FC-AC1667EBCBE1}">
+              <a14:hiddenEffects xmlns:a14="http://schemas.microsoft.com/office/drawing/2010/main">
+                <a:effectLst>
+                  <a:outerShdw blurRad="63500" dist="38099" dir="2700000" algn="ctr" rotWithShape="0">
+                    <a:schemeClr val="bg2">
+                      <a:alpha val="74998"/>
+                    </a:schemeClr>
+                  </a:outerShdw>
+                </a:effectLst>
+              </a14:hiddenEffects>
+            </a:ext>
+          </a:extLst>
+        </p:spPr>
+        <p:txBody>
+          <a:bodyPr wrap="none"/>
+          <a:lstStyle/>
+          <a:p>
+            <a:endParaRPr lang="en-US"/>
+          </a:p>
+        </p:txBody>
+      </p:sp>
+      <p:sp>
+        <p:nvSpPr>
+          <p:cNvPr id="338950" name="Line 6"/>
+          <p:cNvSpPr>
+            <a:spLocks noChangeShapeType="1"/>
+          </p:cNvSpPr>
+          <p:nvPr/>
+        </p:nvSpPr>
+        <p:spPr bwMode="auto">
+          <a:xfrm>
+            <a:off x="2362200" y="3733800"/>
+            <a:ext cx="0" cy="1752600"/>
+          </a:xfrm>
+          <a:prstGeom prst="line">
+            <a:avLst/>
+          </a:prstGeom>
+          <a:noFill/>
+          <a:ln w="38100">
+            <a:solidFill>
+              <a:schemeClr val="hlink"/>
+            </a:solidFill>
+            <a:round/>
+            <a:headEnd/>
+            <a:tailEnd type="triangle" w="med" len="med"/>
+          </a:ln>
+          <a:effectLst/>
+          <a:extLst>
+            <a:ext uri="{909E8E84-426E-40dd-AFC4-6F175D3DCCD1}">
+              <a14:hiddenFill xmlns:a14="http://schemas.microsoft.com/office/drawing/2010/main">
+                <a:noFill/>
+              </a14:hiddenFill>
+            </a:ext>
+            <a:ext uri="{AF507438-7753-43e0-B8FC-AC1667EBCBE1}">
+              <a14:hiddenEffects xmlns:a14="http://schemas.microsoft.com/office/drawing/2010/main">
+                <a:effectLst>
+                  <a:outerShdw blurRad="63500" dist="38099" dir="2700000" algn="ctr" rotWithShape="0">
+                    <a:schemeClr val="bg2">
+                      <a:alpha val="74998"/>
+                    </a:schemeClr>
+                  </a:outerShdw>
+                </a:effectLst>
+              </a14:hiddenEffects>
+            </a:ext>
+          </a:extLst>
+        </p:spPr>
+        <p:txBody>
+          <a:bodyPr wrap="none"/>
+          <a:lstStyle/>
+          <a:p>
+            <a:endParaRPr lang="en-US"/>
+          </a:p>
+        </p:txBody>
+      </p:sp>
+      <p:sp>
+        <p:nvSpPr>
+          <p:cNvPr id="338951" name="Text Box 7"/>
+          <p:cNvSpPr txBox="1">
+            <a:spLocks noChangeArrowheads="1"/>
+          </p:cNvSpPr>
+          <p:nvPr/>
+        </p:nvSpPr>
+        <p:spPr bwMode="auto">
+          <a:xfrm>
+            <a:off x="1033463" y="3005138"/>
+            <a:ext cx="2362200" cy="457200"/>
+          </a:xfrm>
+          <a:prstGeom prst="rect">
+            <a:avLst/>
+          </a:prstGeom>
+          <a:solidFill>
+            <a:schemeClr val="accent1"/>
+          </a:solidFill>
+          <a:ln>
+            <a:noFill/>
+          </a:ln>
+          <a:effectLst/>
+          <a:extLst>
+            <a:ext uri="{91240B29-F687-4f45-9708-019B960494DF}">
+              <a14:hiddenLine xmlns:a14="http://schemas.microsoft.com/office/drawing/2010/main" w="9525">
+                <a:solidFill>
+                  <a:schemeClr val="tx1"/>
+                </a:solidFill>
+                <a:miter lim="800000"/>
+                <a:headEnd/>
+                <a:tailEnd/>
+              </a14:hiddenLine>
+            </a:ext>
+            <a:ext uri="{AF507438-7753-43e0-B8FC-AC1667EBCBE1}">
+              <a14:hiddenEffects xmlns:a14="http://schemas.microsoft.com/office/drawing/2010/main">
+                <a:effectLst>
+                  <a:outerShdw blurRad="63500" dist="38099" dir="2700000" algn="ctr" rotWithShape="0">
+                    <a:schemeClr val="bg2">
+                      <a:alpha val="74998"/>
+                    </a:schemeClr>
+                  </a:outerShdw>
+                </a:effectLst>
+              </a14:hiddenEffects>
+            </a:ext>
+          </a:extLst>
+        </p:spPr>
+        <p:txBody>
+          <a:bodyPr wrap="none">
+            <a:spAutoFit/>
+          </a:bodyPr>
+          <a:lstStyle/>
+          <a:p>
+            <a:r>
+              <a:rPr lang="en-US"/>
+              <a:t>Global minimum</a:t>
+            </a:r>
+          </a:p>
+        </p:txBody>
+      </p:sp>
+      <p:sp>
+        <p:nvSpPr>
+          <p:cNvPr id="338952" name="Text Box 8"/>
+          <p:cNvSpPr txBox="1">
+            <a:spLocks noChangeArrowheads="1"/>
+          </p:cNvSpPr>
+          <p:nvPr/>
+        </p:nvSpPr>
+        <p:spPr bwMode="auto">
+          <a:xfrm>
+            <a:off x="5222875" y="4681538"/>
+            <a:ext cx="2214563" cy="457200"/>
+          </a:xfrm>
+          <a:prstGeom prst="rect">
+            <a:avLst/>
+          </a:prstGeom>
+          <a:solidFill>
+            <a:schemeClr val="accent1"/>
+          </a:solidFill>
+          <a:ln>
+            <a:noFill/>
+          </a:ln>
+          <a:effectLst/>
+          <a:extLst>
+            <a:ext uri="{91240B29-F687-4f45-9708-019B960494DF}">
+              <a14:hiddenLine xmlns:a14="http://schemas.microsoft.com/office/drawing/2010/main" w="9525">
+                <a:solidFill>
+                  <a:schemeClr val="tx1"/>
+                </a:solidFill>
+                <a:miter lim="800000"/>
+                <a:headEnd/>
+                <a:tailEnd/>
+              </a14:hiddenLine>
+            </a:ext>
+            <a:ext uri="{AF507438-7753-43e0-B8FC-AC1667EBCBE1}">
+              <a14:hiddenEffects xmlns:a14="http://schemas.microsoft.com/office/drawing/2010/main">
+                <a:effectLst>
+                  <a:outerShdw blurRad="63500" dist="38099" dir="2700000" algn="ctr" rotWithShape="0">
+                    <a:schemeClr val="bg2">
+                      <a:alpha val="74998"/>
+                    </a:schemeClr>
+                  </a:outerShdw>
+                </a:effectLst>
+              </a14:hiddenEffects>
+            </a:ext>
+          </a:extLst>
+        </p:spPr>
+        <p:txBody>
+          <a:bodyPr wrap="none">
+            <a:spAutoFit/>
+          </a:bodyPr>
+          <a:lstStyle/>
+          <a:p>
+            <a:r>
+              <a:rPr lang="en-US"/>
+              <a:t>Local minimum</a:t>
+            </a:r>
+          </a:p>
+        </p:txBody>
+      </p:sp>
+      <p:sp>
+        <p:nvSpPr>
+          <p:cNvPr id="338953" name="Line 9"/>
+          <p:cNvSpPr>
+            <a:spLocks noChangeShapeType="1"/>
+          </p:cNvSpPr>
+          <p:nvPr/>
+        </p:nvSpPr>
+        <p:spPr bwMode="auto">
+          <a:xfrm flipH="1" flipV="1">
+            <a:off x="5943600" y="4267200"/>
+            <a:ext cx="304800" cy="381000"/>
+          </a:xfrm>
+          <a:prstGeom prst="line">
+            <a:avLst/>
+          </a:prstGeom>
+          <a:noFill/>
+          <a:ln w="38100">
+            <a:solidFill>
+              <a:schemeClr val="hlink"/>
+            </a:solidFill>
+            <a:round/>
+            <a:headEnd/>
+            <a:tailEnd type="triangle" w="med" len="med"/>
+          </a:ln>
+          <a:effectLst/>
+          <a:extLst>
+            <a:ext uri="{909E8E84-426E-40dd-AFC4-6F175D3DCCD1}">
+              <a14:hiddenFill xmlns:a14="http://schemas.microsoft.com/office/drawing/2010/main">
+                <a:noFill/>
+              </a14:hiddenFill>
+            </a:ext>
+            <a:ext uri="{AF507438-7753-43e0-B8FC-AC1667EBCBE1}">
+              <a14:hiddenEffects xmlns:a14="http://schemas.microsoft.com/office/drawing/2010/main">
+                <a:effectLst>
+                  <a:outerShdw blurRad="63500" dist="38099" dir="2700000" algn="ctr" rotWithShape="0">
+                    <a:schemeClr val="bg2">
+                      <a:alpha val="74998"/>
+                    </a:schemeClr>
+                  </a:outerShdw>
+                </a:effectLst>
+              </a14:hiddenEffects>
+            </a:ext>
+          </a:extLst>
+        </p:spPr>
+        <p:txBody>
+          <a:bodyPr wrap="none"/>
+          <a:lstStyle/>
+          <a:p>
+            <a:endParaRPr lang="en-US"/>
+          </a:p>
+        </p:txBody>
+      </p:sp>
+    </p:spTree>
+    <p:extLst>
+      <p:ext uri="{BB962C8B-B14F-4D97-AF65-F5344CB8AC3E}">
+        <p14:creationId xmlns:p14="http://schemas.microsoft.com/office/powerpoint/2010/main" val="3581114503"/>
+      </p:ext>
+    </p:extLst>
+  </p:cSld>
+  <p:clrMapOvr>
+    <a:masterClrMapping/>
+  </p:clrMapOvr>
+  <mc:AlternateContent xmlns:mc="http://schemas.openxmlformats.org/markup-compatibility/2006">
+    <mc:Choice xmlns:p14="http://schemas.microsoft.com/office/powerpoint/2010/main" Requires="p14">
+      <p:transition spd="slow" p14:dur="2000"/>
+    </mc:Choice>
+    <mc:Fallback>
+      <p:transition xmlns:p14="http://schemas.microsoft.com/office/powerpoint/2010/main" spd="slow"/>
+    </mc:Fallback>
+  </mc:AlternateContent>
+</p:sld>
+</file>
+
+<file path=ppt/slides/slide11.xml><?xml version="1.0" encoding="utf-8"?>
 <p:sld xmlns:a="http://schemas.openxmlformats.org/drawingml/2006/main" xmlns:r="http://schemas.openxmlformats.org/officeDocument/2006/relationships" xmlns:p="http://schemas.openxmlformats.org/presentationml/2006/main" show="0">
   <p:cSld>
     <p:spTree>
@@ -4322,7 +4752,7 @@
 </p:sld>
 </file>
 
-<file path=ppt/slides/slide11.xml><?xml version="1.0" encoding="utf-8"?>
+<file path=ppt/slides/slide12.xml><?xml version="1.0" encoding="utf-8"?>
 <p:sld xmlns:a="http://schemas.openxmlformats.org/drawingml/2006/main" xmlns:r="http://schemas.openxmlformats.org/officeDocument/2006/relationships" xmlns:p="http://schemas.openxmlformats.org/presentationml/2006/main" show="0">
   <p:cSld>
     <p:spTree>
@@ -4454,111 +4884,6 @@
 </p:sld>
 </file>
 
-<file path=ppt/slides/slide12.xml><?xml version="1.0" encoding="utf-8"?>
-<p:sld xmlns:a="http://schemas.openxmlformats.org/drawingml/2006/main" xmlns:r="http://schemas.openxmlformats.org/officeDocument/2006/relationships" xmlns:p="http://schemas.openxmlformats.org/presentationml/2006/main">
-  <p:cSld>
-    <p:spTree>
-      <p:nvGrpSpPr>
-        <p:cNvPr id="1" name=""/>
-        <p:cNvGrpSpPr/>
-        <p:nvPr/>
-      </p:nvGrpSpPr>
-      <p:grpSpPr>
-        <a:xfrm>
-          <a:off x="0" y="0"/>
-          <a:ext cx="0" cy="0"/>
-          <a:chOff x="0" y="0"/>
-          <a:chExt cx="0" cy="0"/>
-        </a:xfrm>
-      </p:grpSpPr>
-      <p:sp>
-        <p:nvSpPr>
-          <p:cNvPr id="325634" name="Rectangle 2"/>
-          <p:cNvSpPr>
-            <a:spLocks noGrp="1" noChangeArrowheads="1"/>
-          </p:cNvSpPr>
-          <p:nvPr>
-            <p:ph type="title"/>
-          </p:nvPr>
-        </p:nvSpPr>
-        <p:spPr/>
-        <p:txBody>
-          <a:bodyPr>
-            <a:normAutofit fontScale="90000"/>
-          </a:bodyPr>
-          <a:lstStyle/>
-          <a:p>
-            <a:pPr algn="ctr"/>
-            <a:r>
-              <a:rPr lang="en-US" dirty="0"/>
-              <a:t>The Principle of </a:t>
-            </a:r>
-            <a:r>
-              <a:rPr lang="en-US" dirty="0" smtClean="0"/>
-              <a:t>Maximum Likelihood (ML) </a:t>
-            </a:r>
-            <a:r>
-              <a:rPr lang="en-US" dirty="0"/>
-              <a:t>Estimation</a:t>
-            </a:r>
-          </a:p>
-        </p:txBody>
-      </p:sp>
-      <p:sp>
-        <p:nvSpPr>
-          <p:cNvPr id="325635" name="Rectangle 3"/>
-          <p:cNvSpPr>
-            <a:spLocks noGrp="1" noChangeArrowheads="1"/>
-          </p:cNvSpPr>
-          <p:nvPr>
-            <p:ph type="body" idx="1"/>
-          </p:nvPr>
-        </p:nvSpPr>
-        <p:spPr/>
-        <p:txBody>
-          <a:bodyPr/>
-          <a:lstStyle/>
-          <a:p>
-            <a:r>
-              <a:rPr lang="en-US" sz="2800" dirty="0"/>
-              <a:t>We wish to select the values for the parameters so that the probability that the model generated (is responsible for) the data is a high as possible.</a:t>
-            </a:r>
-          </a:p>
-          <a:p>
-            <a:r>
-              <a:rPr lang="en-US" sz="2800" dirty="0"/>
-              <a:t>Taken another way: if we have two candidate sets of parameters and the probability that one generated the data is ten times the other, we would naturally prefer the former.</a:t>
-            </a:r>
-          </a:p>
-          <a:p>
-            <a:r>
-              <a:rPr lang="en-US" sz="2800" dirty="0"/>
-              <a:t>OK, so how </a:t>
-            </a:r>
-            <a:r>
-              <a:rPr lang="en-US" sz="2800" dirty="0" smtClean="0"/>
-              <a:t>do </a:t>
-            </a:r>
-            <a:r>
-              <a:rPr lang="en-US" sz="2800" dirty="0"/>
-              <a:t>we define this probability.</a:t>
-            </a:r>
-          </a:p>
-        </p:txBody>
-      </p:sp>
-    </p:spTree>
-    <p:extLst>
-      <p:ext uri="{BB962C8B-B14F-4D97-AF65-F5344CB8AC3E}">
-        <p14:creationId xmlns:p14="http://schemas.microsoft.com/office/powerpoint/2010/main" val="1332460134"/>
-      </p:ext>
-    </p:extLst>
-  </p:cSld>
-  <p:clrMapOvr>
-    <a:masterClrMapping/>
-  </p:clrMapOvr>
-</p:sld>
-</file>
-
 <file path=ppt/slides/slide13.xml><?xml version="1.0" encoding="utf-8"?>
 <p:sld xmlns:a="http://schemas.openxmlformats.org/drawingml/2006/main" xmlns:r="http://schemas.openxmlformats.org/officeDocument/2006/relationships" xmlns:p="http://schemas.openxmlformats.org/presentationml/2006/main">
   <p:cSld>
@@ -4578,6 +4903,111 @@
       </p:grpSpPr>
       <p:sp>
         <p:nvSpPr>
+          <p:cNvPr id="325634" name="Rectangle 2"/>
+          <p:cNvSpPr>
+            <a:spLocks noGrp="1" noChangeArrowheads="1"/>
+          </p:cNvSpPr>
+          <p:nvPr>
+            <p:ph type="title"/>
+          </p:nvPr>
+        </p:nvSpPr>
+        <p:spPr/>
+        <p:txBody>
+          <a:bodyPr>
+            <a:normAutofit fontScale="90000"/>
+          </a:bodyPr>
+          <a:lstStyle/>
+          <a:p>
+            <a:pPr algn="ctr"/>
+            <a:r>
+              <a:rPr lang="en-US" dirty="0"/>
+              <a:t>The Principle of </a:t>
+            </a:r>
+            <a:r>
+              <a:rPr lang="en-US" dirty="0" smtClean="0"/>
+              <a:t>Maximum Likelihood (ML) </a:t>
+            </a:r>
+            <a:r>
+              <a:rPr lang="en-US" dirty="0"/>
+              <a:t>Estimation</a:t>
+            </a:r>
+          </a:p>
+        </p:txBody>
+      </p:sp>
+      <p:sp>
+        <p:nvSpPr>
+          <p:cNvPr id="325635" name="Rectangle 3"/>
+          <p:cNvSpPr>
+            <a:spLocks noGrp="1" noChangeArrowheads="1"/>
+          </p:cNvSpPr>
+          <p:nvPr>
+            <p:ph type="body" idx="1"/>
+          </p:nvPr>
+        </p:nvSpPr>
+        <p:spPr/>
+        <p:txBody>
+          <a:bodyPr/>
+          <a:lstStyle/>
+          <a:p>
+            <a:r>
+              <a:rPr lang="en-US" sz="2800" dirty="0"/>
+              <a:t>We wish to select the values for the parameters so that the probability that the model generated (is responsible for) the data is a high as possible.</a:t>
+            </a:r>
+          </a:p>
+          <a:p>
+            <a:r>
+              <a:rPr lang="en-US" sz="2800" dirty="0"/>
+              <a:t>Taken another way: if we have two candidate sets of parameters and the probability that one generated the data is ten times the other, we would naturally prefer the former.</a:t>
+            </a:r>
+          </a:p>
+          <a:p>
+            <a:r>
+              <a:rPr lang="en-US" sz="2800" dirty="0"/>
+              <a:t>OK, so how </a:t>
+            </a:r>
+            <a:r>
+              <a:rPr lang="en-US" sz="2800" dirty="0" smtClean="0"/>
+              <a:t>do </a:t>
+            </a:r>
+            <a:r>
+              <a:rPr lang="en-US" sz="2800" dirty="0"/>
+              <a:t>we define this probability.</a:t>
+            </a:r>
+          </a:p>
+        </p:txBody>
+      </p:sp>
+    </p:spTree>
+    <p:extLst>
+      <p:ext uri="{BB962C8B-B14F-4D97-AF65-F5344CB8AC3E}">
+        <p14:creationId xmlns:p14="http://schemas.microsoft.com/office/powerpoint/2010/main" val="1332460134"/>
+      </p:ext>
+    </p:extLst>
+  </p:cSld>
+  <p:clrMapOvr>
+    <a:masterClrMapping/>
+  </p:clrMapOvr>
+</p:sld>
+</file>
+
+<file path=ppt/slides/slide14.xml><?xml version="1.0" encoding="utf-8"?>
+<p:sld xmlns:a="http://schemas.openxmlformats.org/drawingml/2006/main" xmlns:r="http://schemas.openxmlformats.org/officeDocument/2006/relationships" xmlns:p="http://schemas.openxmlformats.org/presentationml/2006/main">
+  <p:cSld>
+    <p:spTree>
+      <p:nvGrpSpPr>
+        <p:cNvPr id="1" name=""/>
+        <p:cNvGrpSpPr/>
+        <p:nvPr/>
+      </p:nvGrpSpPr>
+      <p:grpSpPr>
+        <a:xfrm>
+          <a:off x="0" y="0"/>
+          <a:ext cx="0" cy="0"/>
+          <a:chOff x="0" y="0"/>
+          <a:chExt cx="0" cy="0"/>
+        </a:xfrm>
+      </p:grpSpPr>
+      <p:sp>
+        <p:nvSpPr>
           <p:cNvPr id="326658" name="Rectangle 1026"/>
           <p:cNvSpPr>
             <a:spLocks noGrp="1" noChangeArrowheads="1"/>
@@ -4673,7 +5103,7 @@
           <a:graphicData uri="http://schemas.openxmlformats.org/presentationml/2006/ole">
             <mc:AlternateContent xmlns:mc="http://schemas.openxmlformats.org/markup-compatibility/2006">
               <mc:Choice xmlns:v="urn:schemas-microsoft-com:vml" Requires="v">
-                <p:oleObj spid="_x0000_s12323" name="Equation" r:id="rId3" imgW="2044440" imgH="215640" progId="Equation.DSMT4">
+                <p:oleObj spid="_x0000_s12326" name="Equation" r:id="rId3" imgW="2044440" imgH="215640" progId="Equation.DSMT4">
                   <p:embed/>
                 </p:oleObj>
               </mc:Choice>
@@ -4745,7 +5175,7 @@
           <a:graphicData uri="http://schemas.openxmlformats.org/presentationml/2006/ole">
             <mc:AlternateContent xmlns:mc="http://schemas.openxmlformats.org/markup-compatibility/2006">
               <mc:Choice xmlns:v="urn:schemas-microsoft-com:vml" Requires="v">
-                <p:oleObj spid="_x0000_s12324" name="Equation" r:id="rId5" imgW="1168200" imgH="228600" progId="Equation.3">
+                <p:oleObj spid="_x0000_s12327" name="Equation" r:id="rId5" imgW="1168200" imgH="228600" progId="Equation.3">
                   <p:embed/>
                 </p:oleObj>
               </mc:Choice>
@@ -4808,7 +5238,7 @@
 </p:sld>
 </file>
 
-<file path=ppt/slides/slide14.xml><?xml version="1.0" encoding="utf-8"?>
+<file path=ppt/slides/slide15.xml><?xml version="1.0" encoding="utf-8"?>
 <p:sld xmlns:a="http://schemas.openxmlformats.org/drawingml/2006/main" xmlns:r="http://schemas.openxmlformats.org/officeDocument/2006/relationships" xmlns:p="http://schemas.openxmlformats.org/presentationml/2006/main">
   <p:cSld>
     <p:spTree>
@@ -4930,7 +5360,7 @@
           <a:graphicData uri="http://schemas.openxmlformats.org/presentationml/2006/ole">
             <mc:AlternateContent xmlns:mc="http://schemas.openxmlformats.org/markup-compatibility/2006">
               <mc:Choice xmlns:v="urn:schemas-microsoft-com:vml" Requires="v">
-                <p:oleObj spid="_x0000_s13349" name="Equation" r:id="rId3" imgW="2057400" imgH="228600" progId="Equation.DSMT4">
+                <p:oleObj spid="_x0000_s13352" name="Equation" r:id="rId3" imgW="2057400" imgH="228600" progId="Equation.DSMT4">
                   <p:embed/>
                 </p:oleObj>
               </mc:Choice>
@@ -5025,7 +5455,7 @@
           <a:graphicData uri="http://schemas.openxmlformats.org/presentationml/2006/ole">
             <mc:AlternateContent xmlns:mc="http://schemas.openxmlformats.org/markup-compatibility/2006">
               <mc:Choice xmlns:v="urn:schemas-microsoft-com:vml" Requires="v">
-                <p:oleObj spid="_x0000_s13350" name="Equation" r:id="rId5" imgW="1523880" imgH="495000" progId="Equation.3">
+                <p:oleObj spid="_x0000_s13353" name="Equation" r:id="rId5" imgW="1523880" imgH="495000" progId="Equation.3">
                   <p:embed/>
                 </p:oleObj>
               </mc:Choice>
@@ -5117,7 +5547,7 @@
 </p:sld>
 </file>
 
-<file path=ppt/slides/slide15.xml><?xml version="1.0" encoding="utf-8"?>
+<file path=ppt/slides/slide16.xml><?xml version="1.0" encoding="utf-8"?>
 <p:sld xmlns:a="http://schemas.openxmlformats.org/drawingml/2006/main" xmlns:r="http://schemas.openxmlformats.org/officeDocument/2006/relationships" xmlns:p="http://schemas.openxmlformats.org/presentationml/2006/main">
   <p:cSld>
     <p:spTree>
@@ -5629,7 +6059,7 @@
 </p:sld>
 </file>
 
-<file path=ppt/slides/slide16.xml><?xml version="1.0" encoding="utf-8"?>
+<file path=ppt/slides/slide17.xml><?xml version="1.0" encoding="utf-8"?>
 <p:sld xmlns:a="http://schemas.openxmlformats.org/drawingml/2006/main" xmlns:r="http://schemas.openxmlformats.org/officeDocument/2006/relationships" xmlns:p="http://schemas.openxmlformats.org/presentationml/2006/main">
   <p:cSld>
     <p:spTree>
@@ -5725,7 +6155,7 @@
           <a:graphicData uri="http://schemas.openxmlformats.org/presentationml/2006/ole">
             <mc:AlternateContent xmlns:mc="http://schemas.openxmlformats.org/markup-compatibility/2006">
               <mc:Choice xmlns:v="urn:schemas-microsoft-com:vml" Requires="v">
-                <p:oleObj spid="_x0000_s15397" name="Equation" r:id="rId3" imgW="2286000" imgH="241200" progId="Equation.DSMT4">
+                <p:oleObj spid="_x0000_s15400" name="Equation" r:id="rId3" imgW="2286000" imgH="241200" progId="Equation.DSMT4">
                   <p:embed/>
                 </p:oleObj>
               </mc:Choice>
@@ -5826,7 +6256,7 @@
           <a:graphicData uri="http://schemas.openxmlformats.org/presentationml/2006/ole">
             <mc:AlternateContent xmlns:mc="http://schemas.openxmlformats.org/markup-compatibility/2006">
               <mc:Choice xmlns:v="urn:schemas-microsoft-com:vml" Requires="v">
-                <p:oleObj spid="_x0000_s15398" name="Equation" r:id="rId5" imgW="2831760" imgH="241200" progId="Equation.3">
+                <p:oleObj spid="_x0000_s15401" name="Equation" r:id="rId5" imgW="2831760" imgH="241200" progId="Equation.3">
                   <p:embed/>
                 </p:oleObj>
               </mc:Choice>
@@ -5918,7 +6348,7 @@
 </p:sld>
 </file>
 
-<file path=ppt/slides/slide17.xml><?xml version="1.0" encoding="utf-8"?>
+<file path=ppt/slides/slide18.xml><?xml version="1.0" encoding="utf-8"?>
 <p:sld xmlns:a="http://schemas.openxmlformats.org/drawingml/2006/main" xmlns:r="http://schemas.openxmlformats.org/officeDocument/2006/relationships" xmlns:p="http://schemas.openxmlformats.org/presentationml/2006/main">
   <p:cSld>
     <p:spTree>
@@ -6042,7 +6472,7 @@
 </p:sld>
 </file>
 
-<file path=ppt/slides/slide18.xml><?xml version="1.0" encoding="utf-8"?>
+<file path=ppt/slides/slide19.xml><?xml version="1.0" encoding="utf-8"?>
 <p:sld xmlns:a="http://schemas.openxmlformats.org/drawingml/2006/main" xmlns:r="http://schemas.openxmlformats.org/officeDocument/2006/relationships" xmlns:p="http://schemas.openxmlformats.org/presentationml/2006/main">
   <p:cSld>
     <p:spTree>
@@ -6287,7 +6717,7 @@
           <a:graphicData uri="http://schemas.openxmlformats.org/presentationml/2006/ole">
             <mc:AlternateContent xmlns:mc="http://schemas.openxmlformats.org/markup-compatibility/2006">
               <mc:Choice xmlns:v="urn:schemas-microsoft-com:vml" Requires="v">
-                <p:oleObj spid="_x0000_s17427" name="Equation" r:id="rId5" imgW="1523880" imgH="495000" progId="Equation.3">
+                <p:oleObj spid="_x0000_s17429" name="Equation" r:id="rId5" imgW="1523880" imgH="495000" progId="Equation.3">
                   <p:embed/>
                 </p:oleObj>
               </mc:Choice>
@@ -6379,7 +6809,108 @@
 </p:sld>
 </file>
 
-<file path=ppt/slides/slide19.xml><?xml version="1.0" encoding="utf-8"?>
+<file path=ppt/slides/slide2.xml><?xml version="1.0" encoding="utf-8"?>
+<p:sld xmlns:a="http://schemas.openxmlformats.org/drawingml/2006/main" xmlns:r="http://schemas.openxmlformats.org/officeDocument/2006/relationships" xmlns:p="http://schemas.openxmlformats.org/presentationml/2006/main">
+  <p:cSld>
+    <p:spTree>
+      <p:nvGrpSpPr>
+        <p:cNvPr id="1" name=""/>
+        <p:cNvGrpSpPr/>
+        <p:nvPr/>
+      </p:nvGrpSpPr>
+      <p:grpSpPr>
+        <a:xfrm>
+          <a:off x="0" y="0"/>
+          <a:ext cx="0" cy="0"/>
+          <a:chOff x="0" y="0"/>
+          <a:chExt cx="0" cy="0"/>
+        </a:xfrm>
+      </p:grpSpPr>
+      <p:sp>
+        <p:nvSpPr>
+          <p:cNvPr id="39938" name="Rectangle 2"/>
+          <p:cNvSpPr>
+            <a:spLocks noGrp="1" noChangeArrowheads="1"/>
+          </p:cNvSpPr>
+          <p:nvPr>
+            <p:ph type="title"/>
+          </p:nvPr>
+        </p:nvSpPr>
+        <p:spPr/>
+        <p:txBody>
+          <a:bodyPr/>
+          <a:lstStyle/>
+          <a:p>
+            <a:r>
+              <a:rPr lang="en-US" dirty="0" smtClean="0"/>
+              <a:t>Reading</a:t>
+            </a:r>
+            <a:endParaRPr lang="en-US" dirty="0"/>
+          </a:p>
+        </p:txBody>
+      </p:sp>
+      <p:sp>
+        <p:nvSpPr>
+          <p:cNvPr id="39939" name="Rectangle 3"/>
+          <p:cNvSpPr>
+            <a:spLocks noGrp="1" noChangeArrowheads="1"/>
+          </p:cNvSpPr>
+          <p:nvPr>
+            <p:ph type="body" idx="1"/>
+          </p:nvPr>
+        </p:nvSpPr>
+        <p:spPr/>
+        <p:txBody>
+          <a:bodyPr/>
+          <a:lstStyle/>
+          <a:p>
+            <a:r>
+              <a:rPr lang="en-US" dirty="0"/>
+              <a:t>Ecological </a:t>
+            </a:r>
+            <a:r>
+              <a:rPr lang="en-US" dirty="0" smtClean="0"/>
+              <a:t>detective</a:t>
+            </a:r>
+            <a:r>
+              <a:rPr lang="en-US" dirty="0"/>
+              <a:t>:</a:t>
+            </a:r>
+          </a:p>
+          <a:p>
+            <a:pPr lvl="1"/>
+            <a:r>
+              <a:rPr lang="en-US" dirty="0"/>
+              <a:t>Chapter </a:t>
+            </a:r>
+            <a:r>
+              <a:rPr lang="en-US" dirty="0" smtClean="0"/>
+              <a:t>7 Likelihood and maximum likelihood</a:t>
+            </a:r>
+          </a:p>
+        </p:txBody>
+      </p:sp>
+    </p:spTree>
+    <p:extLst>
+      <p:ext uri="{BB962C8B-B14F-4D97-AF65-F5344CB8AC3E}">
+        <p14:creationId xmlns:p14="http://schemas.microsoft.com/office/powerpoint/2010/main" val="3667798062"/>
+      </p:ext>
+    </p:extLst>
+  </p:cSld>
+  <p:clrMapOvr>
+    <a:masterClrMapping/>
+  </p:clrMapOvr>
+  <p:timing>
+    <p:tnLst>
+      <p:par>
+        <p:cTn xmlns:p14="http://schemas.microsoft.com/office/powerpoint/2010/main" id="1" dur="indefinite" restart="never" nodeType="tmRoot"/>
+      </p:par>
+    </p:tnLst>
+  </p:timing>
+</p:sld>
+</file>
+
+<file path=ppt/slides/slide20.xml><?xml version="1.0" encoding="utf-8"?>
 <p:sld xmlns:a="http://schemas.openxmlformats.org/drawingml/2006/main" xmlns:r="http://schemas.openxmlformats.org/officeDocument/2006/relationships" xmlns:p="http://schemas.openxmlformats.org/presentationml/2006/main">
   <p:cSld>
     <p:spTree>
@@ -6826,7 +7357,7 @@
 </p:sld>
 </file>
 
-<file path=ppt/slides/slide2.xml><?xml version="1.0" encoding="utf-8"?>
+<file path=ppt/slides/slide21.xml><?xml version="1.0" encoding="utf-8"?>
 <p:sld xmlns:a="http://schemas.openxmlformats.org/drawingml/2006/main" xmlns:r="http://schemas.openxmlformats.org/officeDocument/2006/relationships" xmlns:p="http://schemas.openxmlformats.org/presentationml/2006/main">
   <p:cSld>
     <p:spTree>
@@ -6845,139 +7376,6 @@
       </p:grpSpPr>
       <p:sp>
         <p:nvSpPr>
-          <p:cNvPr id="285698" name="Rectangle 2"/>
-          <p:cNvSpPr>
-            <a:spLocks noGrp="1" noChangeArrowheads="1"/>
-          </p:cNvSpPr>
-          <p:nvPr>
-            <p:ph type="title"/>
-          </p:nvPr>
-        </p:nvSpPr>
-        <p:spPr/>
-        <p:txBody>
-          <a:bodyPr>
-            <a:normAutofit fontScale="90000"/>
-          </a:bodyPr>
-          <a:lstStyle/>
-          <a:p>
-            <a:pPr algn="ctr"/>
-            <a:r>
-              <a:rPr lang="en-US" sz="4000"/>
-              <a:t>What do we mean by </a:t>
-            </a:r>
-            <a:br>
-              <a:rPr lang="en-US" sz="4000"/>
-            </a:br>
-            <a:r>
-              <a:rPr lang="en-US" sz="4000"/>
-              <a:t>“Fitting to Data” and why do it?</a:t>
-            </a:r>
-          </a:p>
-        </p:txBody>
-      </p:sp>
-      <p:sp>
-        <p:nvSpPr>
-          <p:cNvPr id="285699" name="Rectangle 3"/>
-          <p:cNvSpPr>
-            <a:spLocks noGrp="1" noChangeArrowheads="1"/>
-          </p:cNvSpPr>
-          <p:nvPr>
-            <p:ph type="body" idx="1"/>
-          </p:nvPr>
-        </p:nvSpPr>
-        <p:spPr/>
-        <p:txBody>
-          <a:bodyPr/>
-          <a:lstStyle/>
-          <a:p>
-            <a:pPr>
-              <a:lnSpc>
-                <a:spcPct val="90000"/>
-              </a:lnSpc>
-            </a:pPr>
-            <a:r>
-              <a:rPr lang="en-US" sz="2800" dirty="0"/>
-              <a:t>Fitting to data provides the basis for:</a:t>
-            </a:r>
-          </a:p>
-          <a:p>
-            <a:pPr lvl="1">
-              <a:lnSpc>
-                <a:spcPct val="90000"/>
-              </a:lnSpc>
-            </a:pPr>
-            <a:r>
-              <a:rPr lang="en-US" sz="2400" dirty="0"/>
-              <a:t>setting the values for the parameters of a model and hence computing the values for the state variables.</a:t>
-            </a:r>
-          </a:p>
-          <a:p>
-            <a:pPr lvl="1">
-              <a:lnSpc>
-                <a:spcPct val="90000"/>
-              </a:lnSpc>
-            </a:pPr>
-            <a:r>
-              <a:rPr lang="en-US" sz="2400" dirty="0"/>
-              <a:t>evaluating whether a model can mimic the existing data adequately (if it can’t, perhaps we should eliminate it).</a:t>
-            </a:r>
-          </a:p>
-          <a:p>
-            <a:pPr lvl="1">
-              <a:lnSpc>
-                <a:spcPct val="90000"/>
-              </a:lnSpc>
-            </a:pPr>
-            <a:r>
-              <a:rPr lang="en-US" sz="2400" dirty="0"/>
-              <a:t>comparing different hypotheses (represented by the models that fit the data adequately - to some extent).</a:t>
-            </a:r>
-          </a:p>
-          <a:p>
-            <a:pPr lvl="1">
-              <a:lnSpc>
-                <a:spcPct val="90000"/>
-              </a:lnSpc>
-            </a:pPr>
-            <a:r>
-              <a:rPr lang="en-US" sz="2400" dirty="0"/>
-              <a:t>assessing the amount of uncertainty.</a:t>
-            </a:r>
-          </a:p>
-        </p:txBody>
-      </p:sp>
-    </p:spTree>
-    <p:extLst>
-      <p:ext uri="{BB962C8B-B14F-4D97-AF65-F5344CB8AC3E}">
-        <p14:creationId xmlns:p14="http://schemas.microsoft.com/office/powerpoint/2010/main" val="2806423538"/>
-      </p:ext>
-    </p:extLst>
-  </p:cSld>
-  <p:clrMapOvr>
-    <a:masterClrMapping/>
-  </p:clrMapOvr>
-</p:sld>
-</file>
-
-<file path=ppt/slides/slide20.xml><?xml version="1.0" encoding="utf-8"?>
-<p:sld xmlns:a="http://schemas.openxmlformats.org/drawingml/2006/main" xmlns:r="http://schemas.openxmlformats.org/officeDocument/2006/relationships" xmlns:p="http://schemas.openxmlformats.org/presentationml/2006/main">
-  <p:cSld>
-    <p:spTree>
-      <p:nvGrpSpPr>
-        <p:cNvPr id="1" name=""/>
-        <p:cNvGrpSpPr/>
-        <p:nvPr/>
-      </p:nvGrpSpPr>
-      <p:grpSpPr>
-        <a:xfrm>
-          <a:off x="0" y="0"/>
-          <a:ext cx="0" cy="0"/>
-          <a:chOff x="0" y="0"/>
-          <a:chExt cx="0" cy="0"/>
-        </a:xfrm>
-      </p:grpSpPr>
-      <p:sp>
-        <p:nvSpPr>
           <p:cNvPr id="334850" name="Rectangle 2"/>
           <p:cNvSpPr>
             <a:spLocks noGrp="1" noChangeArrowheads="1"/>
@@ -7176,7 +7574,7 @@
           <a:graphicData uri="http://schemas.openxmlformats.org/presentationml/2006/ole">
             <mc:AlternateContent xmlns:mc="http://schemas.openxmlformats.org/markup-compatibility/2006">
               <mc:Choice xmlns:v="urn:schemas-microsoft-com:vml" Requires="v">
-                <p:oleObj spid="_x0000_s19493" name="Equation" r:id="rId3" imgW="5448240" imgH="507960" progId="Equation.DSMT4">
+                <p:oleObj spid="_x0000_s19496" name="Equation" r:id="rId3" imgW="5448240" imgH="507960" progId="Equation.DSMT4">
                   <p:embed/>
                 </p:oleObj>
               </mc:Choice>
@@ -7277,7 +7675,7 @@
           <a:graphicData uri="http://schemas.openxmlformats.org/presentationml/2006/ole">
             <mc:AlternateContent xmlns:mc="http://schemas.openxmlformats.org/markup-compatibility/2006">
               <mc:Choice xmlns:v="urn:schemas-microsoft-com:vml" Requires="v">
-                <p:oleObj spid="_x0000_s19494" name="Equation" r:id="rId5" imgW="571320" imgH="444240" progId="Equation.3">
+                <p:oleObj spid="_x0000_s19497" name="Equation" r:id="rId5" imgW="571320" imgH="444240" progId="Equation.3">
                   <p:embed/>
                 </p:oleObj>
               </mc:Choice>
@@ -7369,7 +7767,7 @@
 </p:sld>
 </file>
 
-<file path=ppt/slides/slide21.xml><?xml version="1.0" encoding="utf-8"?>
+<file path=ppt/slides/slide22.xml><?xml version="1.0" encoding="utf-8"?>
 <p:sld xmlns:a="http://schemas.openxmlformats.org/drawingml/2006/main" xmlns:r="http://schemas.openxmlformats.org/officeDocument/2006/relationships" xmlns:p="http://schemas.openxmlformats.org/presentationml/2006/main">
   <p:cSld>
     <p:spTree>
@@ -7510,7 +7908,7 @@
           <a:graphicData uri="http://schemas.openxmlformats.org/presentationml/2006/ole">
             <mc:AlternateContent xmlns:mc="http://schemas.openxmlformats.org/markup-compatibility/2006">
               <mc:Choice xmlns:v="urn:schemas-microsoft-com:vml" Requires="v">
-                <p:oleObj spid="_x0000_s20551" name="Equation" r:id="rId3" imgW="711000" imgH="228600" progId="Equation.DSMT4">
+                <p:oleObj spid="_x0000_s20556" name="Equation" r:id="rId3" imgW="711000" imgH="228600" progId="Equation.DSMT4">
                   <p:embed/>
                 </p:oleObj>
               </mc:Choice>
@@ -7612,7 +8010,7 @@
           <a:graphicData uri="http://schemas.openxmlformats.org/presentationml/2006/ole">
             <mc:AlternateContent xmlns:mc="http://schemas.openxmlformats.org/markup-compatibility/2006">
               <mc:Choice xmlns:v="urn:schemas-microsoft-com:vml" Requires="v">
-                <p:oleObj spid="_x0000_s20552" name="Equation" r:id="rId5" imgW="1828800" imgH="241200" progId="Equation.DSMT4">
+                <p:oleObj spid="_x0000_s20557" name="Equation" r:id="rId5" imgW="1828800" imgH="241200" progId="Equation.DSMT4">
                   <p:embed/>
                 </p:oleObj>
               </mc:Choice>
@@ -7685,7 +8083,7 @@
           <a:graphicData uri="http://schemas.openxmlformats.org/presentationml/2006/ole">
             <mc:AlternateContent xmlns:mc="http://schemas.openxmlformats.org/markup-compatibility/2006">
               <mc:Choice xmlns:v="urn:schemas-microsoft-com:vml" Requires="v">
-                <p:oleObj spid="_x0000_s20553" name="Equation" r:id="rId7" imgW="1549080" imgH="482400" progId="Equation.DSMT4">
+                <p:oleObj spid="_x0000_s20558" name="Equation" r:id="rId7" imgW="1549080" imgH="482400" progId="Equation.DSMT4">
                   <p:embed/>
                 </p:oleObj>
               </mc:Choice>
@@ -7998,7 +8396,7 @@
           <a:graphicData uri="http://schemas.openxmlformats.org/presentationml/2006/ole">
             <mc:AlternateContent xmlns:mc="http://schemas.openxmlformats.org/markup-compatibility/2006">
               <mc:Choice xmlns:v="urn:schemas-microsoft-com:vml" Requires="v">
-                <p:oleObj spid="_x0000_s20554" name="Equation" r:id="rId9" imgW="2197080" imgH="342720" progId="Equation.3">
+                <p:oleObj spid="_x0000_s20559" name="Equation" r:id="rId9" imgW="2197080" imgH="342720" progId="Equation.3">
                   <p:embed/>
                 </p:oleObj>
               </mc:Choice>
@@ -8061,7 +8459,7 @@
 </p:sld>
 </file>
 
-<file path=ppt/slides/slide22.xml><?xml version="1.0" encoding="utf-8"?>
+<file path=ppt/slides/slide23.xml><?xml version="1.0" encoding="utf-8"?>
 <p:sld xmlns:a="http://schemas.openxmlformats.org/drawingml/2006/main" xmlns:r="http://schemas.openxmlformats.org/officeDocument/2006/relationships" xmlns:p="http://schemas.openxmlformats.org/presentationml/2006/main">
   <p:cSld>
     <p:spTree>
@@ -8244,7 +8642,7 @@
           <a:graphicData uri="http://schemas.openxmlformats.org/presentationml/2006/ole">
             <mc:AlternateContent xmlns:mc="http://schemas.openxmlformats.org/markup-compatibility/2006">
               <mc:Choice xmlns:v="urn:schemas-microsoft-com:vml" Requires="v">
-                <p:oleObj spid="_x0000_s24596" name="Equation" r:id="rId3" imgW="2819160" imgH="533160" progId="Equation.3">
+                <p:oleObj spid="_x0000_s24598" name="Equation" r:id="rId3" imgW="2819160" imgH="533160" progId="Equation.3">
                   <p:embed/>
                 </p:oleObj>
               </mc:Choice>
@@ -8336,140 +8734,6 @@
 </p:sld>
 </file>
 
-<file path=ppt/slides/slide23.xml><?xml version="1.0" encoding="utf-8"?>
-<p:sld xmlns:a="http://schemas.openxmlformats.org/drawingml/2006/main" xmlns:r="http://schemas.openxmlformats.org/officeDocument/2006/relationships" xmlns:p="http://schemas.openxmlformats.org/presentationml/2006/main">
-  <p:cSld>
-    <p:spTree>
-      <p:nvGrpSpPr>
-        <p:cNvPr id="1" name=""/>
-        <p:cNvGrpSpPr/>
-        <p:nvPr/>
-      </p:nvGrpSpPr>
-      <p:grpSpPr>
-        <a:xfrm>
-          <a:off x="0" y="0"/>
-          <a:ext cx="0" cy="0"/>
-          <a:chOff x="0" y="0"/>
-          <a:chExt cx="0" cy="0"/>
-        </a:xfrm>
-      </p:grpSpPr>
-      <p:sp>
-        <p:nvSpPr>
-          <p:cNvPr id="335874" name="Rectangle 1026"/>
-          <p:cNvSpPr>
-            <a:spLocks noGrp="1" noChangeArrowheads="1"/>
-          </p:cNvSpPr>
-          <p:nvPr>
-            <p:ph type="title"/>
-          </p:nvPr>
-        </p:nvSpPr>
-        <p:spPr/>
-        <p:txBody>
-          <a:bodyPr/>
-          <a:lstStyle/>
-          <a:p>
-            <a:pPr algn="ctr"/>
-            <a:r>
-              <a:rPr lang="en-US"/>
-              <a:t>Time for an Example!</a:t>
-            </a:r>
-          </a:p>
-        </p:txBody>
-      </p:sp>
-      <p:sp>
-        <p:nvSpPr>
-          <p:cNvPr id="335875" name="Rectangle 1027"/>
-          <p:cNvSpPr>
-            <a:spLocks noGrp="1" noChangeArrowheads="1"/>
-          </p:cNvSpPr>
-          <p:nvPr>
-            <p:ph type="body" idx="1"/>
-          </p:nvPr>
-        </p:nvSpPr>
-        <p:spPr/>
-        <p:txBody>
-          <a:bodyPr/>
-          <a:lstStyle/>
-          <a:p>
-            <a:r>
-              <a:rPr lang="en-US" sz="2800" dirty="0"/>
-              <a:t>We wish to fit the Dynamic Schaefer model to the </a:t>
-            </a:r>
-            <a:r>
-              <a:rPr lang="en-US" sz="2800" dirty="0" smtClean="0"/>
-              <a:t>yellowtail survey </a:t>
-            </a:r>
-            <a:r>
-              <a:rPr lang="en-US" sz="2800" dirty="0"/>
-              <a:t>data.</a:t>
-            </a:r>
-          </a:p>
-          <a:p>
-            <a:pPr lvl="1"/>
-            <a:r>
-              <a:rPr lang="en-US" sz="2400" i="1" dirty="0"/>
-              <a:t>q</a:t>
-            </a:r>
-            <a:r>
-              <a:rPr lang="en-US" sz="2400" dirty="0"/>
-              <a:t> is </a:t>
-            </a:r>
-            <a:r>
-              <a:rPr lang="en-US" sz="2400" dirty="0" smtClean="0"/>
-              <a:t>the </a:t>
-            </a:r>
-            <a:r>
-              <a:rPr lang="en-US" sz="2400" dirty="0" err="1" smtClean="0"/>
-              <a:t>catchability</a:t>
-            </a:r>
-            <a:r>
-              <a:rPr lang="en-US" sz="2400" dirty="0" smtClean="0"/>
-              <a:t>: </a:t>
-            </a:r>
-            <a:r>
-              <a:rPr lang="en-US" sz="2400" dirty="0" smtClean="0"/>
-              <a:t>the surveys provides relative </a:t>
-            </a:r>
-            <a:r>
-              <a:rPr lang="en-US" sz="2400" dirty="0"/>
-              <a:t>indices of abundance.</a:t>
-            </a:r>
-          </a:p>
-          <a:p>
-            <a:pPr lvl="1"/>
-            <a:r>
-              <a:rPr lang="en-US" sz="2400" dirty="0"/>
-              <a:t>We have information on the </a:t>
-            </a:r>
-            <a:r>
-              <a:rPr lang="en-US" sz="2400" dirty="0" smtClean="0"/>
-              <a:t>survey catch rates from 196X-2013.</a:t>
-            </a:r>
-            <a:endParaRPr lang="en-US" sz="2400" dirty="0"/>
-          </a:p>
-        </p:txBody>
-      </p:sp>
-    </p:spTree>
-    <p:extLst>
-      <p:ext uri="{BB962C8B-B14F-4D97-AF65-F5344CB8AC3E}">
-        <p14:creationId xmlns:p14="http://schemas.microsoft.com/office/powerpoint/2010/main" val="3144304066"/>
-      </p:ext>
-    </p:extLst>
-  </p:cSld>
-  <p:clrMapOvr>
-    <a:masterClrMapping/>
-  </p:clrMapOvr>
-  <mc:AlternateContent xmlns:mc="http://schemas.openxmlformats.org/markup-compatibility/2006">
-    <mc:Choice xmlns:p14="http://schemas.microsoft.com/office/powerpoint/2010/main" Requires="p14">
-      <p:transition spd="slow" p14:dur="2000"/>
-    </mc:Choice>
-    <mc:Fallback>
-      <p:transition xmlns:p14="http://schemas.microsoft.com/office/powerpoint/2010/main" spd="slow"/>
-    </mc:Fallback>
-  </mc:AlternateContent>
-</p:sld>
-</file>
-
 <file path=ppt/slides/slide24.xml><?xml version="1.0" encoding="utf-8"?>
 <p:sld xmlns:a="http://schemas.openxmlformats.org/drawingml/2006/main" xmlns:r="http://schemas.openxmlformats.org/officeDocument/2006/relationships" xmlns:p="http://schemas.openxmlformats.org/presentationml/2006/main">
   <p:cSld>
@@ -8489,6 +8753,136 @@
       </p:grpSpPr>
       <p:sp>
         <p:nvSpPr>
+          <p:cNvPr id="335874" name="Rectangle 1026"/>
+          <p:cNvSpPr>
+            <a:spLocks noGrp="1" noChangeArrowheads="1"/>
+          </p:cNvSpPr>
+          <p:nvPr>
+            <p:ph type="title"/>
+          </p:nvPr>
+        </p:nvSpPr>
+        <p:spPr/>
+        <p:txBody>
+          <a:bodyPr/>
+          <a:lstStyle/>
+          <a:p>
+            <a:pPr algn="ctr"/>
+            <a:r>
+              <a:rPr lang="en-US"/>
+              <a:t>Time for an Example!</a:t>
+            </a:r>
+          </a:p>
+        </p:txBody>
+      </p:sp>
+      <p:sp>
+        <p:nvSpPr>
+          <p:cNvPr id="335875" name="Rectangle 1027"/>
+          <p:cNvSpPr>
+            <a:spLocks noGrp="1" noChangeArrowheads="1"/>
+          </p:cNvSpPr>
+          <p:nvPr>
+            <p:ph type="body" idx="1"/>
+          </p:nvPr>
+        </p:nvSpPr>
+        <p:spPr/>
+        <p:txBody>
+          <a:bodyPr/>
+          <a:lstStyle/>
+          <a:p>
+            <a:r>
+              <a:rPr lang="en-US" sz="2800" dirty="0"/>
+              <a:t>We wish to fit the Dynamic Schaefer model to the </a:t>
+            </a:r>
+            <a:r>
+              <a:rPr lang="en-US" sz="2800" dirty="0" smtClean="0"/>
+              <a:t>yellowtail survey </a:t>
+            </a:r>
+            <a:r>
+              <a:rPr lang="en-US" sz="2800" dirty="0"/>
+              <a:t>data.</a:t>
+            </a:r>
+          </a:p>
+          <a:p>
+            <a:pPr lvl="1"/>
+            <a:r>
+              <a:rPr lang="en-US" sz="2400" i="1" dirty="0"/>
+              <a:t>q</a:t>
+            </a:r>
+            <a:r>
+              <a:rPr lang="en-US" sz="2400" dirty="0"/>
+              <a:t> is </a:t>
+            </a:r>
+            <a:r>
+              <a:rPr lang="en-US" sz="2400" dirty="0" smtClean="0"/>
+              <a:t>the </a:t>
+            </a:r>
+            <a:r>
+              <a:rPr lang="en-US" sz="2400" dirty="0" err="1" smtClean="0"/>
+              <a:t>catchability</a:t>
+            </a:r>
+            <a:r>
+              <a:rPr lang="en-US" sz="2400" dirty="0" smtClean="0"/>
+              <a:t>: the surveys provides relative </a:t>
+            </a:r>
+            <a:r>
+              <a:rPr lang="en-US" sz="2400" dirty="0"/>
+              <a:t>indices of abundance.</a:t>
+            </a:r>
+          </a:p>
+          <a:p>
+            <a:pPr lvl="1"/>
+            <a:r>
+              <a:rPr lang="en-US" sz="2400" dirty="0"/>
+              <a:t>We have information on the </a:t>
+            </a:r>
+            <a:r>
+              <a:rPr lang="en-US" sz="2400" dirty="0" smtClean="0"/>
+              <a:t>survey catch rates from 196X-2013.</a:t>
+            </a:r>
+            <a:endParaRPr lang="en-US" sz="2400" dirty="0"/>
+          </a:p>
+        </p:txBody>
+      </p:sp>
+    </p:spTree>
+    <p:extLst>
+      <p:ext uri="{BB962C8B-B14F-4D97-AF65-F5344CB8AC3E}">
+        <p14:creationId xmlns:p14="http://schemas.microsoft.com/office/powerpoint/2010/main" val="3144304066"/>
+      </p:ext>
+    </p:extLst>
+  </p:cSld>
+  <p:clrMapOvr>
+    <a:masterClrMapping/>
+  </p:clrMapOvr>
+  <mc:AlternateContent xmlns:mc="http://schemas.openxmlformats.org/markup-compatibility/2006" xmlns:p14="http://schemas.microsoft.com/office/powerpoint/2010/main">
+    <mc:Choice Requires="p14">
+      <p:transition spd="slow" p14:dur="2000"/>
+    </mc:Choice>
+    <mc:Fallback xmlns="">
+      <p:transition xmlns:p14="http://schemas.microsoft.com/office/powerpoint/2010/main" spd="slow"/>
+    </mc:Fallback>
+  </mc:AlternateContent>
+</p:sld>
+</file>
+
+<file path=ppt/slides/slide25.xml><?xml version="1.0" encoding="utf-8"?>
+<p:sld xmlns:a="http://schemas.openxmlformats.org/drawingml/2006/main" xmlns:r="http://schemas.openxmlformats.org/officeDocument/2006/relationships" xmlns:p="http://schemas.openxmlformats.org/presentationml/2006/main">
+  <p:cSld>
+    <p:spTree>
+      <p:nvGrpSpPr>
+        <p:cNvPr id="1" name=""/>
+        <p:cNvGrpSpPr/>
+        <p:nvPr/>
+      </p:nvGrpSpPr>
+      <p:grpSpPr>
+        <a:xfrm>
+          <a:off x="0" y="0"/>
+          <a:ext cx="0" cy="0"/>
+          <a:chOff x="0" y="0"/>
+          <a:chExt cx="0" cy="0"/>
+        </a:xfrm>
+      </p:grpSpPr>
+      <p:sp>
+        <p:nvSpPr>
           <p:cNvPr id="338946" name="Rectangle 2"/>
           <p:cNvSpPr>
             <a:spLocks noGrp="1" noChangeArrowheads="1"/>
@@ -8572,23 +8966,7 @@
             </a:r>
             <a:r>
               <a:rPr lang="en-US" sz="2400" dirty="0" smtClean="0"/>
-              <a:t>log</a:t>
-            </a:r>
-            <a:r>
-              <a:rPr lang="en-US" sz="2400" dirty="0" smtClean="0"/>
-              <a:t>-normal likelihoods </a:t>
-            </a:r>
-            <a:r>
-              <a:rPr lang="en-US" sz="2400" dirty="0" smtClean="0"/>
-              <a:t>for each of the </a:t>
-            </a:r>
-            <a:r>
-              <a:rPr lang="en-US" sz="2400" dirty="0" smtClean="0"/>
-              <a:t>survey </a:t>
-            </a:r>
-            <a:r>
-              <a:rPr lang="en-US" sz="2400" dirty="0" smtClean="0"/>
-              <a:t>estimates. </a:t>
+              <a:t>log-normal likelihoods for each of the survey estimates. </a:t>
             </a:r>
             <a:r>
               <a:rPr lang="en-US" sz="2400" dirty="0"/>
@@ -8693,7 +9071,7 @@
           <a:graphicData uri="http://schemas.openxmlformats.org/presentationml/2006/ole">
             <mc:AlternateContent xmlns:mc="http://schemas.openxmlformats.org/markup-compatibility/2006">
               <mc:Choice xmlns:v="urn:schemas-microsoft-com:vml" Requires="v">
-                <p:oleObj spid="_x0000_s22563" name="Equation" r:id="rId3" imgW="4953000" imgH="457200" progId="Equation.3">
+                <p:oleObj spid="_x0000_s22566" name="Equation" r:id="rId3" imgW="4953000" imgH="457200" progId="Equation.3">
                   <p:embed/>
                 </p:oleObj>
               </mc:Choice>
@@ -8788,7 +9166,7 @@
           <a:graphicData uri="http://schemas.openxmlformats.org/presentationml/2006/ole">
             <mc:AlternateContent xmlns:mc="http://schemas.openxmlformats.org/markup-compatibility/2006">
               <mc:Choice xmlns:v="urn:schemas-microsoft-com:vml" Requires="v">
-                <p:oleObj spid="_x0000_s22564" name="Equation" r:id="rId5" imgW="1752600" imgH="406400" progId="Equation.3">
+                <p:oleObj spid="_x0000_s22567" name="Equation" r:id="rId5" imgW="1752600" imgH="406400" progId="Equation.3">
                   <p:embed/>
                 </p:oleObj>
               </mc:Choice>
@@ -8842,18 +9220,18 @@
   <p:clrMapOvr>
     <a:masterClrMapping/>
   </p:clrMapOvr>
-  <mc:AlternateContent xmlns:mc="http://schemas.openxmlformats.org/markup-compatibility/2006">
-    <mc:Choice xmlns:p14="http://schemas.microsoft.com/office/powerpoint/2010/main" Requires="p14">
+  <mc:AlternateContent xmlns:mc="http://schemas.openxmlformats.org/markup-compatibility/2006" xmlns:p14="http://schemas.microsoft.com/office/powerpoint/2010/main">
+    <mc:Choice Requires="p14">
       <p:transition spd="slow" p14:dur="2000"/>
     </mc:Choice>
-    <mc:Fallback>
+    <mc:Fallback xmlns="">
       <p:transition xmlns:p14="http://schemas.microsoft.com/office/powerpoint/2010/main" spd="slow"/>
     </mc:Fallback>
   </mc:AlternateContent>
 </p:sld>
 </file>
 
-<file path=ppt/slides/slide25.xml><?xml version="1.0" encoding="utf-8"?>
+<file path=ppt/slides/slide26.xml><?xml version="1.0" encoding="utf-8"?>
 <p:sld xmlns:a="http://schemas.openxmlformats.org/drawingml/2006/main" xmlns:r="http://schemas.openxmlformats.org/officeDocument/2006/relationships" xmlns:p="http://schemas.openxmlformats.org/presentationml/2006/main">
   <p:cSld>
     <p:spTree>
@@ -8921,7 +9299,7 @@
           <a:graphicData uri="http://schemas.openxmlformats.org/presentationml/2006/ole">
             <mc:AlternateContent xmlns:mc="http://schemas.openxmlformats.org/markup-compatibility/2006">
               <mc:Choice xmlns:v="urn:schemas-microsoft-com:vml" Requires="v">
-                <p:oleObj spid="_x0000_s25619" name="Equation" r:id="rId3" imgW="2946400" imgH="1409700" progId="Equation.3">
+                <p:oleObj spid="_x0000_s25621" name="Equation" r:id="rId3" imgW="2946400" imgH="1409700" progId="Equation.3">
                   <p:embed/>
                 </p:oleObj>
               </mc:Choice>
@@ -9126,7 +9504,7 @@
 </p:sld>
 </file>
 
-<file path=ppt/slides/slide26.xml><?xml version="1.0" encoding="utf-8"?>
+<file path=ppt/slides/slide27.xml><?xml version="1.0" encoding="utf-8"?>
 <p:sld xmlns:a="http://schemas.openxmlformats.org/drawingml/2006/main" xmlns:r="http://schemas.openxmlformats.org/officeDocument/2006/relationships" xmlns:p="http://schemas.openxmlformats.org/presentationml/2006/main">
   <p:cSld>
     <p:spTree>
@@ -9197,7 +9575,7 @@
           <a:graphicData uri="http://schemas.openxmlformats.org/presentationml/2006/ole">
             <mc:AlternateContent xmlns:mc="http://schemas.openxmlformats.org/markup-compatibility/2006">
               <mc:Choice xmlns:v="urn:schemas-microsoft-com:vml" Requires="v">
-                <p:oleObj spid="_x0000_s26661" name="Equation" r:id="rId3" imgW="1612900" imgH="1168400" progId="Equation.3">
+                <p:oleObj spid="_x0000_s26664" name="Equation" r:id="rId3" imgW="1612900" imgH="1168400" progId="Equation.3">
                   <p:embed/>
                 </p:oleObj>
               </mc:Choice>
@@ -9358,7 +9736,7 @@
           <a:graphicData uri="http://schemas.openxmlformats.org/presentationml/2006/ole">
             <mc:AlternateContent xmlns:mc="http://schemas.openxmlformats.org/markup-compatibility/2006">
               <mc:Choice xmlns:v="urn:schemas-microsoft-com:vml" Requires="v">
-                <p:oleObj spid="_x0000_s26662" name="Equation" r:id="rId5" imgW="152400" imgH="139700" progId="Equation.3">
+                <p:oleObj spid="_x0000_s26665" name="Equation" r:id="rId5" imgW="152400" imgH="139700" progId="Equation.3">
                   <p:embed/>
                 </p:oleObj>
               </mc:Choice>
@@ -9444,120 +9822,6 @@
 </p:sld>
 </file>
 
-<file path=ppt/slides/slide27.xml><?xml version="1.0" encoding="utf-8"?>
-<p:sld xmlns:a="http://schemas.openxmlformats.org/drawingml/2006/main" xmlns:r="http://schemas.openxmlformats.org/officeDocument/2006/relationships" xmlns:p="http://schemas.openxmlformats.org/presentationml/2006/main">
-  <p:cSld>
-    <p:spTree>
-      <p:nvGrpSpPr>
-        <p:cNvPr id="1" name=""/>
-        <p:cNvGrpSpPr/>
-        <p:nvPr/>
-      </p:nvGrpSpPr>
-      <p:grpSpPr>
-        <a:xfrm>
-          <a:off x="0" y="0"/>
-          <a:ext cx="0" cy="0"/>
-          <a:chOff x="0" y="0"/>
-          <a:chExt cx="0" cy="0"/>
-        </a:xfrm>
-      </p:grpSpPr>
-      <p:sp>
-        <p:nvSpPr>
-          <p:cNvPr id="372738" name="Rectangle 2"/>
-          <p:cNvSpPr>
-            <a:spLocks noGrp="1" noChangeArrowheads="1"/>
-          </p:cNvSpPr>
-          <p:nvPr>
-            <p:ph type="title"/>
-          </p:nvPr>
-        </p:nvSpPr>
-        <p:spPr/>
-        <p:txBody>
-          <a:bodyPr/>
-          <a:lstStyle/>
-          <a:p>
-            <a:pPr algn="ctr"/>
-            <a:r>
-              <a:rPr lang="en-US"/>
-              <a:t>Recap Time</a:t>
-            </a:r>
-          </a:p>
-        </p:txBody>
-      </p:sp>
-      <p:sp>
-        <p:nvSpPr>
-          <p:cNvPr id="372739" name="Rectangle 3"/>
-          <p:cNvSpPr>
-            <a:spLocks noGrp="1" noChangeArrowheads="1"/>
-          </p:cNvSpPr>
-          <p:nvPr>
-            <p:ph type="body" idx="1"/>
-          </p:nvPr>
-        </p:nvSpPr>
-        <p:spPr/>
-        <p:txBody>
-          <a:bodyPr/>
-          <a:lstStyle/>
-          <a:p>
-            <a:r>
-              <a:rPr lang="en-US"/>
-              <a:t>To apply Maximum Likelihood we:</a:t>
-            </a:r>
-          </a:p>
-          <a:p>
-            <a:pPr lvl="1"/>
-            <a:r>
-              <a:rPr lang="en-US"/>
-              <a:t>Find a model for the underlying process.</a:t>
-            </a:r>
-          </a:p>
-          <a:p>
-            <a:pPr lvl="1"/>
-            <a:r>
-              <a:rPr lang="en-US"/>
-              <a:t>Identify how the data relate to this model (i.e. which error / sampling distribution to use).</a:t>
-            </a:r>
-          </a:p>
-          <a:p>
-            <a:pPr lvl="1"/>
-            <a:r>
-              <a:rPr lang="en-US"/>
-              <a:t>Write down the likelihood function.</a:t>
-            </a:r>
-          </a:p>
-          <a:p>
-            <a:pPr lvl="1"/>
-            <a:r>
-              <a:rPr lang="en-US"/>
-              <a:t>Write down the negative log-likelihood.</a:t>
-            </a:r>
-          </a:p>
-          <a:p>
-            <a:pPr lvl="1"/>
-            <a:r>
-              <a:rPr lang="en-US"/>
-              <a:t>Minimize the negative log-likelihood.</a:t>
-            </a:r>
-          </a:p>
-          <a:p>
-            <a:pPr lvl="1"/>
-            <a:endParaRPr lang="en-US"/>
-          </a:p>
-        </p:txBody>
-      </p:sp>
-    </p:spTree>
-    <p:extLst>
-      <p:ext uri="{BB962C8B-B14F-4D97-AF65-F5344CB8AC3E}">
-        <p14:creationId xmlns:p14="http://schemas.microsoft.com/office/powerpoint/2010/main" val="1090163171"/>
-      </p:ext>
-    </p:extLst>
-  </p:cSld>
-  <p:clrMapOvr>
-    <a:masterClrMapping/>
-  </p:clrMapOvr>
-</p:sld>
-</file>
-
 <file path=ppt/slides/slide28.xml><?xml version="1.0" encoding="utf-8"?>
 <p:sld xmlns:a="http://schemas.openxmlformats.org/drawingml/2006/main" xmlns:r="http://schemas.openxmlformats.org/officeDocument/2006/relationships" xmlns:p="http://schemas.openxmlformats.org/presentationml/2006/main">
   <p:cSld>
@@ -9577,7 +9841,7 @@
       </p:grpSpPr>
       <p:sp>
         <p:nvSpPr>
-          <p:cNvPr id="377858" name="Rectangle 2"/>
+          <p:cNvPr id="372738" name="Rectangle 2"/>
           <p:cNvSpPr>
             <a:spLocks noGrp="1" noChangeArrowheads="1"/>
           </p:cNvSpPr>
@@ -9593,1302 +9857,76 @@
             <a:pPr algn="ctr"/>
             <a:r>
               <a:rPr lang="en-US"/>
-              <a:t>Likelihood “Cheat sheet”</a:t>
-            </a:r>
-          </a:p>
-        </p:txBody>
-      </p:sp>
-      <p:sp>
-        <p:nvSpPr>
-          <p:cNvPr id="377860" name="Text Box 4"/>
-          <p:cNvSpPr txBox="1">
-            <a:spLocks noChangeArrowheads="1"/>
-          </p:cNvSpPr>
-          <p:nvPr/>
-        </p:nvSpPr>
-        <p:spPr bwMode="auto">
-          <a:xfrm>
-            <a:off x="3967163" y="1905000"/>
-            <a:ext cx="957262" cy="457200"/>
-          </a:xfrm>
-          <a:prstGeom prst="rect">
-            <a:avLst/>
-          </a:prstGeom>
-          <a:noFill/>
-          <a:ln>
-            <a:noFill/>
-          </a:ln>
-          <a:effectLst/>
-          <a:extLst>
-            <a:ext uri="{909E8E84-426E-40dd-AFC4-6F175D3DCCD1}">
-              <a14:hiddenFill xmlns:a14="http://schemas.microsoft.com/office/drawing/2010/main">
-                <a:solidFill>
-                  <a:schemeClr val="accent1"/>
-                </a:solidFill>
-              </a14:hiddenFill>
-            </a:ext>
-            <a:ext uri="{91240B29-F687-4f45-9708-019B960494DF}">
-              <a14:hiddenLine xmlns:a14="http://schemas.microsoft.com/office/drawing/2010/main" w="9525">
-                <a:solidFill>
-                  <a:schemeClr val="tx1"/>
-                </a:solidFill>
-                <a:miter lim="800000"/>
-                <a:headEnd/>
-                <a:tailEnd/>
-              </a14:hiddenLine>
-            </a:ext>
-            <a:ext uri="{AF507438-7753-43e0-B8FC-AC1667EBCBE1}">
-              <a14:hiddenEffects xmlns:a14="http://schemas.microsoft.com/office/drawing/2010/main">
-                <a:effectLst>
-                  <a:outerShdw blurRad="63500" dist="38099" dir="2700000" algn="ctr" rotWithShape="0">
-                    <a:schemeClr val="bg2">
-                      <a:alpha val="74998"/>
-                    </a:schemeClr>
-                  </a:outerShdw>
-                </a:effectLst>
-              </a14:hiddenEffects>
-            </a:ext>
-          </a:extLst>
-        </p:spPr>
-        <p:txBody>
-          <a:bodyPr wrap="none">
-            <a:spAutoFit/>
-          </a:bodyPr>
+              <a:t>Recap Time</a:t>
+            </a:r>
+          </a:p>
+        </p:txBody>
+      </p:sp>
+      <p:sp>
+        <p:nvSpPr>
+          <p:cNvPr id="372739" name="Rectangle 3"/>
+          <p:cNvSpPr>
+            <a:spLocks noGrp="1" noChangeArrowheads="1"/>
+          </p:cNvSpPr>
+          <p:nvPr>
+            <p:ph type="body" idx="1"/>
+          </p:nvPr>
+        </p:nvSpPr>
+        <p:spPr/>
+        <p:txBody>
+          <a:bodyPr/>
           <a:lstStyle/>
           <a:p>
             <a:r>
               <a:rPr lang="en-US"/>
-              <a:t>Data?</a:t>
-            </a:r>
-          </a:p>
-        </p:txBody>
-      </p:sp>
-      <p:sp>
-        <p:nvSpPr>
-          <p:cNvPr id="377861" name="Text Box 5"/>
-          <p:cNvSpPr txBox="1">
-            <a:spLocks noChangeArrowheads="1"/>
-          </p:cNvSpPr>
-          <p:nvPr/>
-        </p:nvSpPr>
-        <p:spPr bwMode="auto">
-          <a:xfrm>
-            <a:off x="1143000" y="2514600"/>
-            <a:ext cx="1684338" cy="457200"/>
-          </a:xfrm>
-          <a:prstGeom prst="rect">
-            <a:avLst/>
-          </a:prstGeom>
-          <a:noFill/>
-          <a:ln>
-            <a:noFill/>
-          </a:ln>
-          <a:effectLst/>
-          <a:extLst>
-            <a:ext uri="{909E8E84-426E-40dd-AFC4-6F175D3DCCD1}">
-              <a14:hiddenFill xmlns:a14="http://schemas.microsoft.com/office/drawing/2010/main">
-                <a:solidFill>
-                  <a:schemeClr val="accent1"/>
-                </a:solidFill>
-              </a14:hiddenFill>
-            </a:ext>
-            <a:ext uri="{91240B29-F687-4f45-9708-019B960494DF}">
-              <a14:hiddenLine xmlns:a14="http://schemas.microsoft.com/office/drawing/2010/main" w="9525">
-                <a:solidFill>
-                  <a:schemeClr val="tx1"/>
-                </a:solidFill>
-                <a:miter lim="800000"/>
-                <a:headEnd/>
-                <a:tailEnd/>
-              </a14:hiddenLine>
-            </a:ext>
-            <a:ext uri="{AF507438-7753-43e0-B8FC-AC1667EBCBE1}">
-              <a14:hiddenEffects xmlns:a14="http://schemas.microsoft.com/office/drawing/2010/main">
-                <a:effectLst>
-                  <a:outerShdw blurRad="63500" dist="38099" dir="2700000" algn="ctr" rotWithShape="0">
-                    <a:schemeClr val="bg2">
-                      <a:alpha val="74998"/>
-                    </a:schemeClr>
-                  </a:outerShdw>
-                </a:effectLst>
-              </a14:hiddenEffects>
-            </a:ext>
-          </a:extLst>
-        </p:spPr>
-        <p:txBody>
-          <a:bodyPr wrap="none">
-            <a:spAutoFit/>
-          </a:bodyPr>
-          <a:lstStyle/>
-          <a:p>
+              <a:t>To apply Maximum Likelihood we:</a:t>
+            </a:r>
+          </a:p>
+          <a:p>
+            <a:pPr lvl="1"/>
             <a:r>
               <a:rPr lang="en-US"/>
-              <a:t>Continuous</a:t>
-            </a:r>
-          </a:p>
-        </p:txBody>
-      </p:sp>
-      <p:sp>
-        <p:nvSpPr>
-          <p:cNvPr id="377862" name="Text Box 6"/>
-          <p:cNvSpPr txBox="1">
-            <a:spLocks noChangeArrowheads="1"/>
-          </p:cNvSpPr>
-          <p:nvPr/>
-        </p:nvSpPr>
-        <p:spPr bwMode="auto">
-          <a:xfrm>
-            <a:off x="6373813" y="2514600"/>
-            <a:ext cx="1270000" cy="457200"/>
-          </a:xfrm>
-          <a:prstGeom prst="rect">
-            <a:avLst/>
-          </a:prstGeom>
-          <a:noFill/>
-          <a:ln>
-            <a:noFill/>
-          </a:ln>
-          <a:effectLst/>
-          <a:extLst>
-            <a:ext uri="{909E8E84-426E-40dd-AFC4-6F175D3DCCD1}">
-              <a14:hiddenFill xmlns:a14="http://schemas.microsoft.com/office/drawing/2010/main">
-                <a:solidFill>
-                  <a:schemeClr val="accent1"/>
-                </a:solidFill>
-              </a14:hiddenFill>
-            </a:ext>
-            <a:ext uri="{91240B29-F687-4f45-9708-019B960494DF}">
-              <a14:hiddenLine xmlns:a14="http://schemas.microsoft.com/office/drawing/2010/main" w="9525">
-                <a:solidFill>
-                  <a:schemeClr val="tx1"/>
-                </a:solidFill>
-                <a:miter lim="800000"/>
-                <a:headEnd/>
-                <a:tailEnd/>
-              </a14:hiddenLine>
-            </a:ext>
-            <a:ext uri="{AF507438-7753-43e0-B8FC-AC1667EBCBE1}">
-              <a14:hiddenEffects xmlns:a14="http://schemas.microsoft.com/office/drawing/2010/main">
-                <a:effectLst>
-                  <a:outerShdw blurRad="63500" dist="38099" dir="2700000" algn="ctr" rotWithShape="0">
-                    <a:schemeClr val="bg2">
-                      <a:alpha val="74998"/>
-                    </a:schemeClr>
-                  </a:outerShdw>
-                </a:effectLst>
-              </a14:hiddenEffects>
-            </a:ext>
-          </a:extLst>
-        </p:spPr>
-        <p:txBody>
-          <a:bodyPr wrap="none">
-            <a:spAutoFit/>
-          </a:bodyPr>
-          <a:lstStyle/>
-          <a:p>
+              <a:t>Find a model for the underlying process.</a:t>
+            </a:r>
+          </a:p>
+          <a:p>
+            <a:pPr lvl="1"/>
             <a:r>
               <a:rPr lang="en-US"/>
-              <a:t>Discrete</a:t>
-            </a:r>
-          </a:p>
-        </p:txBody>
-      </p:sp>
-      <p:sp>
-        <p:nvSpPr>
-          <p:cNvPr id="377863" name="Text Box 7"/>
-          <p:cNvSpPr txBox="1">
-            <a:spLocks noChangeArrowheads="1"/>
-          </p:cNvSpPr>
-          <p:nvPr/>
-        </p:nvSpPr>
-        <p:spPr bwMode="auto">
-          <a:xfrm>
-            <a:off x="685800" y="3429000"/>
-            <a:ext cx="2503488" cy="457200"/>
-          </a:xfrm>
-          <a:prstGeom prst="rect">
-            <a:avLst/>
-          </a:prstGeom>
-          <a:noFill/>
-          <a:ln>
-            <a:noFill/>
-          </a:ln>
-          <a:effectLst/>
-          <a:extLst>
-            <a:ext uri="{909E8E84-426E-40dd-AFC4-6F175D3DCCD1}">
-              <a14:hiddenFill xmlns:a14="http://schemas.microsoft.com/office/drawing/2010/main">
-                <a:solidFill>
-                  <a:schemeClr val="accent1"/>
-                </a:solidFill>
-              </a14:hiddenFill>
-            </a:ext>
-            <a:ext uri="{91240B29-F687-4f45-9708-019B960494DF}">
-              <a14:hiddenLine xmlns:a14="http://schemas.microsoft.com/office/drawing/2010/main" w="9525">
-                <a:solidFill>
-                  <a:schemeClr val="tx1"/>
-                </a:solidFill>
-                <a:miter lim="800000"/>
-                <a:headEnd/>
-                <a:tailEnd/>
-              </a14:hiddenLine>
-            </a:ext>
-            <a:ext uri="{AF507438-7753-43e0-B8FC-AC1667EBCBE1}">
-              <a14:hiddenEffects xmlns:a14="http://schemas.microsoft.com/office/drawing/2010/main">
-                <a:effectLst>
-                  <a:outerShdw blurRad="63500" dist="38099" dir="2700000" algn="ctr" rotWithShape="0">
-                    <a:schemeClr val="bg2">
-                      <a:alpha val="74998"/>
-                    </a:schemeClr>
-                  </a:outerShdw>
-                </a:effectLst>
-              </a14:hiddenEffects>
-            </a:ext>
-          </a:extLst>
-        </p:spPr>
-        <p:txBody>
-          <a:bodyPr wrap="none">
-            <a:spAutoFit/>
-          </a:bodyPr>
-          <a:lstStyle/>
-          <a:p>
+              <a:t>Identify how the data relate to this model (i.e. which error / sampling distribution to use).</a:t>
+            </a:r>
+          </a:p>
+          <a:p>
+            <a:pPr lvl="1"/>
             <a:r>
               <a:rPr lang="en-US"/>
-              <a:t>Can be negative?</a:t>
-            </a:r>
-          </a:p>
-        </p:txBody>
-      </p:sp>
-      <p:sp>
-        <p:nvSpPr>
-          <p:cNvPr id="377864" name="Text Box 8"/>
-          <p:cNvSpPr txBox="1">
-            <a:spLocks noChangeArrowheads="1"/>
-          </p:cNvSpPr>
-          <p:nvPr/>
-        </p:nvSpPr>
-        <p:spPr bwMode="auto">
-          <a:xfrm>
-            <a:off x="177800" y="4572000"/>
-            <a:ext cx="1555750" cy="457200"/>
-          </a:xfrm>
-          <a:prstGeom prst="rect">
-            <a:avLst/>
-          </a:prstGeom>
-          <a:noFill/>
-          <a:ln>
-            <a:noFill/>
-          </a:ln>
-          <a:effectLst/>
-          <a:extLst>
-            <a:ext uri="{909E8E84-426E-40dd-AFC4-6F175D3DCCD1}">
-              <a14:hiddenFill xmlns:a14="http://schemas.microsoft.com/office/drawing/2010/main">
-                <a:solidFill>
-                  <a:schemeClr val="accent1"/>
-                </a:solidFill>
-              </a14:hiddenFill>
-            </a:ext>
-            <a:ext uri="{91240B29-F687-4f45-9708-019B960494DF}">
-              <a14:hiddenLine xmlns:a14="http://schemas.microsoft.com/office/drawing/2010/main" w="9525">
-                <a:solidFill>
-                  <a:schemeClr val="tx1"/>
-                </a:solidFill>
-                <a:miter lim="800000"/>
-                <a:headEnd/>
-                <a:tailEnd/>
-              </a14:hiddenLine>
-            </a:ext>
-            <a:ext uri="{AF507438-7753-43e0-B8FC-AC1667EBCBE1}">
-              <a14:hiddenEffects xmlns:a14="http://schemas.microsoft.com/office/drawing/2010/main">
-                <a:effectLst>
-                  <a:outerShdw blurRad="63500" dist="38099" dir="2700000" algn="ctr" rotWithShape="0">
-                    <a:schemeClr val="bg2">
-                      <a:alpha val="74998"/>
-                    </a:schemeClr>
-                  </a:outerShdw>
-                </a:effectLst>
-              </a14:hiddenEffects>
-            </a:ext>
-          </a:extLst>
-        </p:spPr>
-        <p:txBody>
-          <a:bodyPr wrap="none">
-            <a:spAutoFit/>
-          </a:bodyPr>
-          <a:lstStyle/>
-          <a:p>
+              <a:t>Write down the likelihood function.</a:t>
+            </a:r>
+          </a:p>
+          <a:p>
+            <a:pPr lvl="1"/>
             <a:r>
               <a:rPr lang="en-US"/>
-              <a:t>Normal / t</a:t>
-            </a:r>
-          </a:p>
-        </p:txBody>
-      </p:sp>
-      <p:sp>
-        <p:nvSpPr>
-          <p:cNvPr id="377865" name="Text Box 9"/>
-          <p:cNvSpPr txBox="1">
-            <a:spLocks noChangeArrowheads="1"/>
-          </p:cNvSpPr>
-          <p:nvPr/>
-        </p:nvSpPr>
-        <p:spPr bwMode="auto">
-          <a:xfrm>
-            <a:off x="1663700" y="5257800"/>
-            <a:ext cx="1824038" cy="822325"/>
-          </a:xfrm>
-          <a:prstGeom prst="rect">
-            <a:avLst/>
-          </a:prstGeom>
-          <a:noFill/>
-          <a:ln>
-            <a:noFill/>
-          </a:ln>
-          <a:effectLst/>
-          <a:extLst>
-            <a:ext uri="{909E8E84-426E-40dd-AFC4-6F175D3DCCD1}">
-              <a14:hiddenFill xmlns:a14="http://schemas.microsoft.com/office/drawing/2010/main">
-                <a:solidFill>
-                  <a:schemeClr val="accent1"/>
-                </a:solidFill>
-              </a14:hiddenFill>
-            </a:ext>
-            <a:ext uri="{91240B29-F687-4f45-9708-019B960494DF}">
-              <a14:hiddenLine xmlns:a14="http://schemas.microsoft.com/office/drawing/2010/main" w="9525">
-                <a:solidFill>
-                  <a:schemeClr val="tx1"/>
-                </a:solidFill>
-                <a:miter lim="800000"/>
-                <a:headEnd/>
-                <a:tailEnd/>
-              </a14:hiddenLine>
-            </a:ext>
-            <a:ext uri="{AF507438-7753-43e0-B8FC-AC1667EBCBE1}">
-              <a14:hiddenEffects xmlns:a14="http://schemas.microsoft.com/office/drawing/2010/main">
-                <a:effectLst>
-                  <a:outerShdw blurRad="63500" dist="38099" dir="2700000" algn="ctr" rotWithShape="0">
-                    <a:schemeClr val="bg2">
-                      <a:alpha val="74998"/>
-                    </a:schemeClr>
-                  </a:outerShdw>
-                </a:effectLst>
-              </a14:hiddenEffects>
-            </a:ext>
-          </a:extLst>
-        </p:spPr>
-        <p:txBody>
-          <a:bodyPr wrap="none">
-            <a:spAutoFit/>
-          </a:bodyPr>
-          <a:lstStyle/>
-          <a:p>
+              <a:t>Write down the negative log-likelihood.</a:t>
+            </a:r>
+          </a:p>
+          <a:p>
+            <a:pPr lvl="1"/>
             <a:r>
               <a:rPr lang="en-US"/>
-              <a:t>lognormal / </a:t>
-            </a:r>
-          </a:p>
-          <a:p>
-            <a:r>
-              <a:rPr lang="en-US"/>
-              <a:t>gamma</a:t>
-            </a:r>
-          </a:p>
-        </p:txBody>
-      </p:sp>
-      <p:sp>
-        <p:nvSpPr>
-          <p:cNvPr id="377866" name="Text Box 10"/>
-          <p:cNvSpPr txBox="1">
-            <a:spLocks noChangeArrowheads="1"/>
-          </p:cNvSpPr>
-          <p:nvPr/>
-        </p:nvSpPr>
-        <p:spPr bwMode="auto">
-          <a:xfrm>
-            <a:off x="5638800" y="3352800"/>
-            <a:ext cx="2998788" cy="457200"/>
-          </a:xfrm>
-          <a:prstGeom prst="rect">
-            <a:avLst/>
-          </a:prstGeom>
-          <a:noFill/>
-          <a:ln>
-            <a:noFill/>
-          </a:ln>
-          <a:effectLst/>
-          <a:extLst>
-            <a:ext uri="{909E8E84-426E-40dd-AFC4-6F175D3DCCD1}">
-              <a14:hiddenFill xmlns:a14="http://schemas.microsoft.com/office/drawing/2010/main">
-                <a:solidFill>
-                  <a:schemeClr val="accent1"/>
-                </a:solidFill>
-              </a14:hiddenFill>
-            </a:ext>
-            <a:ext uri="{91240B29-F687-4f45-9708-019B960494DF}">
-              <a14:hiddenLine xmlns:a14="http://schemas.microsoft.com/office/drawing/2010/main" w="9525">
-                <a:solidFill>
-                  <a:schemeClr val="tx1"/>
-                </a:solidFill>
-                <a:miter lim="800000"/>
-                <a:headEnd/>
-                <a:tailEnd/>
-              </a14:hiddenLine>
-            </a:ext>
-            <a:ext uri="{AF507438-7753-43e0-B8FC-AC1667EBCBE1}">
-              <a14:hiddenEffects xmlns:a14="http://schemas.microsoft.com/office/drawing/2010/main">
-                <a:effectLst>
-                  <a:outerShdw blurRad="63500" dist="38099" dir="2700000" algn="ctr" rotWithShape="0">
-                    <a:schemeClr val="bg2">
-                      <a:alpha val="74998"/>
-                    </a:schemeClr>
-                  </a:outerShdw>
-                </a:effectLst>
-              </a14:hiddenEffects>
-            </a:ext>
-          </a:extLst>
-        </p:spPr>
-        <p:txBody>
-          <a:bodyPr wrap="none">
-            <a:spAutoFit/>
-          </a:bodyPr>
-          <a:lstStyle/>
-          <a:p>
-            <a:r>
-              <a:rPr lang="en-US"/>
-              <a:t>Number of outcomes</a:t>
-            </a:r>
-          </a:p>
-        </p:txBody>
-      </p:sp>
-      <p:sp>
-        <p:nvSpPr>
-          <p:cNvPr id="377867" name="Text Box 11"/>
-          <p:cNvSpPr txBox="1">
-            <a:spLocks noChangeArrowheads="1"/>
-          </p:cNvSpPr>
-          <p:nvPr/>
-        </p:nvSpPr>
-        <p:spPr bwMode="auto">
-          <a:xfrm>
-            <a:off x="4751388" y="4681538"/>
-            <a:ext cx="1323975" cy="457200"/>
-          </a:xfrm>
-          <a:prstGeom prst="rect">
-            <a:avLst/>
-          </a:prstGeom>
-          <a:noFill/>
-          <a:ln>
-            <a:noFill/>
-          </a:ln>
-          <a:effectLst/>
-          <a:extLst>
-            <a:ext uri="{909E8E84-426E-40dd-AFC4-6F175D3DCCD1}">
-              <a14:hiddenFill xmlns:a14="http://schemas.microsoft.com/office/drawing/2010/main">
-                <a:solidFill>
-                  <a:schemeClr val="accent1"/>
-                </a:solidFill>
-              </a14:hiddenFill>
-            </a:ext>
-            <a:ext uri="{91240B29-F687-4f45-9708-019B960494DF}">
-              <a14:hiddenLine xmlns:a14="http://schemas.microsoft.com/office/drawing/2010/main" w="9525">
-                <a:solidFill>
-                  <a:schemeClr val="tx1"/>
-                </a:solidFill>
-                <a:miter lim="800000"/>
-                <a:headEnd/>
-                <a:tailEnd/>
-              </a14:hiddenLine>
-            </a:ext>
-            <a:ext uri="{AF507438-7753-43e0-B8FC-AC1667EBCBE1}">
-              <a14:hiddenEffects xmlns:a14="http://schemas.microsoft.com/office/drawing/2010/main">
-                <a:effectLst>
-                  <a:outerShdw blurRad="63500" dist="38099" dir="2700000" algn="ctr" rotWithShape="0">
-                    <a:schemeClr val="bg2">
-                      <a:alpha val="74998"/>
-                    </a:schemeClr>
-                  </a:outerShdw>
-                </a:effectLst>
-              </a14:hiddenEffects>
-            </a:ext>
-          </a:extLst>
-        </p:spPr>
-        <p:txBody>
-          <a:bodyPr wrap="none">
-            <a:spAutoFit/>
-          </a:bodyPr>
-          <a:lstStyle/>
-          <a:p>
-            <a:r>
-              <a:rPr lang="en-US"/>
-              <a:t>Binomial</a:t>
-            </a:r>
-          </a:p>
-        </p:txBody>
-      </p:sp>
-      <p:sp>
-        <p:nvSpPr>
-          <p:cNvPr id="377868" name="Text Box 12"/>
-          <p:cNvSpPr txBox="1">
-            <a:spLocks noChangeArrowheads="1"/>
-          </p:cNvSpPr>
-          <p:nvPr/>
-        </p:nvSpPr>
-        <p:spPr bwMode="auto">
-          <a:xfrm>
-            <a:off x="6251575" y="5334000"/>
-            <a:ext cx="2795588" cy="1187450"/>
-          </a:xfrm>
-          <a:prstGeom prst="rect">
-            <a:avLst/>
-          </a:prstGeom>
-          <a:noFill/>
-          <a:ln>
-            <a:noFill/>
-          </a:ln>
-          <a:effectLst/>
-          <a:extLst>
-            <a:ext uri="{909E8E84-426E-40dd-AFC4-6F175D3DCCD1}">
-              <a14:hiddenFill xmlns:a14="http://schemas.microsoft.com/office/drawing/2010/main">
-                <a:solidFill>
-                  <a:schemeClr val="accent1"/>
-                </a:solidFill>
-              </a14:hiddenFill>
-            </a:ext>
-            <a:ext uri="{91240B29-F687-4f45-9708-019B960494DF}">
-              <a14:hiddenLine xmlns:a14="http://schemas.microsoft.com/office/drawing/2010/main" w="9525">
-                <a:solidFill>
-                  <a:schemeClr val="tx1"/>
-                </a:solidFill>
-                <a:miter lim="800000"/>
-                <a:headEnd/>
-                <a:tailEnd/>
-              </a14:hiddenLine>
-            </a:ext>
-            <a:ext uri="{AF507438-7753-43e0-B8FC-AC1667EBCBE1}">
-              <a14:hiddenEffects xmlns:a14="http://schemas.microsoft.com/office/drawing/2010/main">
-                <a:effectLst>
-                  <a:outerShdw blurRad="63500" dist="38099" dir="2700000" algn="ctr" rotWithShape="0">
-                    <a:schemeClr val="bg2">
-                      <a:alpha val="74998"/>
-                    </a:schemeClr>
-                  </a:outerShdw>
-                </a:effectLst>
-              </a14:hiddenEffects>
-            </a:ext>
-          </a:extLst>
-        </p:spPr>
-        <p:txBody>
-          <a:bodyPr wrap="none">
-            <a:spAutoFit/>
-          </a:bodyPr>
-          <a:lstStyle/>
-          <a:p>
-            <a:r>
-              <a:rPr lang="en-US"/>
-              <a:t>Poisson /</a:t>
-            </a:r>
-          </a:p>
-          <a:p>
-            <a:r>
-              <a:rPr lang="en-US"/>
-              <a:t>Negative binomial /</a:t>
-            </a:r>
-          </a:p>
-          <a:p>
-            <a:r>
-              <a:rPr lang="en-US"/>
-              <a:t>Multinomial</a:t>
-            </a:r>
-          </a:p>
-        </p:txBody>
-      </p:sp>
-      <p:sp>
-        <p:nvSpPr>
-          <p:cNvPr id="377869" name="Line 13"/>
-          <p:cNvSpPr>
-            <a:spLocks noChangeShapeType="1"/>
-          </p:cNvSpPr>
-          <p:nvPr/>
-        </p:nvSpPr>
-        <p:spPr bwMode="auto">
-          <a:xfrm flipH="1">
-            <a:off x="2209800" y="2209800"/>
-            <a:ext cx="1828800" cy="381000"/>
-          </a:xfrm>
-          <a:prstGeom prst="line">
-            <a:avLst/>
-          </a:prstGeom>
-          <a:noFill/>
-          <a:ln w="38100">
-            <a:solidFill>
-              <a:schemeClr val="hlink"/>
-            </a:solidFill>
-            <a:round/>
-            <a:headEnd/>
-            <a:tailEnd type="triangle" w="med" len="med"/>
-          </a:ln>
-          <a:effectLst/>
-          <a:extLst>
-            <a:ext uri="{909E8E84-426E-40dd-AFC4-6F175D3DCCD1}">
-              <a14:hiddenFill xmlns:a14="http://schemas.microsoft.com/office/drawing/2010/main">
-                <a:noFill/>
-              </a14:hiddenFill>
-            </a:ext>
-            <a:ext uri="{AF507438-7753-43e0-B8FC-AC1667EBCBE1}">
-              <a14:hiddenEffects xmlns:a14="http://schemas.microsoft.com/office/drawing/2010/main">
-                <a:effectLst>
-                  <a:outerShdw blurRad="63500" dist="38099" dir="2700000" algn="ctr" rotWithShape="0">
-                    <a:schemeClr val="bg2">
-                      <a:alpha val="74998"/>
-                    </a:schemeClr>
-                  </a:outerShdw>
-                </a:effectLst>
-              </a14:hiddenEffects>
-            </a:ext>
-          </a:extLst>
-        </p:spPr>
-        <p:txBody>
-          <a:bodyPr wrap="none"/>
-          <a:lstStyle/>
-          <a:p>
+              <a:t>Minimize the negative log-likelihood.</a:t>
+            </a:r>
+          </a:p>
+          <a:p>
+            <a:pPr lvl="1"/>
             <a:endParaRPr lang="en-US"/>
-          </a:p>
-        </p:txBody>
-      </p:sp>
-      <p:sp>
-        <p:nvSpPr>
-          <p:cNvPr id="377870" name="Line 14"/>
-          <p:cNvSpPr>
-            <a:spLocks noChangeShapeType="1"/>
-          </p:cNvSpPr>
-          <p:nvPr/>
-        </p:nvSpPr>
-        <p:spPr bwMode="auto">
-          <a:xfrm flipH="1">
-            <a:off x="1981200" y="2895600"/>
-            <a:ext cx="0" cy="609600"/>
-          </a:xfrm>
-          <a:prstGeom prst="line">
-            <a:avLst/>
-          </a:prstGeom>
-          <a:noFill/>
-          <a:ln w="38100">
-            <a:solidFill>
-              <a:schemeClr val="hlink"/>
-            </a:solidFill>
-            <a:round/>
-            <a:headEnd/>
-            <a:tailEnd type="triangle" w="med" len="med"/>
-          </a:ln>
-          <a:effectLst/>
-          <a:extLst>
-            <a:ext uri="{909E8E84-426E-40dd-AFC4-6F175D3DCCD1}">
-              <a14:hiddenFill xmlns:a14="http://schemas.microsoft.com/office/drawing/2010/main">
-                <a:noFill/>
-              </a14:hiddenFill>
-            </a:ext>
-            <a:ext uri="{AF507438-7753-43e0-B8FC-AC1667EBCBE1}">
-              <a14:hiddenEffects xmlns:a14="http://schemas.microsoft.com/office/drawing/2010/main">
-                <a:effectLst>
-                  <a:outerShdw blurRad="63500" dist="38099" dir="2700000" algn="ctr" rotWithShape="0">
-                    <a:schemeClr val="bg2">
-                      <a:alpha val="74998"/>
-                    </a:schemeClr>
-                  </a:outerShdw>
-                </a:effectLst>
-              </a14:hiddenEffects>
-            </a:ext>
-          </a:extLst>
-        </p:spPr>
-        <p:txBody>
-          <a:bodyPr wrap="none"/>
-          <a:lstStyle/>
-          <a:p>
-            <a:endParaRPr lang="en-US"/>
-          </a:p>
-        </p:txBody>
-      </p:sp>
-      <p:sp>
-        <p:nvSpPr>
-          <p:cNvPr id="377871" name="Line 15"/>
-          <p:cNvSpPr>
-            <a:spLocks noChangeShapeType="1"/>
-          </p:cNvSpPr>
-          <p:nvPr/>
-        </p:nvSpPr>
-        <p:spPr bwMode="auto">
-          <a:xfrm flipH="1">
-            <a:off x="838200" y="3810000"/>
-            <a:ext cx="609600" cy="838200"/>
-          </a:xfrm>
-          <a:prstGeom prst="line">
-            <a:avLst/>
-          </a:prstGeom>
-          <a:noFill/>
-          <a:ln w="38100">
-            <a:solidFill>
-              <a:schemeClr val="hlink"/>
-            </a:solidFill>
-            <a:round/>
-            <a:headEnd/>
-            <a:tailEnd type="triangle" w="med" len="med"/>
-          </a:ln>
-          <a:effectLst/>
-          <a:extLst>
-            <a:ext uri="{909E8E84-426E-40dd-AFC4-6F175D3DCCD1}">
-              <a14:hiddenFill xmlns:a14="http://schemas.microsoft.com/office/drawing/2010/main">
-                <a:noFill/>
-              </a14:hiddenFill>
-            </a:ext>
-            <a:ext uri="{AF507438-7753-43e0-B8FC-AC1667EBCBE1}">
-              <a14:hiddenEffects xmlns:a14="http://schemas.microsoft.com/office/drawing/2010/main">
-                <a:effectLst>
-                  <a:outerShdw blurRad="63500" dist="38099" dir="2700000" algn="ctr" rotWithShape="0">
-                    <a:schemeClr val="bg2">
-                      <a:alpha val="74998"/>
-                    </a:schemeClr>
-                  </a:outerShdw>
-                </a:effectLst>
-              </a14:hiddenEffects>
-            </a:ext>
-          </a:extLst>
-        </p:spPr>
-        <p:txBody>
-          <a:bodyPr wrap="none"/>
-          <a:lstStyle/>
-          <a:p>
-            <a:endParaRPr lang="en-US"/>
-          </a:p>
-        </p:txBody>
-      </p:sp>
-      <p:sp>
-        <p:nvSpPr>
-          <p:cNvPr id="377872" name="Line 16"/>
-          <p:cNvSpPr>
-            <a:spLocks noChangeShapeType="1"/>
-          </p:cNvSpPr>
-          <p:nvPr/>
-        </p:nvSpPr>
-        <p:spPr bwMode="auto">
-          <a:xfrm flipH="1">
-            <a:off x="2590800" y="3886200"/>
-            <a:ext cx="0" cy="1447800"/>
-          </a:xfrm>
-          <a:prstGeom prst="line">
-            <a:avLst/>
-          </a:prstGeom>
-          <a:noFill/>
-          <a:ln w="38100">
-            <a:solidFill>
-              <a:schemeClr val="hlink"/>
-            </a:solidFill>
-            <a:round/>
-            <a:headEnd/>
-            <a:tailEnd type="triangle" w="med" len="med"/>
-          </a:ln>
-          <a:effectLst/>
-          <a:extLst>
-            <a:ext uri="{909E8E84-426E-40dd-AFC4-6F175D3DCCD1}">
-              <a14:hiddenFill xmlns:a14="http://schemas.microsoft.com/office/drawing/2010/main">
-                <a:noFill/>
-              </a14:hiddenFill>
-            </a:ext>
-            <a:ext uri="{AF507438-7753-43e0-B8FC-AC1667EBCBE1}">
-              <a14:hiddenEffects xmlns:a14="http://schemas.microsoft.com/office/drawing/2010/main">
-                <a:effectLst>
-                  <a:outerShdw blurRad="63500" dist="38099" dir="2700000" algn="ctr" rotWithShape="0">
-                    <a:schemeClr val="bg2">
-                      <a:alpha val="74998"/>
-                    </a:schemeClr>
-                  </a:outerShdw>
-                </a:effectLst>
-              </a14:hiddenEffects>
-            </a:ext>
-          </a:extLst>
-        </p:spPr>
-        <p:txBody>
-          <a:bodyPr wrap="none"/>
-          <a:lstStyle/>
-          <a:p>
-            <a:endParaRPr lang="en-US"/>
-          </a:p>
-        </p:txBody>
-      </p:sp>
-      <p:sp>
-        <p:nvSpPr>
-          <p:cNvPr id="377873" name="Line 17"/>
-          <p:cNvSpPr>
-            <a:spLocks noChangeShapeType="1"/>
-          </p:cNvSpPr>
-          <p:nvPr/>
-        </p:nvSpPr>
-        <p:spPr bwMode="auto">
-          <a:xfrm>
-            <a:off x="4953000" y="2209800"/>
-            <a:ext cx="1981200" cy="381000"/>
-          </a:xfrm>
-          <a:prstGeom prst="line">
-            <a:avLst/>
-          </a:prstGeom>
-          <a:noFill/>
-          <a:ln w="38100">
-            <a:solidFill>
-              <a:schemeClr val="hlink"/>
-            </a:solidFill>
-            <a:round/>
-            <a:headEnd/>
-            <a:tailEnd type="triangle" w="med" len="med"/>
-          </a:ln>
-          <a:effectLst/>
-          <a:extLst>
-            <a:ext uri="{909E8E84-426E-40dd-AFC4-6F175D3DCCD1}">
-              <a14:hiddenFill xmlns:a14="http://schemas.microsoft.com/office/drawing/2010/main">
-                <a:noFill/>
-              </a14:hiddenFill>
-            </a:ext>
-            <a:ext uri="{AF507438-7753-43e0-B8FC-AC1667EBCBE1}">
-              <a14:hiddenEffects xmlns:a14="http://schemas.microsoft.com/office/drawing/2010/main">
-                <a:effectLst>
-                  <a:outerShdw blurRad="63500" dist="38099" dir="2700000" algn="ctr" rotWithShape="0">
-                    <a:schemeClr val="bg2">
-                      <a:alpha val="74998"/>
-                    </a:schemeClr>
-                  </a:outerShdw>
-                </a:effectLst>
-              </a14:hiddenEffects>
-            </a:ext>
-          </a:extLst>
-        </p:spPr>
-        <p:txBody>
-          <a:bodyPr wrap="none"/>
-          <a:lstStyle/>
-          <a:p>
-            <a:endParaRPr lang="en-US"/>
-          </a:p>
-        </p:txBody>
-      </p:sp>
-      <p:sp>
-        <p:nvSpPr>
-          <p:cNvPr id="377874" name="Line 18"/>
-          <p:cNvSpPr>
-            <a:spLocks noChangeShapeType="1"/>
-          </p:cNvSpPr>
-          <p:nvPr/>
-        </p:nvSpPr>
-        <p:spPr bwMode="auto">
-          <a:xfrm>
-            <a:off x="6934200" y="2895600"/>
-            <a:ext cx="0" cy="609600"/>
-          </a:xfrm>
-          <a:prstGeom prst="line">
-            <a:avLst/>
-          </a:prstGeom>
-          <a:noFill/>
-          <a:ln w="38100">
-            <a:solidFill>
-              <a:schemeClr val="hlink"/>
-            </a:solidFill>
-            <a:round/>
-            <a:headEnd/>
-            <a:tailEnd type="triangle" w="med" len="med"/>
-          </a:ln>
-          <a:effectLst/>
-          <a:extLst>
-            <a:ext uri="{909E8E84-426E-40dd-AFC4-6F175D3DCCD1}">
-              <a14:hiddenFill xmlns:a14="http://schemas.microsoft.com/office/drawing/2010/main">
-                <a:noFill/>
-              </a14:hiddenFill>
-            </a:ext>
-            <a:ext uri="{AF507438-7753-43e0-B8FC-AC1667EBCBE1}">
-              <a14:hiddenEffects xmlns:a14="http://schemas.microsoft.com/office/drawing/2010/main">
-                <a:effectLst>
-                  <a:outerShdw blurRad="63500" dist="38099" dir="2700000" algn="ctr" rotWithShape="0">
-                    <a:schemeClr val="bg2">
-                      <a:alpha val="74998"/>
-                    </a:schemeClr>
-                  </a:outerShdw>
-                </a:effectLst>
-              </a14:hiddenEffects>
-            </a:ext>
-          </a:extLst>
-        </p:spPr>
-        <p:txBody>
-          <a:bodyPr wrap="none"/>
-          <a:lstStyle/>
-          <a:p>
-            <a:endParaRPr lang="en-US"/>
-          </a:p>
-        </p:txBody>
-      </p:sp>
-      <p:sp>
-        <p:nvSpPr>
-          <p:cNvPr id="377875" name="Line 19"/>
-          <p:cNvSpPr>
-            <a:spLocks noChangeShapeType="1"/>
-          </p:cNvSpPr>
-          <p:nvPr/>
-        </p:nvSpPr>
-        <p:spPr bwMode="auto">
-          <a:xfrm flipH="1">
-            <a:off x="5486400" y="3810000"/>
-            <a:ext cx="762000" cy="990600"/>
-          </a:xfrm>
-          <a:prstGeom prst="line">
-            <a:avLst/>
-          </a:prstGeom>
-          <a:noFill/>
-          <a:ln w="38100">
-            <a:solidFill>
-              <a:schemeClr val="hlink"/>
-            </a:solidFill>
-            <a:round/>
-            <a:headEnd/>
-            <a:tailEnd type="triangle" w="med" len="med"/>
-          </a:ln>
-          <a:effectLst/>
-          <a:extLst>
-            <a:ext uri="{909E8E84-426E-40dd-AFC4-6F175D3DCCD1}">
-              <a14:hiddenFill xmlns:a14="http://schemas.microsoft.com/office/drawing/2010/main">
-                <a:noFill/>
-              </a14:hiddenFill>
-            </a:ext>
-            <a:ext uri="{AF507438-7753-43e0-B8FC-AC1667EBCBE1}">
-              <a14:hiddenEffects xmlns:a14="http://schemas.microsoft.com/office/drawing/2010/main">
-                <a:effectLst>
-                  <a:outerShdw blurRad="63500" dist="38099" dir="2700000" algn="ctr" rotWithShape="0">
-                    <a:schemeClr val="bg2">
-                      <a:alpha val="74998"/>
-                    </a:schemeClr>
-                  </a:outerShdw>
-                </a:effectLst>
-              </a14:hiddenEffects>
-            </a:ext>
-          </a:extLst>
-        </p:spPr>
-        <p:txBody>
-          <a:bodyPr wrap="none"/>
-          <a:lstStyle/>
-          <a:p>
-            <a:endParaRPr lang="en-US"/>
-          </a:p>
-        </p:txBody>
-      </p:sp>
-      <p:sp>
-        <p:nvSpPr>
-          <p:cNvPr id="377876" name="Line 20"/>
-          <p:cNvSpPr>
-            <a:spLocks noChangeShapeType="1"/>
-          </p:cNvSpPr>
-          <p:nvPr/>
-        </p:nvSpPr>
-        <p:spPr bwMode="auto">
-          <a:xfrm flipH="1">
-            <a:off x="7467600" y="3810000"/>
-            <a:ext cx="0" cy="1600200"/>
-          </a:xfrm>
-          <a:prstGeom prst="line">
-            <a:avLst/>
-          </a:prstGeom>
-          <a:noFill/>
-          <a:ln w="38100">
-            <a:solidFill>
-              <a:schemeClr val="hlink"/>
-            </a:solidFill>
-            <a:round/>
-            <a:headEnd/>
-            <a:tailEnd type="triangle" w="med" len="med"/>
-          </a:ln>
-          <a:effectLst/>
-          <a:extLst>
-            <a:ext uri="{909E8E84-426E-40dd-AFC4-6F175D3DCCD1}">
-              <a14:hiddenFill xmlns:a14="http://schemas.microsoft.com/office/drawing/2010/main">
-                <a:noFill/>
-              </a14:hiddenFill>
-            </a:ext>
-            <a:ext uri="{AF507438-7753-43e0-B8FC-AC1667EBCBE1}">
-              <a14:hiddenEffects xmlns:a14="http://schemas.microsoft.com/office/drawing/2010/main">
-                <a:effectLst>
-                  <a:outerShdw blurRad="63500" dist="38099" dir="2700000" algn="ctr" rotWithShape="0">
-                    <a:schemeClr val="bg2">
-                      <a:alpha val="74998"/>
-                    </a:schemeClr>
-                  </a:outerShdw>
-                </a:effectLst>
-              </a14:hiddenEffects>
-            </a:ext>
-          </a:extLst>
-        </p:spPr>
-        <p:txBody>
-          <a:bodyPr wrap="none"/>
-          <a:lstStyle/>
-          <a:p>
-            <a:endParaRPr lang="en-US"/>
-          </a:p>
-        </p:txBody>
-      </p:sp>
-      <p:sp>
-        <p:nvSpPr>
-          <p:cNvPr id="377877" name="Text Box 21"/>
-          <p:cNvSpPr txBox="1">
-            <a:spLocks noChangeArrowheads="1"/>
-          </p:cNvSpPr>
-          <p:nvPr/>
-        </p:nvSpPr>
-        <p:spPr bwMode="auto">
-          <a:xfrm>
-            <a:off x="5938838" y="4070350"/>
-            <a:ext cx="309562" cy="366713"/>
-          </a:xfrm>
-          <a:prstGeom prst="rect">
-            <a:avLst/>
-          </a:prstGeom>
-          <a:noFill/>
-          <a:ln>
-            <a:noFill/>
-          </a:ln>
-          <a:effectLst/>
-          <a:extLst>
-            <a:ext uri="{909E8E84-426E-40dd-AFC4-6F175D3DCCD1}">
-              <a14:hiddenFill xmlns:a14="http://schemas.microsoft.com/office/drawing/2010/main">
-                <a:solidFill>
-                  <a:schemeClr val="accent1"/>
-                </a:solidFill>
-              </a14:hiddenFill>
-            </a:ext>
-            <a:ext uri="{91240B29-F687-4f45-9708-019B960494DF}">
-              <a14:hiddenLine xmlns:a14="http://schemas.microsoft.com/office/drawing/2010/main" w="9525">
-                <a:solidFill>
-                  <a:schemeClr val="tx1"/>
-                </a:solidFill>
-                <a:miter lim="800000"/>
-                <a:headEnd/>
-                <a:tailEnd/>
-              </a14:hiddenLine>
-            </a:ext>
-            <a:ext uri="{AF507438-7753-43e0-B8FC-AC1667EBCBE1}">
-              <a14:hiddenEffects xmlns:a14="http://schemas.microsoft.com/office/drawing/2010/main">
-                <a:effectLst>
-                  <a:outerShdw blurRad="63500" dist="38099" dir="2700000" algn="ctr" rotWithShape="0">
-                    <a:schemeClr val="bg2">
-                      <a:alpha val="74998"/>
-                    </a:schemeClr>
-                  </a:outerShdw>
-                </a:effectLst>
-              </a14:hiddenEffects>
-            </a:ext>
-          </a:extLst>
-        </p:spPr>
-        <p:txBody>
-          <a:bodyPr wrap="none">
-            <a:spAutoFit/>
-          </a:bodyPr>
-          <a:lstStyle/>
-          <a:p>
-            <a:r>
-              <a:rPr lang="en-US" sz="1800"/>
-              <a:t>2</a:t>
-            </a:r>
-          </a:p>
-        </p:txBody>
-      </p:sp>
-      <p:sp>
-        <p:nvSpPr>
-          <p:cNvPr id="377878" name="Text Box 22"/>
-          <p:cNvSpPr txBox="1">
-            <a:spLocks noChangeArrowheads="1"/>
-          </p:cNvSpPr>
-          <p:nvPr/>
-        </p:nvSpPr>
-        <p:spPr bwMode="auto">
-          <a:xfrm>
-            <a:off x="7431088" y="4222750"/>
-            <a:ext cx="722312" cy="366713"/>
-          </a:xfrm>
-          <a:prstGeom prst="rect">
-            <a:avLst/>
-          </a:prstGeom>
-          <a:noFill/>
-          <a:ln>
-            <a:noFill/>
-          </a:ln>
-          <a:effectLst/>
-          <a:extLst>
-            <a:ext uri="{909E8E84-426E-40dd-AFC4-6F175D3DCCD1}">
-              <a14:hiddenFill xmlns:a14="http://schemas.microsoft.com/office/drawing/2010/main">
-                <a:solidFill>
-                  <a:schemeClr val="accent1"/>
-                </a:solidFill>
-              </a14:hiddenFill>
-            </a:ext>
-            <a:ext uri="{91240B29-F687-4f45-9708-019B960494DF}">
-              <a14:hiddenLine xmlns:a14="http://schemas.microsoft.com/office/drawing/2010/main" w="9525">
-                <a:solidFill>
-                  <a:schemeClr val="tx1"/>
-                </a:solidFill>
-                <a:miter lim="800000"/>
-                <a:headEnd/>
-                <a:tailEnd/>
-              </a14:hiddenLine>
-            </a:ext>
-            <a:ext uri="{AF507438-7753-43e0-B8FC-AC1667EBCBE1}">
-              <a14:hiddenEffects xmlns:a14="http://schemas.microsoft.com/office/drawing/2010/main">
-                <a:effectLst>
-                  <a:outerShdw blurRad="63500" dist="38099" dir="2700000" algn="ctr" rotWithShape="0">
-                    <a:schemeClr val="bg2">
-                      <a:alpha val="74998"/>
-                    </a:schemeClr>
-                  </a:outerShdw>
-                </a:effectLst>
-              </a14:hiddenEffects>
-            </a:ext>
-          </a:extLst>
-        </p:spPr>
-        <p:txBody>
-          <a:bodyPr wrap="none">
-            <a:spAutoFit/>
-          </a:bodyPr>
-          <a:lstStyle/>
-          <a:p>
-            <a:r>
-              <a:rPr lang="en-US" sz="1800"/>
-              <a:t>Many</a:t>
-            </a:r>
-          </a:p>
-        </p:txBody>
-      </p:sp>
-      <p:sp>
-        <p:nvSpPr>
-          <p:cNvPr id="377879" name="Text Box 23"/>
-          <p:cNvSpPr txBox="1">
-            <a:spLocks noChangeArrowheads="1"/>
-          </p:cNvSpPr>
-          <p:nvPr/>
-        </p:nvSpPr>
-        <p:spPr bwMode="auto">
-          <a:xfrm>
-            <a:off x="2590800" y="4222750"/>
-            <a:ext cx="460375" cy="366713"/>
-          </a:xfrm>
-          <a:prstGeom prst="rect">
-            <a:avLst/>
-          </a:prstGeom>
-          <a:noFill/>
-          <a:ln>
-            <a:noFill/>
-          </a:ln>
-          <a:effectLst/>
-          <a:extLst>
-            <a:ext uri="{909E8E84-426E-40dd-AFC4-6F175D3DCCD1}">
-              <a14:hiddenFill xmlns:a14="http://schemas.microsoft.com/office/drawing/2010/main">
-                <a:solidFill>
-                  <a:schemeClr val="accent1"/>
-                </a:solidFill>
-              </a14:hiddenFill>
-            </a:ext>
-            <a:ext uri="{91240B29-F687-4f45-9708-019B960494DF}">
-              <a14:hiddenLine xmlns:a14="http://schemas.microsoft.com/office/drawing/2010/main" w="9525">
-                <a:solidFill>
-                  <a:schemeClr val="tx1"/>
-                </a:solidFill>
-                <a:miter lim="800000"/>
-                <a:headEnd/>
-                <a:tailEnd/>
-              </a14:hiddenLine>
-            </a:ext>
-            <a:ext uri="{AF507438-7753-43e0-B8FC-AC1667EBCBE1}">
-              <a14:hiddenEffects xmlns:a14="http://schemas.microsoft.com/office/drawing/2010/main">
-                <a:effectLst>
-                  <a:outerShdw blurRad="63500" dist="38099" dir="2700000" algn="ctr" rotWithShape="0">
-                    <a:schemeClr val="bg2">
-                      <a:alpha val="74998"/>
-                    </a:schemeClr>
-                  </a:outerShdw>
-                </a:effectLst>
-              </a14:hiddenEffects>
-            </a:ext>
-          </a:extLst>
-        </p:spPr>
-        <p:txBody>
-          <a:bodyPr wrap="none">
-            <a:spAutoFit/>
-          </a:bodyPr>
-          <a:lstStyle/>
-          <a:p>
-            <a:r>
-              <a:rPr lang="en-US" sz="1800"/>
-              <a:t>No</a:t>
-            </a:r>
-          </a:p>
-        </p:txBody>
-      </p:sp>
-      <p:sp>
-        <p:nvSpPr>
-          <p:cNvPr id="377880" name="Text Box 24"/>
-          <p:cNvSpPr txBox="1">
-            <a:spLocks noChangeArrowheads="1"/>
-          </p:cNvSpPr>
-          <p:nvPr/>
-        </p:nvSpPr>
-        <p:spPr bwMode="auto">
-          <a:xfrm>
-            <a:off x="1103313" y="4114800"/>
-            <a:ext cx="538162" cy="366713"/>
-          </a:xfrm>
-          <a:prstGeom prst="rect">
-            <a:avLst/>
-          </a:prstGeom>
-          <a:noFill/>
-          <a:ln>
-            <a:noFill/>
-          </a:ln>
-          <a:effectLst/>
-          <a:extLst>
-            <a:ext uri="{909E8E84-426E-40dd-AFC4-6F175D3DCCD1}">
-              <a14:hiddenFill xmlns:a14="http://schemas.microsoft.com/office/drawing/2010/main">
-                <a:solidFill>
-                  <a:schemeClr val="accent1"/>
-                </a:solidFill>
-              </a14:hiddenFill>
-            </a:ext>
-            <a:ext uri="{91240B29-F687-4f45-9708-019B960494DF}">
-              <a14:hiddenLine xmlns:a14="http://schemas.microsoft.com/office/drawing/2010/main" w="9525">
-                <a:solidFill>
-                  <a:schemeClr val="tx1"/>
-                </a:solidFill>
-                <a:miter lim="800000"/>
-                <a:headEnd/>
-                <a:tailEnd/>
-              </a14:hiddenLine>
-            </a:ext>
-            <a:ext uri="{AF507438-7753-43e0-B8FC-AC1667EBCBE1}">
-              <a14:hiddenEffects xmlns:a14="http://schemas.microsoft.com/office/drawing/2010/main">
-                <a:effectLst>
-                  <a:outerShdw blurRad="63500" dist="38099" dir="2700000" algn="ctr" rotWithShape="0">
-                    <a:schemeClr val="bg2">
-                      <a:alpha val="74998"/>
-                    </a:schemeClr>
-                  </a:outerShdw>
-                </a:effectLst>
-              </a14:hiddenEffects>
-            </a:ext>
-          </a:extLst>
-        </p:spPr>
-        <p:txBody>
-          <a:bodyPr wrap="none">
-            <a:spAutoFit/>
-          </a:bodyPr>
-          <a:lstStyle/>
-          <a:p>
-            <a:r>
-              <a:rPr lang="en-US" sz="1800"/>
-              <a:t>Yes</a:t>
-            </a:r>
           </a:p>
         </p:txBody>
       </p:sp>
     </p:spTree>
     <p:extLst>
       <p:ext uri="{BB962C8B-B14F-4D97-AF65-F5344CB8AC3E}">
-        <p14:creationId xmlns:p14="http://schemas.microsoft.com/office/powerpoint/2010/main" val="1626683841"/>
+        <p14:creationId xmlns:p14="http://schemas.microsoft.com/office/powerpoint/2010/main" val="1090163171"/>
       </p:ext>
     </p:extLst>
   </p:cSld>
@@ -10917,7 +9955,7 @@
       </p:grpSpPr>
       <p:sp>
         <p:nvSpPr>
-          <p:cNvPr id="325634" name="Rectangle 1026"/>
+          <p:cNvPr id="377858" name="Rectangle 2"/>
           <p:cNvSpPr>
             <a:spLocks noGrp="1" noChangeArrowheads="1"/>
           </p:cNvSpPr>
@@ -10927,88 +9965,1300 @@
         </p:nvSpPr>
         <p:spPr/>
         <p:txBody>
-          <a:bodyPr>
-            <a:normAutofit fontScale="90000"/>
+          <a:bodyPr/>
+          <a:lstStyle/>
+          <a:p>
+            <a:pPr algn="ctr"/>
+            <a:r>
+              <a:rPr lang="en-US"/>
+              <a:t>Likelihood “Cheat sheet”</a:t>
+            </a:r>
+          </a:p>
+        </p:txBody>
+      </p:sp>
+      <p:sp>
+        <p:nvSpPr>
+          <p:cNvPr id="377860" name="Text Box 4"/>
+          <p:cNvSpPr txBox="1">
+            <a:spLocks noChangeArrowheads="1"/>
+          </p:cNvSpPr>
+          <p:nvPr/>
+        </p:nvSpPr>
+        <p:spPr bwMode="auto">
+          <a:xfrm>
+            <a:off x="3967163" y="1905000"/>
+            <a:ext cx="957262" cy="457200"/>
+          </a:xfrm>
+          <a:prstGeom prst="rect">
+            <a:avLst/>
+          </a:prstGeom>
+          <a:noFill/>
+          <a:ln>
+            <a:noFill/>
+          </a:ln>
+          <a:effectLst/>
+          <a:extLst>
+            <a:ext uri="{909E8E84-426E-40dd-AFC4-6F175D3DCCD1}">
+              <a14:hiddenFill xmlns:a14="http://schemas.microsoft.com/office/drawing/2010/main">
+                <a:solidFill>
+                  <a:schemeClr val="accent1"/>
+                </a:solidFill>
+              </a14:hiddenFill>
+            </a:ext>
+            <a:ext uri="{91240B29-F687-4f45-9708-019B960494DF}">
+              <a14:hiddenLine xmlns:a14="http://schemas.microsoft.com/office/drawing/2010/main" w="9525">
+                <a:solidFill>
+                  <a:schemeClr val="tx1"/>
+                </a:solidFill>
+                <a:miter lim="800000"/>
+                <a:headEnd/>
+                <a:tailEnd/>
+              </a14:hiddenLine>
+            </a:ext>
+            <a:ext uri="{AF507438-7753-43e0-B8FC-AC1667EBCBE1}">
+              <a14:hiddenEffects xmlns:a14="http://schemas.microsoft.com/office/drawing/2010/main">
+                <a:effectLst>
+                  <a:outerShdw blurRad="63500" dist="38099" dir="2700000" algn="ctr" rotWithShape="0">
+                    <a:schemeClr val="bg2">
+                      <a:alpha val="74998"/>
+                    </a:schemeClr>
+                  </a:outerShdw>
+                </a:effectLst>
+              </a14:hiddenEffects>
+            </a:ext>
+          </a:extLst>
+        </p:spPr>
+        <p:txBody>
+          <a:bodyPr wrap="none">
+            <a:spAutoFit/>
           </a:bodyPr>
           <a:lstStyle/>
           <a:p>
-            <a:pPr algn="ctr"/>
-            <a:r>
-              <a:rPr lang="en-US" sz="4000" dirty="0" smtClean="0"/>
-              <a:t>Next: Quantifying Uncertainty?</a:t>
-            </a:r>
-            <a:r>
-              <a:rPr lang="en-US" sz="4000" dirty="0"/>
-              <a:t/>
-            </a:r>
-            <a:br>
-              <a:rPr lang="en-US" sz="4000" dirty="0"/>
-            </a:br>
-            <a:r>
-              <a:rPr lang="en-US" sz="4000" dirty="0"/>
-              <a:t>(an overview)</a:t>
-            </a:r>
-          </a:p>
-        </p:txBody>
-      </p:sp>
-      <p:sp>
-        <p:nvSpPr>
-          <p:cNvPr id="325635" name="Rectangle 1027"/>
-          <p:cNvSpPr>
-            <a:spLocks noGrp="1" noChangeArrowheads="1"/>
-          </p:cNvSpPr>
-          <p:nvPr>
-            <p:ph type="body" idx="1"/>
-          </p:nvPr>
-        </p:nvSpPr>
-        <p:spPr>
+            <a:r>
+              <a:rPr lang="en-US"/>
+              <a:t>Data?</a:t>
+            </a:r>
+          </a:p>
+        </p:txBody>
+      </p:sp>
+      <p:sp>
+        <p:nvSpPr>
+          <p:cNvPr id="377861" name="Text Box 5"/>
+          <p:cNvSpPr txBox="1">
+            <a:spLocks noChangeArrowheads="1"/>
+          </p:cNvSpPr>
+          <p:nvPr/>
+        </p:nvSpPr>
+        <p:spPr bwMode="auto">
           <a:xfrm>
-            <a:off x="1182688" y="1828800"/>
-            <a:ext cx="7808912" cy="4724400"/>
+            <a:off x="1143000" y="2514600"/>
+            <a:ext cx="1684338" cy="457200"/>
           </a:xfrm>
+          <a:prstGeom prst="rect">
+            <a:avLst/>
+          </a:prstGeom>
+          <a:noFill/>
+          <a:ln>
+            <a:noFill/>
+          </a:ln>
+          <a:effectLst/>
+          <a:extLst>
+            <a:ext uri="{909E8E84-426E-40dd-AFC4-6F175D3DCCD1}">
+              <a14:hiddenFill xmlns:a14="http://schemas.microsoft.com/office/drawing/2010/main">
+                <a:solidFill>
+                  <a:schemeClr val="accent1"/>
+                </a:solidFill>
+              </a14:hiddenFill>
+            </a:ext>
+            <a:ext uri="{91240B29-F687-4f45-9708-019B960494DF}">
+              <a14:hiddenLine xmlns:a14="http://schemas.microsoft.com/office/drawing/2010/main" w="9525">
+                <a:solidFill>
+                  <a:schemeClr val="tx1"/>
+                </a:solidFill>
+                <a:miter lim="800000"/>
+                <a:headEnd/>
+                <a:tailEnd/>
+              </a14:hiddenLine>
+            </a:ext>
+            <a:ext uri="{AF507438-7753-43e0-B8FC-AC1667EBCBE1}">
+              <a14:hiddenEffects xmlns:a14="http://schemas.microsoft.com/office/drawing/2010/main">
+                <a:effectLst>
+                  <a:outerShdw blurRad="63500" dist="38099" dir="2700000" algn="ctr" rotWithShape="0">
+                    <a:schemeClr val="bg2">
+                      <a:alpha val="74998"/>
+                    </a:schemeClr>
+                  </a:outerShdw>
+                </a:effectLst>
+              </a14:hiddenEffects>
+            </a:ext>
+          </a:extLst>
         </p:spPr>
         <p:txBody>
-          <a:bodyPr/>
-          <a:lstStyle/>
-          <a:p>
-            <a:r>
-              <a:rPr lang="en-US" sz="2800"/>
-              <a:t>Uncertainty comes in several forms:</a:t>
-            </a:r>
-          </a:p>
-          <a:p>
-            <a:pPr lvl="1"/>
-            <a:r>
-              <a:rPr lang="en-US" sz="2200"/>
-              <a:t>Process uncertainty (e.g. recruitment variability, natural mortality variability, birth-death processes).</a:t>
-            </a:r>
-          </a:p>
-          <a:p>
-            <a:pPr lvl="1"/>
-            <a:r>
-              <a:rPr lang="en-US" sz="2200"/>
-              <a:t>Observation uncertainty (e.g. CVs for abundance estimates).</a:t>
-            </a:r>
-          </a:p>
-          <a:p>
-            <a:pPr lvl="1"/>
-            <a:r>
-              <a:rPr lang="en-US" sz="2200"/>
-              <a:t>Model uncertainty (is the model we chose correct; how many alternative models fit the data adequately?)</a:t>
-            </a:r>
-          </a:p>
-          <a:p>
-            <a:pPr lvl="1"/>
-            <a:r>
-              <a:rPr lang="en-US" sz="2200"/>
-              <a:t>Estimation uncertainty – given a model and some data, how well do the data determine the parameters (and predictions) of the model.</a:t>
-            </a:r>
-          </a:p>
-          <a:p>
-            <a:pPr lvl="1"/>
-            <a:r>
-              <a:rPr lang="en-US" sz="2200"/>
-              <a:t>Implementation uncertainty – given a management decision, it be enforced?</a:t>
+          <a:bodyPr wrap="none">
+            <a:spAutoFit/>
+          </a:bodyPr>
+          <a:lstStyle/>
+          <a:p>
+            <a:r>
+              <a:rPr lang="en-US"/>
+              <a:t>Continuous</a:t>
+            </a:r>
+          </a:p>
+        </p:txBody>
+      </p:sp>
+      <p:sp>
+        <p:nvSpPr>
+          <p:cNvPr id="377862" name="Text Box 6"/>
+          <p:cNvSpPr txBox="1">
+            <a:spLocks noChangeArrowheads="1"/>
+          </p:cNvSpPr>
+          <p:nvPr/>
+        </p:nvSpPr>
+        <p:spPr bwMode="auto">
+          <a:xfrm>
+            <a:off x="6373813" y="2514600"/>
+            <a:ext cx="1270000" cy="457200"/>
+          </a:xfrm>
+          <a:prstGeom prst="rect">
+            <a:avLst/>
+          </a:prstGeom>
+          <a:noFill/>
+          <a:ln>
+            <a:noFill/>
+          </a:ln>
+          <a:effectLst/>
+          <a:extLst>
+            <a:ext uri="{909E8E84-426E-40dd-AFC4-6F175D3DCCD1}">
+              <a14:hiddenFill xmlns:a14="http://schemas.microsoft.com/office/drawing/2010/main">
+                <a:solidFill>
+                  <a:schemeClr val="accent1"/>
+                </a:solidFill>
+              </a14:hiddenFill>
+            </a:ext>
+            <a:ext uri="{91240B29-F687-4f45-9708-019B960494DF}">
+              <a14:hiddenLine xmlns:a14="http://schemas.microsoft.com/office/drawing/2010/main" w="9525">
+                <a:solidFill>
+                  <a:schemeClr val="tx1"/>
+                </a:solidFill>
+                <a:miter lim="800000"/>
+                <a:headEnd/>
+                <a:tailEnd/>
+              </a14:hiddenLine>
+            </a:ext>
+            <a:ext uri="{AF507438-7753-43e0-B8FC-AC1667EBCBE1}">
+              <a14:hiddenEffects xmlns:a14="http://schemas.microsoft.com/office/drawing/2010/main">
+                <a:effectLst>
+                  <a:outerShdw blurRad="63500" dist="38099" dir="2700000" algn="ctr" rotWithShape="0">
+                    <a:schemeClr val="bg2">
+                      <a:alpha val="74998"/>
+                    </a:schemeClr>
+                  </a:outerShdw>
+                </a:effectLst>
+              </a14:hiddenEffects>
+            </a:ext>
+          </a:extLst>
+        </p:spPr>
+        <p:txBody>
+          <a:bodyPr wrap="none">
+            <a:spAutoFit/>
+          </a:bodyPr>
+          <a:lstStyle/>
+          <a:p>
+            <a:r>
+              <a:rPr lang="en-US"/>
+              <a:t>Discrete</a:t>
+            </a:r>
+          </a:p>
+        </p:txBody>
+      </p:sp>
+      <p:sp>
+        <p:nvSpPr>
+          <p:cNvPr id="377863" name="Text Box 7"/>
+          <p:cNvSpPr txBox="1">
+            <a:spLocks noChangeArrowheads="1"/>
+          </p:cNvSpPr>
+          <p:nvPr/>
+        </p:nvSpPr>
+        <p:spPr bwMode="auto">
+          <a:xfrm>
+            <a:off x="685800" y="3429000"/>
+            <a:ext cx="2503488" cy="457200"/>
+          </a:xfrm>
+          <a:prstGeom prst="rect">
+            <a:avLst/>
+          </a:prstGeom>
+          <a:noFill/>
+          <a:ln>
+            <a:noFill/>
+          </a:ln>
+          <a:effectLst/>
+          <a:extLst>
+            <a:ext uri="{909E8E84-426E-40dd-AFC4-6F175D3DCCD1}">
+              <a14:hiddenFill xmlns:a14="http://schemas.microsoft.com/office/drawing/2010/main">
+                <a:solidFill>
+                  <a:schemeClr val="accent1"/>
+                </a:solidFill>
+              </a14:hiddenFill>
+            </a:ext>
+            <a:ext uri="{91240B29-F687-4f45-9708-019B960494DF}">
+              <a14:hiddenLine xmlns:a14="http://schemas.microsoft.com/office/drawing/2010/main" w="9525">
+                <a:solidFill>
+                  <a:schemeClr val="tx1"/>
+                </a:solidFill>
+                <a:miter lim="800000"/>
+                <a:headEnd/>
+                <a:tailEnd/>
+              </a14:hiddenLine>
+            </a:ext>
+            <a:ext uri="{AF507438-7753-43e0-B8FC-AC1667EBCBE1}">
+              <a14:hiddenEffects xmlns:a14="http://schemas.microsoft.com/office/drawing/2010/main">
+                <a:effectLst>
+                  <a:outerShdw blurRad="63500" dist="38099" dir="2700000" algn="ctr" rotWithShape="0">
+                    <a:schemeClr val="bg2">
+                      <a:alpha val="74998"/>
+                    </a:schemeClr>
+                  </a:outerShdw>
+                </a:effectLst>
+              </a14:hiddenEffects>
+            </a:ext>
+          </a:extLst>
+        </p:spPr>
+        <p:txBody>
+          <a:bodyPr wrap="none">
+            <a:spAutoFit/>
+          </a:bodyPr>
+          <a:lstStyle/>
+          <a:p>
+            <a:r>
+              <a:rPr lang="en-US"/>
+              <a:t>Can be negative?</a:t>
+            </a:r>
+          </a:p>
+        </p:txBody>
+      </p:sp>
+      <p:sp>
+        <p:nvSpPr>
+          <p:cNvPr id="377864" name="Text Box 8"/>
+          <p:cNvSpPr txBox="1">
+            <a:spLocks noChangeArrowheads="1"/>
+          </p:cNvSpPr>
+          <p:nvPr/>
+        </p:nvSpPr>
+        <p:spPr bwMode="auto">
+          <a:xfrm>
+            <a:off x="177800" y="4572000"/>
+            <a:ext cx="1555750" cy="457200"/>
+          </a:xfrm>
+          <a:prstGeom prst="rect">
+            <a:avLst/>
+          </a:prstGeom>
+          <a:noFill/>
+          <a:ln>
+            <a:noFill/>
+          </a:ln>
+          <a:effectLst/>
+          <a:extLst>
+            <a:ext uri="{909E8E84-426E-40dd-AFC4-6F175D3DCCD1}">
+              <a14:hiddenFill xmlns:a14="http://schemas.microsoft.com/office/drawing/2010/main">
+                <a:solidFill>
+                  <a:schemeClr val="accent1"/>
+                </a:solidFill>
+              </a14:hiddenFill>
+            </a:ext>
+            <a:ext uri="{91240B29-F687-4f45-9708-019B960494DF}">
+              <a14:hiddenLine xmlns:a14="http://schemas.microsoft.com/office/drawing/2010/main" w="9525">
+                <a:solidFill>
+                  <a:schemeClr val="tx1"/>
+                </a:solidFill>
+                <a:miter lim="800000"/>
+                <a:headEnd/>
+                <a:tailEnd/>
+              </a14:hiddenLine>
+            </a:ext>
+            <a:ext uri="{AF507438-7753-43e0-B8FC-AC1667EBCBE1}">
+              <a14:hiddenEffects xmlns:a14="http://schemas.microsoft.com/office/drawing/2010/main">
+                <a:effectLst>
+                  <a:outerShdw blurRad="63500" dist="38099" dir="2700000" algn="ctr" rotWithShape="0">
+                    <a:schemeClr val="bg2">
+                      <a:alpha val="74998"/>
+                    </a:schemeClr>
+                  </a:outerShdw>
+                </a:effectLst>
+              </a14:hiddenEffects>
+            </a:ext>
+          </a:extLst>
+        </p:spPr>
+        <p:txBody>
+          <a:bodyPr wrap="none">
+            <a:spAutoFit/>
+          </a:bodyPr>
+          <a:lstStyle/>
+          <a:p>
+            <a:r>
+              <a:rPr lang="en-US"/>
+              <a:t>Normal / t</a:t>
+            </a:r>
+          </a:p>
+        </p:txBody>
+      </p:sp>
+      <p:sp>
+        <p:nvSpPr>
+          <p:cNvPr id="377865" name="Text Box 9"/>
+          <p:cNvSpPr txBox="1">
+            <a:spLocks noChangeArrowheads="1"/>
+          </p:cNvSpPr>
+          <p:nvPr/>
+        </p:nvSpPr>
+        <p:spPr bwMode="auto">
+          <a:xfrm>
+            <a:off x="1663700" y="5257800"/>
+            <a:ext cx="1824038" cy="822325"/>
+          </a:xfrm>
+          <a:prstGeom prst="rect">
+            <a:avLst/>
+          </a:prstGeom>
+          <a:noFill/>
+          <a:ln>
+            <a:noFill/>
+          </a:ln>
+          <a:effectLst/>
+          <a:extLst>
+            <a:ext uri="{909E8E84-426E-40dd-AFC4-6F175D3DCCD1}">
+              <a14:hiddenFill xmlns:a14="http://schemas.microsoft.com/office/drawing/2010/main">
+                <a:solidFill>
+                  <a:schemeClr val="accent1"/>
+                </a:solidFill>
+              </a14:hiddenFill>
+            </a:ext>
+            <a:ext uri="{91240B29-F687-4f45-9708-019B960494DF}">
+              <a14:hiddenLine xmlns:a14="http://schemas.microsoft.com/office/drawing/2010/main" w="9525">
+                <a:solidFill>
+                  <a:schemeClr val="tx1"/>
+                </a:solidFill>
+                <a:miter lim="800000"/>
+                <a:headEnd/>
+                <a:tailEnd/>
+              </a14:hiddenLine>
+            </a:ext>
+            <a:ext uri="{AF507438-7753-43e0-B8FC-AC1667EBCBE1}">
+              <a14:hiddenEffects xmlns:a14="http://schemas.microsoft.com/office/drawing/2010/main">
+                <a:effectLst>
+                  <a:outerShdw blurRad="63500" dist="38099" dir="2700000" algn="ctr" rotWithShape="0">
+                    <a:schemeClr val="bg2">
+                      <a:alpha val="74998"/>
+                    </a:schemeClr>
+                  </a:outerShdw>
+                </a:effectLst>
+              </a14:hiddenEffects>
+            </a:ext>
+          </a:extLst>
+        </p:spPr>
+        <p:txBody>
+          <a:bodyPr wrap="none">
+            <a:spAutoFit/>
+          </a:bodyPr>
+          <a:lstStyle/>
+          <a:p>
+            <a:r>
+              <a:rPr lang="en-US"/>
+              <a:t>lognormal / </a:t>
+            </a:r>
+          </a:p>
+          <a:p>
+            <a:r>
+              <a:rPr lang="en-US"/>
+              <a:t>gamma</a:t>
+            </a:r>
+          </a:p>
+        </p:txBody>
+      </p:sp>
+      <p:sp>
+        <p:nvSpPr>
+          <p:cNvPr id="377866" name="Text Box 10"/>
+          <p:cNvSpPr txBox="1">
+            <a:spLocks noChangeArrowheads="1"/>
+          </p:cNvSpPr>
+          <p:nvPr/>
+        </p:nvSpPr>
+        <p:spPr bwMode="auto">
+          <a:xfrm>
+            <a:off x="5638800" y="3352800"/>
+            <a:ext cx="2998788" cy="457200"/>
+          </a:xfrm>
+          <a:prstGeom prst="rect">
+            <a:avLst/>
+          </a:prstGeom>
+          <a:noFill/>
+          <a:ln>
+            <a:noFill/>
+          </a:ln>
+          <a:effectLst/>
+          <a:extLst>
+            <a:ext uri="{909E8E84-426E-40dd-AFC4-6F175D3DCCD1}">
+              <a14:hiddenFill xmlns:a14="http://schemas.microsoft.com/office/drawing/2010/main">
+                <a:solidFill>
+                  <a:schemeClr val="accent1"/>
+                </a:solidFill>
+              </a14:hiddenFill>
+            </a:ext>
+            <a:ext uri="{91240B29-F687-4f45-9708-019B960494DF}">
+              <a14:hiddenLine xmlns:a14="http://schemas.microsoft.com/office/drawing/2010/main" w="9525">
+                <a:solidFill>
+                  <a:schemeClr val="tx1"/>
+                </a:solidFill>
+                <a:miter lim="800000"/>
+                <a:headEnd/>
+                <a:tailEnd/>
+              </a14:hiddenLine>
+            </a:ext>
+            <a:ext uri="{AF507438-7753-43e0-B8FC-AC1667EBCBE1}">
+              <a14:hiddenEffects xmlns:a14="http://schemas.microsoft.com/office/drawing/2010/main">
+                <a:effectLst>
+                  <a:outerShdw blurRad="63500" dist="38099" dir="2700000" algn="ctr" rotWithShape="0">
+                    <a:schemeClr val="bg2">
+                      <a:alpha val="74998"/>
+                    </a:schemeClr>
+                  </a:outerShdw>
+                </a:effectLst>
+              </a14:hiddenEffects>
+            </a:ext>
+          </a:extLst>
+        </p:spPr>
+        <p:txBody>
+          <a:bodyPr wrap="none">
+            <a:spAutoFit/>
+          </a:bodyPr>
+          <a:lstStyle/>
+          <a:p>
+            <a:r>
+              <a:rPr lang="en-US"/>
+              <a:t>Number of outcomes</a:t>
+            </a:r>
+          </a:p>
+        </p:txBody>
+      </p:sp>
+      <p:sp>
+        <p:nvSpPr>
+          <p:cNvPr id="377867" name="Text Box 11"/>
+          <p:cNvSpPr txBox="1">
+            <a:spLocks noChangeArrowheads="1"/>
+          </p:cNvSpPr>
+          <p:nvPr/>
+        </p:nvSpPr>
+        <p:spPr bwMode="auto">
+          <a:xfrm>
+            <a:off x="4751388" y="4681538"/>
+            <a:ext cx="1323975" cy="457200"/>
+          </a:xfrm>
+          <a:prstGeom prst="rect">
+            <a:avLst/>
+          </a:prstGeom>
+          <a:noFill/>
+          <a:ln>
+            <a:noFill/>
+          </a:ln>
+          <a:effectLst/>
+          <a:extLst>
+            <a:ext uri="{909E8E84-426E-40dd-AFC4-6F175D3DCCD1}">
+              <a14:hiddenFill xmlns:a14="http://schemas.microsoft.com/office/drawing/2010/main">
+                <a:solidFill>
+                  <a:schemeClr val="accent1"/>
+                </a:solidFill>
+              </a14:hiddenFill>
+            </a:ext>
+            <a:ext uri="{91240B29-F687-4f45-9708-019B960494DF}">
+              <a14:hiddenLine xmlns:a14="http://schemas.microsoft.com/office/drawing/2010/main" w="9525">
+                <a:solidFill>
+                  <a:schemeClr val="tx1"/>
+                </a:solidFill>
+                <a:miter lim="800000"/>
+                <a:headEnd/>
+                <a:tailEnd/>
+              </a14:hiddenLine>
+            </a:ext>
+            <a:ext uri="{AF507438-7753-43e0-B8FC-AC1667EBCBE1}">
+              <a14:hiddenEffects xmlns:a14="http://schemas.microsoft.com/office/drawing/2010/main">
+                <a:effectLst>
+                  <a:outerShdw blurRad="63500" dist="38099" dir="2700000" algn="ctr" rotWithShape="0">
+                    <a:schemeClr val="bg2">
+                      <a:alpha val="74998"/>
+                    </a:schemeClr>
+                  </a:outerShdw>
+                </a:effectLst>
+              </a14:hiddenEffects>
+            </a:ext>
+          </a:extLst>
+        </p:spPr>
+        <p:txBody>
+          <a:bodyPr wrap="none">
+            <a:spAutoFit/>
+          </a:bodyPr>
+          <a:lstStyle/>
+          <a:p>
+            <a:r>
+              <a:rPr lang="en-US"/>
+              <a:t>Binomial</a:t>
+            </a:r>
+          </a:p>
+        </p:txBody>
+      </p:sp>
+      <p:sp>
+        <p:nvSpPr>
+          <p:cNvPr id="377868" name="Text Box 12"/>
+          <p:cNvSpPr txBox="1">
+            <a:spLocks noChangeArrowheads="1"/>
+          </p:cNvSpPr>
+          <p:nvPr/>
+        </p:nvSpPr>
+        <p:spPr bwMode="auto">
+          <a:xfrm>
+            <a:off x="6251575" y="5334000"/>
+            <a:ext cx="2795588" cy="1187450"/>
+          </a:xfrm>
+          <a:prstGeom prst="rect">
+            <a:avLst/>
+          </a:prstGeom>
+          <a:noFill/>
+          <a:ln>
+            <a:noFill/>
+          </a:ln>
+          <a:effectLst/>
+          <a:extLst>
+            <a:ext uri="{909E8E84-426E-40dd-AFC4-6F175D3DCCD1}">
+              <a14:hiddenFill xmlns:a14="http://schemas.microsoft.com/office/drawing/2010/main">
+                <a:solidFill>
+                  <a:schemeClr val="accent1"/>
+                </a:solidFill>
+              </a14:hiddenFill>
+            </a:ext>
+            <a:ext uri="{91240B29-F687-4f45-9708-019B960494DF}">
+              <a14:hiddenLine xmlns:a14="http://schemas.microsoft.com/office/drawing/2010/main" w="9525">
+                <a:solidFill>
+                  <a:schemeClr val="tx1"/>
+                </a:solidFill>
+                <a:miter lim="800000"/>
+                <a:headEnd/>
+                <a:tailEnd/>
+              </a14:hiddenLine>
+            </a:ext>
+            <a:ext uri="{AF507438-7753-43e0-B8FC-AC1667EBCBE1}">
+              <a14:hiddenEffects xmlns:a14="http://schemas.microsoft.com/office/drawing/2010/main">
+                <a:effectLst>
+                  <a:outerShdw blurRad="63500" dist="38099" dir="2700000" algn="ctr" rotWithShape="0">
+                    <a:schemeClr val="bg2">
+                      <a:alpha val="74998"/>
+                    </a:schemeClr>
+                  </a:outerShdw>
+                </a:effectLst>
+              </a14:hiddenEffects>
+            </a:ext>
+          </a:extLst>
+        </p:spPr>
+        <p:txBody>
+          <a:bodyPr wrap="none">
+            <a:spAutoFit/>
+          </a:bodyPr>
+          <a:lstStyle/>
+          <a:p>
+            <a:r>
+              <a:rPr lang="en-US"/>
+              <a:t>Poisson /</a:t>
+            </a:r>
+          </a:p>
+          <a:p>
+            <a:r>
+              <a:rPr lang="en-US"/>
+              <a:t>Negative binomial /</a:t>
+            </a:r>
+          </a:p>
+          <a:p>
+            <a:r>
+              <a:rPr lang="en-US"/>
+              <a:t>Multinomial</a:t>
+            </a:r>
+          </a:p>
+        </p:txBody>
+      </p:sp>
+      <p:sp>
+        <p:nvSpPr>
+          <p:cNvPr id="377869" name="Line 13"/>
+          <p:cNvSpPr>
+            <a:spLocks noChangeShapeType="1"/>
+          </p:cNvSpPr>
+          <p:nvPr/>
+        </p:nvSpPr>
+        <p:spPr bwMode="auto">
+          <a:xfrm flipH="1">
+            <a:off x="2209800" y="2209800"/>
+            <a:ext cx="1828800" cy="381000"/>
+          </a:xfrm>
+          <a:prstGeom prst="line">
+            <a:avLst/>
+          </a:prstGeom>
+          <a:noFill/>
+          <a:ln w="38100">
+            <a:solidFill>
+              <a:schemeClr val="hlink"/>
+            </a:solidFill>
+            <a:round/>
+            <a:headEnd/>
+            <a:tailEnd type="triangle" w="med" len="med"/>
+          </a:ln>
+          <a:effectLst/>
+          <a:extLst>
+            <a:ext uri="{909E8E84-426E-40dd-AFC4-6F175D3DCCD1}">
+              <a14:hiddenFill xmlns:a14="http://schemas.microsoft.com/office/drawing/2010/main">
+                <a:noFill/>
+              </a14:hiddenFill>
+            </a:ext>
+            <a:ext uri="{AF507438-7753-43e0-B8FC-AC1667EBCBE1}">
+              <a14:hiddenEffects xmlns:a14="http://schemas.microsoft.com/office/drawing/2010/main">
+                <a:effectLst>
+                  <a:outerShdw blurRad="63500" dist="38099" dir="2700000" algn="ctr" rotWithShape="0">
+                    <a:schemeClr val="bg2">
+                      <a:alpha val="74998"/>
+                    </a:schemeClr>
+                  </a:outerShdw>
+                </a:effectLst>
+              </a14:hiddenEffects>
+            </a:ext>
+          </a:extLst>
+        </p:spPr>
+        <p:txBody>
+          <a:bodyPr wrap="none"/>
+          <a:lstStyle/>
+          <a:p>
+            <a:endParaRPr lang="en-US"/>
+          </a:p>
+        </p:txBody>
+      </p:sp>
+      <p:sp>
+        <p:nvSpPr>
+          <p:cNvPr id="377870" name="Line 14"/>
+          <p:cNvSpPr>
+            <a:spLocks noChangeShapeType="1"/>
+          </p:cNvSpPr>
+          <p:nvPr/>
+        </p:nvSpPr>
+        <p:spPr bwMode="auto">
+          <a:xfrm flipH="1">
+            <a:off x="1981200" y="2895600"/>
+            <a:ext cx="0" cy="609600"/>
+          </a:xfrm>
+          <a:prstGeom prst="line">
+            <a:avLst/>
+          </a:prstGeom>
+          <a:noFill/>
+          <a:ln w="38100">
+            <a:solidFill>
+              <a:schemeClr val="hlink"/>
+            </a:solidFill>
+            <a:round/>
+            <a:headEnd/>
+            <a:tailEnd type="triangle" w="med" len="med"/>
+          </a:ln>
+          <a:effectLst/>
+          <a:extLst>
+            <a:ext uri="{909E8E84-426E-40dd-AFC4-6F175D3DCCD1}">
+              <a14:hiddenFill xmlns:a14="http://schemas.microsoft.com/office/drawing/2010/main">
+                <a:noFill/>
+              </a14:hiddenFill>
+            </a:ext>
+            <a:ext uri="{AF507438-7753-43e0-B8FC-AC1667EBCBE1}">
+              <a14:hiddenEffects xmlns:a14="http://schemas.microsoft.com/office/drawing/2010/main">
+                <a:effectLst>
+                  <a:outerShdw blurRad="63500" dist="38099" dir="2700000" algn="ctr" rotWithShape="0">
+                    <a:schemeClr val="bg2">
+                      <a:alpha val="74998"/>
+                    </a:schemeClr>
+                  </a:outerShdw>
+                </a:effectLst>
+              </a14:hiddenEffects>
+            </a:ext>
+          </a:extLst>
+        </p:spPr>
+        <p:txBody>
+          <a:bodyPr wrap="none"/>
+          <a:lstStyle/>
+          <a:p>
+            <a:endParaRPr lang="en-US"/>
+          </a:p>
+        </p:txBody>
+      </p:sp>
+      <p:sp>
+        <p:nvSpPr>
+          <p:cNvPr id="377871" name="Line 15"/>
+          <p:cNvSpPr>
+            <a:spLocks noChangeShapeType="1"/>
+          </p:cNvSpPr>
+          <p:nvPr/>
+        </p:nvSpPr>
+        <p:spPr bwMode="auto">
+          <a:xfrm flipH="1">
+            <a:off x="838200" y="3810000"/>
+            <a:ext cx="609600" cy="838200"/>
+          </a:xfrm>
+          <a:prstGeom prst="line">
+            <a:avLst/>
+          </a:prstGeom>
+          <a:noFill/>
+          <a:ln w="38100">
+            <a:solidFill>
+              <a:schemeClr val="hlink"/>
+            </a:solidFill>
+            <a:round/>
+            <a:headEnd/>
+            <a:tailEnd type="triangle" w="med" len="med"/>
+          </a:ln>
+          <a:effectLst/>
+          <a:extLst>
+            <a:ext uri="{909E8E84-426E-40dd-AFC4-6F175D3DCCD1}">
+              <a14:hiddenFill xmlns:a14="http://schemas.microsoft.com/office/drawing/2010/main">
+                <a:noFill/>
+              </a14:hiddenFill>
+            </a:ext>
+            <a:ext uri="{AF507438-7753-43e0-B8FC-AC1667EBCBE1}">
+              <a14:hiddenEffects xmlns:a14="http://schemas.microsoft.com/office/drawing/2010/main">
+                <a:effectLst>
+                  <a:outerShdw blurRad="63500" dist="38099" dir="2700000" algn="ctr" rotWithShape="0">
+                    <a:schemeClr val="bg2">
+                      <a:alpha val="74998"/>
+                    </a:schemeClr>
+                  </a:outerShdw>
+                </a:effectLst>
+              </a14:hiddenEffects>
+            </a:ext>
+          </a:extLst>
+        </p:spPr>
+        <p:txBody>
+          <a:bodyPr wrap="none"/>
+          <a:lstStyle/>
+          <a:p>
+            <a:endParaRPr lang="en-US"/>
+          </a:p>
+        </p:txBody>
+      </p:sp>
+      <p:sp>
+        <p:nvSpPr>
+          <p:cNvPr id="377872" name="Line 16"/>
+          <p:cNvSpPr>
+            <a:spLocks noChangeShapeType="1"/>
+          </p:cNvSpPr>
+          <p:nvPr/>
+        </p:nvSpPr>
+        <p:spPr bwMode="auto">
+          <a:xfrm flipH="1">
+            <a:off x="2590800" y="3886200"/>
+            <a:ext cx="0" cy="1447800"/>
+          </a:xfrm>
+          <a:prstGeom prst="line">
+            <a:avLst/>
+          </a:prstGeom>
+          <a:noFill/>
+          <a:ln w="38100">
+            <a:solidFill>
+              <a:schemeClr val="hlink"/>
+            </a:solidFill>
+            <a:round/>
+            <a:headEnd/>
+            <a:tailEnd type="triangle" w="med" len="med"/>
+          </a:ln>
+          <a:effectLst/>
+          <a:extLst>
+            <a:ext uri="{909E8E84-426E-40dd-AFC4-6F175D3DCCD1}">
+              <a14:hiddenFill xmlns:a14="http://schemas.microsoft.com/office/drawing/2010/main">
+                <a:noFill/>
+              </a14:hiddenFill>
+            </a:ext>
+            <a:ext uri="{AF507438-7753-43e0-B8FC-AC1667EBCBE1}">
+              <a14:hiddenEffects xmlns:a14="http://schemas.microsoft.com/office/drawing/2010/main">
+                <a:effectLst>
+                  <a:outerShdw blurRad="63500" dist="38099" dir="2700000" algn="ctr" rotWithShape="0">
+                    <a:schemeClr val="bg2">
+                      <a:alpha val="74998"/>
+                    </a:schemeClr>
+                  </a:outerShdw>
+                </a:effectLst>
+              </a14:hiddenEffects>
+            </a:ext>
+          </a:extLst>
+        </p:spPr>
+        <p:txBody>
+          <a:bodyPr wrap="none"/>
+          <a:lstStyle/>
+          <a:p>
+            <a:endParaRPr lang="en-US"/>
+          </a:p>
+        </p:txBody>
+      </p:sp>
+      <p:sp>
+        <p:nvSpPr>
+          <p:cNvPr id="377873" name="Line 17"/>
+          <p:cNvSpPr>
+            <a:spLocks noChangeShapeType="1"/>
+          </p:cNvSpPr>
+          <p:nvPr/>
+        </p:nvSpPr>
+        <p:spPr bwMode="auto">
+          <a:xfrm>
+            <a:off x="4953000" y="2209800"/>
+            <a:ext cx="1981200" cy="381000"/>
+          </a:xfrm>
+          <a:prstGeom prst="line">
+            <a:avLst/>
+          </a:prstGeom>
+          <a:noFill/>
+          <a:ln w="38100">
+            <a:solidFill>
+              <a:schemeClr val="hlink"/>
+            </a:solidFill>
+            <a:round/>
+            <a:headEnd/>
+            <a:tailEnd type="triangle" w="med" len="med"/>
+          </a:ln>
+          <a:effectLst/>
+          <a:extLst>
+            <a:ext uri="{909E8E84-426E-40dd-AFC4-6F175D3DCCD1}">
+              <a14:hiddenFill xmlns:a14="http://schemas.microsoft.com/office/drawing/2010/main">
+                <a:noFill/>
+              </a14:hiddenFill>
+            </a:ext>
+            <a:ext uri="{AF507438-7753-43e0-B8FC-AC1667EBCBE1}">
+              <a14:hiddenEffects xmlns:a14="http://schemas.microsoft.com/office/drawing/2010/main">
+                <a:effectLst>
+                  <a:outerShdw blurRad="63500" dist="38099" dir="2700000" algn="ctr" rotWithShape="0">
+                    <a:schemeClr val="bg2">
+                      <a:alpha val="74998"/>
+                    </a:schemeClr>
+                  </a:outerShdw>
+                </a:effectLst>
+              </a14:hiddenEffects>
+            </a:ext>
+          </a:extLst>
+        </p:spPr>
+        <p:txBody>
+          <a:bodyPr wrap="none"/>
+          <a:lstStyle/>
+          <a:p>
+            <a:endParaRPr lang="en-US"/>
+          </a:p>
+        </p:txBody>
+      </p:sp>
+      <p:sp>
+        <p:nvSpPr>
+          <p:cNvPr id="377874" name="Line 18"/>
+          <p:cNvSpPr>
+            <a:spLocks noChangeShapeType="1"/>
+          </p:cNvSpPr>
+          <p:nvPr/>
+        </p:nvSpPr>
+        <p:spPr bwMode="auto">
+          <a:xfrm>
+            <a:off x="6934200" y="2895600"/>
+            <a:ext cx="0" cy="609600"/>
+          </a:xfrm>
+          <a:prstGeom prst="line">
+            <a:avLst/>
+          </a:prstGeom>
+          <a:noFill/>
+          <a:ln w="38100">
+            <a:solidFill>
+              <a:schemeClr val="hlink"/>
+            </a:solidFill>
+            <a:round/>
+            <a:headEnd/>
+            <a:tailEnd type="triangle" w="med" len="med"/>
+          </a:ln>
+          <a:effectLst/>
+          <a:extLst>
+            <a:ext uri="{909E8E84-426E-40dd-AFC4-6F175D3DCCD1}">
+              <a14:hiddenFill xmlns:a14="http://schemas.microsoft.com/office/drawing/2010/main">
+                <a:noFill/>
+              </a14:hiddenFill>
+            </a:ext>
+            <a:ext uri="{AF507438-7753-43e0-B8FC-AC1667EBCBE1}">
+              <a14:hiddenEffects xmlns:a14="http://schemas.microsoft.com/office/drawing/2010/main">
+                <a:effectLst>
+                  <a:outerShdw blurRad="63500" dist="38099" dir="2700000" algn="ctr" rotWithShape="0">
+                    <a:schemeClr val="bg2">
+                      <a:alpha val="74998"/>
+                    </a:schemeClr>
+                  </a:outerShdw>
+                </a:effectLst>
+              </a14:hiddenEffects>
+            </a:ext>
+          </a:extLst>
+        </p:spPr>
+        <p:txBody>
+          <a:bodyPr wrap="none"/>
+          <a:lstStyle/>
+          <a:p>
+            <a:endParaRPr lang="en-US"/>
+          </a:p>
+        </p:txBody>
+      </p:sp>
+      <p:sp>
+        <p:nvSpPr>
+          <p:cNvPr id="377875" name="Line 19"/>
+          <p:cNvSpPr>
+            <a:spLocks noChangeShapeType="1"/>
+          </p:cNvSpPr>
+          <p:nvPr/>
+        </p:nvSpPr>
+        <p:spPr bwMode="auto">
+          <a:xfrm flipH="1">
+            <a:off x="5486400" y="3810000"/>
+            <a:ext cx="762000" cy="990600"/>
+          </a:xfrm>
+          <a:prstGeom prst="line">
+            <a:avLst/>
+          </a:prstGeom>
+          <a:noFill/>
+          <a:ln w="38100">
+            <a:solidFill>
+              <a:schemeClr val="hlink"/>
+            </a:solidFill>
+            <a:round/>
+            <a:headEnd/>
+            <a:tailEnd type="triangle" w="med" len="med"/>
+          </a:ln>
+          <a:effectLst/>
+          <a:extLst>
+            <a:ext uri="{909E8E84-426E-40dd-AFC4-6F175D3DCCD1}">
+              <a14:hiddenFill xmlns:a14="http://schemas.microsoft.com/office/drawing/2010/main">
+                <a:noFill/>
+              </a14:hiddenFill>
+            </a:ext>
+            <a:ext uri="{AF507438-7753-43e0-B8FC-AC1667EBCBE1}">
+              <a14:hiddenEffects xmlns:a14="http://schemas.microsoft.com/office/drawing/2010/main">
+                <a:effectLst>
+                  <a:outerShdw blurRad="63500" dist="38099" dir="2700000" algn="ctr" rotWithShape="0">
+                    <a:schemeClr val="bg2">
+                      <a:alpha val="74998"/>
+                    </a:schemeClr>
+                  </a:outerShdw>
+                </a:effectLst>
+              </a14:hiddenEffects>
+            </a:ext>
+          </a:extLst>
+        </p:spPr>
+        <p:txBody>
+          <a:bodyPr wrap="none"/>
+          <a:lstStyle/>
+          <a:p>
+            <a:endParaRPr lang="en-US"/>
+          </a:p>
+        </p:txBody>
+      </p:sp>
+      <p:sp>
+        <p:nvSpPr>
+          <p:cNvPr id="377876" name="Line 20"/>
+          <p:cNvSpPr>
+            <a:spLocks noChangeShapeType="1"/>
+          </p:cNvSpPr>
+          <p:nvPr/>
+        </p:nvSpPr>
+        <p:spPr bwMode="auto">
+          <a:xfrm flipH="1">
+            <a:off x="7467600" y="3810000"/>
+            <a:ext cx="0" cy="1600200"/>
+          </a:xfrm>
+          <a:prstGeom prst="line">
+            <a:avLst/>
+          </a:prstGeom>
+          <a:noFill/>
+          <a:ln w="38100">
+            <a:solidFill>
+              <a:schemeClr val="hlink"/>
+            </a:solidFill>
+            <a:round/>
+            <a:headEnd/>
+            <a:tailEnd type="triangle" w="med" len="med"/>
+          </a:ln>
+          <a:effectLst/>
+          <a:extLst>
+            <a:ext uri="{909E8E84-426E-40dd-AFC4-6F175D3DCCD1}">
+              <a14:hiddenFill xmlns:a14="http://schemas.microsoft.com/office/drawing/2010/main">
+                <a:noFill/>
+              </a14:hiddenFill>
+            </a:ext>
+            <a:ext uri="{AF507438-7753-43e0-B8FC-AC1667EBCBE1}">
+              <a14:hiddenEffects xmlns:a14="http://schemas.microsoft.com/office/drawing/2010/main">
+                <a:effectLst>
+                  <a:outerShdw blurRad="63500" dist="38099" dir="2700000" algn="ctr" rotWithShape="0">
+                    <a:schemeClr val="bg2">
+                      <a:alpha val="74998"/>
+                    </a:schemeClr>
+                  </a:outerShdw>
+                </a:effectLst>
+              </a14:hiddenEffects>
+            </a:ext>
+          </a:extLst>
+        </p:spPr>
+        <p:txBody>
+          <a:bodyPr wrap="none"/>
+          <a:lstStyle/>
+          <a:p>
+            <a:endParaRPr lang="en-US"/>
+          </a:p>
+        </p:txBody>
+      </p:sp>
+      <p:sp>
+        <p:nvSpPr>
+          <p:cNvPr id="377877" name="Text Box 21"/>
+          <p:cNvSpPr txBox="1">
+            <a:spLocks noChangeArrowheads="1"/>
+          </p:cNvSpPr>
+          <p:nvPr/>
+        </p:nvSpPr>
+        <p:spPr bwMode="auto">
+          <a:xfrm>
+            <a:off x="5938838" y="4070350"/>
+            <a:ext cx="309562" cy="366713"/>
+          </a:xfrm>
+          <a:prstGeom prst="rect">
+            <a:avLst/>
+          </a:prstGeom>
+          <a:noFill/>
+          <a:ln>
+            <a:noFill/>
+          </a:ln>
+          <a:effectLst/>
+          <a:extLst>
+            <a:ext uri="{909E8E84-426E-40dd-AFC4-6F175D3DCCD1}">
+              <a14:hiddenFill xmlns:a14="http://schemas.microsoft.com/office/drawing/2010/main">
+                <a:solidFill>
+                  <a:schemeClr val="accent1"/>
+                </a:solidFill>
+              </a14:hiddenFill>
+            </a:ext>
+            <a:ext uri="{91240B29-F687-4f45-9708-019B960494DF}">
+              <a14:hiddenLine xmlns:a14="http://schemas.microsoft.com/office/drawing/2010/main" w="9525">
+                <a:solidFill>
+                  <a:schemeClr val="tx1"/>
+                </a:solidFill>
+                <a:miter lim="800000"/>
+                <a:headEnd/>
+                <a:tailEnd/>
+              </a14:hiddenLine>
+            </a:ext>
+            <a:ext uri="{AF507438-7753-43e0-B8FC-AC1667EBCBE1}">
+              <a14:hiddenEffects xmlns:a14="http://schemas.microsoft.com/office/drawing/2010/main">
+                <a:effectLst>
+                  <a:outerShdw blurRad="63500" dist="38099" dir="2700000" algn="ctr" rotWithShape="0">
+                    <a:schemeClr val="bg2">
+                      <a:alpha val="74998"/>
+                    </a:schemeClr>
+                  </a:outerShdw>
+                </a:effectLst>
+              </a14:hiddenEffects>
+            </a:ext>
+          </a:extLst>
+        </p:spPr>
+        <p:txBody>
+          <a:bodyPr wrap="none">
+            <a:spAutoFit/>
+          </a:bodyPr>
+          <a:lstStyle/>
+          <a:p>
+            <a:r>
+              <a:rPr lang="en-US" sz="1800"/>
+              <a:t>2</a:t>
+            </a:r>
+          </a:p>
+        </p:txBody>
+      </p:sp>
+      <p:sp>
+        <p:nvSpPr>
+          <p:cNvPr id="377878" name="Text Box 22"/>
+          <p:cNvSpPr txBox="1">
+            <a:spLocks noChangeArrowheads="1"/>
+          </p:cNvSpPr>
+          <p:nvPr/>
+        </p:nvSpPr>
+        <p:spPr bwMode="auto">
+          <a:xfrm>
+            <a:off x="7431088" y="4222750"/>
+            <a:ext cx="722312" cy="366713"/>
+          </a:xfrm>
+          <a:prstGeom prst="rect">
+            <a:avLst/>
+          </a:prstGeom>
+          <a:noFill/>
+          <a:ln>
+            <a:noFill/>
+          </a:ln>
+          <a:effectLst/>
+          <a:extLst>
+            <a:ext uri="{909E8E84-426E-40dd-AFC4-6F175D3DCCD1}">
+              <a14:hiddenFill xmlns:a14="http://schemas.microsoft.com/office/drawing/2010/main">
+                <a:solidFill>
+                  <a:schemeClr val="accent1"/>
+                </a:solidFill>
+              </a14:hiddenFill>
+            </a:ext>
+            <a:ext uri="{91240B29-F687-4f45-9708-019B960494DF}">
+              <a14:hiddenLine xmlns:a14="http://schemas.microsoft.com/office/drawing/2010/main" w="9525">
+                <a:solidFill>
+                  <a:schemeClr val="tx1"/>
+                </a:solidFill>
+                <a:miter lim="800000"/>
+                <a:headEnd/>
+                <a:tailEnd/>
+              </a14:hiddenLine>
+            </a:ext>
+            <a:ext uri="{AF507438-7753-43e0-B8FC-AC1667EBCBE1}">
+              <a14:hiddenEffects xmlns:a14="http://schemas.microsoft.com/office/drawing/2010/main">
+                <a:effectLst>
+                  <a:outerShdw blurRad="63500" dist="38099" dir="2700000" algn="ctr" rotWithShape="0">
+                    <a:schemeClr val="bg2">
+                      <a:alpha val="74998"/>
+                    </a:schemeClr>
+                  </a:outerShdw>
+                </a:effectLst>
+              </a14:hiddenEffects>
+            </a:ext>
+          </a:extLst>
+        </p:spPr>
+        <p:txBody>
+          <a:bodyPr wrap="none">
+            <a:spAutoFit/>
+          </a:bodyPr>
+          <a:lstStyle/>
+          <a:p>
+            <a:r>
+              <a:rPr lang="en-US" sz="1800"/>
+              <a:t>Many</a:t>
+            </a:r>
+          </a:p>
+        </p:txBody>
+      </p:sp>
+      <p:sp>
+        <p:nvSpPr>
+          <p:cNvPr id="377879" name="Text Box 23"/>
+          <p:cNvSpPr txBox="1">
+            <a:spLocks noChangeArrowheads="1"/>
+          </p:cNvSpPr>
+          <p:nvPr/>
+        </p:nvSpPr>
+        <p:spPr bwMode="auto">
+          <a:xfrm>
+            <a:off x="2590800" y="4222750"/>
+            <a:ext cx="460375" cy="366713"/>
+          </a:xfrm>
+          <a:prstGeom prst="rect">
+            <a:avLst/>
+          </a:prstGeom>
+          <a:noFill/>
+          <a:ln>
+            <a:noFill/>
+          </a:ln>
+          <a:effectLst/>
+          <a:extLst>
+            <a:ext uri="{909E8E84-426E-40dd-AFC4-6F175D3DCCD1}">
+              <a14:hiddenFill xmlns:a14="http://schemas.microsoft.com/office/drawing/2010/main">
+                <a:solidFill>
+                  <a:schemeClr val="accent1"/>
+                </a:solidFill>
+              </a14:hiddenFill>
+            </a:ext>
+            <a:ext uri="{91240B29-F687-4f45-9708-019B960494DF}">
+              <a14:hiddenLine xmlns:a14="http://schemas.microsoft.com/office/drawing/2010/main" w="9525">
+                <a:solidFill>
+                  <a:schemeClr val="tx1"/>
+                </a:solidFill>
+                <a:miter lim="800000"/>
+                <a:headEnd/>
+                <a:tailEnd/>
+              </a14:hiddenLine>
+            </a:ext>
+            <a:ext uri="{AF507438-7753-43e0-B8FC-AC1667EBCBE1}">
+              <a14:hiddenEffects xmlns:a14="http://schemas.microsoft.com/office/drawing/2010/main">
+                <a:effectLst>
+                  <a:outerShdw blurRad="63500" dist="38099" dir="2700000" algn="ctr" rotWithShape="0">
+                    <a:schemeClr val="bg2">
+                      <a:alpha val="74998"/>
+                    </a:schemeClr>
+                  </a:outerShdw>
+                </a:effectLst>
+              </a14:hiddenEffects>
+            </a:ext>
+          </a:extLst>
+        </p:spPr>
+        <p:txBody>
+          <a:bodyPr wrap="none">
+            <a:spAutoFit/>
+          </a:bodyPr>
+          <a:lstStyle/>
+          <a:p>
+            <a:r>
+              <a:rPr lang="en-US" sz="1800"/>
+              <a:t>No</a:t>
+            </a:r>
+          </a:p>
+        </p:txBody>
+      </p:sp>
+      <p:sp>
+        <p:nvSpPr>
+          <p:cNvPr id="377880" name="Text Box 24"/>
+          <p:cNvSpPr txBox="1">
+            <a:spLocks noChangeArrowheads="1"/>
+          </p:cNvSpPr>
+          <p:nvPr/>
+        </p:nvSpPr>
+        <p:spPr bwMode="auto">
+          <a:xfrm>
+            <a:off x="1103313" y="4114800"/>
+            <a:ext cx="538162" cy="366713"/>
+          </a:xfrm>
+          <a:prstGeom prst="rect">
+            <a:avLst/>
+          </a:prstGeom>
+          <a:noFill/>
+          <a:ln>
+            <a:noFill/>
+          </a:ln>
+          <a:effectLst/>
+          <a:extLst>
+            <a:ext uri="{909E8E84-426E-40dd-AFC4-6F175D3DCCD1}">
+              <a14:hiddenFill xmlns:a14="http://schemas.microsoft.com/office/drawing/2010/main">
+                <a:solidFill>
+                  <a:schemeClr val="accent1"/>
+                </a:solidFill>
+              </a14:hiddenFill>
+            </a:ext>
+            <a:ext uri="{91240B29-F687-4f45-9708-019B960494DF}">
+              <a14:hiddenLine xmlns:a14="http://schemas.microsoft.com/office/drawing/2010/main" w="9525">
+                <a:solidFill>
+                  <a:schemeClr val="tx1"/>
+                </a:solidFill>
+                <a:miter lim="800000"/>
+                <a:headEnd/>
+                <a:tailEnd/>
+              </a14:hiddenLine>
+            </a:ext>
+            <a:ext uri="{AF507438-7753-43e0-B8FC-AC1667EBCBE1}">
+              <a14:hiddenEffects xmlns:a14="http://schemas.microsoft.com/office/drawing/2010/main">
+                <a:effectLst>
+                  <a:outerShdw blurRad="63500" dist="38099" dir="2700000" algn="ctr" rotWithShape="0">
+                    <a:schemeClr val="bg2">
+                      <a:alpha val="74998"/>
+                    </a:schemeClr>
+                  </a:outerShdw>
+                </a:effectLst>
+              </a14:hiddenEffects>
+            </a:ext>
+          </a:extLst>
+        </p:spPr>
+        <p:txBody>
+          <a:bodyPr wrap="none">
+            <a:spAutoFit/>
+          </a:bodyPr>
+          <a:lstStyle/>
+          <a:p>
+            <a:r>
+              <a:rPr lang="en-US" sz="1800"/>
+              <a:t>Yes</a:t>
             </a:r>
           </a:p>
         </p:txBody>
@@ -11016,7 +11266,7 @@
     </p:spTree>
     <p:extLst>
       <p:ext uri="{BB962C8B-B14F-4D97-AF65-F5344CB8AC3E}">
-        <p14:creationId xmlns:p14="http://schemas.microsoft.com/office/powerpoint/2010/main" val="1609017374"/>
+        <p14:creationId xmlns:p14="http://schemas.microsoft.com/office/powerpoint/2010/main" val="1626683841"/>
       </p:ext>
     </p:extLst>
   </p:cSld>
@@ -11045,7 +11295,7 @@
       </p:grpSpPr>
       <p:sp>
         <p:nvSpPr>
-          <p:cNvPr id="316418" name="Rectangle 2"/>
+          <p:cNvPr id="285698" name="Rectangle 2"/>
           <p:cNvSpPr>
             <a:spLocks noGrp="1" noChangeArrowheads="1"/>
           </p:cNvSpPr>
@@ -11055,71 +11305,229 @@
         </p:nvSpPr>
         <p:spPr/>
         <p:txBody>
+          <a:bodyPr>
+            <a:normAutofit fontScale="90000"/>
+          </a:bodyPr>
+          <a:lstStyle/>
+          <a:p>
+            <a:pPr algn="ctr"/>
+            <a:r>
+              <a:rPr lang="en-US" sz="4000"/>
+              <a:t>What do we mean by </a:t>
+            </a:r>
+            <a:br>
+              <a:rPr lang="en-US" sz="4000"/>
+            </a:br>
+            <a:r>
+              <a:rPr lang="en-US" sz="4000"/>
+              <a:t>“Fitting to Data” and why do it?</a:t>
+            </a:r>
+          </a:p>
+        </p:txBody>
+      </p:sp>
+      <p:sp>
+        <p:nvSpPr>
+          <p:cNvPr id="285699" name="Rectangle 3"/>
+          <p:cNvSpPr>
+            <a:spLocks noGrp="1" noChangeArrowheads="1"/>
+          </p:cNvSpPr>
+          <p:nvPr>
+            <p:ph type="body" idx="1"/>
+          </p:nvPr>
+        </p:nvSpPr>
+        <p:spPr/>
+        <p:txBody>
           <a:bodyPr/>
           <a:lstStyle/>
           <a:p>
-            <a:pPr algn="ctr"/>
-            <a:r>
-              <a:rPr lang="en-US"/>
-              <a:t>Keep in Mind</a:t>
-            </a:r>
-          </a:p>
-        </p:txBody>
-      </p:sp>
-      <p:sp>
-        <p:nvSpPr>
-          <p:cNvPr id="316419" name="Rectangle 3"/>
-          <p:cNvSpPr>
-            <a:spLocks noGrp="1" noChangeArrowheads="1"/>
-          </p:cNvSpPr>
-          <p:nvPr>
-            <p:ph type="body" idx="1"/>
-          </p:nvPr>
-        </p:nvSpPr>
-        <p:spPr/>
-        <p:txBody>
-          <a:bodyPr/>
-          <a:lstStyle/>
-          <a:p>
-            <a:r>
-              <a:rPr lang="en-US">
-                <a:solidFill>
-                  <a:schemeClr val="hlink"/>
-                </a:solidFill>
-              </a:rPr>
-              <a:t>Models</a:t>
-            </a:r>
-            <a:r>
-              <a:rPr lang="en-US"/>
-              <a:t>: the parameters, state variables and forcing functions.</a:t>
-            </a:r>
-          </a:p>
-          <a:p>
-            <a:r>
-              <a:rPr lang="en-US">
-                <a:solidFill>
-                  <a:schemeClr val="hlink"/>
-                </a:solidFill>
-              </a:rPr>
-              <a:t>Data</a:t>
-            </a:r>
-            <a:r>
-              <a:rPr lang="en-US"/>
-              <a:t>: information we want to use to specify the values for the parameters.</a:t>
-            </a:r>
-          </a:p>
-          <a:p>
-            <a:endParaRPr lang="en-US"/>
-          </a:p>
-          <a:p>
-            <a:endParaRPr lang="en-US"/>
+            <a:pPr>
+              <a:lnSpc>
+                <a:spcPct val="90000"/>
+              </a:lnSpc>
+            </a:pPr>
+            <a:r>
+              <a:rPr lang="en-US" sz="2800" dirty="0"/>
+              <a:t>Fitting to data provides the basis for:</a:t>
+            </a:r>
+          </a:p>
+          <a:p>
+            <a:pPr lvl="1">
+              <a:lnSpc>
+                <a:spcPct val="90000"/>
+              </a:lnSpc>
+            </a:pPr>
+            <a:r>
+              <a:rPr lang="en-US" sz="2400" dirty="0"/>
+              <a:t>setting the values for the parameters of a model and hence computing the values for the state variables.</a:t>
+            </a:r>
+          </a:p>
+          <a:p>
+            <a:pPr lvl="1">
+              <a:lnSpc>
+                <a:spcPct val="90000"/>
+              </a:lnSpc>
+            </a:pPr>
+            <a:r>
+              <a:rPr lang="en-US" sz="2400" dirty="0"/>
+              <a:t>evaluating whether a model can mimic the existing data adequately (if it can’t, perhaps we should eliminate it).</a:t>
+            </a:r>
+          </a:p>
+          <a:p>
+            <a:pPr lvl="1">
+              <a:lnSpc>
+                <a:spcPct val="90000"/>
+              </a:lnSpc>
+            </a:pPr>
+            <a:r>
+              <a:rPr lang="en-US" sz="2400" dirty="0"/>
+              <a:t>comparing different hypotheses (represented by the models that fit the data adequately - to some extent).</a:t>
+            </a:r>
+          </a:p>
+          <a:p>
+            <a:pPr lvl="1">
+              <a:lnSpc>
+                <a:spcPct val="90000"/>
+              </a:lnSpc>
+            </a:pPr>
+            <a:r>
+              <a:rPr lang="en-US" sz="2400" dirty="0"/>
+              <a:t>assessing the amount of uncertainty.</a:t>
+            </a:r>
           </a:p>
         </p:txBody>
       </p:sp>
     </p:spTree>
     <p:extLst>
       <p:ext uri="{BB962C8B-B14F-4D97-AF65-F5344CB8AC3E}">
-        <p14:creationId xmlns:p14="http://schemas.microsoft.com/office/powerpoint/2010/main" val="1947269250"/>
+        <p14:creationId xmlns:p14="http://schemas.microsoft.com/office/powerpoint/2010/main" val="2806423538"/>
+      </p:ext>
+    </p:extLst>
+  </p:cSld>
+  <p:clrMapOvr>
+    <a:masterClrMapping/>
+  </p:clrMapOvr>
+</p:sld>
+</file>
+
+<file path=ppt/slides/slide30.xml><?xml version="1.0" encoding="utf-8"?>
+<p:sld xmlns:a="http://schemas.openxmlformats.org/drawingml/2006/main" xmlns:r="http://schemas.openxmlformats.org/officeDocument/2006/relationships" xmlns:p="http://schemas.openxmlformats.org/presentationml/2006/main">
+  <p:cSld>
+    <p:spTree>
+      <p:nvGrpSpPr>
+        <p:cNvPr id="1" name=""/>
+        <p:cNvGrpSpPr/>
+        <p:nvPr/>
+      </p:nvGrpSpPr>
+      <p:grpSpPr>
+        <a:xfrm>
+          <a:off x="0" y="0"/>
+          <a:ext cx="0" cy="0"/>
+          <a:chOff x="0" y="0"/>
+          <a:chExt cx="0" cy="0"/>
+        </a:xfrm>
+      </p:grpSpPr>
+      <p:sp>
+        <p:nvSpPr>
+          <p:cNvPr id="325634" name="Rectangle 1026"/>
+          <p:cNvSpPr>
+            <a:spLocks noGrp="1" noChangeArrowheads="1"/>
+          </p:cNvSpPr>
+          <p:nvPr>
+            <p:ph type="title"/>
+          </p:nvPr>
+        </p:nvSpPr>
+        <p:spPr/>
+        <p:txBody>
+          <a:bodyPr>
+            <a:normAutofit fontScale="90000"/>
+          </a:bodyPr>
+          <a:lstStyle/>
+          <a:p>
+            <a:pPr algn="ctr"/>
+            <a:r>
+              <a:rPr lang="en-US" sz="4000" dirty="0" smtClean="0"/>
+              <a:t>Next: Quantifying Uncertainty?</a:t>
+            </a:r>
+            <a:r>
+              <a:rPr lang="en-US" sz="4000" dirty="0"/>
+              <a:t/>
+            </a:r>
+            <a:br>
+              <a:rPr lang="en-US" sz="4000" dirty="0"/>
+            </a:br>
+            <a:r>
+              <a:rPr lang="en-US" sz="4000" dirty="0"/>
+              <a:t>(an overview)</a:t>
+            </a:r>
+          </a:p>
+        </p:txBody>
+      </p:sp>
+      <p:sp>
+        <p:nvSpPr>
+          <p:cNvPr id="325635" name="Rectangle 1027"/>
+          <p:cNvSpPr>
+            <a:spLocks noGrp="1" noChangeArrowheads="1"/>
+          </p:cNvSpPr>
+          <p:nvPr>
+            <p:ph type="body" idx="1"/>
+          </p:nvPr>
+        </p:nvSpPr>
+        <p:spPr>
+          <a:xfrm>
+            <a:off x="1182688" y="1828800"/>
+            <a:ext cx="7808912" cy="4724400"/>
+          </a:xfrm>
+        </p:spPr>
+        <p:txBody>
+          <a:bodyPr/>
+          <a:lstStyle/>
+          <a:p>
+            <a:r>
+              <a:rPr lang="en-US" sz="2800"/>
+              <a:t>Uncertainty comes in several forms:</a:t>
+            </a:r>
+          </a:p>
+          <a:p>
+            <a:pPr lvl="1"/>
+            <a:r>
+              <a:rPr lang="en-US" sz="2200"/>
+              <a:t>Process uncertainty (e.g. recruitment variability, natural mortality variability, birth-death processes).</a:t>
+            </a:r>
+          </a:p>
+          <a:p>
+            <a:pPr lvl="1"/>
+            <a:r>
+              <a:rPr lang="en-US" sz="2200"/>
+              <a:t>Observation uncertainty (e.g. CVs for abundance estimates).</a:t>
+            </a:r>
+          </a:p>
+          <a:p>
+            <a:pPr lvl="1"/>
+            <a:r>
+              <a:rPr lang="en-US" sz="2200"/>
+              <a:t>Model uncertainty (is the model we chose correct; how many alternative models fit the data adequately?)</a:t>
+            </a:r>
+          </a:p>
+          <a:p>
+            <a:pPr lvl="1"/>
+            <a:r>
+              <a:rPr lang="en-US" sz="2200"/>
+              <a:t>Estimation uncertainty – given a model and some data, how well do the data determine the parameters (and predictions) of the model.</a:t>
+            </a:r>
+          </a:p>
+          <a:p>
+            <a:pPr lvl="1"/>
+            <a:r>
+              <a:rPr lang="en-US" sz="2200"/>
+              <a:t>Implementation uncertainty – given a management decision, it be enforced?</a:t>
+            </a:r>
+          </a:p>
+        </p:txBody>
+      </p:sp>
+    </p:spTree>
+    <p:extLst>
+      <p:ext uri="{BB962C8B-B14F-4D97-AF65-F5344CB8AC3E}">
+        <p14:creationId xmlns:p14="http://schemas.microsoft.com/office/powerpoint/2010/main" val="1609017374"/>
       </p:ext>
     </p:extLst>
   </p:cSld>
@@ -11148,6 +11556,109 @@
       </p:grpSpPr>
       <p:sp>
         <p:nvSpPr>
+          <p:cNvPr id="316418" name="Rectangle 2"/>
+          <p:cNvSpPr>
+            <a:spLocks noGrp="1" noChangeArrowheads="1"/>
+          </p:cNvSpPr>
+          <p:nvPr>
+            <p:ph type="title"/>
+          </p:nvPr>
+        </p:nvSpPr>
+        <p:spPr/>
+        <p:txBody>
+          <a:bodyPr/>
+          <a:lstStyle/>
+          <a:p>
+            <a:pPr algn="ctr"/>
+            <a:r>
+              <a:rPr lang="en-US"/>
+              <a:t>Keep in Mind</a:t>
+            </a:r>
+          </a:p>
+        </p:txBody>
+      </p:sp>
+      <p:sp>
+        <p:nvSpPr>
+          <p:cNvPr id="316419" name="Rectangle 3"/>
+          <p:cNvSpPr>
+            <a:spLocks noGrp="1" noChangeArrowheads="1"/>
+          </p:cNvSpPr>
+          <p:nvPr>
+            <p:ph type="body" idx="1"/>
+          </p:nvPr>
+        </p:nvSpPr>
+        <p:spPr/>
+        <p:txBody>
+          <a:bodyPr/>
+          <a:lstStyle/>
+          <a:p>
+            <a:r>
+              <a:rPr lang="en-US">
+                <a:solidFill>
+                  <a:schemeClr val="hlink"/>
+                </a:solidFill>
+              </a:rPr>
+              <a:t>Models</a:t>
+            </a:r>
+            <a:r>
+              <a:rPr lang="en-US"/>
+              <a:t>: the parameters, state variables and forcing functions.</a:t>
+            </a:r>
+          </a:p>
+          <a:p>
+            <a:r>
+              <a:rPr lang="en-US">
+                <a:solidFill>
+                  <a:schemeClr val="hlink"/>
+                </a:solidFill>
+              </a:rPr>
+              <a:t>Data</a:t>
+            </a:r>
+            <a:r>
+              <a:rPr lang="en-US"/>
+              <a:t>: information we want to use to specify the values for the parameters.</a:t>
+            </a:r>
+          </a:p>
+          <a:p>
+            <a:endParaRPr lang="en-US"/>
+          </a:p>
+          <a:p>
+            <a:endParaRPr lang="en-US"/>
+          </a:p>
+        </p:txBody>
+      </p:sp>
+    </p:spTree>
+    <p:extLst>
+      <p:ext uri="{BB962C8B-B14F-4D97-AF65-F5344CB8AC3E}">
+        <p14:creationId xmlns:p14="http://schemas.microsoft.com/office/powerpoint/2010/main" val="1947269250"/>
+      </p:ext>
+    </p:extLst>
+  </p:cSld>
+  <p:clrMapOvr>
+    <a:masterClrMapping/>
+  </p:clrMapOvr>
+</p:sld>
+</file>
+
+<file path=ppt/slides/slide5.xml><?xml version="1.0" encoding="utf-8"?>
+<p:sld xmlns:a="http://schemas.openxmlformats.org/drawingml/2006/main" xmlns:r="http://schemas.openxmlformats.org/officeDocument/2006/relationships" xmlns:p="http://schemas.openxmlformats.org/presentationml/2006/main">
+  <p:cSld>
+    <p:spTree>
+      <p:nvGrpSpPr>
+        <p:cNvPr id="1" name=""/>
+        <p:cNvGrpSpPr/>
+        <p:nvPr/>
+      </p:nvGrpSpPr>
+      <p:grpSpPr>
+        <a:xfrm>
+          <a:off x="0" y="0"/>
+          <a:ext cx="0" cy="0"/>
+          <a:chOff x="0" y="0"/>
+          <a:chExt cx="0" cy="0"/>
+        </a:xfrm>
+      </p:grpSpPr>
+      <p:sp>
+        <p:nvSpPr>
           <p:cNvPr id="317442" name="Rectangle 2"/>
           <p:cNvSpPr>
             <a:spLocks noGrp="1" noChangeArrowheads="1"/>
@@ -11237,7 +11748,7 @@
           <a:graphicData uri="http://schemas.openxmlformats.org/presentationml/2006/ole">
             <mc:AlternateContent xmlns:mc="http://schemas.openxmlformats.org/markup-compatibility/2006">
               <mc:Choice xmlns:v="urn:schemas-microsoft-com:vml" Requires="v">
-                <p:oleObj spid="_x0000_s3109" name="Equation" r:id="rId3" imgW="647640" imgH="368280" progId="Equation.DSMT4">
+                <p:oleObj spid="_x0000_s3112" name="Equation" r:id="rId3" imgW="647640" imgH="368280" progId="Equation.DSMT4">
                   <p:embed/>
                 </p:oleObj>
               </mc:Choice>
@@ -11338,7 +11849,7 @@
           <a:graphicData uri="http://schemas.openxmlformats.org/presentationml/2006/ole">
             <mc:AlternateContent xmlns:mc="http://schemas.openxmlformats.org/markup-compatibility/2006">
               <mc:Choice xmlns:v="urn:schemas-microsoft-com:vml" Requires="v">
-                <p:oleObj spid="_x0000_s3110" name="Equation" r:id="rId5" imgW="647640" imgH="368280" progId="Equation.3">
+                <p:oleObj spid="_x0000_s3113" name="Equation" r:id="rId5" imgW="647640" imgH="368280" progId="Equation.3">
                   <p:embed/>
                 </p:oleObj>
               </mc:Choice>
@@ -11430,7 +11941,7 @@
 </p:sld>
 </file>
 
-<file path=ppt/slides/slide5.xml><?xml version="1.0" encoding="utf-8"?>
+<file path=ppt/slides/slide6.xml><?xml version="1.0" encoding="utf-8"?>
 <p:sld xmlns:a="http://schemas.openxmlformats.org/drawingml/2006/main" xmlns:r="http://schemas.openxmlformats.org/officeDocument/2006/relationships" xmlns:p="http://schemas.openxmlformats.org/presentationml/2006/main">
   <p:cSld>
     <p:spTree>
@@ -11701,7 +12212,7 @@
           <a:graphicData uri="http://schemas.openxmlformats.org/presentationml/2006/ole">
             <mc:AlternateContent xmlns:mc="http://schemas.openxmlformats.org/markup-compatibility/2006">
               <mc:Choice xmlns:v="urn:schemas-microsoft-com:vml" Requires="v">
-                <p:oleObj spid="_x0000_s5165" name="Equation" r:id="rId3" imgW="838080" imgH="507960" progId="Equation.3">
+                <p:oleObj spid="_x0000_s5167" name="Equation" r:id="rId3" imgW="838080" imgH="507960" progId="Equation.3">
                   <p:embed/>
                 </p:oleObj>
               </mc:Choice>
@@ -11764,7 +12275,7 @@
 </p:sld>
 </file>
 
-<file path=ppt/slides/slide6.xml><?xml version="1.0" encoding="utf-8"?>
+<file path=ppt/slides/slide7.xml><?xml version="1.0" encoding="utf-8"?>
 <p:sld xmlns:a="http://schemas.openxmlformats.org/drawingml/2006/main" xmlns:r="http://schemas.openxmlformats.org/officeDocument/2006/relationships" xmlns:p="http://schemas.openxmlformats.org/presentationml/2006/main">
   <p:cSld>
     <p:spTree>
@@ -11863,7 +12374,7 @@
           <a:graphicData uri="http://schemas.openxmlformats.org/presentationml/2006/ole">
             <mc:AlternateContent xmlns:mc="http://schemas.openxmlformats.org/markup-compatibility/2006">
               <mc:Choice xmlns:v="urn:schemas-microsoft-com:vml" Requires="v">
-                <p:oleObj spid="_x0000_s6179" name="Equation" r:id="rId3" imgW="2590560" imgH="533160" progId="Equation.DSMT4">
+                <p:oleObj spid="_x0000_s6182" name="Equation" r:id="rId3" imgW="2590560" imgH="533160" progId="Equation.DSMT4">
                   <p:embed/>
                 </p:oleObj>
               </mc:Choice>
@@ -11958,7 +12469,7 @@
           <a:graphicData uri="http://schemas.openxmlformats.org/presentationml/2006/ole">
             <mc:AlternateContent xmlns:mc="http://schemas.openxmlformats.org/markup-compatibility/2006">
               <mc:Choice xmlns:v="urn:schemas-microsoft-com:vml" Requires="v">
-                <p:oleObj spid="_x0000_s6180" name="Equation" r:id="rId5" imgW="3797280" imgH="1307880" progId="Equation.3">
+                <p:oleObj spid="_x0000_s6183" name="Equation" r:id="rId5" imgW="3797280" imgH="1307880" progId="Equation.3">
                   <p:embed/>
                 </p:oleObj>
               </mc:Choice>
@@ -12050,7 +12561,7 @@
 </p:sld>
 </file>
 
-<file path=ppt/slides/slide7.xml><?xml version="1.0" encoding="utf-8"?>
+<file path=ppt/slides/slide8.xml><?xml version="1.0" encoding="utf-8"?>
 <p:sld xmlns:a="http://schemas.openxmlformats.org/drawingml/2006/main" xmlns:r="http://schemas.openxmlformats.org/officeDocument/2006/relationships" xmlns:p="http://schemas.openxmlformats.org/presentationml/2006/main">
   <p:cSld>
     <p:spTree>
@@ -12148,7 +12659,7 @@
           <a:graphicData uri="http://schemas.openxmlformats.org/presentationml/2006/ole">
             <mc:AlternateContent xmlns:mc="http://schemas.openxmlformats.org/markup-compatibility/2006">
               <mc:Choice xmlns:v="urn:schemas-microsoft-com:vml" Requires="v">
-                <p:oleObj spid="_x0000_s7187" name="Equation" r:id="rId3" imgW="6070600" imgH="2501900" progId="Equation.3">
+                <p:oleObj spid="_x0000_s7189" name="Equation" r:id="rId3" imgW="6070600" imgH="2501900" progId="Equation.3">
                   <p:embed/>
                 </p:oleObj>
               </mc:Choice>
@@ -12234,7 +12745,7 @@
 </p:sld>
 </file>
 
-<file path=ppt/slides/slide8.xml><?xml version="1.0" encoding="utf-8"?>
+<file path=ppt/slides/slide9.xml><?xml version="1.0" encoding="utf-8"?>
 <p:sld xmlns:a="http://schemas.openxmlformats.org/drawingml/2006/main" xmlns:r="http://schemas.openxmlformats.org/officeDocument/2006/relationships" xmlns:p="http://schemas.openxmlformats.org/presentationml/2006/main">
   <p:cSld>
     <p:spTree>
@@ -12409,440 +12920,6 @@
   <p:clrMapOvr>
     <a:masterClrMapping/>
   </p:clrMapOvr>
-</p:sld>
-</file>
-
-<file path=ppt/slides/slide9.xml><?xml version="1.0" encoding="utf-8"?>
-<p:sld xmlns:a="http://schemas.openxmlformats.org/drawingml/2006/main" xmlns:r="http://schemas.openxmlformats.org/officeDocument/2006/relationships" xmlns:p="http://schemas.openxmlformats.org/presentationml/2006/main" show="0">
-  <p:cSld>
-    <p:spTree>
-      <p:nvGrpSpPr>
-        <p:cNvPr id="1" name=""/>
-        <p:cNvGrpSpPr/>
-        <p:nvPr/>
-      </p:nvGrpSpPr>
-      <p:grpSpPr>
-        <a:xfrm>
-          <a:off x="0" y="0"/>
-          <a:ext cx="0" cy="0"/>
-          <a:chOff x="0" y="0"/>
-          <a:chExt cx="0" cy="0"/>
-        </a:xfrm>
-      </p:grpSpPr>
-      <p:sp>
-        <p:nvSpPr>
-          <p:cNvPr id="338946" name="Rectangle 2"/>
-          <p:cNvSpPr>
-            <a:spLocks noGrp="1" noChangeArrowheads="1"/>
-          </p:cNvSpPr>
-          <p:nvPr>
-            <p:ph type="title"/>
-          </p:nvPr>
-        </p:nvSpPr>
-        <p:spPr/>
-        <p:txBody>
-          <a:bodyPr/>
-          <a:lstStyle/>
-          <a:p>
-            <a:pPr algn="ctr"/>
-            <a:r>
-              <a:rPr lang="en-US" sz="3600"/>
-              <a:t>Optimization – some problems-I</a:t>
-            </a:r>
-          </a:p>
-        </p:txBody>
-      </p:sp>
-      <p:sp>
-        <p:nvSpPr>
-          <p:cNvPr id="338947" name="Rectangle 3"/>
-          <p:cNvSpPr>
-            <a:spLocks noGrp="1" noChangeArrowheads="1"/>
-          </p:cNvSpPr>
-          <p:nvPr>
-            <p:ph type="body" idx="1"/>
-          </p:nvPr>
-        </p:nvSpPr>
-        <p:spPr/>
-        <p:txBody>
-          <a:bodyPr/>
-          <a:lstStyle/>
-          <a:p>
-            <a:r>
-              <a:rPr lang="en-US"/>
-              <a:t>Local minima</a:t>
-            </a:r>
-          </a:p>
-          <a:p>
-            <a:endParaRPr lang="en-US"/>
-          </a:p>
-          <a:p>
-            <a:endParaRPr lang="en-US"/>
-          </a:p>
-        </p:txBody>
-      </p:sp>
-      <p:pic>
-        <p:nvPicPr>
-          <p:cNvPr id="338948" name="Picture 4"/>
-          <p:cNvPicPr>
-            <a:picLocks noChangeAspect="1" noChangeArrowheads="1"/>
-          </p:cNvPicPr>
-          <p:nvPr/>
-        </p:nvPicPr>
-        <p:blipFill>
-          <a:blip r:embed="rId2">
-            <a:extLst>
-              <a:ext uri="{28A0092B-C50C-407E-A947-70E740481C1C}">
-                <a14:useLocalDpi xmlns:a14="http://schemas.microsoft.com/office/drawing/2010/main" val="0"/>
-              </a:ext>
-            </a:extLst>
-          </a:blip>
-          <a:srcRect/>
-          <a:stretch>
-            <a:fillRect/>
-          </a:stretch>
-        </p:blipFill>
-        <p:spPr bwMode="auto">
-          <a:xfrm>
-            <a:off x="1371600" y="2590800"/>
-            <a:ext cx="6553200" cy="4267200"/>
-          </a:xfrm>
-          <a:prstGeom prst="rect">
-            <a:avLst/>
-          </a:prstGeom>
-          <a:noFill/>
-          <a:ln>
-            <a:noFill/>
-          </a:ln>
-          <a:effectLst/>
-          <a:extLst>
-            <a:ext uri="{909E8E84-426E-40dd-AFC4-6F175D3DCCD1}">
-              <a14:hiddenFill xmlns:a14="http://schemas.microsoft.com/office/drawing/2010/main">
-                <a:solidFill>
-                  <a:schemeClr val="accent1"/>
-                </a:solidFill>
-              </a14:hiddenFill>
-            </a:ext>
-            <a:ext uri="{91240B29-F687-4f45-9708-019B960494DF}">
-              <a14:hiddenLine xmlns:a14="http://schemas.microsoft.com/office/drawing/2010/main" w="9525">
-                <a:solidFill>
-                  <a:schemeClr val="tx1"/>
-                </a:solidFill>
-                <a:miter lim="800000"/>
-                <a:headEnd/>
-                <a:tailEnd/>
-              </a14:hiddenLine>
-            </a:ext>
-            <a:ext uri="{AF507438-7753-43e0-B8FC-AC1667EBCBE1}">
-              <a14:hiddenEffects xmlns:a14="http://schemas.microsoft.com/office/drawing/2010/main">
-                <a:effectLst>
-                  <a:outerShdw blurRad="63500" dist="38099" dir="2700000" algn="ctr" rotWithShape="0">
-                    <a:schemeClr val="bg2">
-                      <a:alpha val="74998"/>
-                    </a:schemeClr>
-                  </a:outerShdw>
-                </a:effectLst>
-              </a14:hiddenEffects>
-            </a:ext>
-          </a:extLst>
-        </p:spPr>
-      </p:pic>
-      <p:sp>
-        <p:nvSpPr>
-          <p:cNvPr id="338949" name="Line 5"/>
-          <p:cNvSpPr>
-            <a:spLocks noChangeShapeType="1"/>
-          </p:cNvSpPr>
-          <p:nvPr/>
-        </p:nvSpPr>
-        <p:spPr bwMode="auto">
-          <a:xfrm flipH="1">
-            <a:off x="5791200" y="3276600"/>
-            <a:ext cx="1371600" cy="914400"/>
-          </a:xfrm>
-          <a:prstGeom prst="line">
-            <a:avLst/>
-          </a:prstGeom>
-          <a:noFill/>
-          <a:ln w="38100">
-            <a:solidFill>
-              <a:schemeClr val="hlink"/>
-            </a:solidFill>
-            <a:round/>
-            <a:headEnd/>
-            <a:tailEnd type="triangle" w="med" len="med"/>
-          </a:ln>
-          <a:effectLst/>
-          <a:extLst>
-            <a:ext uri="{909E8E84-426E-40dd-AFC4-6F175D3DCCD1}">
-              <a14:hiddenFill xmlns:a14="http://schemas.microsoft.com/office/drawing/2010/main">
-                <a:noFill/>
-              </a14:hiddenFill>
-            </a:ext>
-            <a:ext uri="{AF507438-7753-43e0-B8FC-AC1667EBCBE1}">
-              <a14:hiddenEffects xmlns:a14="http://schemas.microsoft.com/office/drawing/2010/main">
-                <a:effectLst>
-                  <a:outerShdw blurRad="63500" dist="38099" dir="2700000" algn="ctr" rotWithShape="0">
-                    <a:schemeClr val="bg2">
-                      <a:alpha val="74998"/>
-                    </a:schemeClr>
-                  </a:outerShdw>
-                </a:effectLst>
-              </a14:hiddenEffects>
-            </a:ext>
-          </a:extLst>
-        </p:spPr>
-        <p:txBody>
-          <a:bodyPr wrap="none"/>
-          <a:lstStyle/>
-          <a:p>
-            <a:endParaRPr lang="en-US"/>
-          </a:p>
-        </p:txBody>
-      </p:sp>
-      <p:sp>
-        <p:nvSpPr>
-          <p:cNvPr id="338950" name="Line 6"/>
-          <p:cNvSpPr>
-            <a:spLocks noChangeShapeType="1"/>
-          </p:cNvSpPr>
-          <p:nvPr/>
-        </p:nvSpPr>
-        <p:spPr bwMode="auto">
-          <a:xfrm>
-            <a:off x="2362200" y="3733800"/>
-            <a:ext cx="0" cy="1752600"/>
-          </a:xfrm>
-          <a:prstGeom prst="line">
-            <a:avLst/>
-          </a:prstGeom>
-          <a:noFill/>
-          <a:ln w="38100">
-            <a:solidFill>
-              <a:schemeClr val="hlink"/>
-            </a:solidFill>
-            <a:round/>
-            <a:headEnd/>
-            <a:tailEnd type="triangle" w="med" len="med"/>
-          </a:ln>
-          <a:effectLst/>
-          <a:extLst>
-            <a:ext uri="{909E8E84-426E-40dd-AFC4-6F175D3DCCD1}">
-              <a14:hiddenFill xmlns:a14="http://schemas.microsoft.com/office/drawing/2010/main">
-                <a:noFill/>
-              </a14:hiddenFill>
-            </a:ext>
-            <a:ext uri="{AF507438-7753-43e0-B8FC-AC1667EBCBE1}">
-              <a14:hiddenEffects xmlns:a14="http://schemas.microsoft.com/office/drawing/2010/main">
-                <a:effectLst>
-                  <a:outerShdw blurRad="63500" dist="38099" dir="2700000" algn="ctr" rotWithShape="0">
-                    <a:schemeClr val="bg2">
-                      <a:alpha val="74998"/>
-                    </a:schemeClr>
-                  </a:outerShdw>
-                </a:effectLst>
-              </a14:hiddenEffects>
-            </a:ext>
-          </a:extLst>
-        </p:spPr>
-        <p:txBody>
-          <a:bodyPr wrap="none"/>
-          <a:lstStyle/>
-          <a:p>
-            <a:endParaRPr lang="en-US"/>
-          </a:p>
-        </p:txBody>
-      </p:sp>
-      <p:sp>
-        <p:nvSpPr>
-          <p:cNvPr id="338951" name="Text Box 7"/>
-          <p:cNvSpPr txBox="1">
-            <a:spLocks noChangeArrowheads="1"/>
-          </p:cNvSpPr>
-          <p:nvPr/>
-        </p:nvSpPr>
-        <p:spPr bwMode="auto">
-          <a:xfrm>
-            <a:off x="1033463" y="3005138"/>
-            <a:ext cx="2362200" cy="457200"/>
-          </a:xfrm>
-          <a:prstGeom prst="rect">
-            <a:avLst/>
-          </a:prstGeom>
-          <a:solidFill>
-            <a:schemeClr val="accent1"/>
-          </a:solidFill>
-          <a:ln>
-            <a:noFill/>
-          </a:ln>
-          <a:effectLst/>
-          <a:extLst>
-            <a:ext uri="{91240B29-F687-4f45-9708-019B960494DF}">
-              <a14:hiddenLine xmlns:a14="http://schemas.microsoft.com/office/drawing/2010/main" w="9525">
-                <a:solidFill>
-                  <a:schemeClr val="tx1"/>
-                </a:solidFill>
-                <a:miter lim="800000"/>
-                <a:headEnd/>
-                <a:tailEnd/>
-              </a14:hiddenLine>
-            </a:ext>
-            <a:ext uri="{AF507438-7753-43e0-B8FC-AC1667EBCBE1}">
-              <a14:hiddenEffects xmlns:a14="http://schemas.microsoft.com/office/drawing/2010/main">
-                <a:effectLst>
-                  <a:outerShdw blurRad="63500" dist="38099" dir="2700000" algn="ctr" rotWithShape="0">
-                    <a:schemeClr val="bg2">
-                      <a:alpha val="74998"/>
-                    </a:schemeClr>
-                  </a:outerShdw>
-                </a:effectLst>
-              </a14:hiddenEffects>
-            </a:ext>
-          </a:extLst>
-        </p:spPr>
-        <p:txBody>
-          <a:bodyPr wrap="none">
-            <a:spAutoFit/>
-          </a:bodyPr>
-          <a:lstStyle/>
-          <a:p>
-            <a:r>
-              <a:rPr lang="en-US"/>
-              <a:t>Global minimum</a:t>
-            </a:r>
-          </a:p>
-        </p:txBody>
-      </p:sp>
-      <p:sp>
-        <p:nvSpPr>
-          <p:cNvPr id="338952" name="Text Box 8"/>
-          <p:cNvSpPr txBox="1">
-            <a:spLocks noChangeArrowheads="1"/>
-          </p:cNvSpPr>
-          <p:nvPr/>
-        </p:nvSpPr>
-        <p:spPr bwMode="auto">
-          <a:xfrm>
-            <a:off x="5222875" y="4681538"/>
-            <a:ext cx="2214563" cy="457200"/>
-          </a:xfrm>
-          <a:prstGeom prst="rect">
-            <a:avLst/>
-          </a:prstGeom>
-          <a:solidFill>
-            <a:schemeClr val="accent1"/>
-          </a:solidFill>
-          <a:ln>
-            <a:noFill/>
-          </a:ln>
-          <a:effectLst/>
-          <a:extLst>
-            <a:ext uri="{91240B29-F687-4f45-9708-019B960494DF}">
-              <a14:hiddenLine xmlns:a14="http://schemas.microsoft.com/office/drawing/2010/main" w="9525">
-                <a:solidFill>
-                  <a:schemeClr val="tx1"/>
-                </a:solidFill>
-                <a:miter lim="800000"/>
-                <a:headEnd/>
-                <a:tailEnd/>
-              </a14:hiddenLine>
-            </a:ext>
-            <a:ext uri="{AF507438-7753-43e0-B8FC-AC1667EBCBE1}">
-              <a14:hiddenEffects xmlns:a14="http://schemas.microsoft.com/office/drawing/2010/main">
-                <a:effectLst>
-                  <a:outerShdw blurRad="63500" dist="38099" dir="2700000" algn="ctr" rotWithShape="0">
-                    <a:schemeClr val="bg2">
-                      <a:alpha val="74998"/>
-                    </a:schemeClr>
-                  </a:outerShdw>
-                </a:effectLst>
-              </a14:hiddenEffects>
-            </a:ext>
-          </a:extLst>
-        </p:spPr>
-        <p:txBody>
-          <a:bodyPr wrap="none">
-            <a:spAutoFit/>
-          </a:bodyPr>
-          <a:lstStyle/>
-          <a:p>
-            <a:r>
-              <a:rPr lang="en-US"/>
-              <a:t>Local minimum</a:t>
-            </a:r>
-          </a:p>
-        </p:txBody>
-      </p:sp>
-      <p:sp>
-        <p:nvSpPr>
-          <p:cNvPr id="338953" name="Line 9"/>
-          <p:cNvSpPr>
-            <a:spLocks noChangeShapeType="1"/>
-          </p:cNvSpPr>
-          <p:nvPr/>
-        </p:nvSpPr>
-        <p:spPr bwMode="auto">
-          <a:xfrm flipH="1" flipV="1">
-            <a:off x="5943600" y="4267200"/>
-            <a:ext cx="304800" cy="381000"/>
-          </a:xfrm>
-          <a:prstGeom prst="line">
-            <a:avLst/>
-          </a:prstGeom>
-          <a:noFill/>
-          <a:ln w="38100">
-            <a:solidFill>
-              <a:schemeClr val="hlink"/>
-            </a:solidFill>
-            <a:round/>
-            <a:headEnd/>
-            <a:tailEnd type="triangle" w="med" len="med"/>
-          </a:ln>
-          <a:effectLst/>
-          <a:extLst>
-            <a:ext uri="{909E8E84-426E-40dd-AFC4-6F175D3DCCD1}">
-              <a14:hiddenFill xmlns:a14="http://schemas.microsoft.com/office/drawing/2010/main">
-                <a:noFill/>
-              </a14:hiddenFill>
-            </a:ext>
-            <a:ext uri="{AF507438-7753-43e0-B8FC-AC1667EBCBE1}">
-              <a14:hiddenEffects xmlns:a14="http://schemas.microsoft.com/office/drawing/2010/main">
-                <a:effectLst>
-                  <a:outerShdw blurRad="63500" dist="38099" dir="2700000" algn="ctr" rotWithShape="0">
-                    <a:schemeClr val="bg2">
-                      <a:alpha val="74998"/>
-                    </a:schemeClr>
-                  </a:outerShdw>
-                </a:effectLst>
-              </a14:hiddenEffects>
-            </a:ext>
-          </a:extLst>
-        </p:spPr>
-        <p:txBody>
-          <a:bodyPr wrap="none"/>
-          <a:lstStyle/>
-          <a:p>
-            <a:endParaRPr lang="en-US"/>
-          </a:p>
-        </p:txBody>
-      </p:sp>
-    </p:spTree>
-    <p:extLst>
-      <p:ext uri="{BB962C8B-B14F-4D97-AF65-F5344CB8AC3E}">
-        <p14:creationId xmlns:p14="http://schemas.microsoft.com/office/powerpoint/2010/main" val="3581114503"/>
-      </p:ext>
-    </p:extLst>
-  </p:cSld>
-  <p:clrMapOvr>
-    <a:masterClrMapping/>
-  </p:clrMapOvr>
-  <mc:AlternateContent xmlns:mc="http://schemas.openxmlformats.org/markup-compatibility/2006">
-    <mc:Choice xmlns:p14="http://schemas.microsoft.com/office/powerpoint/2010/main" Requires="p14">
-      <p:transition spd="slow" p14:dur="2000"/>
-    </mc:Choice>
-    <mc:Fallback>
-      <p:transition xmlns:p14="http://schemas.microsoft.com/office/powerpoint/2010/main" spd="slow"/>
-    </mc:Fallback>
-  </mc:AlternateContent>
 </p:sld>
 </file>
 

--- a/Estimation.pptx
+++ b/Estimation.pptx
@@ -35,6 +35,17 @@
     <p:sldId id="283" r:id="rId29"/>
     <p:sldId id="284" r:id="rId30"/>
     <p:sldId id="285" r:id="rId31"/>
+    <p:sldId id="288" r:id="rId32"/>
+    <p:sldId id="289" r:id="rId33"/>
+    <p:sldId id="290" r:id="rId34"/>
+    <p:sldId id="293" r:id="rId35"/>
+    <p:sldId id="295" r:id="rId36"/>
+    <p:sldId id="296" r:id="rId37"/>
+    <p:sldId id="301" r:id="rId38"/>
+    <p:sldId id="297" r:id="rId39"/>
+    <p:sldId id="298" r:id="rId40"/>
+    <p:sldId id="299" r:id="rId41"/>
+    <p:sldId id="300" r:id="rId42"/>
   </p:sldIdLst>
   <p:sldSz cx="9144000" cy="6858000" type="screen4x3"/>
   <p:notesSz cx="6858000" cy="9144000"/>
@@ -317,7 +328,7 @@
           <a:p>
             <a:fld id="{A3B7DA37-184F-FD47-81CD-18B9F4699F45}" type="datetimeFigureOut">
               <a:rPr lang="en-US" smtClean="0"/>
-              <a:t>3/25/15</a:t>
+              <a:t>4/7/15</a:t>
             </a:fld>
             <a:endParaRPr lang="en-US"/>
           </a:p>
@@ -487,7 +498,7 @@
           <a:p>
             <a:fld id="{A3B7DA37-184F-FD47-81CD-18B9F4699F45}" type="datetimeFigureOut">
               <a:rPr lang="en-US" smtClean="0"/>
-              <a:t>3/25/15</a:t>
+              <a:t>4/7/15</a:t>
             </a:fld>
             <a:endParaRPr lang="en-US"/>
           </a:p>
@@ -667,7 +678,7 @@
           <a:p>
             <a:fld id="{A3B7DA37-184F-FD47-81CD-18B9F4699F45}" type="datetimeFigureOut">
               <a:rPr lang="en-US" smtClean="0"/>
-              <a:t>3/25/15</a:t>
+              <a:t>4/7/15</a:t>
             </a:fld>
             <a:endParaRPr lang="en-US"/>
           </a:p>
@@ -1530,7 +1541,7 @@
           <a:p>
             <a:fld id="{A3B7DA37-184F-FD47-81CD-18B9F4699F45}" type="datetimeFigureOut">
               <a:rPr lang="en-US" smtClean="0"/>
-              <a:t>3/25/15</a:t>
+              <a:t>4/7/15</a:t>
             </a:fld>
             <a:endParaRPr lang="en-US"/>
           </a:p>
@@ -1776,7 +1787,7 @@
           <a:p>
             <a:fld id="{A3B7DA37-184F-FD47-81CD-18B9F4699F45}" type="datetimeFigureOut">
               <a:rPr lang="en-US" smtClean="0"/>
-              <a:t>3/25/15</a:t>
+              <a:t>4/7/15</a:t>
             </a:fld>
             <a:endParaRPr lang="en-US"/>
           </a:p>
@@ -2064,7 +2075,7 @@
           <a:p>
             <a:fld id="{A3B7DA37-184F-FD47-81CD-18B9F4699F45}" type="datetimeFigureOut">
               <a:rPr lang="en-US" smtClean="0"/>
-              <a:t>3/25/15</a:t>
+              <a:t>4/7/15</a:t>
             </a:fld>
             <a:endParaRPr lang="en-US"/>
           </a:p>
@@ -2486,7 +2497,7 @@
           <a:p>
             <a:fld id="{A3B7DA37-184F-FD47-81CD-18B9F4699F45}" type="datetimeFigureOut">
               <a:rPr lang="en-US" smtClean="0"/>
-              <a:t>3/25/15</a:t>
+              <a:t>4/7/15</a:t>
             </a:fld>
             <a:endParaRPr lang="en-US"/>
           </a:p>
@@ -2604,7 +2615,7 @@
           <a:p>
             <a:fld id="{A3B7DA37-184F-FD47-81CD-18B9F4699F45}" type="datetimeFigureOut">
               <a:rPr lang="en-US" smtClean="0"/>
-              <a:t>3/25/15</a:t>
+              <a:t>4/7/15</a:t>
             </a:fld>
             <a:endParaRPr lang="en-US"/>
           </a:p>
@@ -2699,7 +2710,7 @@
           <a:p>
             <a:fld id="{A3B7DA37-184F-FD47-81CD-18B9F4699F45}" type="datetimeFigureOut">
               <a:rPr lang="en-US" smtClean="0"/>
-              <a:t>3/25/15</a:t>
+              <a:t>4/7/15</a:t>
             </a:fld>
             <a:endParaRPr lang="en-US"/>
           </a:p>
@@ -2976,7 +2987,7 @@
           <a:p>
             <a:fld id="{A3B7DA37-184F-FD47-81CD-18B9F4699F45}" type="datetimeFigureOut">
               <a:rPr lang="en-US" smtClean="0"/>
-              <a:t>3/25/15</a:t>
+              <a:t>4/7/15</a:t>
             </a:fld>
             <a:endParaRPr lang="en-US"/>
           </a:p>
@@ -3229,7 +3240,7 @@
           <a:p>
             <a:fld id="{A3B7DA37-184F-FD47-81CD-18B9F4699F45}" type="datetimeFigureOut">
               <a:rPr lang="en-US" smtClean="0"/>
-              <a:t>3/25/15</a:t>
+              <a:t>4/7/15</a:t>
             </a:fld>
             <a:endParaRPr lang="en-US"/>
           </a:p>
@@ -3442,7 +3453,7 @@
           <a:p>
             <a:fld id="{A3B7DA37-184F-FD47-81CD-18B9F4699F45}" type="datetimeFigureOut">
               <a:rPr lang="en-US" smtClean="0"/>
-              <a:t>3/25/15</a:t>
+              <a:t>4/7/15</a:t>
             </a:fld>
             <a:endParaRPr lang="en-US"/>
           </a:p>
@@ -3875,11 +3886,7 @@
           <a:p>
             <a:r>
               <a:rPr lang="en-US" dirty="0" smtClean="0"/>
-              <a:t>Acknowledgements: Andr</a:t>
-            </a:r>
-            <a:r>
-              <a:rPr lang="en-US" dirty="0" smtClean="0"/>
-              <a:t>é Punt</a:t>
+              <a:t>Acknowledgements: André Punt</a:t>
             </a:r>
             <a:endParaRPr lang="en-US" dirty="0"/>
           </a:p>
@@ -5103,7 +5110,7 @@
           <a:graphicData uri="http://schemas.openxmlformats.org/presentationml/2006/ole">
             <mc:AlternateContent xmlns:mc="http://schemas.openxmlformats.org/markup-compatibility/2006">
               <mc:Choice xmlns:v="urn:schemas-microsoft-com:vml" Requires="v">
-                <p:oleObj spid="_x0000_s12326" name="Equation" r:id="rId3" imgW="2044440" imgH="215640" progId="Equation.DSMT4">
+                <p:oleObj spid="_x0000_s12339" name="Equation" r:id="rId3" imgW="2044440" imgH="215640" progId="Equation.DSMT4">
                   <p:embed/>
                 </p:oleObj>
               </mc:Choice>
@@ -5175,7 +5182,7 @@
           <a:graphicData uri="http://schemas.openxmlformats.org/presentationml/2006/ole">
             <mc:AlternateContent xmlns:mc="http://schemas.openxmlformats.org/markup-compatibility/2006">
               <mc:Choice xmlns:v="urn:schemas-microsoft-com:vml" Requires="v">
-                <p:oleObj spid="_x0000_s12327" name="Equation" r:id="rId5" imgW="1168200" imgH="228600" progId="Equation.3">
+                <p:oleObj spid="_x0000_s12340" name="Equation" r:id="rId5" imgW="1168200" imgH="228600" progId="Equation.3">
                   <p:embed/>
                 </p:oleObj>
               </mc:Choice>
@@ -5360,7 +5367,7 @@
           <a:graphicData uri="http://schemas.openxmlformats.org/presentationml/2006/ole">
             <mc:AlternateContent xmlns:mc="http://schemas.openxmlformats.org/markup-compatibility/2006">
               <mc:Choice xmlns:v="urn:schemas-microsoft-com:vml" Requires="v">
-                <p:oleObj spid="_x0000_s13352" name="Equation" r:id="rId3" imgW="2057400" imgH="228600" progId="Equation.DSMT4">
+                <p:oleObj spid="_x0000_s13365" name="Equation" r:id="rId3" imgW="2057400" imgH="228600" progId="Equation.DSMT4">
                   <p:embed/>
                 </p:oleObj>
               </mc:Choice>
@@ -5455,7 +5462,7 @@
           <a:graphicData uri="http://schemas.openxmlformats.org/presentationml/2006/ole">
             <mc:AlternateContent xmlns:mc="http://schemas.openxmlformats.org/markup-compatibility/2006">
               <mc:Choice xmlns:v="urn:schemas-microsoft-com:vml" Requires="v">
-                <p:oleObj spid="_x0000_s13353" name="Equation" r:id="rId5" imgW="1523880" imgH="495000" progId="Equation.3">
+                <p:oleObj spid="_x0000_s13366" name="Equation" r:id="rId5" imgW="1523880" imgH="495000" progId="Equation.3">
                   <p:embed/>
                 </p:oleObj>
               </mc:Choice>
@@ -6155,7 +6162,7 @@
           <a:graphicData uri="http://schemas.openxmlformats.org/presentationml/2006/ole">
             <mc:AlternateContent xmlns:mc="http://schemas.openxmlformats.org/markup-compatibility/2006">
               <mc:Choice xmlns:v="urn:schemas-microsoft-com:vml" Requires="v">
-                <p:oleObj spid="_x0000_s15400" name="Equation" r:id="rId3" imgW="2286000" imgH="241200" progId="Equation.DSMT4">
+                <p:oleObj spid="_x0000_s15413" name="Equation" r:id="rId3" imgW="2286000" imgH="241200" progId="Equation.DSMT4">
                   <p:embed/>
                 </p:oleObj>
               </mc:Choice>
@@ -6256,7 +6263,7 @@
           <a:graphicData uri="http://schemas.openxmlformats.org/presentationml/2006/ole">
             <mc:AlternateContent xmlns:mc="http://schemas.openxmlformats.org/markup-compatibility/2006">
               <mc:Choice xmlns:v="urn:schemas-microsoft-com:vml" Requires="v">
-                <p:oleObj spid="_x0000_s15401" name="Equation" r:id="rId5" imgW="2831760" imgH="241200" progId="Equation.3">
+                <p:oleObj spid="_x0000_s15414" name="Equation" r:id="rId5" imgW="2831760" imgH="241200" progId="Equation.3">
                   <p:embed/>
                 </p:oleObj>
               </mc:Choice>
@@ -6717,7 +6724,7 @@
           <a:graphicData uri="http://schemas.openxmlformats.org/presentationml/2006/ole">
             <mc:AlternateContent xmlns:mc="http://schemas.openxmlformats.org/markup-compatibility/2006">
               <mc:Choice xmlns:v="urn:schemas-microsoft-com:vml" Requires="v">
-                <p:oleObj spid="_x0000_s17429" name="Equation" r:id="rId5" imgW="1523880" imgH="495000" progId="Equation.3">
+                <p:oleObj spid="_x0000_s17436" name="Equation" r:id="rId5" imgW="1523880" imgH="495000" progId="Equation.3">
                   <p:embed/>
                 </p:oleObj>
               </mc:Choice>
@@ -7574,7 +7581,7 @@
           <a:graphicData uri="http://schemas.openxmlformats.org/presentationml/2006/ole">
             <mc:AlternateContent xmlns:mc="http://schemas.openxmlformats.org/markup-compatibility/2006">
               <mc:Choice xmlns:v="urn:schemas-microsoft-com:vml" Requires="v">
-                <p:oleObj spid="_x0000_s19496" name="Equation" r:id="rId3" imgW="5448240" imgH="507960" progId="Equation.DSMT4">
+                <p:oleObj spid="_x0000_s19509" name="Equation" r:id="rId3" imgW="5448240" imgH="507960" progId="Equation.DSMT4">
                   <p:embed/>
                 </p:oleObj>
               </mc:Choice>
@@ -7675,7 +7682,7 @@
           <a:graphicData uri="http://schemas.openxmlformats.org/presentationml/2006/ole">
             <mc:AlternateContent xmlns:mc="http://schemas.openxmlformats.org/markup-compatibility/2006">
               <mc:Choice xmlns:v="urn:schemas-microsoft-com:vml" Requires="v">
-                <p:oleObj spid="_x0000_s19497" name="Equation" r:id="rId5" imgW="571320" imgH="444240" progId="Equation.3">
+                <p:oleObj spid="_x0000_s19510" name="Equation" r:id="rId5" imgW="571320" imgH="444240" progId="Equation.3">
                   <p:embed/>
                 </p:oleObj>
               </mc:Choice>
@@ -7908,7 +7915,7 @@
           <a:graphicData uri="http://schemas.openxmlformats.org/presentationml/2006/ole">
             <mc:AlternateContent xmlns:mc="http://schemas.openxmlformats.org/markup-compatibility/2006">
               <mc:Choice xmlns:v="urn:schemas-microsoft-com:vml" Requires="v">
-                <p:oleObj spid="_x0000_s20556" name="Equation" r:id="rId3" imgW="711000" imgH="228600" progId="Equation.DSMT4">
+                <p:oleObj spid="_x0000_s20581" name="Equation" r:id="rId3" imgW="711000" imgH="228600" progId="Equation.DSMT4">
                   <p:embed/>
                 </p:oleObj>
               </mc:Choice>
@@ -8010,7 +8017,7 @@
           <a:graphicData uri="http://schemas.openxmlformats.org/presentationml/2006/ole">
             <mc:AlternateContent xmlns:mc="http://schemas.openxmlformats.org/markup-compatibility/2006">
               <mc:Choice xmlns:v="urn:schemas-microsoft-com:vml" Requires="v">
-                <p:oleObj spid="_x0000_s20557" name="Equation" r:id="rId5" imgW="1828800" imgH="241200" progId="Equation.DSMT4">
+                <p:oleObj spid="_x0000_s20582" name="Equation" r:id="rId5" imgW="1828800" imgH="241200" progId="Equation.DSMT4">
                   <p:embed/>
                 </p:oleObj>
               </mc:Choice>
@@ -8083,7 +8090,7 @@
           <a:graphicData uri="http://schemas.openxmlformats.org/presentationml/2006/ole">
             <mc:AlternateContent xmlns:mc="http://schemas.openxmlformats.org/markup-compatibility/2006">
               <mc:Choice xmlns:v="urn:schemas-microsoft-com:vml" Requires="v">
-                <p:oleObj spid="_x0000_s20558" name="Equation" r:id="rId7" imgW="1549080" imgH="482400" progId="Equation.DSMT4">
+                <p:oleObj spid="_x0000_s20583" name="Equation" r:id="rId7" imgW="1549080" imgH="482400" progId="Equation.DSMT4">
                   <p:embed/>
                 </p:oleObj>
               </mc:Choice>
@@ -8396,7 +8403,7 @@
           <a:graphicData uri="http://schemas.openxmlformats.org/presentationml/2006/ole">
             <mc:AlternateContent xmlns:mc="http://schemas.openxmlformats.org/markup-compatibility/2006">
               <mc:Choice xmlns:v="urn:schemas-microsoft-com:vml" Requires="v">
-                <p:oleObj spid="_x0000_s20559" name="Equation" r:id="rId9" imgW="2197080" imgH="342720" progId="Equation.3">
+                <p:oleObj spid="_x0000_s20584" name="Equation" r:id="rId9" imgW="2197080" imgH="342720" progId="Equation.3">
                   <p:embed/>
                 </p:oleObj>
               </mc:Choice>
@@ -8642,7 +8649,7 @@
           <a:graphicData uri="http://schemas.openxmlformats.org/presentationml/2006/ole">
             <mc:AlternateContent xmlns:mc="http://schemas.openxmlformats.org/markup-compatibility/2006">
               <mc:Choice xmlns:v="urn:schemas-microsoft-com:vml" Requires="v">
-                <p:oleObj spid="_x0000_s24598" name="Equation" r:id="rId3" imgW="2819160" imgH="533160" progId="Equation.3">
+                <p:oleObj spid="_x0000_s24605" name="Equation" r:id="rId3" imgW="2819160" imgH="533160" progId="Equation.3">
                   <p:embed/>
                 </p:oleObj>
               </mc:Choice>
@@ -9071,7 +9078,7 @@
           <a:graphicData uri="http://schemas.openxmlformats.org/presentationml/2006/ole">
             <mc:AlternateContent xmlns:mc="http://schemas.openxmlformats.org/markup-compatibility/2006">
               <mc:Choice xmlns:v="urn:schemas-microsoft-com:vml" Requires="v">
-                <p:oleObj spid="_x0000_s22566" name="Equation" r:id="rId3" imgW="4953000" imgH="457200" progId="Equation.3">
+                <p:oleObj spid="_x0000_s22579" name="Equation" r:id="rId3" imgW="4953000" imgH="457200" progId="Equation.3">
                   <p:embed/>
                 </p:oleObj>
               </mc:Choice>
@@ -9166,7 +9173,7 @@
           <a:graphicData uri="http://schemas.openxmlformats.org/presentationml/2006/ole">
             <mc:AlternateContent xmlns:mc="http://schemas.openxmlformats.org/markup-compatibility/2006">
               <mc:Choice xmlns:v="urn:schemas-microsoft-com:vml" Requires="v">
-                <p:oleObj spid="_x0000_s22567" name="Equation" r:id="rId5" imgW="1752600" imgH="406400" progId="Equation.3">
+                <p:oleObj spid="_x0000_s22580" name="Equation" r:id="rId5" imgW="1752600" imgH="406400" progId="Equation.3">
                   <p:embed/>
                 </p:oleObj>
               </mc:Choice>
@@ -9299,7 +9306,7 @@
           <a:graphicData uri="http://schemas.openxmlformats.org/presentationml/2006/ole">
             <mc:AlternateContent xmlns:mc="http://schemas.openxmlformats.org/markup-compatibility/2006">
               <mc:Choice xmlns:v="urn:schemas-microsoft-com:vml" Requires="v">
-                <p:oleObj spid="_x0000_s25621" name="Equation" r:id="rId3" imgW="2946400" imgH="1409700" progId="Equation.3">
+                <p:oleObj spid="_x0000_s25628" name="Equation" r:id="rId3" imgW="2946400" imgH="1409700" progId="Equation.3">
                   <p:embed/>
                 </p:oleObj>
               </mc:Choice>
@@ -9575,7 +9582,7 @@
           <a:graphicData uri="http://schemas.openxmlformats.org/presentationml/2006/ole">
             <mc:AlternateContent xmlns:mc="http://schemas.openxmlformats.org/markup-compatibility/2006">
               <mc:Choice xmlns:v="urn:schemas-microsoft-com:vml" Requires="v">
-                <p:oleObj spid="_x0000_s26664" name="Equation" r:id="rId3" imgW="1612900" imgH="1168400" progId="Equation.3">
+                <p:oleObj spid="_x0000_s26677" name="Equation" r:id="rId3" imgW="1612900" imgH="1168400" progId="Equation.3">
                   <p:embed/>
                 </p:oleObj>
               </mc:Choice>
@@ -9736,7 +9743,7 @@
           <a:graphicData uri="http://schemas.openxmlformats.org/presentationml/2006/ole">
             <mc:AlternateContent xmlns:mc="http://schemas.openxmlformats.org/markup-compatibility/2006">
               <mc:Choice xmlns:v="urn:schemas-microsoft-com:vml" Requires="v">
-                <p:oleObj spid="_x0000_s26665" name="Equation" r:id="rId5" imgW="152400" imgH="139700" progId="Equation.3">
+                <p:oleObj spid="_x0000_s26678" name="Equation" r:id="rId5" imgW="152400" imgH="139700" progId="Equation.3">
                   <p:embed/>
                 </p:oleObj>
               </mc:Choice>
@@ -11537,6 +11544,1568 @@
 </p:sld>
 </file>
 
+<file path=ppt/slides/slide31.xml><?xml version="1.0" encoding="utf-8"?>
+<p:sld xmlns:a="http://schemas.openxmlformats.org/drawingml/2006/main" xmlns:r="http://schemas.openxmlformats.org/officeDocument/2006/relationships" xmlns:p="http://schemas.openxmlformats.org/presentationml/2006/main">
+  <p:cSld>
+    <p:spTree>
+      <p:nvGrpSpPr>
+        <p:cNvPr id="1" name=""/>
+        <p:cNvGrpSpPr/>
+        <p:nvPr/>
+      </p:nvGrpSpPr>
+      <p:grpSpPr>
+        <a:xfrm>
+          <a:off x="0" y="0"/>
+          <a:ext cx="0" cy="0"/>
+          <a:chOff x="0" y="0"/>
+          <a:chExt cx="0" cy="0"/>
+        </a:xfrm>
+      </p:grpSpPr>
+      <p:sp>
+        <p:nvSpPr>
+          <p:cNvPr id="325634" name="Rectangle 1026"/>
+          <p:cNvSpPr>
+            <a:spLocks noGrp="1" noChangeArrowheads="1"/>
+          </p:cNvSpPr>
+          <p:nvPr>
+            <p:ph type="title"/>
+          </p:nvPr>
+        </p:nvSpPr>
+        <p:spPr/>
+        <p:txBody>
+          <a:bodyPr>
+            <a:normAutofit fontScale="90000"/>
+          </a:bodyPr>
+          <a:lstStyle/>
+          <a:p>
+            <a:pPr algn="ctr"/>
+            <a:r>
+              <a:rPr lang="en-US" sz="4000"/>
+              <a:t>Quantifying Uncertainty</a:t>
+            </a:r>
+            <a:br>
+              <a:rPr lang="en-US" sz="4000"/>
+            </a:br>
+            <a:r>
+              <a:rPr lang="en-US" sz="4000"/>
+              <a:t>(an overview)</a:t>
+            </a:r>
+          </a:p>
+        </p:txBody>
+      </p:sp>
+      <p:sp>
+        <p:nvSpPr>
+          <p:cNvPr id="325635" name="Rectangle 1027"/>
+          <p:cNvSpPr>
+            <a:spLocks noGrp="1" noChangeArrowheads="1"/>
+          </p:cNvSpPr>
+          <p:nvPr>
+            <p:ph type="body" idx="1"/>
+          </p:nvPr>
+        </p:nvSpPr>
+        <p:spPr>
+          <a:xfrm>
+            <a:off x="1182688" y="1828800"/>
+            <a:ext cx="7808912" cy="4724400"/>
+          </a:xfrm>
+        </p:spPr>
+        <p:txBody>
+          <a:bodyPr/>
+          <a:lstStyle/>
+          <a:p>
+            <a:r>
+              <a:rPr lang="en-US" sz="2800"/>
+              <a:t>Uncertainty comes in several forms:</a:t>
+            </a:r>
+          </a:p>
+          <a:p>
+            <a:pPr lvl="1"/>
+            <a:r>
+              <a:rPr lang="en-US" sz="2200"/>
+              <a:t>Process uncertainty (e.g. recruitment variability, natural mortality variability, birth-death processes).</a:t>
+            </a:r>
+          </a:p>
+          <a:p>
+            <a:pPr lvl="1"/>
+            <a:r>
+              <a:rPr lang="en-US" sz="2200"/>
+              <a:t>Observation uncertainty (e.g. CVs for abundance estimates).</a:t>
+            </a:r>
+          </a:p>
+          <a:p>
+            <a:pPr lvl="1"/>
+            <a:r>
+              <a:rPr lang="en-US" sz="2200"/>
+              <a:t>Model uncertainty (is the model we chose correct; how many alternative models fit the data adequately?)</a:t>
+            </a:r>
+          </a:p>
+          <a:p>
+            <a:pPr lvl="1"/>
+            <a:r>
+              <a:rPr lang="en-US" sz="2200"/>
+              <a:t>Estimation uncertainty – given a model and some data, how well do the data determine the parameters (and predictions) of the model.</a:t>
+            </a:r>
+          </a:p>
+          <a:p>
+            <a:pPr lvl="1"/>
+            <a:r>
+              <a:rPr lang="en-US" sz="2200"/>
+              <a:t>Implementation uncertainty – given a management decision, it be enforced?</a:t>
+            </a:r>
+          </a:p>
+        </p:txBody>
+      </p:sp>
+    </p:spTree>
+    <p:extLst>
+      <p:ext uri="{BB962C8B-B14F-4D97-AF65-F5344CB8AC3E}">
+        <p14:creationId xmlns:p14="http://schemas.microsoft.com/office/powerpoint/2010/main" val="2602646999"/>
+      </p:ext>
+    </p:extLst>
+  </p:cSld>
+  <p:clrMapOvr>
+    <a:masterClrMapping/>
+  </p:clrMapOvr>
+</p:sld>
+</file>
+
+<file path=ppt/slides/slide32.xml><?xml version="1.0" encoding="utf-8"?>
+<p:sld xmlns:a="http://schemas.openxmlformats.org/drawingml/2006/main" xmlns:r="http://schemas.openxmlformats.org/officeDocument/2006/relationships" xmlns:p="http://schemas.openxmlformats.org/presentationml/2006/main">
+  <p:cSld>
+    <p:spTree>
+      <p:nvGrpSpPr>
+        <p:cNvPr id="1" name=""/>
+        <p:cNvGrpSpPr/>
+        <p:nvPr/>
+      </p:nvGrpSpPr>
+      <p:grpSpPr>
+        <a:xfrm>
+          <a:off x="0" y="0"/>
+          <a:ext cx="0" cy="0"/>
+          <a:chOff x="0" y="0"/>
+          <a:chExt cx="0" cy="0"/>
+        </a:xfrm>
+      </p:grpSpPr>
+      <p:sp>
+        <p:nvSpPr>
+          <p:cNvPr id="359426" name="Rectangle 2"/>
+          <p:cNvSpPr>
+            <a:spLocks noGrp="1" noChangeArrowheads="1"/>
+          </p:cNvSpPr>
+          <p:nvPr>
+            <p:ph type="title"/>
+          </p:nvPr>
+        </p:nvSpPr>
+        <p:spPr/>
+        <p:txBody>
+          <a:bodyPr>
+            <a:normAutofit fontScale="90000"/>
+          </a:bodyPr>
+          <a:lstStyle/>
+          <a:p>
+            <a:pPr algn="ctr"/>
+            <a:r>
+              <a:rPr lang="en-US" sz="4000"/>
+              <a:t>Quantifying Uncertainty</a:t>
+            </a:r>
+            <a:br>
+              <a:rPr lang="en-US" sz="4000"/>
+            </a:br>
+            <a:r>
+              <a:rPr lang="en-US" sz="4000"/>
+              <a:t>(an overview-II)</a:t>
+            </a:r>
+          </a:p>
+        </p:txBody>
+      </p:sp>
+      <p:sp>
+        <p:nvSpPr>
+          <p:cNvPr id="359427" name="Rectangle 3"/>
+          <p:cNvSpPr>
+            <a:spLocks noGrp="1" noChangeArrowheads="1"/>
+          </p:cNvSpPr>
+          <p:nvPr>
+            <p:ph type="body" idx="1"/>
+          </p:nvPr>
+        </p:nvSpPr>
+        <p:spPr/>
+        <p:txBody>
+          <a:bodyPr/>
+          <a:lstStyle/>
+          <a:p>
+            <a:pPr>
+              <a:lnSpc>
+                <a:spcPct val="90000"/>
+              </a:lnSpc>
+            </a:pPr>
+            <a:r>
+              <a:rPr lang="en-US"/>
+              <a:t>The various types of uncertainties can be distinguished by:</a:t>
+            </a:r>
+          </a:p>
+          <a:p>
+            <a:pPr lvl="1">
+              <a:lnSpc>
+                <a:spcPct val="90000"/>
+              </a:lnSpc>
+            </a:pPr>
+            <a:r>
+              <a:rPr lang="en-US"/>
+              <a:t>Can they be reduced by additional research or are they inherent to the system.</a:t>
+            </a:r>
+          </a:p>
+          <a:p>
+            <a:pPr lvl="1">
+              <a:lnSpc>
+                <a:spcPct val="90000"/>
+              </a:lnSpc>
+            </a:pPr>
+            <a:r>
+              <a:rPr lang="en-US"/>
+              <a:t>Can we quantify them using classical statistical methods.</a:t>
+            </a:r>
+          </a:p>
+          <a:p>
+            <a:pPr>
+              <a:lnSpc>
+                <a:spcPct val="90000"/>
+              </a:lnSpc>
+            </a:pPr>
+            <a:r>
+              <a:rPr lang="en-US"/>
+              <a:t>Today we address “estimation uncertainty”. We defer the other types of uncertainties to future lectures.</a:t>
+            </a:r>
+          </a:p>
+        </p:txBody>
+      </p:sp>
+    </p:spTree>
+    <p:extLst>
+      <p:ext uri="{BB962C8B-B14F-4D97-AF65-F5344CB8AC3E}">
+        <p14:creationId xmlns:p14="http://schemas.microsoft.com/office/powerpoint/2010/main" val="2130924440"/>
+      </p:ext>
+    </p:extLst>
+  </p:cSld>
+  <p:clrMapOvr>
+    <a:masterClrMapping/>
+  </p:clrMapOvr>
+</p:sld>
+</file>
+
+<file path=ppt/slides/slide33.xml><?xml version="1.0" encoding="utf-8"?>
+<p:sld xmlns:a="http://schemas.openxmlformats.org/drawingml/2006/main" xmlns:r="http://schemas.openxmlformats.org/officeDocument/2006/relationships" xmlns:p="http://schemas.openxmlformats.org/presentationml/2006/main">
+  <p:cSld>
+    <p:spTree>
+      <p:nvGrpSpPr>
+        <p:cNvPr id="1" name=""/>
+        <p:cNvGrpSpPr/>
+        <p:nvPr/>
+      </p:nvGrpSpPr>
+      <p:grpSpPr>
+        <a:xfrm>
+          <a:off x="0" y="0"/>
+          <a:ext cx="0" cy="0"/>
+          <a:chOff x="0" y="0"/>
+          <a:chExt cx="0" cy="0"/>
+        </a:xfrm>
+      </p:grpSpPr>
+      <p:sp>
+        <p:nvSpPr>
+          <p:cNvPr id="361474" name="Rectangle 2"/>
+          <p:cNvSpPr>
+            <a:spLocks noGrp="1" noChangeArrowheads="1"/>
+          </p:cNvSpPr>
+          <p:nvPr>
+            <p:ph type="title"/>
+          </p:nvPr>
+        </p:nvSpPr>
+        <p:spPr/>
+        <p:txBody>
+          <a:bodyPr/>
+          <a:lstStyle/>
+          <a:p>
+            <a:pPr algn="ctr"/>
+            <a:r>
+              <a:rPr lang="en-US"/>
+              <a:t>Estimation Uncertainty</a:t>
+            </a:r>
+          </a:p>
+        </p:txBody>
+      </p:sp>
+      <p:sp>
+        <p:nvSpPr>
+          <p:cNvPr id="361475" name="Rectangle 3"/>
+          <p:cNvSpPr>
+            <a:spLocks noGrp="1" noChangeArrowheads="1"/>
+          </p:cNvSpPr>
+          <p:nvPr>
+            <p:ph type="body" idx="1"/>
+          </p:nvPr>
+        </p:nvSpPr>
+        <p:spPr/>
+        <p:txBody>
+          <a:bodyPr/>
+          <a:lstStyle/>
+          <a:p>
+            <a:r>
+              <a:rPr lang="en-US"/>
+              <a:t>We are going to quantify uncertainty about the estimates of the model parameters (and its predictions of state variables) under the assumption that the model (and likelihood) are correct.</a:t>
+            </a:r>
+          </a:p>
+          <a:p>
+            <a:r>
+              <a:rPr lang="en-US"/>
+              <a:t>Typical ways to quantify estimation uncertainty include computing standard errors and confidence intervals.</a:t>
+            </a:r>
+          </a:p>
+        </p:txBody>
+      </p:sp>
+    </p:spTree>
+    <p:extLst>
+      <p:ext uri="{BB962C8B-B14F-4D97-AF65-F5344CB8AC3E}">
+        <p14:creationId xmlns:p14="http://schemas.microsoft.com/office/powerpoint/2010/main" val="403231847"/>
+      </p:ext>
+    </p:extLst>
+  </p:cSld>
+  <p:clrMapOvr>
+    <a:masterClrMapping/>
+  </p:clrMapOvr>
+</p:sld>
+</file>
+
+<file path=ppt/slides/slide34.xml><?xml version="1.0" encoding="utf-8"?>
+<p:sld xmlns:a="http://schemas.openxmlformats.org/drawingml/2006/main" xmlns:r="http://schemas.openxmlformats.org/officeDocument/2006/relationships" xmlns:p="http://schemas.openxmlformats.org/presentationml/2006/main">
+  <p:cSld>
+    <p:spTree>
+      <p:nvGrpSpPr>
+        <p:cNvPr id="1" name=""/>
+        <p:cNvGrpSpPr/>
+        <p:nvPr/>
+      </p:nvGrpSpPr>
+      <p:grpSpPr>
+        <a:xfrm>
+          <a:off x="0" y="0"/>
+          <a:ext cx="0" cy="0"/>
+          <a:chOff x="0" y="0"/>
+          <a:chExt cx="0" cy="0"/>
+        </a:xfrm>
+      </p:grpSpPr>
+      <p:sp>
+        <p:nvSpPr>
+          <p:cNvPr id="365570" name="Rectangle 2"/>
+          <p:cNvSpPr>
+            <a:spLocks noGrp="1" noChangeArrowheads="1"/>
+          </p:cNvSpPr>
+          <p:nvPr>
+            <p:ph type="title"/>
+          </p:nvPr>
+        </p:nvSpPr>
+        <p:spPr/>
+        <p:txBody>
+          <a:bodyPr>
+            <a:normAutofit fontScale="90000"/>
+          </a:bodyPr>
+          <a:lstStyle/>
+          <a:p>
+            <a:pPr algn="ctr"/>
+            <a:r>
+              <a:rPr lang="en-US"/>
+              <a:t>Likelihood Profile </a:t>
+            </a:r>
+            <a:br>
+              <a:rPr lang="en-US"/>
+            </a:br>
+            <a:r>
+              <a:rPr lang="en-US"/>
+              <a:t>(one parameter)</a:t>
+            </a:r>
+          </a:p>
+        </p:txBody>
+      </p:sp>
+      <p:sp>
+        <p:nvSpPr>
+          <p:cNvPr id="365571" name="Rectangle 3"/>
+          <p:cNvSpPr>
+            <a:spLocks noGrp="1" noChangeArrowheads="1"/>
+          </p:cNvSpPr>
+          <p:nvPr>
+            <p:ph type="body" idx="1"/>
+          </p:nvPr>
+        </p:nvSpPr>
+        <p:spPr/>
+        <p:txBody>
+          <a:bodyPr/>
+          <a:lstStyle/>
+          <a:p>
+            <a:pPr marL="609600" indent="-609600">
+              <a:lnSpc>
+                <a:spcPct val="90000"/>
+              </a:lnSpc>
+              <a:buFont typeface="Wingdings" charset="0"/>
+              <a:buAutoNum type="arabicPeriod"/>
+            </a:pPr>
+            <a:r>
+              <a:rPr lang="en-US" sz="2800"/>
+              <a:t>Fit the model to find the ML parameter estimates and the corresponding negative log-likelihood.</a:t>
+            </a:r>
+          </a:p>
+          <a:p>
+            <a:pPr marL="609600" indent="-609600">
+              <a:lnSpc>
+                <a:spcPct val="90000"/>
+              </a:lnSpc>
+              <a:buFont typeface="Wingdings" charset="0"/>
+              <a:buAutoNum type="arabicPeriod"/>
+            </a:pPr>
+            <a:r>
+              <a:rPr lang="en-US" sz="2800"/>
+              <a:t>Select a set of fixed values for the parameter of interest.</a:t>
+            </a:r>
+          </a:p>
+          <a:p>
+            <a:pPr marL="609600" indent="-609600">
+              <a:lnSpc>
+                <a:spcPct val="90000"/>
+              </a:lnSpc>
+              <a:buFont typeface="Wingdings" charset="0"/>
+              <a:buAutoNum type="arabicPeriod"/>
+            </a:pPr>
+            <a:r>
+              <a:rPr lang="en-US" sz="2800"/>
+              <a:t>Minimize the negative log-likelihood fixing the parameter to each value in turn.</a:t>
+            </a:r>
+          </a:p>
+          <a:p>
+            <a:pPr marL="609600" indent="-609600">
+              <a:lnSpc>
+                <a:spcPct val="90000"/>
+              </a:lnSpc>
+              <a:buFont typeface="Wingdings" charset="0"/>
+              <a:buAutoNum type="arabicPeriod"/>
+            </a:pPr>
+            <a:r>
+              <a:rPr lang="en-US" sz="2800"/>
+              <a:t>Plot the difference between the negative log-likelihood from step 1 and those from step 3.</a:t>
+            </a:r>
+          </a:p>
+        </p:txBody>
+      </p:sp>
+    </p:spTree>
+    <p:extLst>
+      <p:ext uri="{BB962C8B-B14F-4D97-AF65-F5344CB8AC3E}">
+        <p14:creationId xmlns:p14="http://schemas.microsoft.com/office/powerpoint/2010/main" val="1319183829"/>
+      </p:ext>
+    </p:extLst>
+  </p:cSld>
+  <p:clrMapOvr>
+    <a:masterClrMapping/>
+  </p:clrMapOvr>
+</p:sld>
+</file>
+
+<file path=ppt/slides/slide35.xml><?xml version="1.0" encoding="utf-8"?>
+<p:sld xmlns:a="http://schemas.openxmlformats.org/drawingml/2006/main" xmlns:r="http://schemas.openxmlformats.org/officeDocument/2006/relationships" xmlns:p="http://schemas.openxmlformats.org/presentationml/2006/main">
+  <p:cSld>
+    <p:spTree>
+      <p:nvGrpSpPr>
+        <p:cNvPr id="1" name=""/>
+        <p:cNvGrpSpPr/>
+        <p:nvPr/>
+      </p:nvGrpSpPr>
+      <p:grpSpPr>
+        <a:xfrm>
+          <a:off x="0" y="0"/>
+          <a:ext cx="0" cy="0"/>
+          <a:chOff x="0" y="0"/>
+          <a:chExt cx="0" cy="0"/>
+        </a:xfrm>
+      </p:grpSpPr>
+      <p:sp>
+        <p:nvSpPr>
+          <p:cNvPr id="368642" name="Rectangle 2"/>
+          <p:cNvSpPr>
+            <a:spLocks noGrp="1" noChangeArrowheads="1"/>
+          </p:cNvSpPr>
+          <p:nvPr>
+            <p:ph type="title"/>
+          </p:nvPr>
+        </p:nvSpPr>
+        <p:spPr/>
+        <p:txBody>
+          <a:bodyPr/>
+          <a:lstStyle/>
+          <a:p>
+            <a:pPr algn="ctr"/>
+            <a:r>
+              <a:rPr lang="en-US" dirty="0"/>
+              <a:t>A First </a:t>
+            </a:r>
+            <a:r>
+              <a:rPr lang="en-US" dirty="0" smtClean="0"/>
+              <a:t>Example</a:t>
+            </a:r>
+            <a:endParaRPr lang="en-US" dirty="0"/>
+          </a:p>
+        </p:txBody>
+      </p:sp>
+      <p:pic>
+        <p:nvPicPr>
+          <p:cNvPr id="368643" name="Picture 3"/>
+          <p:cNvPicPr>
+            <a:picLocks noChangeAspect="1" noChangeArrowheads="1"/>
+          </p:cNvPicPr>
+          <p:nvPr/>
+        </p:nvPicPr>
+        <p:blipFill>
+          <a:blip r:embed="rId3">
+            <a:extLst>
+              <a:ext uri="{28A0092B-C50C-407E-A947-70E740481C1C}">
+                <a14:useLocalDpi xmlns:a14="http://schemas.microsoft.com/office/drawing/2010/main" val="0"/>
+              </a:ext>
+            </a:extLst>
+          </a:blip>
+          <a:srcRect/>
+          <a:stretch>
+            <a:fillRect/>
+          </a:stretch>
+        </p:blipFill>
+        <p:spPr bwMode="auto">
+          <a:xfrm>
+            <a:off x="1219200" y="1417638"/>
+            <a:ext cx="7210425" cy="4857750"/>
+          </a:xfrm>
+          <a:prstGeom prst="rect">
+            <a:avLst/>
+          </a:prstGeom>
+          <a:noFill/>
+          <a:ln>
+            <a:noFill/>
+          </a:ln>
+          <a:effectLst/>
+          <a:extLst>
+            <a:ext uri="{909E8E84-426E-40dd-AFC4-6F175D3DCCD1}">
+              <a14:hiddenFill xmlns:a14="http://schemas.microsoft.com/office/drawing/2010/main">
+                <a:solidFill>
+                  <a:schemeClr val="accent1"/>
+                </a:solidFill>
+              </a14:hiddenFill>
+            </a:ext>
+            <a:ext uri="{91240B29-F687-4f45-9708-019B960494DF}">
+              <a14:hiddenLine xmlns:a14="http://schemas.microsoft.com/office/drawing/2010/main" w="9525">
+                <a:solidFill>
+                  <a:schemeClr val="tx1"/>
+                </a:solidFill>
+                <a:miter lim="800000"/>
+                <a:headEnd/>
+                <a:tailEnd/>
+              </a14:hiddenLine>
+            </a:ext>
+            <a:ext uri="{AF507438-7753-43e0-B8FC-AC1667EBCBE1}">
+              <a14:hiddenEffects xmlns:a14="http://schemas.microsoft.com/office/drawing/2010/main">
+                <a:effectLst>
+                  <a:outerShdw blurRad="63500" dist="38099" dir="2700000" algn="ctr" rotWithShape="0">
+                    <a:schemeClr val="bg2">
+                      <a:alpha val="74998"/>
+                    </a:schemeClr>
+                  </a:outerShdw>
+                </a:effectLst>
+              </a14:hiddenEffects>
+            </a:ext>
+          </a:extLst>
+        </p:spPr>
+      </p:pic>
+      <p:sp>
+        <p:nvSpPr>
+          <p:cNvPr id="368645" name="Line 5"/>
+          <p:cNvSpPr>
+            <a:spLocks noChangeShapeType="1"/>
+          </p:cNvSpPr>
+          <p:nvPr/>
+        </p:nvSpPr>
+        <p:spPr bwMode="auto">
+          <a:xfrm>
+            <a:off x="2209800" y="4775169"/>
+            <a:ext cx="5867400" cy="0"/>
+          </a:xfrm>
+          <a:prstGeom prst="line">
+            <a:avLst/>
+          </a:prstGeom>
+          <a:noFill/>
+          <a:ln w="57150">
+            <a:solidFill>
+              <a:schemeClr val="hlink"/>
+            </a:solidFill>
+            <a:prstDash val="dash"/>
+            <a:round/>
+            <a:headEnd/>
+            <a:tailEnd/>
+          </a:ln>
+          <a:effectLst/>
+          <a:extLst>
+            <a:ext uri="{909E8E84-426E-40dd-AFC4-6F175D3DCCD1}">
+              <a14:hiddenFill xmlns:a14="http://schemas.microsoft.com/office/drawing/2010/main">
+                <a:noFill/>
+              </a14:hiddenFill>
+            </a:ext>
+            <a:ext uri="{AF507438-7753-43e0-B8FC-AC1667EBCBE1}">
+              <a14:hiddenEffects xmlns:a14="http://schemas.microsoft.com/office/drawing/2010/main">
+                <a:effectLst>
+                  <a:outerShdw blurRad="63500" dist="38099" dir="2700000" algn="ctr" rotWithShape="0">
+                    <a:schemeClr val="bg2">
+                      <a:alpha val="74998"/>
+                    </a:schemeClr>
+                  </a:outerShdw>
+                </a:effectLst>
+              </a14:hiddenEffects>
+            </a:ext>
+          </a:extLst>
+        </p:spPr>
+        <p:txBody>
+          <a:bodyPr wrap="none"/>
+          <a:lstStyle/>
+          <a:p>
+            <a:endParaRPr lang="en-US"/>
+          </a:p>
+        </p:txBody>
+      </p:sp>
+      <p:graphicFrame>
+        <p:nvGraphicFramePr>
+          <p:cNvPr id="368646" name="Object 6"/>
+          <p:cNvGraphicFramePr>
+            <a:graphicFrameLocks noChangeAspect="1"/>
+          </p:cNvGraphicFramePr>
+          <p:nvPr>
+            <p:extLst>
+              <p:ext uri="{D42A27DB-BD31-4B8C-83A1-F6EECF244321}">
+                <p14:modId xmlns:p14="http://schemas.microsoft.com/office/powerpoint/2010/main" val="3640209616"/>
+              </p:ext>
+            </p:extLst>
+          </p:nvPr>
+        </p:nvGraphicFramePr>
+        <p:xfrm>
+          <a:off x="5715000" y="3985919"/>
+          <a:ext cx="2322513" cy="749300"/>
+        </p:xfrm>
+        <a:graphic>
+          <a:graphicData uri="http://schemas.openxmlformats.org/presentationml/2006/ole">
+            <mc:AlternateContent xmlns:mc="http://schemas.openxmlformats.org/markup-compatibility/2006">
+              <mc:Choice xmlns:v="urn:schemas-microsoft-com:vml" Requires="v">
+                <p:oleObj spid="_x0000_s27654" name="Equation" r:id="rId4" imgW="1218960" imgH="393480" progId="Equation.3">
+                  <p:embed/>
+                </p:oleObj>
+              </mc:Choice>
+              <mc:Fallback>
+                <p:oleObj name="Equation" r:id="rId4" imgW="1218960" imgH="393480" progId="Equation.3">
+                  <p:embed/>
+                  <p:pic>
+                    <p:nvPicPr>
+                      <p:cNvPr id="0" name=""/>
+                      <p:cNvPicPr>
+                        <a:picLocks noChangeAspect="1" noChangeArrowheads="1"/>
+                      </p:cNvPicPr>
+                      <p:nvPr/>
+                    </p:nvPicPr>
+                    <p:blipFill>
+                      <a:blip r:embed="rId5">
+                        <a:extLst>
+                          <a:ext uri="{28A0092B-C50C-407E-A947-70E740481C1C}">
+                            <a14:useLocalDpi xmlns:a14="http://schemas.microsoft.com/office/drawing/2010/main" val="0"/>
+                          </a:ext>
+                        </a:extLst>
+                      </a:blip>
+                      <a:srcRect/>
+                      <a:stretch>
+                        <a:fillRect/>
+                      </a:stretch>
+                    </p:blipFill>
+                    <p:spPr bwMode="auto">
+                      <a:xfrm>
+                        <a:off x="5715000" y="3985919"/>
+                        <a:ext cx="2322513" cy="749300"/>
+                      </a:xfrm>
+                      <a:prstGeom prst="rect">
+                        <a:avLst/>
+                      </a:prstGeom>
+                      <a:noFill/>
+                      <a:ln>
+                        <a:noFill/>
+                      </a:ln>
+                      <a:effectLst/>
+                      <a:extLst>
+                        <a:ext uri="{909E8E84-426E-40dd-AFC4-6F175D3DCCD1}">
+                          <a14:hiddenFill xmlns:a14="http://schemas.microsoft.com/office/drawing/2010/main">
+                            <a:solidFill>
+                              <a:srgbClr val="FFFFFF"/>
+                            </a:solidFill>
+                          </a14:hiddenFill>
+                        </a:ext>
+                        <a:ext uri="{91240B29-F687-4f45-9708-019B960494DF}">
+                          <a14:hiddenLine xmlns:a14="http://schemas.microsoft.com/office/drawing/2010/main" w="9525">
+                            <a:solidFill>
+                              <a:srgbClr val="000000"/>
+                            </a:solidFill>
+                            <a:miter lim="800000"/>
+                            <a:headEnd/>
+                            <a:tailEnd/>
+                          </a14:hiddenLine>
+                        </a:ext>
+                        <a:ext uri="{AF507438-7753-43e0-B8FC-AC1667EBCBE1}">
+                          <a14:hiddenEffects xmlns:a14="http://schemas.microsoft.com/office/drawing/2010/main">
+                            <a:effectLst>
+                              <a:outerShdw blurRad="63500" dist="38099" dir="2700000" algn="ctr" rotWithShape="0">
+                                <a:srgbClr val="000000">
+                                  <a:alpha val="74998"/>
+                                </a:srgbClr>
+                              </a:outerShdw>
+                            </a:effectLst>
+                          </a14:hiddenEffects>
+                        </a:ext>
+                      </a:extLst>
+                    </p:spPr>
+                  </p:pic>
+                </p:oleObj>
+              </mc:Fallback>
+            </mc:AlternateContent>
+          </a:graphicData>
+        </a:graphic>
+      </p:graphicFrame>
+      <p:sp>
+        <p:nvSpPr>
+          <p:cNvPr id="368647" name="Line 7"/>
+          <p:cNvSpPr>
+            <a:spLocks noChangeShapeType="1"/>
+          </p:cNvSpPr>
+          <p:nvPr/>
+        </p:nvSpPr>
+        <p:spPr bwMode="auto">
+          <a:xfrm flipH="1">
+            <a:off x="3276600" y="4419600"/>
+            <a:ext cx="228600" cy="914400"/>
+          </a:xfrm>
+          <a:prstGeom prst="line">
+            <a:avLst/>
+          </a:prstGeom>
+          <a:noFill/>
+          <a:ln w="38100">
+            <a:solidFill>
+              <a:schemeClr val="tx2"/>
+            </a:solidFill>
+            <a:round/>
+            <a:headEnd/>
+            <a:tailEnd type="triangle" w="med" len="med"/>
+          </a:ln>
+          <a:effectLst/>
+          <a:extLst>
+            <a:ext uri="{909E8E84-426E-40dd-AFC4-6F175D3DCCD1}">
+              <a14:hiddenFill xmlns:a14="http://schemas.microsoft.com/office/drawing/2010/main">
+                <a:noFill/>
+              </a14:hiddenFill>
+            </a:ext>
+            <a:ext uri="{AF507438-7753-43e0-B8FC-AC1667EBCBE1}">
+              <a14:hiddenEffects xmlns:a14="http://schemas.microsoft.com/office/drawing/2010/main">
+                <a:effectLst>
+                  <a:outerShdw blurRad="63500" dist="38099" dir="2700000" algn="ctr" rotWithShape="0">
+                    <a:schemeClr val="bg2">
+                      <a:alpha val="74998"/>
+                    </a:schemeClr>
+                  </a:outerShdw>
+                </a:effectLst>
+              </a14:hiddenEffects>
+            </a:ext>
+          </a:extLst>
+        </p:spPr>
+        <p:txBody>
+          <a:bodyPr wrap="none"/>
+          <a:lstStyle/>
+          <a:p>
+            <a:endParaRPr lang="en-US"/>
+          </a:p>
+        </p:txBody>
+      </p:sp>
+      <p:sp>
+        <p:nvSpPr>
+          <p:cNvPr id="368648" name="Line 8"/>
+          <p:cNvSpPr>
+            <a:spLocks noChangeShapeType="1"/>
+          </p:cNvSpPr>
+          <p:nvPr/>
+        </p:nvSpPr>
+        <p:spPr bwMode="auto">
+          <a:xfrm>
+            <a:off x="4648200" y="4419600"/>
+            <a:ext cx="228600" cy="914400"/>
+          </a:xfrm>
+          <a:prstGeom prst="line">
+            <a:avLst/>
+          </a:prstGeom>
+          <a:noFill/>
+          <a:ln w="38100">
+            <a:solidFill>
+              <a:schemeClr val="tx2"/>
+            </a:solidFill>
+            <a:round/>
+            <a:headEnd/>
+            <a:tailEnd type="triangle" w="med" len="med"/>
+          </a:ln>
+          <a:effectLst/>
+          <a:extLst>
+            <a:ext uri="{909E8E84-426E-40dd-AFC4-6F175D3DCCD1}">
+              <a14:hiddenFill xmlns:a14="http://schemas.microsoft.com/office/drawing/2010/main">
+                <a:noFill/>
+              </a14:hiddenFill>
+            </a:ext>
+            <a:ext uri="{AF507438-7753-43e0-B8FC-AC1667EBCBE1}">
+              <a14:hiddenEffects xmlns:a14="http://schemas.microsoft.com/office/drawing/2010/main">
+                <a:effectLst>
+                  <a:outerShdw blurRad="63500" dist="38099" dir="2700000" algn="ctr" rotWithShape="0">
+                    <a:schemeClr val="bg2">
+                      <a:alpha val="74998"/>
+                    </a:schemeClr>
+                  </a:outerShdw>
+                </a:effectLst>
+              </a14:hiddenEffects>
+            </a:ext>
+          </a:extLst>
+        </p:spPr>
+        <p:txBody>
+          <a:bodyPr wrap="none"/>
+          <a:lstStyle/>
+          <a:p>
+            <a:endParaRPr lang="en-US"/>
+          </a:p>
+        </p:txBody>
+      </p:sp>
+      <p:sp>
+        <p:nvSpPr>
+          <p:cNvPr id="368649" name="Text Box 9"/>
+          <p:cNvSpPr txBox="1">
+            <a:spLocks noChangeArrowheads="1"/>
+          </p:cNvSpPr>
+          <p:nvPr/>
+        </p:nvSpPr>
+        <p:spPr bwMode="auto">
+          <a:xfrm>
+            <a:off x="2954843" y="3962400"/>
+            <a:ext cx="2995612" cy="457200"/>
+          </a:xfrm>
+          <a:prstGeom prst="rect">
+            <a:avLst/>
+          </a:prstGeom>
+          <a:noFill/>
+          <a:ln>
+            <a:noFill/>
+          </a:ln>
+          <a:effectLst/>
+          <a:extLst>
+            <a:ext uri="{909E8E84-426E-40dd-AFC4-6F175D3DCCD1}">
+              <a14:hiddenFill xmlns:a14="http://schemas.microsoft.com/office/drawing/2010/main">
+                <a:solidFill>
+                  <a:schemeClr val="accent1"/>
+                </a:solidFill>
+              </a14:hiddenFill>
+            </a:ext>
+            <a:ext uri="{91240B29-F687-4f45-9708-019B960494DF}">
+              <a14:hiddenLine xmlns:a14="http://schemas.microsoft.com/office/drawing/2010/main" w="9525">
+                <a:solidFill>
+                  <a:schemeClr val="tx1"/>
+                </a:solidFill>
+                <a:miter lim="800000"/>
+                <a:headEnd/>
+                <a:tailEnd/>
+              </a14:hiddenLine>
+            </a:ext>
+            <a:ext uri="{AF507438-7753-43e0-B8FC-AC1667EBCBE1}">
+              <a14:hiddenEffects xmlns:a14="http://schemas.microsoft.com/office/drawing/2010/main">
+                <a:effectLst>
+                  <a:outerShdw blurRad="63500" dist="38099" dir="2700000" algn="ctr" rotWithShape="0">
+                    <a:schemeClr val="bg2">
+                      <a:alpha val="74998"/>
+                    </a:schemeClr>
+                  </a:outerShdw>
+                </a:effectLst>
+              </a14:hiddenEffects>
+            </a:ext>
+          </a:extLst>
+        </p:spPr>
+        <p:txBody>
+          <a:bodyPr>
+            <a:spAutoFit/>
+          </a:bodyPr>
+          <a:lstStyle/>
+          <a:p>
+            <a:r>
+              <a:rPr lang="en-US" dirty="0"/>
+              <a:t>Approximate 95% CI</a:t>
+            </a:r>
+          </a:p>
+        </p:txBody>
+      </p:sp>
+      <p:sp>
+        <p:nvSpPr>
+          <p:cNvPr id="368650" name="Text Box 10"/>
+          <p:cNvSpPr txBox="1">
+            <a:spLocks noChangeArrowheads="1"/>
+          </p:cNvSpPr>
+          <p:nvPr/>
+        </p:nvSpPr>
+        <p:spPr bwMode="auto">
+          <a:xfrm>
+            <a:off x="2286000" y="2286000"/>
+            <a:ext cx="3805238" cy="1187450"/>
+          </a:xfrm>
+          <a:prstGeom prst="rect">
+            <a:avLst/>
+          </a:prstGeom>
+          <a:noFill/>
+          <a:ln>
+            <a:noFill/>
+          </a:ln>
+          <a:effectLst/>
+          <a:extLst>
+            <a:ext uri="{909E8E84-426E-40dd-AFC4-6F175D3DCCD1}">
+              <a14:hiddenFill xmlns:a14="http://schemas.microsoft.com/office/drawing/2010/main">
+                <a:solidFill>
+                  <a:schemeClr val="accent1"/>
+                </a:solidFill>
+              </a14:hiddenFill>
+            </a:ext>
+            <a:ext uri="{91240B29-F687-4f45-9708-019B960494DF}">
+              <a14:hiddenLine xmlns:a14="http://schemas.microsoft.com/office/drawing/2010/main" w="9525">
+                <a:solidFill>
+                  <a:schemeClr val="tx1"/>
+                </a:solidFill>
+                <a:miter lim="800000"/>
+                <a:headEnd/>
+                <a:tailEnd/>
+              </a14:hiddenLine>
+            </a:ext>
+            <a:ext uri="{AF507438-7753-43e0-B8FC-AC1667EBCBE1}">
+              <a14:hiddenEffects xmlns:a14="http://schemas.microsoft.com/office/drawing/2010/main">
+                <a:effectLst>
+                  <a:outerShdw blurRad="63500" dist="38099" dir="2700000" algn="ctr" rotWithShape="0">
+                    <a:schemeClr val="bg2">
+                      <a:alpha val="74998"/>
+                    </a:schemeClr>
+                  </a:outerShdw>
+                </a:effectLst>
+              </a14:hiddenEffects>
+            </a:ext>
+          </a:extLst>
+        </p:spPr>
+        <p:txBody>
+          <a:bodyPr>
+            <a:spAutoFit/>
+          </a:bodyPr>
+          <a:lstStyle/>
+          <a:p>
+            <a:r>
+              <a:rPr lang="en-US">
+                <a:solidFill>
+                  <a:schemeClr val="hlink"/>
+                </a:solidFill>
+              </a:rPr>
+              <a:t>We can compute confidence intervals from likelihood profiles</a:t>
+            </a:r>
+          </a:p>
+        </p:txBody>
+      </p:sp>
+    </p:spTree>
+    <p:extLst>
+      <p:ext uri="{BB962C8B-B14F-4D97-AF65-F5344CB8AC3E}">
+        <p14:creationId xmlns:p14="http://schemas.microsoft.com/office/powerpoint/2010/main" val="267144838"/>
+      </p:ext>
+    </p:extLst>
+  </p:cSld>
+  <p:clrMapOvr>
+    <a:masterClrMapping/>
+  </p:clrMapOvr>
+</p:sld>
+</file>
+
+<file path=ppt/slides/slide36.xml><?xml version="1.0" encoding="utf-8"?>
+<p:sld xmlns:a="http://schemas.openxmlformats.org/drawingml/2006/main" xmlns:r="http://schemas.openxmlformats.org/officeDocument/2006/relationships" xmlns:p="http://schemas.openxmlformats.org/presentationml/2006/main">
+  <p:cSld>
+    <p:spTree>
+      <p:nvGrpSpPr>
+        <p:cNvPr id="1" name=""/>
+        <p:cNvGrpSpPr/>
+        <p:nvPr/>
+      </p:nvGrpSpPr>
+      <p:grpSpPr>
+        <a:xfrm>
+          <a:off x="0" y="0"/>
+          <a:ext cx="0" cy="0"/>
+          <a:chOff x="0" y="0"/>
+          <a:chExt cx="0" cy="0"/>
+        </a:xfrm>
+      </p:grpSpPr>
+      <p:sp>
+        <p:nvSpPr>
+          <p:cNvPr id="369666" name="Rectangle 2"/>
+          <p:cNvSpPr>
+            <a:spLocks noGrp="1" noChangeArrowheads="1"/>
+          </p:cNvSpPr>
+          <p:nvPr>
+            <p:ph type="title"/>
+          </p:nvPr>
+        </p:nvSpPr>
+        <p:spPr/>
+        <p:txBody>
+          <a:bodyPr>
+            <a:normAutofit fontScale="90000"/>
+          </a:bodyPr>
+          <a:lstStyle/>
+          <a:p>
+            <a:pPr algn="ctr"/>
+            <a:r>
+              <a:rPr lang="en-US"/>
+              <a:t>Likelihood profiles and confidence intervals</a:t>
+            </a:r>
+          </a:p>
+        </p:txBody>
+      </p:sp>
+      <p:sp>
+        <p:nvSpPr>
+          <p:cNvPr id="369667" name="Rectangle 3"/>
+          <p:cNvSpPr>
+            <a:spLocks noGrp="1" noChangeArrowheads="1"/>
+          </p:cNvSpPr>
+          <p:nvPr>
+            <p:ph type="body" idx="1"/>
+          </p:nvPr>
+        </p:nvSpPr>
+        <p:spPr/>
+        <p:txBody>
+          <a:bodyPr/>
+          <a:lstStyle/>
+          <a:p>
+            <a:pPr marL="0" indent="0">
+              <a:buNone/>
+            </a:pPr>
+            <a:r>
+              <a:rPr lang="en-US" dirty="0"/>
+              <a:t>An 100-</a:t>
+            </a:r>
+            <a:r>
+              <a:rPr lang="en-US" i="1" dirty="0"/>
+              <a:t>x</a:t>
+            </a:r>
+            <a:r>
+              <a:rPr lang="en-US" dirty="0"/>
+              <a:t>% confidence interval for </a:t>
+            </a:r>
+            <a:r>
+              <a:rPr lang="en-US" i="1" dirty="0"/>
+              <a:t>p</a:t>
+            </a:r>
+            <a:r>
+              <a:rPr lang="en-US" dirty="0"/>
+              <a:t> parameters is determined by finding the values for the parameter(s) for which:</a:t>
+            </a:r>
+          </a:p>
+          <a:p>
+            <a:endParaRPr lang="en-US" dirty="0"/>
+          </a:p>
+          <a:p>
+            <a:pPr marL="0" indent="0">
+              <a:buNone/>
+            </a:pPr>
+            <a:endParaRPr lang="en-US" dirty="0" smtClean="0"/>
+          </a:p>
+          <a:p>
+            <a:pPr marL="0" indent="0">
+              <a:buNone/>
+            </a:pPr>
+            <a:r>
+              <a:rPr lang="en-US" dirty="0" smtClean="0"/>
+              <a:t>w</a:t>
+            </a:r>
+            <a:r>
+              <a:rPr lang="en-US" dirty="0" smtClean="0"/>
+              <a:t>here </a:t>
+            </a:r>
+            <a:r>
+              <a:rPr lang="en-US" dirty="0" err="1" smtClean="0"/>
+              <a:t>ln</a:t>
+            </a:r>
+            <a:r>
+              <a:rPr lang="en-US" i="1" dirty="0" err="1" smtClean="0"/>
+              <a:t>L</a:t>
+            </a:r>
+            <a:r>
+              <a:rPr lang="en-US" i="1" baseline="-25000" dirty="0" err="1" smtClean="0"/>
+              <a:t>MLE</a:t>
+            </a:r>
+            <a:r>
+              <a:rPr lang="en-US" i="1" dirty="0" smtClean="0"/>
+              <a:t>  </a:t>
+            </a:r>
+            <a:r>
+              <a:rPr lang="en-US" dirty="0" smtClean="0"/>
+              <a:t>is </a:t>
+            </a:r>
+            <a:r>
+              <a:rPr lang="en-US" dirty="0"/>
+              <a:t>the negative log-likelihood corresponding to the maximum likelihood estimates.</a:t>
+            </a:r>
+          </a:p>
+          <a:p>
+            <a:endParaRPr lang="en-US" dirty="0"/>
+          </a:p>
+          <a:p>
+            <a:endParaRPr lang="en-US" dirty="0"/>
+          </a:p>
+          <a:p>
+            <a:endParaRPr lang="en-US" dirty="0"/>
+          </a:p>
+        </p:txBody>
+      </p:sp>
+      <p:graphicFrame>
+        <p:nvGraphicFramePr>
+          <p:cNvPr id="369668" name="Object 4"/>
+          <p:cNvGraphicFramePr>
+            <a:graphicFrameLocks noChangeAspect="1"/>
+          </p:cNvGraphicFramePr>
+          <p:nvPr>
+            <p:extLst>
+              <p:ext uri="{D42A27DB-BD31-4B8C-83A1-F6EECF244321}">
+                <p14:modId xmlns:p14="http://schemas.microsoft.com/office/powerpoint/2010/main" val="3397310531"/>
+              </p:ext>
+            </p:extLst>
+          </p:nvPr>
+        </p:nvGraphicFramePr>
+        <p:xfrm>
+          <a:off x="1433194" y="3426360"/>
+          <a:ext cx="5683583" cy="652447"/>
+        </p:xfrm>
+        <a:graphic>
+          <a:graphicData uri="http://schemas.openxmlformats.org/presentationml/2006/ole">
+            <mc:AlternateContent xmlns:mc="http://schemas.openxmlformats.org/markup-compatibility/2006">
+              <mc:Choice xmlns:v="urn:schemas-microsoft-com:vml" Requires="v">
+                <p:oleObj spid="_x0000_s28678" name="Equation" r:id="rId3" imgW="1993680" imgH="228600" progId="Equation.DSMT4">
+                  <p:embed/>
+                </p:oleObj>
+              </mc:Choice>
+              <mc:Fallback>
+                <p:oleObj name="Equation" r:id="rId3" imgW="1993680" imgH="228600" progId="Equation.DSMT4">
+                  <p:embed/>
+                  <p:pic>
+                    <p:nvPicPr>
+                      <p:cNvPr id="0" name=""/>
+                      <p:cNvPicPr>
+                        <a:picLocks noChangeAspect="1" noChangeArrowheads="1"/>
+                      </p:cNvPicPr>
+                      <p:nvPr/>
+                    </p:nvPicPr>
+                    <p:blipFill>
+                      <a:blip r:embed="rId4">
+                        <a:extLst>
+                          <a:ext uri="{28A0092B-C50C-407E-A947-70E740481C1C}">
+                            <a14:useLocalDpi xmlns:a14="http://schemas.microsoft.com/office/drawing/2010/main" val="0"/>
+                          </a:ext>
+                        </a:extLst>
+                      </a:blip>
+                      <a:srcRect/>
+                      <a:stretch>
+                        <a:fillRect/>
+                      </a:stretch>
+                    </p:blipFill>
+                    <p:spPr bwMode="auto">
+                      <a:xfrm>
+                        <a:off x="1433194" y="3426360"/>
+                        <a:ext cx="5683583" cy="652447"/>
+                      </a:xfrm>
+                      <a:prstGeom prst="rect">
+                        <a:avLst/>
+                      </a:prstGeom>
+                      <a:noFill/>
+                      <a:ln>
+                        <a:noFill/>
+                      </a:ln>
+                      <a:effectLst/>
+                      <a:extLst/>
+                    </p:spPr>
+                  </p:pic>
+                </p:oleObj>
+              </mc:Fallback>
+            </mc:AlternateContent>
+          </a:graphicData>
+        </a:graphic>
+      </p:graphicFrame>
+    </p:spTree>
+    <p:extLst>
+      <p:ext uri="{BB962C8B-B14F-4D97-AF65-F5344CB8AC3E}">
+        <p14:creationId xmlns:p14="http://schemas.microsoft.com/office/powerpoint/2010/main" val="1419231063"/>
+      </p:ext>
+    </p:extLst>
+  </p:cSld>
+  <p:clrMapOvr>
+    <a:masterClrMapping/>
+  </p:clrMapOvr>
+</p:sld>
+</file>
+
+<file path=ppt/slides/slide37.xml><?xml version="1.0" encoding="utf-8"?>
+<p:sld xmlns:a="http://schemas.openxmlformats.org/drawingml/2006/main" xmlns:r="http://schemas.openxmlformats.org/officeDocument/2006/relationships" xmlns:p="http://schemas.openxmlformats.org/presentationml/2006/main">
+  <p:cSld>
+    <p:spTree>
+      <p:nvGrpSpPr>
+        <p:cNvPr id="1" name=""/>
+        <p:cNvGrpSpPr/>
+        <p:nvPr/>
+      </p:nvGrpSpPr>
+      <p:grpSpPr>
+        <a:xfrm>
+          <a:off x="0" y="0"/>
+          <a:ext cx="0" cy="0"/>
+          <a:chOff x="0" y="0"/>
+          <a:chExt cx="0" cy="0"/>
+        </a:xfrm>
+      </p:grpSpPr>
+      <p:sp>
+        <p:nvSpPr>
+          <p:cNvPr id="2" name="Title 1"/>
+          <p:cNvSpPr>
+            <a:spLocks noGrp="1"/>
+          </p:cNvSpPr>
+          <p:nvPr>
+            <p:ph type="title"/>
+          </p:nvPr>
+        </p:nvSpPr>
+        <p:spPr/>
+        <p:txBody>
+          <a:bodyPr/>
+          <a:lstStyle/>
+          <a:p>
+            <a:r>
+              <a:rPr lang="en-US" dirty="0" smtClean="0"/>
+              <a:t>Likelihood ratio test and 1.92</a:t>
+            </a:r>
+            <a:endParaRPr lang="en-US" dirty="0"/>
+          </a:p>
+        </p:txBody>
+      </p:sp>
+      <p:graphicFrame>
+        <p:nvGraphicFramePr>
+          <p:cNvPr id="4" name="Object 3"/>
+          <p:cNvGraphicFramePr>
+            <a:graphicFrameLocks noChangeAspect="1"/>
+          </p:cNvGraphicFramePr>
+          <p:nvPr>
+            <p:extLst>
+              <p:ext uri="{D42A27DB-BD31-4B8C-83A1-F6EECF244321}">
+                <p14:modId xmlns:p14="http://schemas.microsoft.com/office/powerpoint/2010/main" val="1884280861"/>
+              </p:ext>
+            </p:extLst>
+          </p:nvPr>
+        </p:nvGraphicFramePr>
+        <p:xfrm>
+          <a:off x="1676400" y="1676400"/>
+          <a:ext cx="6170141" cy="2133600"/>
+        </p:xfrm>
+        <a:graphic>
+          <a:graphicData uri="http://schemas.openxmlformats.org/presentationml/2006/ole">
+            <mc:AlternateContent xmlns:mc="http://schemas.openxmlformats.org/markup-compatibility/2006">
+              <mc:Choice xmlns:v="urn:schemas-microsoft-com:vml" Requires="v">
+                <p:oleObj spid="_x0000_s31748" name="Equation" r:id="rId3" imgW="2717640" imgH="939600" progId="Equation.3">
+                  <p:embed/>
+                </p:oleObj>
+              </mc:Choice>
+              <mc:Fallback>
+                <p:oleObj name="Equation" r:id="rId3" imgW="2717640" imgH="939600" progId="Equation.3">
+                  <p:embed/>
+                  <p:pic>
+                    <p:nvPicPr>
+                      <p:cNvPr id="0" name=""/>
+                      <p:cNvPicPr/>
+                      <p:nvPr/>
+                    </p:nvPicPr>
+                    <p:blipFill>
+                      <a:blip r:embed="rId4"/>
+                      <a:stretch>
+                        <a:fillRect/>
+                      </a:stretch>
+                    </p:blipFill>
+                    <p:spPr>
+                      <a:xfrm>
+                        <a:off x="1676400" y="1676400"/>
+                        <a:ext cx="6170141" cy="2133600"/>
+                      </a:xfrm>
+                      <a:prstGeom prst="rect">
+                        <a:avLst/>
+                      </a:prstGeom>
+                    </p:spPr>
+                  </p:pic>
+                </p:oleObj>
+              </mc:Fallback>
+            </mc:AlternateContent>
+          </a:graphicData>
+        </a:graphic>
+      </p:graphicFrame>
+      <p:sp>
+        <p:nvSpPr>
+          <p:cNvPr id="5" name="TextBox 4"/>
+          <p:cNvSpPr txBox="1"/>
+          <p:nvPr/>
+        </p:nvSpPr>
+        <p:spPr>
+          <a:xfrm>
+            <a:off x="1676400" y="4038600"/>
+            <a:ext cx="5810670" cy="1569660"/>
+          </a:xfrm>
+          <a:prstGeom prst="rect">
+            <a:avLst/>
+          </a:prstGeom>
+          <a:noFill/>
+        </p:spPr>
+        <p:txBody>
+          <a:bodyPr wrap="square" rtlCol="0">
+            <a:spAutoFit/>
+          </a:bodyPr>
+          <a:lstStyle/>
+          <a:p>
+            <a:r>
+              <a:rPr lang="en-US" sz="2400" dirty="0" smtClean="0">
+                <a:solidFill>
+                  <a:schemeClr val="accent1">
+                    <a:lumMod val="75000"/>
+                  </a:schemeClr>
+                </a:solidFill>
+              </a:rPr>
+              <a:t>When the NLL for a model parameter is more than 1.92 units from the MLE, that is the 95% confidence interval (asymptotically for large sample size, when well behaved, etc.)</a:t>
+            </a:r>
+            <a:endParaRPr lang="en-US" sz="2400" dirty="0">
+              <a:solidFill>
+                <a:schemeClr val="accent1">
+                  <a:lumMod val="75000"/>
+                </a:schemeClr>
+              </a:solidFill>
+            </a:endParaRPr>
+          </a:p>
+        </p:txBody>
+      </p:sp>
+    </p:spTree>
+    <p:extLst>
+      <p:ext uri="{BB962C8B-B14F-4D97-AF65-F5344CB8AC3E}">
+        <p14:creationId xmlns:p14="http://schemas.microsoft.com/office/powerpoint/2010/main" val="3628890710"/>
+      </p:ext>
+    </p:extLst>
+  </p:cSld>
+  <p:clrMapOvr>
+    <a:masterClrMapping/>
+  </p:clrMapOvr>
+</p:sld>
+</file>
+
+<file path=ppt/slides/slide38.xml><?xml version="1.0" encoding="utf-8"?>
+<p:sld xmlns:a="http://schemas.openxmlformats.org/drawingml/2006/main" xmlns:r="http://schemas.openxmlformats.org/officeDocument/2006/relationships" xmlns:p="http://schemas.openxmlformats.org/presentationml/2006/main">
+  <p:cSld>
+    <p:spTree>
+      <p:nvGrpSpPr>
+        <p:cNvPr id="1" name=""/>
+        <p:cNvGrpSpPr/>
+        <p:nvPr/>
+      </p:nvGrpSpPr>
+      <p:grpSpPr>
+        <a:xfrm>
+          <a:off x="0" y="0"/>
+          <a:ext cx="0" cy="0"/>
+          <a:chOff x="0" y="0"/>
+          <a:chExt cx="0" cy="0"/>
+        </a:xfrm>
+      </p:grpSpPr>
+      <p:sp>
+        <p:nvSpPr>
+          <p:cNvPr id="366594" name="Rectangle 2"/>
+          <p:cNvSpPr>
+            <a:spLocks noGrp="1" noChangeArrowheads="1"/>
+          </p:cNvSpPr>
+          <p:nvPr>
+            <p:ph type="title"/>
+          </p:nvPr>
+        </p:nvSpPr>
+        <p:spPr/>
+        <p:txBody>
+          <a:bodyPr>
+            <a:normAutofit fontScale="90000"/>
+          </a:bodyPr>
+          <a:lstStyle/>
+          <a:p>
+            <a:pPr algn="ctr"/>
+            <a:r>
+              <a:rPr lang="en-US"/>
+              <a:t>Likelihood Profile </a:t>
+            </a:r>
+            <a:br>
+              <a:rPr lang="en-US"/>
+            </a:br>
+            <a:r>
+              <a:rPr lang="en-US"/>
+              <a:t>(multiple parameters)</a:t>
+            </a:r>
+          </a:p>
+        </p:txBody>
+      </p:sp>
+      <p:sp>
+        <p:nvSpPr>
+          <p:cNvPr id="366595" name="Rectangle 3"/>
+          <p:cNvSpPr>
+            <a:spLocks noGrp="1" noChangeArrowheads="1"/>
+          </p:cNvSpPr>
+          <p:nvPr>
+            <p:ph type="body" idx="1"/>
+          </p:nvPr>
+        </p:nvSpPr>
+        <p:spPr/>
+        <p:txBody>
+          <a:bodyPr/>
+          <a:lstStyle/>
+          <a:p>
+            <a:pPr marL="609600" indent="-609600">
+              <a:lnSpc>
+                <a:spcPct val="90000"/>
+              </a:lnSpc>
+              <a:buFont typeface="Wingdings" charset="0"/>
+              <a:buAutoNum type="arabicPeriod"/>
+            </a:pPr>
+            <a:r>
+              <a:rPr lang="en-US" sz="2600"/>
+              <a:t>Fit the model to find the ML parameter estimates and the corresponding negative log-likelihood.</a:t>
+            </a:r>
+          </a:p>
+          <a:p>
+            <a:pPr marL="609600" indent="-609600">
+              <a:lnSpc>
+                <a:spcPct val="90000"/>
+              </a:lnSpc>
+              <a:buFont typeface="Wingdings" charset="0"/>
+              <a:buAutoNum type="arabicPeriod"/>
+            </a:pPr>
+            <a:r>
+              <a:rPr lang="en-US" sz="2600"/>
+              <a:t>Select a set of fixed parameter combinations for the set of parameters of interest.</a:t>
+            </a:r>
+          </a:p>
+          <a:p>
+            <a:pPr marL="609600" indent="-609600">
+              <a:lnSpc>
+                <a:spcPct val="90000"/>
+              </a:lnSpc>
+              <a:buFont typeface="Wingdings" charset="0"/>
+              <a:buAutoNum type="arabicPeriod"/>
+            </a:pPr>
+            <a:r>
+              <a:rPr lang="en-US" sz="2600"/>
+              <a:t>Minimize the negative log-likelihood fixing the values for the set of parameters of interest to each set of values in turn.</a:t>
+            </a:r>
+          </a:p>
+          <a:p>
+            <a:pPr marL="609600" indent="-609600">
+              <a:lnSpc>
+                <a:spcPct val="90000"/>
+              </a:lnSpc>
+              <a:buFont typeface="Wingdings" charset="0"/>
+              <a:buAutoNum type="arabicPeriod"/>
+            </a:pPr>
+            <a:r>
+              <a:rPr lang="en-US" sz="2600"/>
+              <a:t>Plot the difference between the negative log-likelihood from step 1 and those from step 3 (this creates a surface).</a:t>
+            </a:r>
+          </a:p>
+        </p:txBody>
+      </p:sp>
+    </p:spTree>
+    <p:extLst>
+      <p:ext uri="{BB962C8B-B14F-4D97-AF65-F5344CB8AC3E}">
+        <p14:creationId xmlns:p14="http://schemas.microsoft.com/office/powerpoint/2010/main" val="2264996246"/>
+      </p:ext>
+    </p:extLst>
+  </p:cSld>
+  <p:clrMapOvr>
+    <a:masterClrMapping/>
+  </p:clrMapOvr>
+</p:sld>
+</file>
+
+<file path=ppt/slides/slide39.xml><?xml version="1.0" encoding="utf-8"?>
+<p:sld xmlns:a="http://schemas.openxmlformats.org/drawingml/2006/main" xmlns:r="http://schemas.openxmlformats.org/officeDocument/2006/relationships" xmlns:p="http://schemas.openxmlformats.org/presentationml/2006/main">
+  <p:cSld>
+    <p:spTree>
+      <p:nvGrpSpPr>
+        <p:cNvPr id="1" name=""/>
+        <p:cNvGrpSpPr/>
+        <p:nvPr/>
+      </p:nvGrpSpPr>
+      <p:grpSpPr>
+        <a:xfrm>
+          <a:off x="0" y="0"/>
+          <a:ext cx="0" cy="0"/>
+          <a:chOff x="0" y="0"/>
+          <a:chExt cx="0" cy="0"/>
+        </a:xfrm>
+      </p:grpSpPr>
+      <p:sp>
+        <p:nvSpPr>
+          <p:cNvPr id="370690" name="Rectangle 2"/>
+          <p:cNvSpPr>
+            <a:spLocks noGrp="1" noChangeArrowheads="1"/>
+          </p:cNvSpPr>
+          <p:nvPr>
+            <p:ph type="title"/>
+          </p:nvPr>
+        </p:nvSpPr>
+        <p:spPr/>
+        <p:txBody>
+          <a:bodyPr/>
+          <a:lstStyle/>
+          <a:p>
+            <a:pPr algn="ctr"/>
+            <a:r>
+              <a:rPr lang="en-US"/>
+              <a:t>What about State Variables-I</a:t>
+            </a:r>
+          </a:p>
+        </p:txBody>
+      </p:sp>
+      <p:sp>
+        <p:nvSpPr>
+          <p:cNvPr id="370691" name="Rectangle 3"/>
+          <p:cNvSpPr>
+            <a:spLocks noGrp="1" noChangeArrowheads="1"/>
+          </p:cNvSpPr>
+          <p:nvPr>
+            <p:ph type="body" idx="1"/>
+          </p:nvPr>
+        </p:nvSpPr>
+        <p:spPr/>
+        <p:txBody>
+          <a:bodyPr/>
+          <a:lstStyle/>
+          <a:p>
+            <a:r>
+              <a:rPr lang="en-US" sz="2800"/>
+              <a:t>Model outputs often include population size, harvest rate, etc. We are usually more interested in these quantities than about the parameters themselves.</a:t>
+            </a:r>
+          </a:p>
+          <a:p>
+            <a:r>
+              <a:rPr lang="en-US" sz="2800"/>
+              <a:t>However, the state variables are seldom parameters of the model (and cannot be made to be parameters of the model). This makes computing a likelihood profile for them difficult.</a:t>
+            </a:r>
+          </a:p>
+        </p:txBody>
+      </p:sp>
+    </p:spTree>
+    <p:extLst>
+      <p:ext uri="{BB962C8B-B14F-4D97-AF65-F5344CB8AC3E}">
+        <p14:creationId xmlns:p14="http://schemas.microsoft.com/office/powerpoint/2010/main" val="3686868455"/>
+      </p:ext>
+    </p:extLst>
+  </p:cSld>
+  <p:clrMapOvr>
+    <a:masterClrMapping/>
+  </p:clrMapOvr>
+</p:sld>
+</file>
+
 <file path=ppt/slides/slide4.xml><?xml version="1.0" encoding="utf-8"?>
 <p:sld xmlns:a="http://schemas.openxmlformats.org/drawingml/2006/main" xmlns:r="http://schemas.openxmlformats.org/officeDocument/2006/relationships" xmlns:p="http://schemas.openxmlformats.org/presentationml/2006/main">
   <p:cSld>
@@ -11637,6 +13206,399 @@
   <p:clrMapOvr>
     <a:masterClrMapping/>
   </p:clrMapOvr>
+</p:sld>
+</file>
+
+<file path=ppt/slides/slide40.xml><?xml version="1.0" encoding="utf-8"?>
+<p:sld xmlns:a="http://schemas.openxmlformats.org/drawingml/2006/main" xmlns:r="http://schemas.openxmlformats.org/officeDocument/2006/relationships" xmlns:p="http://schemas.openxmlformats.org/presentationml/2006/main">
+  <p:cSld>
+    <p:spTree>
+      <p:nvGrpSpPr>
+        <p:cNvPr id="1" name=""/>
+        <p:cNvGrpSpPr/>
+        <p:nvPr/>
+      </p:nvGrpSpPr>
+      <p:grpSpPr>
+        <a:xfrm>
+          <a:off x="0" y="0"/>
+          <a:ext cx="0" cy="0"/>
+          <a:chOff x="0" y="0"/>
+          <a:chExt cx="0" cy="0"/>
+        </a:xfrm>
+      </p:grpSpPr>
+      <p:sp>
+        <p:nvSpPr>
+          <p:cNvPr id="371714" name="Rectangle 2"/>
+          <p:cNvSpPr>
+            <a:spLocks noGrp="1" noChangeArrowheads="1"/>
+          </p:cNvSpPr>
+          <p:nvPr>
+            <p:ph type="title"/>
+          </p:nvPr>
+        </p:nvSpPr>
+        <p:spPr/>
+        <p:txBody>
+          <a:bodyPr/>
+          <a:lstStyle/>
+          <a:p>
+            <a:r>
+              <a:rPr lang="en-US"/>
+              <a:t>What about State Variables-II</a:t>
+            </a:r>
+          </a:p>
+        </p:txBody>
+      </p:sp>
+      <p:sp>
+        <p:nvSpPr>
+          <p:cNvPr id="371715" name="Rectangle 3"/>
+          <p:cNvSpPr>
+            <a:spLocks noGrp="1" noChangeArrowheads="1"/>
+          </p:cNvSpPr>
+          <p:nvPr>
+            <p:ph type="body" idx="1"/>
+          </p:nvPr>
+        </p:nvSpPr>
+        <p:spPr/>
+        <p:txBody>
+          <a:bodyPr/>
+          <a:lstStyle/>
+          <a:p>
+            <a:r>
+              <a:rPr lang="en-US" sz="2800" dirty="0"/>
+              <a:t>For each (target) value of the State Variable:</a:t>
+            </a:r>
+          </a:p>
+          <a:p>
+            <a:pPr lvl="1"/>
+            <a:r>
+              <a:rPr lang="en-US" sz="2400" dirty="0"/>
+              <a:t>Add a penalty to the negative log-likelihood that increases as the difference between the target value and the model estimate is larger.</a:t>
+            </a:r>
+          </a:p>
+          <a:p>
+            <a:pPr lvl="1"/>
+            <a:endParaRPr lang="en-US" sz="2400" dirty="0"/>
+          </a:p>
+          <a:p>
+            <a:pPr lvl="1"/>
+            <a:endParaRPr lang="en-US" sz="2400" dirty="0"/>
+          </a:p>
+          <a:p>
+            <a:pPr lvl="1"/>
+            <a:r>
+              <a:rPr lang="en-US" sz="2400" dirty="0"/>
+              <a:t>It is often a good idea to change the size of the penalty, </a:t>
+            </a:r>
+            <a:r>
+              <a:rPr lang="en-US" sz="2400" i="1" dirty="0"/>
+              <a:t>w</a:t>
+            </a:r>
+            <a:r>
+              <a:rPr lang="en-US" sz="2400" dirty="0"/>
+              <a:t>, as we get closer to the target (i.e. apply </a:t>
+            </a:r>
+            <a:r>
+              <a:rPr lang="en-US" sz="2400" dirty="0" err="1" smtClean="0"/>
+              <a:t>optim</a:t>
+            </a:r>
+            <a:r>
+              <a:rPr lang="en-US" sz="2400" dirty="0" smtClean="0"/>
+              <a:t>() several </a:t>
+            </a:r>
+            <a:r>
+              <a:rPr lang="en-US" sz="2400" dirty="0"/>
+              <a:t>times, each time increasing </a:t>
+            </a:r>
+            <a:r>
+              <a:rPr lang="en-US" sz="2400" i="1" dirty="0"/>
+              <a:t>w</a:t>
+            </a:r>
+            <a:r>
+              <a:rPr lang="en-US" sz="2400" dirty="0"/>
+              <a:t>)</a:t>
+            </a:r>
+          </a:p>
+        </p:txBody>
+      </p:sp>
+      <p:graphicFrame>
+        <p:nvGraphicFramePr>
+          <p:cNvPr id="371716" name="Object 4"/>
+          <p:cNvGraphicFramePr>
+            <a:graphicFrameLocks noChangeAspect="1"/>
+          </p:cNvGraphicFramePr>
+          <p:nvPr>
+            <p:extLst>
+              <p:ext uri="{D42A27DB-BD31-4B8C-83A1-F6EECF244321}">
+                <p14:modId xmlns:p14="http://schemas.microsoft.com/office/powerpoint/2010/main" val="1652791580"/>
+              </p:ext>
+            </p:extLst>
+          </p:nvPr>
+        </p:nvGraphicFramePr>
+        <p:xfrm>
+          <a:off x="3163888" y="3332162"/>
+          <a:ext cx="3721100" cy="803275"/>
+        </p:xfrm>
+        <a:graphic>
+          <a:graphicData uri="http://schemas.openxmlformats.org/presentationml/2006/ole">
+            <mc:AlternateContent xmlns:mc="http://schemas.openxmlformats.org/markup-compatibility/2006">
+              <mc:Choice xmlns:v="urn:schemas-microsoft-com:vml" Requires="v">
+                <p:oleObj spid="_x0000_s29702" name="Equation" r:id="rId3" imgW="1942920" imgH="419040" progId="Equation.3">
+                  <p:embed/>
+                </p:oleObj>
+              </mc:Choice>
+              <mc:Fallback>
+                <p:oleObj name="Equation" r:id="rId3" imgW="1942920" imgH="419040" progId="Equation.3">
+                  <p:embed/>
+                  <p:pic>
+                    <p:nvPicPr>
+                      <p:cNvPr id="0" name=""/>
+                      <p:cNvPicPr>
+                        <a:picLocks noChangeAspect="1" noChangeArrowheads="1"/>
+                      </p:cNvPicPr>
+                      <p:nvPr/>
+                    </p:nvPicPr>
+                    <p:blipFill>
+                      <a:blip r:embed="rId4">
+                        <a:extLst>
+                          <a:ext uri="{28A0092B-C50C-407E-A947-70E740481C1C}">
+                            <a14:useLocalDpi xmlns:a14="http://schemas.microsoft.com/office/drawing/2010/main" val="0"/>
+                          </a:ext>
+                        </a:extLst>
+                      </a:blip>
+                      <a:srcRect/>
+                      <a:stretch>
+                        <a:fillRect/>
+                      </a:stretch>
+                    </p:blipFill>
+                    <p:spPr bwMode="auto">
+                      <a:xfrm>
+                        <a:off x="3163888" y="3332162"/>
+                        <a:ext cx="3721100" cy="803275"/>
+                      </a:xfrm>
+                      <a:prstGeom prst="rect">
+                        <a:avLst/>
+                      </a:prstGeom>
+                      <a:noFill/>
+                      <a:ln>
+                        <a:noFill/>
+                      </a:ln>
+                      <a:effectLst/>
+                      <a:extLst>
+                        <a:ext uri="{909E8E84-426E-40dd-AFC4-6F175D3DCCD1}">
+                          <a14:hiddenFill xmlns:a14="http://schemas.microsoft.com/office/drawing/2010/main">
+                            <a:solidFill>
+                              <a:srgbClr val="FFFFFF"/>
+                            </a:solidFill>
+                          </a14:hiddenFill>
+                        </a:ext>
+                        <a:ext uri="{91240B29-F687-4f45-9708-019B960494DF}">
+                          <a14:hiddenLine xmlns:a14="http://schemas.microsoft.com/office/drawing/2010/main" w="9525">
+                            <a:solidFill>
+                              <a:srgbClr val="000000"/>
+                            </a:solidFill>
+                            <a:miter lim="800000"/>
+                            <a:headEnd/>
+                            <a:tailEnd/>
+                          </a14:hiddenLine>
+                        </a:ext>
+                        <a:ext uri="{AF507438-7753-43e0-B8FC-AC1667EBCBE1}">
+                          <a14:hiddenEffects xmlns:a14="http://schemas.microsoft.com/office/drawing/2010/main">
+                            <a:effectLst>
+                              <a:outerShdw blurRad="63500" dist="38099" dir="2700000" algn="ctr" rotWithShape="0">
+                                <a:srgbClr val="000000">
+                                  <a:alpha val="74998"/>
+                                </a:srgbClr>
+                              </a:outerShdw>
+                            </a:effectLst>
+                          </a14:hiddenEffects>
+                        </a:ext>
+                      </a:extLst>
+                    </p:spPr>
+                  </p:pic>
+                </p:oleObj>
+              </mc:Fallback>
+            </mc:AlternateContent>
+          </a:graphicData>
+        </a:graphic>
+      </p:graphicFrame>
+    </p:spTree>
+    <p:extLst>
+      <p:ext uri="{BB962C8B-B14F-4D97-AF65-F5344CB8AC3E}">
+        <p14:creationId xmlns:p14="http://schemas.microsoft.com/office/powerpoint/2010/main" val="1357925366"/>
+      </p:ext>
+    </p:extLst>
+  </p:cSld>
+  <p:clrMapOvr>
+    <a:masterClrMapping/>
+  </p:clrMapOvr>
+</p:sld>
+</file>
+
+<file path=ppt/slides/slide41.xml><?xml version="1.0" encoding="utf-8"?>
+<p:sld xmlns:a="http://schemas.openxmlformats.org/drawingml/2006/main" xmlns:r="http://schemas.openxmlformats.org/officeDocument/2006/relationships" xmlns:p="http://schemas.openxmlformats.org/presentationml/2006/main" show="0">
+  <p:cSld>
+    <p:spTree>
+      <p:nvGrpSpPr>
+        <p:cNvPr id="1" name=""/>
+        <p:cNvGrpSpPr/>
+        <p:nvPr/>
+      </p:nvGrpSpPr>
+      <p:grpSpPr>
+        <a:xfrm>
+          <a:off x="0" y="0"/>
+          <a:ext cx="0" cy="0"/>
+          <a:chOff x="0" y="0"/>
+          <a:chExt cx="0" cy="0"/>
+        </a:xfrm>
+      </p:grpSpPr>
+      <p:sp>
+        <p:nvSpPr>
+          <p:cNvPr id="372738" name="Rectangle 2"/>
+          <p:cNvSpPr>
+            <a:spLocks noGrp="1" noChangeArrowheads="1"/>
+          </p:cNvSpPr>
+          <p:nvPr>
+            <p:ph type="title"/>
+          </p:nvPr>
+        </p:nvSpPr>
+        <p:spPr/>
+        <p:txBody>
+          <a:bodyPr/>
+          <a:lstStyle/>
+          <a:p>
+            <a:pPr algn="ctr"/>
+            <a:r>
+              <a:rPr lang="en-US" sz="3200" dirty="0" smtClean="0"/>
+              <a:t>e.g. </a:t>
+            </a:r>
+            <a:r>
+              <a:rPr lang="en-US" sz="3200" dirty="0"/>
+              <a:t>a</a:t>
+            </a:r>
+            <a:r>
+              <a:rPr lang="en-US" sz="3200" dirty="0" smtClean="0"/>
+              <a:t> </a:t>
+            </a:r>
+            <a:r>
+              <a:rPr lang="en-US" sz="3200" dirty="0"/>
+              <a:t>Likelihood Profile for Current Biomass</a:t>
+            </a:r>
+          </a:p>
+        </p:txBody>
+      </p:sp>
+      <p:graphicFrame>
+        <p:nvGraphicFramePr>
+          <p:cNvPr id="372739" name="Object 3"/>
+          <p:cNvGraphicFramePr>
+            <a:graphicFrameLocks noChangeAspect="1"/>
+          </p:cNvGraphicFramePr>
+          <p:nvPr/>
+        </p:nvGraphicFramePr>
+        <p:xfrm>
+          <a:off x="1143000" y="2120900"/>
+          <a:ext cx="7543800" cy="4333875"/>
+        </p:xfrm>
+        <a:graphic>
+          <a:graphicData uri="http://schemas.openxmlformats.org/presentationml/2006/ole">
+            <mc:AlternateContent xmlns:mc="http://schemas.openxmlformats.org/markup-compatibility/2006">
+              <mc:Choice xmlns:v="urn:schemas-microsoft-com:vml" Requires="v">
+                <p:oleObj spid="_x0000_s30726" name="Worksheet" r:id="rId3" imgW="6858191" imgH="3939826" progId="Excel.Sheet.8">
+                  <p:embed/>
+                </p:oleObj>
+              </mc:Choice>
+              <mc:Fallback>
+                <p:oleObj name="Worksheet" r:id="rId3" imgW="6858191" imgH="3939826" progId="Excel.Sheet.8">
+                  <p:embed/>
+                  <p:pic>
+                    <p:nvPicPr>
+                      <p:cNvPr id="0" name=""/>
+                      <p:cNvPicPr>
+                        <a:picLocks noChangeAspect="1" noChangeArrowheads="1"/>
+                      </p:cNvPicPr>
+                      <p:nvPr/>
+                    </p:nvPicPr>
+                    <p:blipFill>
+                      <a:blip r:embed="rId4">
+                        <a:extLst>
+                          <a:ext uri="{28A0092B-C50C-407E-A947-70E740481C1C}">
+                            <a14:useLocalDpi xmlns:a14="http://schemas.microsoft.com/office/drawing/2010/main" val="0"/>
+                          </a:ext>
+                        </a:extLst>
+                      </a:blip>
+                      <a:srcRect/>
+                      <a:stretch>
+                        <a:fillRect/>
+                      </a:stretch>
+                    </p:blipFill>
+                    <p:spPr bwMode="auto">
+                      <a:xfrm>
+                        <a:off x="1143000" y="2120900"/>
+                        <a:ext cx="7543800" cy="4333875"/>
+                      </a:xfrm>
+                      <a:prstGeom prst="rect">
+                        <a:avLst/>
+                      </a:prstGeom>
+                      <a:noFill/>
+                      <a:ln>
+                        <a:noFill/>
+                      </a:ln>
+                      <a:effectLst/>
+                      <a:extLst>
+                        <a:ext uri="{909E8E84-426E-40dd-AFC4-6F175D3DCCD1}">
+                          <a14:hiddenFill xmlns:a14="http://schemas.microsoft.com/office/drawing/2010/main">
+                            <a:solidFill>
+                              <a:schemeClr val="accent1"/>
+                            </a:solidFill>
+                          </a14:hiddenFill>
+                        </a:ext>
+                        <a:ext uri="{91240B29-F687-4f45-9708-019B960494DF}">
+                          <a14:hiddenLine xmlns:a14="http://schemas.microsoft.com/office/drawing/2010/main" w="9525">
+                            <a:solidFill>
+                              <a:schemeClr val="tx1"/>
+                            </a:solidFill>
+                            <a:miter lim="800000"/>
+                            <a:headEnd/>
+                            <a:tailEnd/>
+                          </a14:hiddenLine>
+                        </a:ext>
+                        <a:ext uri="{AF507438-7753-43e0-B8FC-AC1667EBCBE1}">
+                          <a14:hiddenEffects xmlns:a14="http://schemas.microsoft.com/office/drawing/2010/main">
+                            <a:effectLst>
+                              <a:outerShdw blurRad="63500" dist="38099" dir="2700000" algn="ctr" rotWithShape="0">
+                                <a:schemeClr val="bg2">
+                                  <a:alpha val="74998"/>
+                                </a:schemeClr>
+                              </a:outerShdw>
+                            </a:effectLst>
+                          </a14:hiddenEffects>
+                        </a:ext>
+                      </a:extLst>
+                    </p:spPr>
+                  </p:pic>
+                </p:oleObj>
+              </mc:Fallback>
+            </mc:AlternateContent>
+          </a:graphicData>
+        </a:graphic>
+      </p:graphicFrame>
+    </p:spTree>
+    <p:extLst>
+      <p:ext uri="{BB962C8B-B14F-4D97-AF65-F5344CB8AC3E}">
+        <p14:creationId xmlns:p14="http://schemas.microsoft.com/office/powerpoint/2010/main" val="2686350549"/>
+      </p:ext>
+    </p:extLst>
+  </p:cSld>
+  <p:clrMapOvr>
+    <a:masterClrMapping/>
+  </p:clrMapOvr>
+  <mc:AlternateContent xmlns:mc="http://schemas.openxmlformats.org/markup-compatibility/2006">
+    <mc:Choice xmlns:p14="http://schemas.microsoft.com/office/powerpoint/2010/main" Requires="p14">
+      <p:transition spd="slow" p14:dur="2000"/>
+    </mc:Choice>
+    <mc:Fallback>
+      <p:transition xmlns:p14="http://schemas.microsoft.com/office/powerpoint/2010/main" spd="slow"/>
+    </mc:Fallback>
+  </mc:AlternateContent>
 </p:sld>
 </file>
 
@@ -11748,7 +13710,7 @@
           <a:graphicData uri="http://schemas.openxmlformats.org/presentationml/2006/ole">
             <mc:AlternateContent xmlns:mc="http://schemas.openxmlformats.org/markup-compatibility/2006">
               <mc:Choice xmlns:v="urn:schemas-microsoft-com:vml" Requires="v">
-                <p:oleObj spid="_x0000_s3112" name="Equation" r:id="rId3" imgW="647640" imgH="368280" progId="Equation.DSMT4">
+                <p:oleObj spid="_x0000_s3125" name="Equation" r:id="rId3" imgW="647640" imgH="368280" progId="Equation.DSMT4">
                   <p:embed/>
                 </p:oleObj>
               </mc:Choice>
@@ -11849,7 +13811,7 @@
           <a:graphicData uri="http://schemas.openxmlformats.org/presentationml/2006/ole">
             <mc:AlternateContent xmlns:mc="http://schemas.openxmlformats.org/markup-compatibility/2006">
               <mc:Choice xmlns:v="urn:schemas-microsoft-com:vml" Requires="v">
-                <p:oleObj spid="_x0000_s3113" name="Equation" r:id="rId5" imgW="647640" imgH="368280" progId="Equation.3">
+                <p:oleObj spid="_x0000_s3126" name="Equation" r:id="rId5" imgW="647640" imgH="368280" progId="Equation.3">
                   <p:embed/>
                 </p:oleObj>
               </mc:Choice>
@@ -12212,7 +14174,7 @@
           <a:graphicData uri="http://schemas.openxmlformats.org/presentationml/2006/ole">
             <mc:AlternateContent xmlns:mc="http://schemas.openxmlformats.org/markup-compatibility/2006">
               <mc:Choice xmlns:v="urn:schemas-microsoft-com:vml" Requires="v">
-                <p:oleObj spid="_x0000_s5167" name="Equation" r:id="rId3" imgW="838080" imgH="507960" progId="Equation.3">
+                <p:oleObj spid="_x0000_s5174" name="Equation" r:id="rId3" imgW="838080" imgH="507960" progId="Equation.3">
                   <p:embed/>
                 </p:oleObj>
               </mc:Choice>
@@ -12374,7 +14336,7 @@
           <a:graphicData uri="http://schemas.openxmlformats.org/presentationml/2006/ole">
             <mc:AlternateContent xmlns:mc="http://schemas.openxmlformats.org/markup-compatibility/2006">
               <mc:Choice xmlns:v="urn:schemas-microsoft-com:vml" Requires="v">
-                <p:oleObj spid="_x0000_s6182" name="Equation" r:id="rId3" imgW="2590560" imgH="533160" progId="Equation.DSMT4">
+                <p:oleObj spid="_x0000_s6195" name="Equation" r:id="rId3" imgW="2590560" imgH="533160" progId="Equation.DSMT4">
                   <p:embed/>
                 </p:oleObj>
               </mc:Choice>
@@ -12469,7 +14431,7 @@
           <a:graphicData uri="http://schemas.openxmlformats.org/presentationml/2006/ole">
             <mc:AlternateContent xmlns:mc="http://schemas.openxmlformats.org/markup-compatibility/2006">
               <mc:Choice xmlns:v="urn:schemas-microsoft-com:vml" Requires="v">
-                <p:oleObj spid="_x0000_s6183" name="Equation" r:id="rId5" imgW="3797280" imgH="1307880" progId="Equation.3">
+                <p:oleObj spid="_x0000_s6196" name="Equation" r:id="rId5" imgW="3797280" imgH="1307880" progId="Equation.3">
                   <p:embed/>
                 </p:oleObj>
               </mc:Choice>
@@ -12659,7 +14621,7 @@
           <a:graphicData uri="http://schemas.openxmlformats.org/presentationml/2006/ole">
             <mc:AlternateContent xmlns:mc="http://schemas.openxmlformats.org/markup-compatibility/2006">
               <mc:Choice xmlns:v="urn:schemas-microsoft-com:vml" Requires="v">
-                <p:oleObj spid="_x0000_s7189" name="Equation" r:id="rId3" imgW="6070600" imgH="2501900" progId="Equation.3">
+                <p:oleObj spid="_x0000_s7196" name="Equation" r:id="rId3" imgW="6070600" imgH="2501900" progId="Equation.3">
                   <p:embed/>
                 </p:oleObj>
               </mc:Choice>
